--- a/Assignment #2 - proposal.pptx
+++ b/Assignment #2 - proposal.pptx
@@ -5,7 +5,7 @@
     <p:sldMasterId id="2147483836" r:id="rId1"/>
   </p:sldMasterIdLst>
   <p:notesMasterIdLst>
-    <p:notesMasterId r:id="rId18"/>
+    <p:notesMasterId r:id="rId28"/>
   </p:notesMasterIdLst>
   <p:sldIdLst>
     <p:sldId id="256" r:id="rId2"/>
@@ -17,13 +17,23 @@
     <p:sldId id="259" r:id="rId8"/>
     <p:sldId id="265" r:id="rId9"/>
     <p:sldId id="266" r:id="rId10"/>
-    <p:sldId id="269" r:id="rId11"/>
-    <p:sldId id="267" r:id="rId12"/>
-    <p:sldId id="271" r:id="rId13"/>
-    <p:sldId id="270" r:id="rId14"/>
+    <p:sldId id="271" r:id="rId11"/>
+    <p:sldId id="270" r:id="rId12"/>
+    <p:sldId id="269" r:id="rId13"/>
+    <p:sldId id="267" r:id="rId14"/>
     <p:sldId id="272" r:id="rId15"/>
-    <p:sldId id="260" r:id="rId16"/>
-    <p:sldId id="263" r:id="rId17"/>
+    <p:sldId id="275" r:id="rId16"/>
+    <p:sldId id="274" r:id="rId17"/>
+    <p:sldId id="273" r:id="rId18"/>
+    <p:sldId id="260" r:id="rId19"/>
+    <p:sldId id="276" r:id="rId20"/>
+    <p:sldId id="277" r:id="rId21"/>
+    <p:sldId id="281" r:id="rId22"/>
+    <p:sldId id="278" r:id="rId23"/>
+    <p:sldId id="279" r:id="rId24"/>
+    <p:sldId id="280" r:id="rId25"/>
+    <p:sldId id="282" r:id="rId26"/>
+    <p:sldId id="263" r:id="rId27"/>
   </p:sldIdLst>
   <p:sldSz cx="12192000" cy="6858000"/>
   <p:notesSz cx="6858000" cy="9144000"/>
@@ -544,7 +554,7 @@
           <a:p>
             <a:fld id="{98F2694B-8456-4C23-A81B-325F88010047}" type="slidenum">
               <a:rPr lang="zh-CN" altLang="en-US" smtClean="0"/>
-              <a:t>3</a:t>
+              <a:t>2</a:t>
             </a:fld>
             <a:endParaRPr lang="zh-CN" altLang="en-US"/>
           </a:p>
@@ -553,7 +563,7 @@
     </p:spTree>
     <p:extLst>
       <p:ext uri="{BB962C8B-B14F-4D97-AF65-F5344CB8AC3E}">
-        <p14:creationId xmlns:p14="http://schemas.microsoft.com/office/powerpoint/2010/main" val="4207068104"/>
+        <p14:creationId xmlns:p14="http://schemas.microsoft.com/office/powerpoint/2010/main" val="4045880921"/>
       </p:ext>
     </p:extLst>
   </p:cSld>
@@ -617,10 +627,27 @@
                 <a:ea typeface="+mn-ea"/>
                 <a:cs typeface="+mn-cs"/>
               </a:rPr>
-              <a:t>Region &amp; Availability zones</a:t>
-            </a:r>
-          </a:p>
-          <a:p>
+              <a:t>Your strong support</a:t>
+            </a:r>
+          </a:p>
+          <a:p>
+            <a:pPr marL="0" marR="0" lvl="0" indent="0" algn="l" defTabSz="914400" rtl="0" eaLnBrk="1" fontAlgn="auto" latinLnBrk="0" hangingPunct="1">
+              <a:lnSpc>
+                <a:spcPct val="100000"/>
+              </a:lnSpc>
+              <a:spcBef>
+                <a:spcPts val="0"/>
+              </a:spcBef>
+              <a:spcAft>
+                <a:spcPts val="0"/>
+              </a:spcAft>
+              <a:buClrTx/>
+              <a:buSzTx/>
+              <a:buFontTx/>
+              <a:buNone/>
+              <a:tabLst/>
+              <a:defRPr/>
+            </a:pPr>
             <a:r>
               <a:rPr lang="en-US" altLang="zh-CN" sz="1200" b="0" i="0" kern="1200" dirty="0">
                 <a:solidFill>
@@ -631,72 +658,14 @@
                 <a:ea typeface="+mn-ea"/>
                 <a:cs typeface="+mn-cs"/>
               </a:rPr>
-              <a:t>Disaster recovery</a:t>
-            </a:r>
-          </a:p>
-          <a:p>
-            <a:r>
-              <a:rPr lang="zh-CN" altLang="en-US" sz="1200" b="0" i="0" kern="1200" dirty="0">
-                <a:solidFill>
-                  <a:schemeClr val="tx1"/>
-                </a:solidFill>
-                <a:effectLst/>
-                <a:latin typeface="+mn-lt"/>
-                <a:ea typeface="+mn-ea"/>
-                <a:cs typeface="+mn-cs"/>
-              </a:rPr>
-              <a:t>正直。。</a:t>
-            </a:r>
-            <a:r>
-              <a:rPr lang="en-US" altLang="zh-CN" sz="1200" b="0" i="0" kern="1200" dirty="0">
-                <a:solidFill>
-                  <a:schemeClr val="tx1"/>
-                </a:solidFill>
-                <a:effectLst/>
-                <a:latin typeface="+mn-lt"/>
-                <a:ea typeface="+mn-ea"/>
-                <a:cs typeface="+mn-cs"/>
-              </a:rPr>
-              <a:t>Your strong support</a:t>
-            </a:r>
-          </a:p>
-          <a:p>
-            <a:r>
-              <a:rPr lang="zh-CN" altLang="en-US" sz="1200" b="0" i="0" kern="1200" dirty="0">
-                <a:solidFill>
-                  <a:schemeClr val="tx1"/>
-                </a:solidFill>
-                <a:effectLst/>
-                <a:latin typeface="+mn-lt"/>
-                <a:ea typeface="+mn-ea"/>
-                <a:cs typeface="+mn-cs"/>
-              </a:rPr>
-              <a:t>北京，宁夏</a:t>
-            </a:r>
-            <a:endParaRPr lang="en-US" altLang="zh-CN" sz="1200" b="0" i="0" kern="1200" dirty="0">
-              <a:solidFill>
-                <a:schemeClr val="tx1"/>
-              </a:solidFill>
-              <a:effectLst/>
-              <a:latin typeface="+mn-lt"/>
-              <a:ea typeface="+mn-ea"/>
-              <a:cs typeface="+mn-cs"/>
-            </a:endParaRPr>
-          </a:p>
-          <a:p>
-            <a:r>
-              <a:rPr lang="zh-CN" altLang="en-US" sz="1200" b="0" i="0" kern="1200" dirty="0">
-                <a:solidFill>
-                  <a:schemeClr val="tx1"/>
-                </a:solidFill>
-                <a:effectLst/>
-                <a:latin typeface="+mn-lt"/>
-                <a:ea typeface="+mn-ea"/>
-                <a:cs typeface="+mn-cs"/>
-              </a:rPr>
-              <a:t>鸡蛋不要放在一个篮子里</a:t>
-            </a:r>
-            <a:endParaRPr lang="zh-CN" altLang="en-US" dirty="0"/>
+              <a:t>Easier for you to perform better</a:t>
+            </a:r>
+          </a:p>
+          <a:p>
+            <a:r>
+              <a:rPr lang="zh-CN" altLang="en-US" dirty="0"/>
+              <a:t>全球客户触及</a:t>
+            </a:r>
           </a:p>
         </p:txBody>
       </p:sp>
@@ -717,7 +686,7 @@
           <a:p>
             <a:fld id="{98F2694B-8456-4C23-A81B-325F88010047}" type="slidenum">
               <a:rPr lang="zh-CN" altLang="en-US" smtClean="0"/>
-              <a:t>13</a:t>
+              <a:t>11</a:t>
             </a:fld>
             <a:endParaRPr lang="zh-CN" altLang="en-US"/>
           </a:p>
@@ -790,12 +759,12 @@
                 <a:ea typeface="+mn-ea"/>
                 <a:cs typeface="+mn-cs"/>
               </a:rPr>
-              <a:t>ALB Security of data in transit</a:t>
-            </a:r>
-          </a:p>
-          <a:p>
-            <a:r>
-              <a:rPr lang="zh-CN" altLang="en-US" sz="1200" b="0" i="0" kern="1200" dirty="0">
+              <a:t>Database and data access layer for high performance and throughput</a:t>
+            </a:r>
+          </a:p>
+          <a:p>
+            <a:r>
+              <a:rPr lang="en-US" altLang="zh-CN" sz="1200" b="0" i="0" kern="1200" dirty="0">
                 <a:solidFill>
                   <a:schemeClr val="tx1"/>
                 </a:solidFill>
@@ -804,7 +773,21 @@
                 <a:ea typeface="+mn-ea"/>
                 <a:cs typeface="+mn-cs"/>
               </a:rPr>
-              <a:t>没有单台机的带宽限制</a:t>
+              <a:t>Security of data at rest </a:t>
+            </a:r>
+          </a:p>
+          <a:p>
+            <a:r>
+              <a:rPr lang="zh-CN" altLang="en-US" sz="1200" b="0" i="0" kern="1200" dirty="0">
+                <a:solidFill>
+                  <a:schemeClr val="tx1"/>
+                </a:solidFill>
+                <a:effectLst/>
+                <a:latin typeface="+mn-lt"/>
+                <a:ea typeface="+mn-ea"/>
+                <a:cs typeface="+mn-cs"/>
+              </a:rPr>
+              <a:t>备份 计费和使用简单</a:t>
             </a:r>
             <a:endParaRPr lang="en-US" altLang="zh-CN" sz="1200" b="0" i="0" kern="1200" dirty="0">
               <a:solidFill>
@@ -817,6 +800,61 @@
             </a:endParaRPr>
           </a:p>
           <a:p>
+            <a:pPr marL="0" marR="0" lvl="0" indent="0" algn="l" defTabSz="914400" rtl="0" eaLnBrk="1" fontAlgn="auto" latinLnBrk="0" hangingPunct="1">
+              <a:lnSpc>
+                <a:spcPct val="100000"/>
+              </a:lnSpc>
+              <a:spcBef>
+                <a:spcPts val="0"/>
+              </a:spcBef>
+              <a:spcAft>
+                <a:spcPts val="0"/>
+              </a:spcAft>
+              <a:buClrTx/>
+              <a:buSzTx/>
+              <a:buFontTx/>
+              <a:buNone/>
+              <a:tabLst/>
+              <a:defRPr/>
+            </a:pPr>
+            <a:r>
+              <a:rPr lang="en-US" altLang="zh-CN" sz="1200" b="0" i="0" kern="1200" dirty="0">
+                <a:solidFill>
+                  <a:schemeClr val="tx1"/>
+                </a:solidFill>
+                <a:effectLst/>
+                <a:latin typeface="+mn-lt"/>
+                <a:ea typeface="+mn-ea"/>
+                <a:cs typeface="+mn-cs"/>
+              </a:rPr>
+              <a:t>Save money</a:t>
+            </a:r>
+            <a:r>
+              <a:rPr lang="zh-CN" altLang="en-US" sz="1200" b="0" i="0" kern="1200" dirty="0">
+                <a:solidFill>
+                  <a:schemeClr val="tx1"/>
+                </a:solidFill>
+                <a:effectLst/>
+                <a:latin typeface="+mn-lt"/>
+                <a:ea typeface="+mn-ea"/>
+                <a:cs typeface="+mn-cs"/>
+              </a:rPr>
+              <a:t>：不需要</a:t>
+            </a:r>
+            <a:r>
+              <a:rPr lang="en-US" altLang="zh-CN" sz="1200" b="0" i="0" kern="1200" dirty="0">
+                <a:solidFill>
+                  <a:schemeClr val="tx1"/>
+                </a:solidFill>
+                <a:effectLst/>
+                <a:latin typeface="+mn-lt"/>
+                <a:ea typeface="+mn-ea"/>
+                <a:cs typeface="+mn-cs"/>
+              </a:rPr>
+              <a:t>DBA</a:t>
+            </a:r>
+          </a:p>
+          <a:p>
             <a:r>
               <a:rPr lang="en-US" altLang="zh-CN" sz="1200" b="0" i="0" kern="1200" dirty="0">
                 <a:solidFill>
@@ -829,40 +867,51 @@
               </a:rPr>
               <a:t>Easier for you to perform better</a:t>
             </a:r>
-          </a:p>
-          <a:p>
-            <a:r>
-              <a:rPr lang="en-US" altLang="zh-CN" dirty="0"/>
-              <a:t>CIO</a:t>
-            </a:r>
-            <a:r>
-              <a:rPr lang="zh-CN" altLang="en-US" dirty="0"/>
-              <a:t>故事：让</a:t>
-            </a:r>
-            <a:r>
-              <a:rPr lang="en-US" altLang="zh-CN" dirty="0"/>
-              <a:t>AWS</a:t>
-            </a:r>
-            <a:r>
-              <a:rPr lang="zh-CN" altLang="en-US" dirty="0"/>
-              <a:t>来操心</a:t>
-            </a:r>
-            <a:r>
-              <a:rPr lang="en-US" altLang="zh-CN" dirty="0"/>
-              <a:t>HTTPS</a:t>
-            </a:r>
-            <a:r>
-              <a:rPr lang="zh-CN" altLang="en-US" dirty="0"/>
-              <a:t>配置的问题，</a:t>
-            </a:r>
-            <a:r>
-              <a:rPr lang="zh-CN" altLang="en-US"/>
-              <a:t>而不是找网管或者自己配置</a:t>
-            </a:r>
-            <a:r>
-              <a:rPr lang="zh-CN" altLang="en-US" dirty="0"/>
-              <a:t>各种服务器</a:t>
-            </a:r>
+            <a:r>
+              <a:rPr lang="zh-CN" altLang="en-US" sz="1200" b="0" i="0" kern="1200" dirty="0">
+                <a:solidFill>
+                  <a:schemeClr val="tx1"/>
+                </a:solidFill>
+                <a:effectLst/>
+                <a:latin typeface="+mn-lt"/>
+                <a:ea typeface="+mn-ea"/>
+                <a:cs typeface="+mn-cs"/>
+              </a:rPr>
+              <a:t>：安基</a:t>
+            </a:r>
+            <a:r>
+              <a:rPr lang="en-US" altLang="zh-CN" sz="1200" b="0" i="0" kern="1200" dirty="0">
+                <a:solidFill>
+                  <a:schemeClr val="tx1"/>
+                </a:solidFill>
+                <a:effectLst/>
+                <a:latin typeface="+mn-lt"/>
+                <a:ea typeface="+mn-ea"/>
+                <a:cs typeface="+mn-cs"/>
+              </a:rPr>
+              <a:t>ERP</a:t>
+            </a:r>
+            <a:r>
+              <a:rPr lang="zh-CN" altLang="en-US" sz="1200" b="0" i="0" kern="1200" dirty="0">
+                <a:solidFill>
+                  <a:schemeClr val="tx1"/>
+                </a:solidFill>
+                <a:effectLst/>
+                <a:latin typeface="+mn-lt"/>
+                <a:ea typeface="+mn-ea"/>
+                <a:cs typeface="+mn-cs"/>
+              </a:rPr>
+              <a:t>项目，依赖外部谈判。后来不再焦虑不懂数据库运营，轻松备份。</a:t>
+            </a:r>
+            <a:endParaRPr lang="en-US" altLang="zh-CN" sz="1200" b="0" i="0" kern="1200" dirty="0">
+              <a:solidFill>
+                <a:schemeClr val="tx1"/>
+              </a:solidFill>
+              <a:effectLst/>
+              <a:latin typeface="+mn-lt"/>
+              <a:ea typeface="+mn-ea"/>
+              <a:cs typeface="+mn-cs"/>
+            </a:endParaRPr>
           </a:p>
         </p:txBody>
       </p:sp>
@@ -883,7 +932,7 @@
           <a:p>
             <a:fld id="{98F2694B-8456-4C23-A81B-325F88010047}" type="slidenum">
               <a:rPr lang="zh-CN" altLang="en-US" smtClean="0"/>
-              <a:t>14</a:t>
+              <a:t>12</a:t>
             </a:fld>
             <a:endParaRPr lang="zh-CN" altLang="en-US"/>
           </a:p>
@@ -892,7 +941,7 @@
     </p:spTree>
     <p:extLst>
       <p:ext uri="{BB962C8B-B14F-4D97-AF65-F5344CB8AC3E}">
-        <p14:creationId xmlns:p14="http://schemas.microsoft.com/office/powerpoint/2010/main" val="2963652953"/>
+        <p14:creationId xmlns:p14="http://schemas.microsoft.com/office/powerpoint/2010/main" val="2977630559"/>
       </p:ext>
     </p:extLst>
   </p:cSld>
@@ -947,26 +996,479 @@
           <a:lstStyle/>
           <a:p>
             <a:r>
+              <a:rPr lang="en-US" altLang="zh-CN" sz="1200" b="0" i="0" kern="1200" dirty="0">
+                <a:solidFill>
+                  <a:schemeClr val="tx1"/>
+                </a:solidFill>
+                <a:effectLst/>
+                <a:latin typeface="+mn-lt"/>
+                <a:ea typeface="+mn-ea"/>
+                <a:cs typeface="+mn-cs"/>
+              </a:rPr>
+              <a:t>Ability to configure database and data access layer for high performance and throughput Security of data at rest </a:t>
+            </a:r>
+          </a:p>
+          <a:p>
+            <a:r>
+              <a:rPr lang="zh-CN" altLang="en-US" sz="1200" b="0" i="0" kern="1200" dirty="0">
+                <a:solidFill>
+                  <a:schemeClr val="tx1"/>
+                </a:solidFill>
+                <a:effectLst/>
+                <a:latin typeface="+mn-lt"/>
+                <a:ea typeface="+mn-ea"/>
+                <a:cs typeface="+mn-cs"/>
+              </a:rPr>
+              <a:t>备份 计费和使用简单</a:t>
+            </a:r>
+            <a:endParaRPr lang="en-US" altLang="zh-CN" sz="1200" b="0" i="0" kern="1200" dirty="0">
+              <a:solidFill>
+                <a:schemeClr val="tx1"/>
+              </a:solidFill>
+              <a:effectLst/>
+              <a:latin typeface="+mn-lt"/>
+              <a:ea typeface="+mn-ea"/>
+              <a:cs typeface="+mn-cs"/>
+            </a:endParaRPr>
+          </a:p>
+          <a:p>
+            <a:r>
+              <a:rPr lang="en-US" altLang="zh-CN" sz="1200" b="0" i="0" kern="1200" dirty="0">
+                <a:solidFill>
+                  <a:schemeClr val="tx1"/>
+                </a:solidFill>
+                <a:effectLst/>
+                <a:latin typeface="+mn-lt"/>
+                <a:ea typeface="+mn-ea"/>
+                <a:cs typeface="+mn-cs"/>
+              </a:rPr>
+              <a:t>Save money</a:t>
+            </a:r>
+          </a:p>
+          <a:p>
+            <a:r>
+              <a:rPr lang="en-US" altLang="zh-CN" sz="1200" b="0" i="0" kern="1200" dirty="0">
+                <a:solidFill>
+                  <a:schemeClr val="tx1"/>
+                </a:solidFill>
+                <a:effectLst/>
+                <a:latin typeface="+mn-lt"/>
+                <a:ea typeface="+mn-ea"/>
+                <a:cs typeface="+mn-cs"/>
+              </a:rPr>
+              <a:t>Easier for you to perform better</a:t>
+            </a:r>
+          </a:p>
+          <a:p>
+            <a:r>
+              <a:rPr lang="zh-CN" altLang="en-US" sz="1200" b="0" i="0" kern="1200" dirty="0">
+                <a:solidFill>
+                  <a:schemeClr val="tx1"/>
+                </a:solidFill>
+                <a:effectLst/>
+                <a:latin typeface="+mn-lt"/>
+                <a:ea typeface="+mn-ea"/>
+                <a:cs typeface="+mn-cs"/>
+              </a:rPr>
+              <a:t>安基</a:t>
+            </a:r>
+            <a:r>
+              <a:rPr lang="en-US" altLang="zh-CN" sz="1200" b="0" i="0" kern="1200" dirty="0">
+                <a:solidFill>
+                  <a:schemeClr val="tx1"/>
+                </a:solidFill>
+                <a:effectLst/>
+                <a:latin typeface="+mn-lt"/>
+                <a:ea typeface="+mn-ea"/>
+                <a:cs typeface="+mn-cs"/>
+              </a:rPr>
+              <a:t>ERP</a:t>
+            </a:r>
+            <a:r>
+              <a:rPr lang="zh-CN" altLang="en-US" sz="1200" b="0" i="0" kern="1200" dirty="0">
+                <a:solidFill>
+                  <a:schemeClr val="tx1"/>
+                </a:solidFill>
+                <a:effectLst/>
+                <a:latin typeface="+mn-lt"/>
+                <a:ea typeface="+mn-ea"/>
+                <a:cs typeface="+mn-cs"/>
+              </a:rPr>
+              <a:t>项目，不再焦虑不懂数据库运营，依赖外部谈判，轻松备份。</a:t>
+            </a:r>
+            <a:endParaRPr lang="en-US" altLang="zh-CN" sz="1200" b="0" i="0" kern="1200" dirty="0">
+              <a:solidFill>
+                <a:schemeClr val="tx1"/>
+              </a:solidFill>
+              <a:effectLst/>
+              <a:latin typeface="+mn-lt"/>
+              <a:ea typeface="+mn-ea"/>
+              <a:cs typeface="+mn-cs"/>
+            </a:endParaRPr>
+          </a:p>
+          <a:p>
+            <a:r>
+              <a:rPr lang="zh-CN" altLang="en-US" sz="1200" b="0" i="0" kern="1200" dirty="0">
+                <a:solidFill>
+                  <a:schemeClr val="tx1"/>
+                </a:solidFill>
+                <a:effectLst/>
+                <a:latin typeface="+mn-lt"/>
+                <a:ea typeface="+mn-ea"/>
+                <a:cs typeface="+mn-cs"/>
+              </a:rPr>
+              <a:t>不需要</a:t>
+            </a:r>
+            <a:r>
+              <a:rPr lang="en-US" altLang="zh-CN" sz="1200" b="0" i="0" kern="1200" dirty="0">
+                <a:solidFill>
+                  <a:schemeClr val="tx1"/>
+                </a:solidFill>
+                <a:effectLst/>
+                <a:latin typeface="+mn-lt"/>
+                <a:ea typeface="+mn-ea"/>
+                <a:cs typeface="+mn-cs"/>
+              </a:rPr>
+              <a:t>DBA</a:t>
+            </a:r>
+            <a:endParaRPr lang="zh-CN" altLang="en-US" dirty="0"/>
+          </a:p>
+        </p:txBody>
+      </p:sp>
+      <p:sp>
+        <p:nvSpPr>
+          <p:cNvPr id="4" name="灯片编号占位符 3"/>
+          <p:cNvSpPr>
+            <a:spLocks noGrp="1"/>
+          </p:cNvSpPr>
+          <p:nvPr>
+            <p:ph type="sldNum" sz="quarter" idx="10"/>
+          </p:nvPr>
+        </p:nvSpPr>
+        <p:spPr/>
+        <p:txBody>
+          <a:bodyPr/>
+          <a:lstStyle/>
+          <a:p>
+            <a:fld id="{98F2694B-8456-4C23-A81B-325F88010047}" type="slidenum">
+              <a:rPr lang="zh-CN" altLang="en-US" smtClean="0"/>
+              <a:t>13</a:t>
+            </a:fld>
+            <a:endParaRPr lang="zh-CN" altLang="en-US"/>
+          </a:p>
+        </p:txBody>
+      </p:sp>
+    </p:spTree>
+    <p:extLst>
+      <p:ext uri="{BB962C8B-B14F-4D97-AF65-F5344CB8AC3E}">
+        <p14:creationId xmlns:p14="http://schemas.microsoft.com/office/powerpoint/2010/main" val="1193342312"/>
+      </p:ext>
+    </p:extLst>
+  </p:cSld>
+  <p:clrMapOvr>
+    <a:masterClrMapping/>
+  </p:clrMapOvr>
+</p:notes>
+</file>
+
+<file path=ppt/notesSlides/notesSlide13.xml><?xml version="1.0" encoding="utf-8"?>
+<p:notes xmlns:a="http://schemas.openxmlformats.org/drawingml/2006/main" xmlns:r="http://schemas.openxmlformats.org/officeDocument/2006/relationships" xmlns:p="http://schemas.openxmlformats.org/presentationml/2006/main">
+  <p:cSld>
+    <p:spTree>
+      <p:nvGrpSpPr>
+        <p:cNvPr id="1" name=""/>
+        <p:cNvGrpSpPr/>
+        <p:nvPr/>
+      </p:nvGrpSpPr>
+      <p:grpSpPr>
+        <a:xfrm>
+          <a:off x="0" y="0"/>
+          <a:ext cx="0" cy="0"/>
+          <a:chOff x="0" y="0"/>
+          <a:chExt cx="0" cy="0"/>
+        </a:xfrm>
+      </p:grpSpPr>
+      <p:sp>
+        <p:nvSpPr>
+          <p:cNvPr id="2" name="幻灯片图像占位符 1"/>
+          <p:cNvSpPr>
+            <a:spLocks noGrp="1" noRot="1" noChangeAspect="1"/>
+          </p:cNvSpPr>
+          <p:nvPr>
+            <p:ph type="sldImg"/>
+          </p:nvPr>
+        </p:nvSpPr>
+        <p:spPr/>
+      </p:sp>
+      <p:sp>
+        <p:nvSpPr>
+          <p:cNvPr id="3" name="备注占位符 2"/>
+          <p:cNvSpPr>
+            <a:spLocks noGrp="1"/>
+          </p:cNvSpPr>
+          <p:nvPr>
+            <p:ph type="body" idx="1"/>
+          </p:nvPr>
+        </p:nvSpPr>
+        <p:spPr/>
+        <p:txBody>
+          <a:bodyPr/>
+          <a:lstStyle/>
+          <a:p>
+            <a:r>
+              <a:rPr lang="en-US" altLang="zh-CN" sz="1200" b="0" i="0" kern="1200" dirty="0">
+                <a:solidFill>
+                  <a:schemeClr val="tx1"/>
+                </a:solidFill>
+                <a:effectLst/>
+                <a:latin typeface="+mn-lt"/>
+                <a:ea typeface="+mn-ea"/>
+                <a:cs typeface="+mn-cs"/>
+              </a:rPr>
+              <a:t>ALB Security of data in transit</a:t>
+            </a:r>
+          </a:p>
+          <a:p>
+            <a:r>
+              <a:rPr lang="zh-CN" altLang="en-US" sz="1200" b="0" i="0" kern="1200" dirty="0">
+                <a:solidFill>
+                  <a:schemeClr val="tx1"/>
+                </a:solidFill>
+                <a:effectLst/>
+                <a:latin typeface="+mn-lt"/>
+                <a:ea typeface="+mn-ea"/>
+                <a:cs typeface="+mn-cs"/>
+              </a:rPr>
+              <a:t>没有单台机的带宽限制</a:t>
+            </a:r>
+            <a:endParaRPr lang="en-US" altLang="zh-CN" sz="1200" b="0" i="0" kern="1200" dirty="0">
+              <a:solidFill>
+                <a:schemeClr val="tx1"/>
+              </a:solidFill>
+              <a:effectLst/>
+              <a:latin typeface="+mn-lt"/>
+              <a:ea typeface="+mn-ea"/>
+              <a:cs typeface="+mn-cs"/>
+            </a:endParaRPr>
+          </a:p>
+          <a:p>
+            <a:r>
+              <a:rPr lang="en-US" altLang="zh-CN" sz="1200" b="0" i="0" kern="1200" dirty="0">
+                <a:solidFill>
+                  <a:schemeClr val="tx1"/>
+                </a:solidFill>
+                <a:effectLst/>
+                <a:latin typeface="+mn-lt"/>
+                <a:ea typeface="+mn-ea"/>
+                <a:cs typeface="+mn-cs"/>
+              </a:rPr>
+              <a:t>Easier for you to perform better</a:t>
+            </a:r>
+          </a:p>
+          <a:p>
+            <a:r>
+              <a:rPr lang="en-US" altLang="zh-CN" dirty="0"/>
+              <a:t>CIO</a:t>
+            </a:r>
+            <a:r>
               <a:rPr lang="zh-CN" altLang="en-US" dirty="0"/>
-              <a:t>不要让用户怀疑你的技术能力</a:t>
+              <a:t>故事：让</a:t>
             </a:r>
             <a:r>
               <a:rPr lang="en-US" altLang="zh-CN" dirty="0"/>
-              <a:t>.</a:t>
+              <a:t>AWS</a:t>
             </a:r>
             <a:r>
               <a:rPr lang="zh-CN" altLang="en-US" dirty="0"/>
-              <a:t>创业故事</a:t>
+              <a:t>来操心</a:t>
             </a:r>
             <a:r>
               <a:rPr lang="en-US" altLang="zh-CN" dirty="0"/>
-              <a:t>, OSS + EC2 + </a:t>
-            </a:r>
-            <a:r>
-              <a:rPr lang="en-US" altLang="zh-CN" dirty="0" err="1"/>
-              <a:t>dynamoDB</a:t>
-            </a:r>
-            <a:endParaRPr lang="zh-CN" altLang="en-US" dirty="0"/>
+              <a:t>HTTPS</a:t>
+            </a:r>
+            <a:r>
+              <a:rPr lang="zh-CN" altLang="en-US" dirty="0"/>
+              <a:t>配置的问题，而不是找网管或者自己配置各种服务器</a:t>
+            </a:r>
+          </a:p>
+        </p:txBody>
+      </p:sp>
+      <p:sp>
+        <p:nvSpPr>
+          <p:cNvPr id="4" name="灯片编号占位符 3"/>
+          <p:cNvSpPr>
+            <a:spLocks noGrp="1"/>
+          </p:cNvSpPr>
+          <p:nvPr>
+            <p:ph type="sldNum" sz="quarter" idx="10"/>
+          </p:nvPr>
+        </p:nvSpPr>
+        <p:spPr/>
+        <p:txBody>
+          <a:bodyPr/>
+          <a:lstStyle/>
+          <a:p>
+            <a:fld id="{98F2694B-8456-4C23-A81B-325F88010047}" type="slidenum">
+              <a:rPr lang="zh-CN" altLang="en-US" smtClean="0"/>
+              <a:t>14</a:t>
+            </a:fld>
+            <a:endParaRPr lang="zh-CN" altLang="en-US"/>
+          </a:p>
+        </p:txBody>
+      </p:sp>
+    </p:spTree>
+    <p:extLst>
+      <p:ext uri="{BB962C8B-B14F-4D97-AF65-F5344CB8AC3E}">
+        <p14:creationId xmlns:p14="http://schemas.microsoft.com/office/powerpoint/2010/main" val="2963652953"/>
+      </p:ext>
+    </p:extLst>
+  </p:cSld>
+  <p:clrMapOvr>
+    <a:masterClrMapping/>
+  </p:clrMapOvr>
+</p:notes>
+</file>
+
+<file path=ppt/notesSlides/notesSlide14.xml><?xml version="1.0" encoding="utf-8"?>
+<p:notes xmlns:a="http://schemas.openxmlformats.org/drawingml/2006/main" xmlns:r="http://schemas.openxmlformats.org/officeDocument/2006/relationships" xmlns:p="http://schemas.openxmlformats.org/presentationml/2006/main">
+  <p:cSld>
+    <p:spTree>
+      <p:nvGrpSpPr>
+        <p:cNvPr id="1" name=""/>
+        <p:cNvGrpSpPr/>
+        <p:nvPr/>
+      </p:nvGrpSpPr>
+      <p:grpSpPr>
+        <a:xfrm>
+          <a:off x="0" y="0"/>
+          <a:ext cx="0" cy="0"/>
+          <a:chOff x="0" y="0"/>
+          <a:chExt cx="0" cy="0"/>
+        </a:xfrm>
+      </p:grpSpPr>
+      <p:sp>
+        <p:nvSpPr>
+          <p:cNvPr id="2" name="幻灯片图像占位符 1"/>
+          <p:cNvSpPr>
+            <a:spLocks noGrp="1" noRot="1" noChangeAspect="1"/>
+          </p:cNvSpPr>
+          <p:nvPr>
+            <p:ph type="sldImg"/>
+          </p:nvPr>
+        </p:nvSpPr>
+        <p:spPr/>
+      </p:sp>
+      <p:sp>
+        <p:nvSpPr>
+          <p:cNvPr id="3" name="备注占位符 2"/>
+          <p:cNvSpPr>
+            <a:spLocks noGrp="1"/>
+          </p:cNvSpPr>
+          <p:nvPr>
+            <p:ph type="body" idx="1"/>
+          </p:nvPr>
+        </p:nvSpPr>
+        <p:spPr/>
+        <p:txBody>
+          <a:bodyPr/>
+          <a:lstStyle/>
+          <a:p>
+            <a:r>
+              <a:rPr lang="en-US" altLang="zh-CN" sz="1200" b="0" i="0" kern="1200" dirty="0">
+                <a:solidFill>
+                  <a:schemeClr val="tx1"/>
+                </a:solidFill>
+                <a:effectLst/>
+                <a:latin typeface="+mn-lt"/>
+                <a:ea typeface="+mn-ea"/>
+                <a:cs typeface="+mn-cs"/>
+              </a:rPr>
+              <a:t>Security of data at rest</a:t>
+            </a:r>
+          </a:p>
+          <a:p>
+            <a:r>
+              <a:rPr lang="zh-CN" altLang="en-US" sz="1200" b="0" i="0" kern="1200" dirty="0">
+                <a:solidFill>
+                  <a:schemeClr val="tx1"/>
+                </a:solidFill>
+                <a:effectLst/>
+                <a:latin typeface="+mn-lt"/>
+                <a:ea typeface="+mn-ea"/>
+                <a:cs typeface="+mn-cs"/>
+              </a:rPr>
+              <a:t>有名事件 </a:t>
+            </a:r>
+            <a:r>
+              <a:rPr lang="en-US" altLang="zh-CN" sz="1200" b="0" i="0" kern="1200" dirty="0">
+                <a:solidFill>
+                  <a:schemeClr val="tx1"/>
+                </a:solidFill>
+                <a:effectLst/>
+                <a:latin typeface="+mn-lt"/>
+                <a:ea typeface="+mn-ea"/>
+                <a:cs typeface="+mn-cs"/>
+              </a:rPr>
+              <a:t>vs </a:t>
+            </a:r>
+            <a:r>
+              <a:rPr lang="zh-CN" altLang="en-US" sz="1200" b="0" i="0" kern="1200" dirty="0">
+                <a:solidFill>
+                  <a:schemeClr val="tx1"/>
+                </a:solidFill>
+                <a:effectLst/>
+                <a:latin typeface="+mn-lt"/>
+                <a:ea typeface="+mn-ea"/>
+                <a:cs typeface="+mn-cs"/>
+              </a:rPr>
+              <a:t>正直</a:t>
+            </a:r>
+            <a:endParaRPr lang="en-US" altLang="zh-CN" sz="1200" b="0" i="0" kern="1200" dirty="0">
+              <a:solidFill>
+                <a:schemeClr val="tx1"/>
+              </a:solidFill>
+              <a:effectLst/>
+              <a:latin typeface="+mn-lt"/>
+              <a:ea typeface="+mn-ea"/>
+              <a:cs typeface="+mn-cs"/>
+            </a:endParaRPr>
+          </a:p>
+          <a:p>
+            <a:r>
+              <a:rPr lang="en-US" altLang="zh-CN" sz="1200" b="0" i="0" kern="1200" dirty="0">
+                <a:solidFill>
+                  <a:schemeClr val="tx1"/>
+                </a:solidFill>
+                <a:effectLst/>
+                <a:latin typeface="+mn-lt"/>
+                <a:ea typeface="+mn-ea"/>
+                <a:cs typeface="+mn-cs"/>
+              </a:rPr>
+              <a:t>Your strong support</a:t>
+            </a:r>
+          </a:p>
+          <a:p>
+            <a:r>
+              <a:rPr lang="zh-CN" altLang="en-US" sz="1200" b="0" i="0" kern="1200" dirty="0">
+                <a:solidFill>
+                  <a:schemeClr val="tx1"/>
+                </a:solidFill>
+                <a:effectLst/>
+                <a:latin typeface="+mn-lt"/>
+                <a:ea typeface="+mn-ea"/>
+                <a:cs typeface="+mn-cs"/>
+              </a:rPr>
+              <a:t>不会被收集数据或者盗用</a:t>
+            </a:r>
+            <a:endParaRPr lang="en-US" altLang="zh-CN" sz="1200" b="0" i="0" kern="1200" dirty="0">
+              <a:solidFill>
+                <a:schemeClr val="tx1"/>
+              </a:solidFill>
+              <a:effectLst/>
+              <a:latin typeface="+mn-lt"/>
+              <a:ea typeface="+mn-ea"/>
+              <a:cs typeface="+mn-cs"/>
+            </a:endParaRPr>
           </a:p>
         </p:txBody>
       </p:sp>
@@ -996,7 +1498,812 @@
     </p:spTree>
     <p:extLst>
       <p:ext uri="{BB962C8B-B14F-4D97-AF65-F5344CB8AC3E}">
+        <p14:creationId xmlns:p14="http://schemas.microsoft.com/office/powerpoint/2010/main" val="247855100"/>
+      </p:ext>
+    </p:extLst>
+  </p:cSld>
+  <p:clrMapOvr>
+    <a:masterClrMapping/>
+  </p:clrMapOvr>
+</p:notes>
+</file>
+
+<file path=ppt/notesSlides/notesSlide15.xml><?xml version="1.0" encoding="utf-8"?>
+<p:notes xmlns:a="http://schemas.openxmlformats.org/drawingml/2006/main" xmlns:r="http://schemas.openxmlformats.org/officeDocument/2006/relationships" xmlns:p="http://schemas.openxmlformats.org/presentationml/2006/main">
+  <p:cSld>
+    <p:spTree>
+      <p:nvGrpSpPr>
+        <p:cNvPr id="1" name=""/>
+        <p:cNvGrpSpPr/>
+        <p:nvPr/>
+      </p:nvGrpSpPr>
+      <p:grpSpPr>
+        <a:xfrm>
+          <a:off x="0" y="0"/>
+          <a:ext cx="0" cy="0"/>
+          <a:chOff x="0" y="0"/>
+          <a:chExt cx="0" cy="0"/>
+        </a:xfrm>
+      </p:grpSpPr>
+      <p:sp>
+        <p:nvSpPr>
+          <p:cNvPr id="2" name="幻灯片图像占位符 1"/>
+          <p:cNvSpPr>
+            <a:spLocks noGrp="1" noRot="1" noChangeAspect="1"/>
+          </p:cNvSpPr>
+          <p:nvPr>
+            <p:ph type="sldImg"/>
+          </p:nvPr>
+        </p:nvSpPr>
+        <p:spPr/>
+      </p:sp>
+      <p:sp>
+        <p:nvSpPr>
+          <p:cNvPr id="3" name="备注占位符 2"/>
+          <p:cNvSpPr>
+            <a:spLocks noGrp="1"/>
+          </p:cNvSpPr>
+          <p:nvPr>
+            <p:ph type="body" idx="1"/>
+          </p:nvPr>
+        </p:nvSpPr>
+        <p:spPr/>
+        <p:txBody>
+          <a:bodyPr/>
+          <a:lstStyle/>
+          <a:p>
+            <a:pPr marL="0" marR="0" lvl="0" indent="0" algn="l" defTabSz="914400" rtl="0" eaLnBrk="1" fontAlgn="auto" latinLnBrk="0" hangingPunct="1">
+              <a:lnSpc>
+                <a:spcPct val="100000"/>
+              </a:lnSpc>
+              <a:spcBef>
+                <a:spcPts val="0"/>
+              </a:spcBef>
+              <a:spcAft>
+                <a:spcPts val="0"/>
+              </a:spcAft>
+              <a:buClrTx/>
+              <a:buSzTx/>
+              <a:buFontTx/>
+              <a:buNone/>
+              <a:tabLst/>
+              <a:defRPr/>
+            </a:pPr>
+            <a:r>
+              <a:rPr lang="zh-CN" altLang="en-US" sz="1200" b="0" i="0" kern="1200" dirty="0">
+                <a:solidFill>
+                  <a:schemeClr val="tx1"/>
+                </a:solidFill>
+                <a:effectLst/>
+                <a:latin typeface="+mn-lt"/>
+                <a:ea typeface="+mn-ea"/>
+                <a:cs typeface="+mn-cs"/>
+              </a:rPr>
+              <a:t>身份及访问管理</a:t>
+            </a:r>
+          </a:p>
+          <a:p>
+            <a:r>
+              <a:rPr lang="en-US" altLang="zh-CN" sz="1200" b="0" i="0" kern="1200" dirty="0">
+                <a:solidFill>
+                  <a:schemeClr val="tx1"/>
+                </a:solidFill>
+                <a:effectLst/>
+                <a:latin typeface="+mn-lt"/>
+                <a:ea typeface="+mn-ea"/>
+                <a:cs typeface="+mn-cs"/>
+              </a:rPr>
+              <a:t>Securing access to the environment as the delivery team expands</a:t>
+            </a:r>
+          </a:p>
+          <a:p>
+            <a:pPr marL="0" marR="0" lvl="0" indent="0" algn="l" defTabSz="914400" rtl="0" eaLnBrk="1" fontAlgn="auto" latinLnBrk="0" hangingPunct="1">
+              <a:lnSpc>
+                <a:spcPct val="100000"/>
+              </a:lnSpc>
+              <a:spcBef>
+                <a:spcPts val="0"/>
+              </a:spcBef>
+              <a:spcAft>
+                <a:spcPts val="0"/>
+              </a:spcAft>
+              <a:buClrTx/>
+              <a:buSzTx/>
+              <a:buFontTx/>
+              <a:buNone/>
+              <a:tabLst/>
+              <a:defRPr/>
+            </a:pPr>
+            <a:r>
+              <a:rPr lang="en-US" altLang="zh-CN" sz="1200" b="0" i="0" kern="1200" dirty="0">
+                <a:solidFill>
+                  <a:schemeClr val="tx1"/>
+                </a:solidFill>
+                <a:effectLst/>
+                <a:latin typeface="+mn-lt"/>
+                <a:ea typeface="+mn-ea"/>
+                <a:cs typeface="+mn-cs"/>
+              </a:rPr>
+              <a:t>CIO</a:t>
+            </a:r>
+            <a:r>
+              <a:rPr lang="zh-CN" altLang="en-US" sz="1200" b="0" i="0" kern="1200" dirty="0">
+                <a:solidFill>
+                  <a:schemeClr val="tx1"/>
+                </a:solidFill>
+                <a:effectLst/>
+                <a:latin typeface="+mn-lt"/>
+                <a:ea typeface="+mn-ea"/>
+                <a:cs typeface="+mn-cs"/>
+              </a:rPr>
+              <a:t>自己针对团队给予不同的组权限，不需要网管</a:t>
+            </a:r>
+            <a:endParaRPr lang="zh-CN" altLang="en-US" dirty="0"/>
+          </a:p>
+        </p:txBody>
+      </p:sp>
+      <p:sp>
+        <p:nvSpPr>
+          <p:cNvPr id="4" name="灯片编号占位符 3"/>
+          <p:cNvSpPr>
+            <a:spLocks noGrp="1"/>
+          </p:cNvSpPr>
+          <p:nvPr>
+            <p:ph type="sldNum" sz="quarter" idx="10"/>
+          </p:nvPr>
+        </p:nvSpPr>
+        <p:spPr/>
+        <p:txBody>
+          <a:bodyPr/>
+          <a:lstStyle/>
+          <a:p>
+            <a:fld id="{98F2694B-8456-4C23-A81B-325F88010047}" type="slidenum">
+              <a:rPr lang="zh-CN" altLang="en-US" smtClean="0"/>
+              <a:t>16</a:t>
+            </a:fld>
+            <a:endParaRPr lang="zh-CN" altLang="en-US"/>
+          </a:p>
+        </p:txBody>
+      </p:sp>
+    </p:spTree>
+    <p:extLst>
+      <p:ext uri="{BB962C8B-B14F-4D97-AF65-F5344CB8AC3E}">
+        <p14:creationId xmlns:p14="http://schemas.microsoft.com/office/powerpoint/2010/main" val="1593559241"/>
+      </p:ext>
+    </p:extLst>
+  </p:cSld>
+  <p:clrMapOvr>
+    <a:masterClrMapping/>
+  </p:clrMapOvr>
+</p:notes>
+</file>
+
+<file path=ppt/notesSlides/notesSlide16.xml><?xml version="1.0" encoding="utf-8"?>
+<p:notes xmlns:a="http://schemas.openxmlformats.org/drawingml/2006/main" xmlns:r="http://schemas.openxmlformats.org/officeDocument/2006/relationships" xmlns:p="http://schemas.openxmlformats.org/presentationml/2006/main">
+  <p:cSld>
+    <p:spTree>
+      <p:nvGrpSpPr>
+        <p:cNvPr id="1" name=""/>
+        <p:cNvGrpSpPr/>
+        <p:nvPr/>
+      </p:nvGrpSpPr>
+      <p:grpSpPr>
+        <a:xfrm>
+          <a:off x="0" y="0"/>
+          <a:ext cx="0" cy="0"/>
+          <a:chOff x="0" y="0"/>
+          <a:chExt cx="0" cy="0"/>
+        </a:xfrm>
+      </p:grpSpPr>
+      <p:sp>
+        <p:nvSpPr>
+          <p:cNvPr id="2" name="幻灯片图像占位符 1"/>
+          <p:cNvSpPr>
+            <a:spLocks noGrp="1" noRot="1" noChangeAspect="1"/>
+          </p:cNvSpPr>
+          <p:nvPr>
+            <p:ph type="sldImg"/>
+          </p:nvPr>
+        </p:nvSpPr>
+        <p:spPr/>
+      </p:sp>
+      <p:sp>
+        <p:nvSpPr>
+          <p:cNvPr id="3" name="备注占位符 2"/>
+          <p:cNvSpPr>
+            <a:spLocks noGrp="1"/>
+          </p:cNvSpPr>
+          <p:nvPr>
+            <p:ph type="body" idx="1"/>
+          </p:nvPr>
+        </p:nvSpPr>
+        <p:spPr/>
+        <p:txBody>
+          <a:bodyPr/>
+          <a:lstStyle/>
+          <a:p>
+            <a:r>
+              <a:rPr lang="en-US" altLang="zh-CN" sz="1200" b="0" i="0" kern="1200" dirty="0">
+                <a:solidFill>
+                  <a:schemeClr val="tx1"/>
+                </a:solidFill>
+                <a:effectLst/>
+                <a:latin typeface="+mn-lt"/>
+                <a:ea typeface="+mn-ea"/>
+                <a:cs typeface="+mn-cs"/>
+              </a:rPr>
+              <a:t>Security of data at rest: </a:t>
+            </a:r>
+            <a:r>
+              <a:rPr lang="zh-CN" altLang="en-US" sz="1200" b="0" i="0" kern="1200" dirty="0">
+                <a:solidFill>
+                  <a:schemeClr val="tx1"/>
+                </a:solidFill>
+                <a:effectLst/>
+                <a:latin typeface="+mn-lt"/>
+                <a:ea typeface="+mn-ea"/>
+                <a:cs typeface="+mn-cs"/>
+              </a:rPr>
+              <a:t>细粒度的权限</a:t>
+            </a:r>
+            <a:endParaRPr lang="en-US" altLang="zh-CN" sz="1200" b="0" i="0" kern="1200" dirty="0">
+              <a:solidFill>
+                <a:schemeClr val="tx1"/>
+              </a:solidFill>
+              <a:effectLst/>
+              <a:latin typeface="+mn-lt"/>
+              <a:ea typeface="+mn-ea"/>
+              <a:cs typeface="+mn-cs"/>
+            </a:endParaRPr>
+          </a:p>
+        </p:txBody>
+      </p:sp>
+      <p:sp>
+        <p:nvSpPr>
+          <p:cNvPr id="4" name="灯片编号占位符 3"/>
+          <p:cNvSpPr>
+            <a:spLocks noGrp="1"/>
+          </p:cNvSpPr>
+          <p:nvPr>
+            <p:ph type="sldNum" sz="quarter" idx="10"/>
+          </p:nvPr>
+        </p:nvSpPr>
+        <p:spPr/>
+        <p:txBody>
+          <a:bodyPr/>
+          <a:lstStyle/>
+          <a:p>
+            <a:fld id="{98F2694B-8456-4C23-A81B-325F88010047}" type="slidenum">
+              <a:rPr lang="zh-CN" altLang="en-US" smtClean="0"/>
+              <a:t>17</a:t>
+            </a:fld>
+            <a:endParaRPr lang="zh-CN" altLang="en-US"/>
+          </a:p>
+        </p:txBody>
+      </p:sp>
+    </p:spTree>
+    <p:extLst>
+      <p:ext uri="{BB962C8B-B14F-4D97-AF65-F5344CB8AC3E}">
+        <p14:creationId xmlns:p14="http://schemas.microsoft.com/office/powerpoint/2010/main" val="2286653082"/>
+      </p:ext>
+    </p:extLst>
+  </p:cSld>
+  <p:clrMapOvr>
+    <a:masterClrMapping/>
+  </p:clrMapOvr>
+</p:notes>
+</file>
+
+<file path=ppt/notesSlides/notesSlide17.xml><?xml version="1.0" encoding="utf-8"?>
+<p:notes xmlns:a="http://schemas.openxmlformats.org/drawingml/2006/main" xmlns:r="http://schemas.openxmlformats.org/officeDocument/2006/relationships" xmlns:p="http://schemas.openxmlformats.org/presentationml/2006/main">
+  <p:cSld>
+    <p:spTree>
+      <p:nvGrpSpPr>
+        <p:cNvPr id="1" name=""/>
+        <p:cNvGrpSpPr/>
+        <p:nvPr/>
+      </p:nvGrpSpPr>
+      <p:grpSpPr>
+        <a:xfrm>
+          <a:off x="0" y="0"/>
+          <a:ext cx="0" cy="0"/>
+          <a:chOff x="0" y="0"/>
+          <a:chExt cx="0" cy="0"/>
+        </a:xfrm>
+      </p:grpSpPr>
+      <p:sp>
+        <p:nvSpPr>
+          <p:cNvPr id="2" name="幻灯片图像占位符 1"/>
+          <p:cNvSpPr>
+            <a:spLocks noGrp="1" noRot="1" noChangeAspect="1"/>
+          </p:cNvSpPr>
+          <p:nvPr>
+            <p:ph type="sldImg"/>
+          </p:nvPr>
+        </p:nvSpPr>
+        <p:spPr/>
+      </p:sp>
+      <p:sp>
+        <p:nvSpPr>
+          <p:cNvPr id="3" name="备注占位符 2"/>
+          <p:cNvSpPr>
+            <a:spLocks noGrp="1"/>
+          </p:cNvSpPr>
+          <p:nvPr>
+            <p:ph type="body" idx="1"/>
+          </p:nvPr>
+        </p:nvSpPr>
+        <p:spPr/>
+        <p:txBody>
+          <a:bodyPr/>
+          <a:lstStyle/>
+          <a:p>
+            <a:r>
+              <a:rPr lang="en-US" altLang="zh-CN" sz="1200" b="0" i="0" kern="1200" dirty="0">
+                <a:solidFill>
+                  <a:schemeClr val="tx1"/>
+                </a:solidFill>
+                <a:effectLst/>
+                <a:latin typeface="+mn-lt"/>
+                <a:ea typeface="+mn-ea"/>
+                <a:cs typeface="+mn-cs"/>
+              </a:rPr>
+              <a:t>Making the user experience in the browser very low latency even though a large portion of their user base will be from far away</a:t>
+            </a:r>
+          </a:p>
+          <a:p>
+            <a:pPr marL="0" marR="0" lvl="0" indent="0" algn="l" defTabSz="914400" rtl="0" eaLnBrk="1" fontAlgn="auto" latinLnBrk="0" hangingPunct="1">
+              <a:lnSpc>
+                <a:spcPct val="100000"/>
+              </a:lnSpc>
+              <a:spcBef>
+                <a:spcPts val="0"/>
+              </a:spcBef>
+              <a:spcAft>
+                <a:spcPts val="0"/>
+              </a:spcAft>
+              <a:buClrTx/>
+              <a:buSzTx/>
+              <a:buFontTx/>
+              <a:buNone/>
+              <a:tabLst/>
+              <a:defRPr/>
+            </a:pPr>
+            <a:r>
+              <a:rPr lang="en-US" altLang="zh-CN" sz="1200" b="0" i="0" kern="1200" dirty="0">
+                <a:solidFill>
+                  <a:schemeClr val="tx1"/>
+                </a:solidFill>
+                <a:effectLst/>
+                <a:latin typeface="+mn-lt"/>
+                <a:ea typeface="+mn-ea"/>
+                <a:cs typeface="+mn-cs"/>
+              </a:rPr>
+              <a:t>Easier for you to perform better: </a:t>
+            </a:r>
+            <a:r>
+              <a:rPr lang="zh-CN" altLang="en-US" sz="1200" b="0" i="0" kern="1200" dirty="0">
+                <a:solidFill>
+                  <a:schemeClr val="tx1"/>
+                </a:solidFill>
+                <a:effectLst/>
+                <a:latin typeface="+mn-lt"/>
+                <a:ea typeface="+mn-ea"/>
+                <a:cs typeface="+mn-cs"/>
+              </a:rPr>
+              <a:t>功能强大 </a:t>
+            </a:r>
+            <a:r>
+              <a:rPr lang="en-US" altLang="zh-CN" sz="1200" b="0" i="0" kern="1200" dirty="0">
+                <a:solidFill>
+                  <a:schemeClr val="tx1"/>
+                </a:solidFill>
+                <a:effectLst/>
+                <a:latin typeface="+mn-lt"/>
+                <a:ea typeface="+mn-ea"/>
+                <a:cs typeface="+mn-cs"/>
+              </a:rPr>
+              <a:t>metadata </a:t>
+            </a:r>
+            <a:r>
+              <a:rPr lang="zh-CN" altLang="en-US" sz="1200" b="0" i="0" kern="1200" dirty="0">
+                <a:solidFill>
+                  <a:schemeClr val="tx1"/>
+                </a:solidFill>
+                <a:effectLst/>
+                <a:latin typeface="+mn-lt"/>
+                <a:ea typeface="+mn-ea"/>
+                <a:cs typeface="+mn-cs"/>
+              </a:rPr>
+              <a:t>自动化。</a:t>
+            </a:r>
+            <a:endParaRPr lang="en-US" altLang="zh-CN" sz="1200" b="0" i="0" kern="1200" dirty="0">
+              <a:solidFill>
+                <a:schemeClr val="tx1"/>
+              </a:solidFill>
+              <a:effectLst/>
+              <a:latin typeface="+mn-lt"/>
+              <a:ea typeface="+mn-ea"/>
+              <a:cs typeface="+mn-cs"/>
+            </a:endParaRPr>
+          </a:p>
+          <a:p>
+            <a:r>
+              <a:rPr lang="zh-CN" altLang="en-US" sz="1200" b="0" i="0" kern="1200" dirty="0">
+                <a:solidFill>
+                  <a:schemeClr val="tx1"/>
+                </a:solidFill>
+                <a:effectLst/>
+                <a:latin typeface="+mn-lt"/>
+                <a:ea typeface="+mn-ea"/>
+                <a:cs typeface="+mn-cs"/>
+              </a:rPr>
+              <a:t>创业</a:t>
+            </a:r>
+            <a:r>
+              <a:rPr lang="en-US" altLang="zh-CN" sz="1200" b="0" i="0" kern="1200" dirty="0">
+                <a:solidFill>
+                  <a:schemeClr val="tx1"/>
+                </a:solidFill>
+                <a:effectLst/>
+                <a:latin typeface="+mn-lt"/>
+                <a:ea typeface="+mn-ea"/>
+                <a:cs typeface="+mn-cs"/>
+              </a:rPr>
+              <a:t>-</a:t>
+            </a:r>
+            <a:r>
+              <a:rPr lang="zh-CN" altLang="en-US" sz="1200" b="0" i="0" kern="1200" dirty="0">
+                <a:solidFill>
+                  <a:schemeClr val="tx1"/>
+                </a:solidFill>
+                <a:effectLst/>
+                <a:latin typeface="+mn-lt"/>
+                <a:ea typeface="+mn-ea"/>
+                <a:cs typeface="+mn-cs"/>
+              </a:rPr>
+              <a:t>自动化上线</a:t>
+            </a:r>
+            <a:r>
+              <a:rPr lang="en-US" altLang="zh-CN" sz="1200" b="0" i="0" kern="1200" dirty="0">
+                <a:solidFill>
+                  <a:schemeClr val="tx1"/>
+                </a:solidFill>
+                <a:effectLst/>
+                <a:latin typeface="+mn-lt"/>
+                <a:ea typeface="+mn-ea"/>
+                <a:cs typeface="+mn-cs"/>
+              </a:rPr>
+              <a:t>, SDK vs cli</a:t>
+            </a:r>
+            <a:endParaRPr lang="zh-CN" altLang="en-US" dirty="0"/>
+          </a:p>
+        </p:txBody>
+      </p:sp>
+      <p:sp>
+        <p:nvSpPr>
+          <p:cNvPr id="4" name="灯片编号占位符 3"/>
+          <p:cNvSpPr>
+            <a:spLocks noGrp="1"/>
+          </p:cNvSpPr>
+          <p:nvPr>
+            <p:ph type="sldNum" sz="quarter" idx="10"/>
+          </p:nvPr>
+        </p:nvSpPr>
+        <p:spPr/>
+        <p:txBody>
+          <a:bodyPr/>
+          <a:lstStyle/>
+          <a:p>
+            <a:fld id="{98F2694B-8456-4C23-A81B-325F88010047}" type="slidenum">
+              <a:rPr lang="zh-CN" altLang="en-US" smtClean="0"/>
+              <a:t>18</a:t>
+            </a:fld>
+            <a:endParaRPr lang="zh-CN" altLang="en-US"/>
+          </a:p>
+        </p:txBody>
+      </p:sp>
+    </p:spTree>
+    <p:extLst>
+      <p:ext uri="{BB962C8B-B14F-4D97-AF65-F5344CB8AC3E}">
         <p14:creationId xmlns:p14="http://schemas.microsoft.com/office/powerpoint/2010/main" val="625920091"/>
+      </p:ext>
+    </p:extLst>
+  </p:cSld>
+  <p:clrMapOvr>
+    <a:masterClrMapping/>
+  </p:clrMapOvr>
+</p:notes>
+</file>
+
+<file path=ppt/notesSlides/notesSlide18.xml><?xml version="1.0" encoding="utf-8"?>
+<p:notes xmlns:a="http://schemas.openxmlformats.org/drawingml/2006/main" xmlns:r="http://schemas.openxmlformats.org/officeDocument/2006/relationships" xmlns:p="http://schemas.openxmlformats.org/presentationml/2006/main">
+  <p:cSld>
+    <p:spTree>
+      <p:nvGrpSpPr>
+        <p:cNvPr id="1" name=""/>
+        <p:cNvGrpSpPr/>
+        <p:nvPr/>
+      </p:nvGrpSpPr>
+      <p:grpSpPr>
+        <a:xfrm>
+          <a:off x="0" y="0"/>
+          <a:ext cx="0" cy="0"/>
+          <a:chOff x="0" y="0"/>
+          <a:chExt cx="0" cy="0"/>
+        </a:xfrm>
+      </p:grpSpPr>
+      <p:sp>
+        <p:nvSpPr>
+          <p:cNvPr id="2" name="幻灯片图像占位符 1"/>
+          <p:cNvSpPr>
+            <a:spLocks noGrp="1" noRot="1" noChangeAspect="1"/>
+          </p:cNvSpPr>
+          <p:nvPr>
+            <p:ph type="sldImg"/>
+          </p:nvPr>
+        </p:nvSpPr>
+        <p:spPr/>
+      </p:sp>
+      <p:sp>
+        <p:nvSpPr>
+          <p:cNvPr id="3" name="备注占位符 2"/>
+          <p:cNvSpPr>
+            <a:spLocks noGrp="1"/>
+          </p:cNvSpPr>
+          <p:nvPr>
+            <p:ph type="body" idx="1"/>
+          </p:nvPr>
+        </p:nvSpPr>
+        <p:spPr/>
+        <p:txBody>
+          <a:bodyPr/>
+          <a:lstStyle/>
+          <a:p>
+            <a:r>
+              <a:rPr lang="en-US" altLang="zh-CN" sz="1200" b="0" i="0" kern="1200" dirty="0">
+                <a:solidFill>
+                  <a:schemeClr val="tx1"/>
+                </a:solidFill>
+                <a:effectLst/>
+                <a:latin typeface="+mn-lt"/>
+                <a:ea typeface="+mn-ea"/>
+                <a:cs typeface="+mn-cs"/>
+              </a:rPr>
+              <a:t>Easier for you to perform better</a:t>
+            </a:r>
+            <a:r>
+              <a:rPr lang="zh-CN" altLang="en-US" sz="1200" b="0" i="0" kern="1200" dirty="0">
+                <a:solidFill>
+                  <a:schemeClr val="tx1"/>
+                </a:solidFill>
+                <a:effectLst/>
+                <a:latin typeface="+mn-lt"/>
+                <a:ea typeface="+mn-ea"/>
+                <a:cs typeface="+mn-cs"/>
+              </a:rPr>
+              <a:t>：友商在学习。图形化自动化运维应用。第一次用，惊叹，非常好用。</a:t>
+            </a:r>
+            <a:endParaRPr lang="en-US" altLang="zh-CN" sz="1200" b="0" i="0" kern="1200" dirty="0">
+              <a:solidFill>
+                <a:schemeClr val="tx1"/>
+              </a:solidFill>
+              <a:effectLst/>
+              <a:latin typeface="+mn-lt"/>
+              <a:ea typeface="+mn-ea"/>
+              <a:cs typeface="+mn-cs"/>
+            </a:endParaRPr>
+          </a:p>
+        </p:txBody>
+      </p:sp>
+      <p:sp>
+        <p:nvSpPr>
+          <p:cNvPr id="4" name="灯片编号占位符 3"/>
+          <p:cNvSpPr>
+            <a:spLocks noGrp="1"/>
+          </p:cNvSpPr>
+          <p:nvPr>
+            <p:ph type="sldNum" sz="quarter" idx="10"/>
+          </p:nvPr>
+        </p:nvSpPr>
+        <p:spPr/>
+        <p:txBody>
+          <a:bodyPr/>
+          <a:lstStyle/>
+          <a:p>
+            <a:fld id="{98F2694B-8456-4C23-A81B-325F88010047}" type="slidenum">
+              <a:rPr lang="zh-CN" altLang="en-US" smtClean="0"/>
+              <a:t>19</a:t>
+            </a:fld>
+            <a:endParaRPr lang="zh-CN" altLang="en-US"/>
+          </a:p>
+        </p:txBody>
+      </p:sp>
+    </p:spTree>
+    <p:extLst>
+      <p:ext uri="{BB962C8B-B14F-4D97-AF65-F5344CB8AC3E}">
+        <p14:creationId xmlns:p14="http://schemas.microsoft.com/office/powerpoint/2010/main" val="2713131635"/>
+      </p:ext>
+    </p:extLst>
+  </p:cSld>
+  <p:clrMapOvr>
+    <a:masterClrMapping/>
+  </p:clrMapOvr>
+</p:notes>
+</file>
+
+<file path=ppt/notesSlides/notesSlide19.xml><?xml version="1.0" encoding="utf-8"?>
+<p:notes xmlns:a="http://schemas.openxmlformats.org/drawingml/2006/main" xmlns:r="http://schemas.openxmlformats.org/officeDocument/2006/relationships" xmlns:p="http://schemas.openxmlformats.org/presentationml/2006/main">
+  <p:cSld>
+    <p:spTree>
+      <p:nvGrpSpPr>
+        <p:cNvPr id="1" name=""/>
+        <p:cNvGrpSpPr/>
+        <p:nvPr/>
+      </p:nvGrpSpPr>
+      <p:grpSpPr>
+        <a:xfrm>
+          <a:off x="0" y="0"/>
+          <a:ext cx="0" cy="0"/>
+          <a:chOff x="0" y="0"/>
+          <a:chExt cx="0" cy="0"/>
+        </a:xfrm>
+      </p:grpSpPr>
+      <p:sp>
+        <p:nvSpPr>
+          <p:cNvPr id="2" name="幻灯片图像占位符 1"/>
+          <p:cNvSpPr>
+            <a:spLocks noGrp="1" noRot="1" noChangeAspect="1"/>
+          </p:cNvSpPr>
+          <p:nvPr>
+            <p:ph type="sldImg"/>
+          </p:nvPr>
+        </p:nvSpPr>
+        <p:spPr/>
+      </p:sp>
+      <p:sp>
+        <p:nvSpPr>
+          <p:cNvPr id="3" name="备注占位符 2"/>
+          <p:cNvSpPr>
+            <a:spLocks noGrp="1"/>
+          </p:cNvSpPr>
+          <p:nvPr>
+            <p:ph type="body" idx="1"/>
+          </p:nvPr>
+        </p:nvSpPr>
+        <p:spPr/>
+        <p:txBody>
+          <a:bodyPr/>
+          <a:lstStyle/>
+          <a:p>
+            <a:r>
+              <a:rPr lang="en-US" altLang="zh-CN" sz="1200" b="0" i="0" kern="1200" dirty="0">
+                <a:solidFill>
+                  <a:schemeClr val="tx1"/>
+                </a:solidFill>
+                <a:effectLst/>
+                <a:latin typeface="+mn-lt"/>
+                <a:ea typeface="+mn-ea"/>
+                <a:cs typeface="+mn-cs"/>
+              </a:rPr>
+              <a:t>Ability to easily manage and replicate multiple environments based on their blueprint architecture</a:t>
+            </a:r>
+          </a:p>
+          <a:p>
+            <a:r>
+              <a:rPr lang="zh-CN" altLang="en-US" sz="1200" b="0" i="0" kern="1200" dirty="0">
+                <a:solidFill>
+                  <a:schemeClr val="tx1"/>
+                </a:solidFill>
+                <a:effectLst/>
+                <a:latin typeface="+mn-lt"/>
+                <a:ea typeface="+mn-ea"/>
+                <a:cs typeface="+mn-cs"/>
+              </a:rPr>
+              <a:t>友商没有</a:t>
+            </a:r>
+            <a:endParaRPr lang="en-US" altLang="zh-CN" sz="1200" b="0" i="0" kern="1200" dirty="0">
+              <a:solidFill>
+                <a:schemeClr val="tx1"/>
+              </a:solidFill>
+              <a:effectLst/>
+              <a:latin typeface="+mn-lt"/>
+              <a:ea typeface="+mn-ea"/>
+              <a:cs typeface="+mn-cs"/>
+            </a:endParaRPr>
+          </a:p>
+          <a:p>
+            <a:r>
+              <a:rPr lang="en-US" altLang="zh-CN" sz="1200" b="0" i="0" kern="1200" dirty="0">
+                <a:solidFill>
+                  <a:schemeClr val="tx1"/>
+                </a:solidFill>
+                <a:effectLst/>
+                <a:latin typeface="+mn-lt"/>
+                <a:ea typeface="+mn-ea"/>
+                <a:cs typeface="+mn-cs"/>
+              </a:rPr>
+              <a:t>Easier for you to perform better</a:t>
+            </a:r>
+          </a:p>
+          <a:p>
+            <a:r>
+              <a:rPr lang="zh-CN" altLang="en-US" sz="1200" b="0" i="0" kern="1200" dirty="0">
+                <a:solidFill>
+                  <a:schemeClr val="tx1"/>
+                </a:solidFill>
+                <a:effectLst/>
+                <a:latin typeface="+mn-lt"/>
+                <a:ea typeface="+mn-ea"/>
+                <a:cs typeface="+mn-cs"/>
+              </a:rPr>
+              <a:t>强大的自动化运维应用</a:t>
+            </a:r>
+            <a:endParaRPr lang="en-US" altLang="zh-CN" sz="1200" b="0" i="0" kern="1200" dirty="0">
+              <a:solidFill>
+                <a:schemeClr val="tx1"/>
+              </a:solidFill>
+              <a:effectLst/>
+              <a:latin typeface="+mn-lt"/>
+              <a:ea typeface="+mn-ea"/>
+              <a:cs typeface="+mn-cs"/>
+            </a:endParaRPr>
+          </a:p>
+          <a:p>
+            <a:r>
+              <a:rPr lang="zh-CN" altLang="en-US" sz="1200" b="0" i="0" kern="1200" dirty="0">
+                <a:solidFill>
+                  <a:schemeClr val="tx1"/>
+                </a:solidFill>
+                <a:effectLst/>
+                <a:latin typeface="+mn-lt"/>
+                <a:ea typeface="+mn-ea"/>
+                <a:cs typeface="+mn-cs"/>
+              </a:rPr>
+              <a:t>第一次用，复杂，全面覆盖</a:t>
+            </a:r>
+            <a:endParaRPr lang="en-US" altLang="zh-CN" sz="1200" b="0" i="0" kern="1200" dirty="0">
+              <a:solidFill>
+                <a:schemeClr val="tx1"/>
+              </a:solidFill>
+              <a:effectLst/>
+              <a:latin typeface="+mn-lt"/>
+              <a:ea typeface="+mn-ea"/>
+              <a:cs typeface="+mn-cs"/>
+            </a:endParaRPr>
+          </a:p>
+          <a:p>
+            <a:endParaRPr lang="zh-CN" altLang="en-US" dirty="0"/>
+          </a:p>
+        </p:txBody>
+      </p:sp>
+      <p:sp>
+        <p:nvSpPr>
+          <p:cNvPr id="4" name="灯片编号占位符 3"/>
+          <p:cNvSpPr>
+            <a:spLocks noGrp="1"/>
+          </p:cNvSpPr>
+          <p:nvPr>
+            <p:ph type="sldNum" sz="quarter" idx="10"/>
+          </p:nvPr>
+        </p:nvSpPr>
+        <p:spPr/>
+        <p:txBody>
+          <a:bodyPr/>
+          <a:lstStyle/>
+          <a:p>
+            <a:fld id="{98F2694B-8456-4C23-A81B-325F88010047}" type="slidenum">
+              <a:rPr lang="zh-CN" altLang="en-US" smtClean="0"/>
+              <a:t>20</a:t>
+            </a:fld>
+            <a:endParaRPr lang="zh-CN" altLang="en-US"/>
+          </a:p>
+        </p:txBody>
+      </p:sp>
+    </p:spTree>
+    <p:extLst>
+      <p:ext uri="{BB962C8B-B14F-4D97-AF65-F5344CB8AC3E}">
+        <p14:creationId xmlns:p14="http://schemas.microsoft.com/office/powerpoint/2010/main" val="4084881072"/>
       </p:ext>
     </p:extLst>
   </p:cSld>
@@ -1050,32 +2357,6 @@
           <a:bodyPr/>
           <a:lstStyle/>
           <a:p>
-            <a:r>
-              <a:rPr lang="en-US" altLang="zh-CN" dirty="0"/>
-              <a:t>Scaling to meet the demand, but with uncertainty around when and how much this demand will be they are very concerned about buying too much infrastructure too soon or not enough too late	</a:t>
-            </a:r>
-            <a:r>
-              <a:rPr lang="zh-CN" altLang="en-US" dirty="0"/>
-              <a:t>性价比	性价比	</a:t>
-            </a:r>
-            <a:r>
-              <a:rPr lang="en-US" altLang="zh-CN" dirty="0"/>
-              <a:t>Save money in the long run	</a:t>
-            </a:r>
-            <a:r>
-              <a:rPr lang="zh-CN" altLang="en-US" dirty="0"/>
-              <a:t>价目对比	便宜	</a:t>
-            </a:r>
-            <a:r>
-              <a:rPr lang="en-US" altLang="zh-CN" dirty="0"/>
-              <a:t>CIO</a:t>
-            </a:r>
-            <a:r>
-              <a:rPr lang="zh-CN" altLang="en-US" dirty="0"/>
-              <a:t>选型	金鱼而不是汗血宝马</a:t>
-            </a:r>
-          </a:p>
-          <a:p>
             <a:endParaRPr lang="zh-CN" altLang="en-US" dirty="0"/>
           </a:p>
         </p:txBody>
@@ -1097,7 +2378,7 @@
           <a:p>
             <a:fld id="{98F2694B-8456-4C23-A81B-325F88010047}" type="slidenum">
               <a:rPr lang="zh-CN" altLang="en-US" smtClean="0"/>
-              <a:t>5</a:t>
+              <a:t>3</a:t>
             </a:fld>
             <a:endParaRPr lang="zh-CN" altLang="en-US"/>
           </a:p>
@@ -1106,7 +2387,874 @@
     </p:spTree>
     <p:extLst>
       <p:ext uri="{BB962C8B-B14F-4D97-AF65-F5344CB8AC3E}">
-        <p14:creationId xmlns:p14="http://schemas.microsoft.com/office/powerpoint/2010/main" val="840537462"/>
+        <p14:creationId xmlns:p14="http://schemas.microsoft.com/office/powerpoint/2010/main" val="4207068104"/>
+      </p:ext>
+    </p:extLst>
+  </p:cSld>
+  <p:clrMapOvr>
+    <a:masterClrMapping/>
+  </p:clrMapOvr>
+</p:notes>
+</file>
+
+<file path=ppt/notesSlides/notesSlide20.xml><?xml version="1.0" encoding="utf-8"?>
+<p:notes xmlns:a="http://schemas.openxmlformats.org/drawingml/2006/main" xmlns:r="http://schemas.openxmlformats.org/officeDocument/2006/relationships" xmlns:p="http://schemas.openxmlformats.org/presentationml/2006/main">
+  <p:cSld>
+    <p:spTree>
+      <p:nvGrpSpPr>
+        <p:cNvPr id="1" name=""/>
+        <p:cNvGrpSpPr/>
+        <p:nvPr/>
+      </p:nvGrpSpPr>
+      <p:grpSpPr>
+        <a:xfrm>
+          <a:off x="0" y="0"/>
+          <a:ext cx="0" cy="0"/>
+          <a:chOff x="0" y="0"/>
+          <a:chExt cx="0" cy="0"/>
+        </a:xfrm>
+      </p:grpSpPr>
+      <p:sp>
+        <p:nvSpPr>
+          <p:cNvPr id="2" name="幻灯片图像占位符 1"/>
+          <p:cNvSpPr>
+            <a:spLocks noGrp="1" noRot="1" noChangeAspect="1"/>
+          </p:cNvSpPr>
+          <p:nvPr>
+            <p:ph type="sldImg"/>
+          </p:nvPr>
+        </p:nvSpPr>
+        <p:spPr/>
+      </p:sp>
+      <p:sp>
+        <p:nvSpPr>
+          <p:cNvPr id="3" name="备注占位符 2"/>
+          <p:cNvSpPr>
+            <a:spLocks noGrp="1"/>
+          </p:cNvSpPr>
+          <p:nvPr>
+            <p:ph type="body" idx="1"/>
+          </p:nvPr>
+        </p:nvSpPr>
+        <p:spPr/>
+        <p:txBody>
+          <a:bodyPr/>
+          <a:lstStyle/>
+          <a:p>
+            <a:r>
+              <a:rPr lang="en-US" altLang="zh-CN" sz="1200" b="0" i="0" kern="1200" dirty="0">
+                <a:solidFill>
+                  <a:schemeClr val="tx1"/>
+                </a:solidFill>
+                <a:effectLst/>
+                <a:latin typeface="+mn-lt"/>
+                <a:ea typeface="+mn-ea"/>
+                <a:cs typeface="+mn-cs"/>
+              </a:rPr>
+              <a:t>Kinesis</a:t>
+            </a:r>
+          </a:p>
+          <a:p>
+            <a:r>
+              <a:rPr lang="en-US" altLang="zh-CN" sz="1200" b="0" i="0" kern="1200" dirty="0">
+                <a:solidFill>
+                  <a:schemeClr val="tx1"/>
+                </a:solidFill>
+                <a:effectLst/>
+                <a:latin typeface="+mn-lt"/>
+                <a:ea typeface="+mn-ea"/>
+                <a:cs typeface="+mn-cs"/>
+              </a:rPr>
+              <a:t>Effective distribution of load</a:t>
+            </a:r>
+          </a:p>
+          <a:p>
+            <a:r>
+              <a:rPr lang="zh-CN" altLang="en-US" sz="1200" b="0" i="0" kern="1200" dirty="0">
+                <a:solidFill>
+                  <a:schemeClr val="tx1"/>
+                </a:solidFill>
+                <a:effectLst/>
+                <a:latin typeface="+mn-lt"/>
+                <a:ea typeface="+mn-ea"/>
+                <a:cs typeface="+mn-cs"/>
+              </a:rPr>
+              <a:t>计费</a:t>
+            </a:r>
+            <a:endParaRPr lang="en-US" altLang="zh-CN" sz="1200" b="0" i="0" kern="1200" dirty="0">
+              <a:solidFill>
+                <a:schemeClr val="tx1"/>
+              </a:solidFill>
+              <a:effectLst/>
+              <a:latin typeface="+mn-lt"/>
+              <a:ea typeface="+mn-ea"/>
+              <a:cs typeface="+mn-cs"/>
+            </a:endParaRPr>
+          </a:p>
+          <a:p>
+            <a:pPr marL="0" marR="0" lvl="0" indent="0" algn="l" defTabSz="914400" rtl="0" eaLnBrk="1" fontAlgn="auto" latinLnBrk="0" hangingPunct="1">
+              <a:lnSpc>
+                <a:spcPct val="100000"/>
+              </a:lnSpc>
+              <a:spcBef>
+                <a:spcPts val="0"/>
+              </a:spcBef>
+              <a:spcAft>
+                <a:spcPts val="0"/>
+              </a:spcAft>
+              <a:buClrTx/>
+              <a:buSzTx/>
+              <a:buFontTx/>
+              <a:buNone/>
+              <a:tabLst/>
+              <a:defRPr/>
+            </a:pPr>
+            <a:r>
+              <a:rPr lang="zh-CN" altLang="en-US" sz="1200" b="0" i="0" kern="1200" dirty="0">
+                <a:solidFill>
+                  <a:schemeClr val="tx1"/>
+                </a:solidFill>
+                <a:effectLst/>
+                <a:latin typeface="+mn-lt"/>
+                <a:ea typeface="+mn-ea"/>
+                <a:cs typeface="+mn-cs"/>
+              </a:rPr>
+              <a:t>对手标准</a:t>
+            </a:r>
+            <a:r>
+              <a:rPr lang="en-US" altLang="zh-CN" sz="1200" b="0" i="0" kern="1200" dirty="0">
+                <a:solidFill>
+                  <a:schemeClr val="tx1"/>
+                </a:solidFill>
+                <a:effectLst/>
+                <a:latin typeface="+mn-lt"/>
+                <a:ea typeface="+mn-ea"/>
+                <a:cs typeface="+mn-cs"/>
+              </a:rPr>
+              <a:t>Kafka</a:t>
+            </a:r>
+            <a:r>
+              <a:rPr lang="zh-CN" altLang="en-US" sz="1200" b="0" i="0" kern="1200" dirty="0">
+                <a:solidFill>
+                  <a:schemeClr val="tx1"/>
+                </a:solidFill>
+                <a:effectLst/>
+                <a:latin typeface="+mn-lt"/>
+                <a:ea typeface="+mn-ea"/>
+                <a:cs typeface="+mn-cs"/>
+              </a:rPr>
+              <a:t>，但是内测，不好控制</a:t>
+            </a:r>
+            <a:r>
+              <a:rPr lang="en-US" altLang="zh-CN" sz="1200" b="0" i="0" kern="1200" dirty="0">
+                <a:solidFill>
+                  <a:schemeClr val="tx1"/>
+                </a:solidFill>
+                <a:effectLst/>
+                <a:latin typeface="+mn-lt"/>
+                <a:ea typeface="+mn-ea"/>
+                <a:cs typeface="+mn-cs"/>
+              </a:rPr>
+              <a:t>, Zookeeper</a:t>
+            </a:r>
+          </a:p>
+          <a:p>
+            <a:r>
+              <a:rPr lang="en-US" altLang="zh-CN" sz="1200" b="0" i="0" kern="1200" dirty="0">
+                <a:solidFill>
+                  <a:schemeClr val="tx1"/>
+                </a:solidFill>
+                <a:effectLst/>
+                <a:latin typeface="+mn-lt"/>
+                <a:ea typeface="+mn-ea"/>
+                <a:cs typeface="+mn-cs"/>
+              </a:rPr>
+              <a:t>Easier for you to perform better</a:t>
+            </a:r>
+            <a:r>
+              <a:rPr lang="zh-CN" altLang="en-US" sz="1200" b="0" i="0" kern="1200" dirty="0">
+                <a:solidFill>
+                  <a:schemeClr val="tx1"/>
+                </a:solidFill>
+                <a:effectLst/>
+                <a:latin typeface="+mn-lt"/>
+                <a:ea typeface="+mn-ea"/>
+                <a:cs typeface="+mn-cs"/>
+              </a:rPr>
+              <a:t>自己开发的</a:t>
+            </a:r>
+            <a:endParaRPr lang="en-US" altLang="zh-CN" sz="1200" b="0" i="0" kern="1200" dirty="0">
+              <a:solidFill>
+                <a:schemeClr val="tx1"/>
+              </a:solidFill>
+              <a:effectLst/>
+              <a:latin typeface="+mn-lt"/>
+              <a:ea typeface="+mn-ea"/>
+              <a:cs typeface="+mn-cs"/>
+            </a:endParaRPr>
+          </a:p>
+          <a:p>
+            <a:r>
+              <a:rPr lang="zh-CN" altLang="en-US" sz="1200" b="0" i="0" kern="1200" dirty="0">
+                <a:solidFill>
+                  <a:schemeClr val="tx1"/>
+                </a:solidFill>
+                <a:effectLst/>
+                <a:latin typeface="+mn-lt"/>
+                <a:ea typeface="+mn-ea"/>
+                <a:cs typeface="+mn-cs"/>
+              </a:rPr>
+              <a:t>第一次用非常简单 </a:t>
+            </a:r>
+            <a:r>
+              <a:rPr lang="en-US" altLang="zh-CN" sz="1200" b="0" i="0" kern="1200" dirty="0">
+                <a:solidFill>
+                  <a:schemeClr val="tx1"/>
+                </a:solidFill>
+                <a:effectLst/>
+                <a:latin typeface="+mn-lt"/>
+                <a:ea typeface="+mn-ea"/>
+                <a:cs typeface="+mn-cs"/>
+              </a:rPr>
+              <a:t>vs </a:t>
+            </a:r>
+            <a:r>
+              <a:rPr lang="en-US" altLang="zh-CN" sz="1200" b="0" i="0" kern="1200" dirty="0" err="1">
+                <a:solidFill>
+                  <a:schemeClr val="tx1"/>
+                </a:solidFill>
+                <a:effectLst/>
+                <a:latin typeface="+mn-lt"/>
+                <a:ea typeface="+mn-ea"/>
+                <a:cs typeface="+mn-cs"/>
+              </a:rPr>
+              <a:t>kafka</a:t>
+            </a:r>
+            <a:r>
+              <a:rPr lang="zh-CN" altLang="en-US" sz="1200" b="0" i="0" kern="1200" dirty="0">
+                <a:solidFill>
+                  <a:schemeClr val="tx1"/>
+                </a:solidFill>
+                <a:effectLst/>
+                <a:latin typeface="+mn-lt"/>
+                <a:ea typeface="+mn-ea"/>
+                <a:cs typeface="+mn-cs"/>
+              </a:rPr>
+              <a:t>非常麻烦，需要太多决策</a:t>
+            </a:r>
+            <a:endParaRPr lang="en-US" altLang="zh-CN" sz="1200" b="0" i="0" kern="1200" dirty="0">
+              <a:solidFill>
+                <a:schemeClr val="tx1"/>
+              </a:solidFill>
+              <a:effectLst/>
+              <a:latin typeface="+mn-lt"/>
+              <a:ea typeface="+mn-ea"/>
+              <a:cs typeface="+mn-cs"/>
+            </a:endParaRPr>
+          </a:p>
+        </p:txBody>
+      </p:sp>
+      <p:sp>
+        <p:nvSpPr>
+          <p:cNvPr id="4" name="灯片编号占位符 3"/>
+          <p:cNvSpPr>
+            <a:spLocks noGrp="1"/>
+          </p:cNvSpPr>
+          <p:nvPr>
+            <p:ph type="sldNum" sz="quarter" idx="10"/>
+          </p:nvPr>
+        </p:nvSpPr>
+        <p:spPr/>
+        <p:txBody>
+          <a:bodyPr/>
+          <a:lstStyle/>
+          <a:p>
+            <a:fld id="{98F2694B-8456-4C23-A81B-325F88010047}" type="slidenum">
+              <a:rPr lang="zh-CN" altLang="en-US" smtClean="0"/>
+              <a:t>22</a:t>
+            </a:fld>
+            <a:endParaRPr lang="zh-CN" altLang="en-US"/>
+          </a:p>
+        </p:txBody>
+      </p:sp>
+    </p:spTree>
+    <p:extLst>
+      <p:ext uri="{BB962C8B-B14F-4D97-AF65-F5344CB8AC3E}">
+        <p14:creationId xmlns:p14="http://schemas.microsoft.com/office/powerpoint/2010/main" val="2889466251"/>
+      </p:ext>
+    </p:extLst>
+  </p:cSld>
+  <p:clrMapOvr>
+    <a:masterClrMapping/>
+  </p:clrMapOvr>
+</p:notes>
+</file>
+
+<file path=ppt/notesSlides/notesSlide21.xml><?xml version="1.0" encoding="utf-8"?>
+<p:notes xmlns:a="http://schemas.openxmlformats.org/drawingml/2006/main" xmlns:r="http://schemas.openxmlformats.org/officeDocument/2006/relationships" xmlns:p="http://schemas.openxmlformats.org/presentationml/2006/main">
+  <p:cSld>
+    <p:spTree>
+      <p:nvGrpSpPr>
+        <p:cNvPr id="1" name=""/>
+        <p:cNvGrpSpPr/>
+        <p:nvPr/>
+      </p:nvGrpSpPr>
+      <p:grpSpPr>
+        <a:xfrm>
+          <a:off x="0" y="0"/>
+          <a:ext cx="0" cy="0"/>
+          <a:chOff x="0" y="0"/>
+          <a:chExt cx="0" cy="0"/>
+        </a:xfrm>
+      </p:grpSpPr>
+      <p:sp>
+        <p:nvSpPr>
+          <p:cNvPr id="2" name="幻灯片图像占位符 1"/>
+          <p:cNvSpPr>
+            <a:spLocks noGrp="1" noRot="1" noChangeAspect="1"/>
+          </p:cNvSpPr>
+          <p:nvPr>
+            <p:ph type="sldImg"/>
+          </p:nvPr>
+        </p:nvSpPr>
+        <p:spPr/>
+      </p:sp>
+      <p:sp>
+        <p:nvSpPr>
+          <p:cNvPr id="3" name="备注占位符 2"/>
+          <p:cNvSpPr>
+            <a:spLocks noGrp="1"/>
+          </p:cNvSpPr>
+          <p:nvPr>
+            <p:ph type="body" idx="1"/>
+          </p:nvPr>
+        </p:nvSpPr>
+        <p:spPr/>
+        <p:txBody>
+          <a:bodyPr/>
+          <a:lstStyle/>
+          <a:p>
+            <a:r>
+              <a:rPr lang="en-US" altLang="zh-CN" sz="1200" b="0" i="0" kern="1200" dirty="0">
+                <a:solidFill>
+                  <a:schemeClr val="tx1"/>
+                </a:solidFill>
+                <a:effectLst/>
+                <a:latin typeface="+mn-lt"/>
+                <a:ea typeface="+mn-ea"/>
+                <a:cs typeface="+mn-cs"/>
+              </a:rPr>
+              <a:t>S3, Glacier</a:t>
+            </a:r>
+          </a:p>
+          <a:p>
+            <a:r>
+              <a:rPr lang="en-US" altLang="zh-CN" sz="1200" b="0" i="0" kern="1200" dirty="0">
+                <a:solidFill>
+                  <a:schemeClr val="tx1"/>
+                </a:solidFill>
+                <a:effectLst/>
+                <a:latin typeface="+mn-lt"/>
+                <a:ea typeface="+mn-ea"/>
+                <a:cs typeface="+mn-cs"/>
+              </a:rPr>
+              <a:t>Archival strategy for inactive objects greater than 6 months</a:t>
+            </a:r>
+          </a:p>
+          <a:p>
+            <a:r>
+              <a:rPr lang="zh-CN" altLang="en-US" sz="1200" b="0" i="0" kern="1200" dirty="0">
+                <a:solidFill>
+                  <a:schemeClr val="tx1"/>
+                </a:solidFill>
+                <a:effectLst/>
+                <a:latin typeface="+mn-lt"/>
+                <a:ea typeface="+mn-ea"/>
+                <a:cs typeface="+mn-cs"/>
+              </a:rPr>
+              <a:t>后付费便宜，预付费</a:t>
+            </a:r>
+            <a:endParaRPr lang="en-US" altLang="zh-CN" sz="1200" b="0" i="0" kern="1200" dirty="0">
+              <a:solidFill>
+                <a:schemeClr val="tx1"/>
+              </a:solidFill>
+              <a:effectLst/>
+              <a:latin typeface="+mn-lt"/>
+              <a:ea typeface="+mn-ea"/>
+              <a:cs typeface="+mn-cs"/>
+            </a:endParaRPr>
+          </a:p>
+          <a:p>
+            <a:r>
+              <a:rPr lang="en-US" altLang="zh-CN" sz="1200" b="0" i="0" kern="1200" dirty="0">
+                <a:solidFill>
+                  <a:schemeClr val="tx1"/>
+                </a:solidFill>
+                <a:effectLst/>
+                <a:latin typeface="+mn-lt"/>
+                <a:ea typeface="+mn-ea"/>
+                <a:cs typeface="+mn-cs"/>
+              </a:rPr>
+              <a:t>Easier for you to perform better</a:t>
+            </a:r>
+          </a:p>
+          <a:p>
+            <a:r>
+              <a:rPr lang="en-US" altLang="zh-CN" sz="1200" b="0" i="0" kern="1200" dirty="0">
+                <a:solidFill>
+                  <a:schemeClr val="tx1"/>
+                </a:solidFill>
+                <a:effectLst/>
+                <a:latin typeface="+mn-lt"/>
+                <a:ea typeface="+mn-ea"/>
+                <a:cs typeface="+mn-cs"/>
+              </a:rPr>
+              <a:t>CIO</a:t>
+            </a:r>
+          </a:p>
+          <a:p>
+            <a:r>
+              <a:rPr lang="zh-CN" altLang="en-US" sz="1200" b="0" i="0" kern="1200" dirty="0">
+                <a:solidFill>
+                  <a:schemeClr val="tx1"/>
+                </a:solidFill>
+                <a:effectLst/>
+                <a:latin typeface="+mn-lt"/>
+                <a:ea typeface="+mn-ea"/>
+                <a:cs typeface="+mn-cs"/>
+              </a:rPr>
+              <a:t>不需要存水，自来水</a:t>
+            </a:r>
+            <a:endParaRPr lang="zh-CN" altLang="en-US" dirty="0"/>
+          </a:p>
+        </p:txBody>
+      </p:sp>
+      <p:sp>
+        <p:nvSpPr>
+          <p:cNvPr id="4" name="灯片编号占位符 3"/>
+          <p:cNvSpPr>
+            <a:spLocks noGrp="1"/>
+          </p:cNvSpPr>
+          <p:nvPr>
+            <p:ph type="sldNum" sz="quarter" idx="10"/>
+          </p:nvPr>
+        </p:nvSpPr>
+        <p:spPr/>
+        <p:txBody>
+          <a:bodyPr/>
+          <a:lstStyle/>
+          <a:p>
+            <a:fld id="{98F2694B-8456-4C23-A81B-325F88010047}" type="slidenum">
+              <a:rPr lang="zh-CN" altLang="en-US" smtClean="0"/>
+              <a:t>23</a:t>
+            </a:fld>
+            <a:endParaRPr lang="zh-CN" altLang="en-US"/>
+          </a:p>
+        </p:txBody>
+      </p:sp>
+    </p:spTree>
+    <p:extLst>
+      <p:ext uri="{BB962C8B-B14F-4D97-AF65-F5344CB8AC3E}">
+        <p14:creationId xmlns:p14="http://schemas.microsoft.com/office/powerpoint/2010/main" val="1885221491"/>
+      </p:ext>
+    </p:extLst>
+  </p:cSld>
+  <p:clrMapOvr>
+    <a:masterClrMapping/>
+  </p:clrMapOvr>
+</p:notes>
+</file>
+
+<file path=ppt/notesSlides/notesSlide22.xml><?xml version="1.0" encoding="utf-8"?>
+<p:notes xmlns:a="http://schemas.openxmlformats.org/drawingml/2006/main" xmlns:r="http://schemas.openxmlformats.org/officeDocument/2006/relationships" xmlns:p="http://schemas.openxmlformats.org/presentationml/2006/main">
+  <p:cSld>
+    <p:spTree>
+      <p:nvGrpSpPr>
+        <p:cNvPr id="1" name=""/>
+        <p:cNvGrpSpPr/>
+        <p:nvPr/>
+      </p:nvGrpSpPr>
+      <p:grpSpPr>
+        <a:xfrm>
+          <a:off x="0" y="0"/>
+          <a:ext cx="0" cy="0"/>
+          <a:chOff x="0" y="0"/>
+          <a:chExt cx="0" cy="0"/>
+        </a:xfrm>
+      </p:grpSpPr>
+      <p:sp>
+        <p:nvSpPr>
+          <p:cNvPr id="2" name="幻灯片图像占位符 1"/>
+          <p:cNvSpPr>
+            <a:spLocks noGrp="1" noRot="1" noChangeAspect="1"/>
+          </p:cNvSpPr>
+          <p:nvPr>
+            <p:ph type="sldImg"/>
+          </p:nvPr>
+        </p:nvSpPr>
+        <p:spPr/>
+      </p:sp>
+      <p:sp>
+        <p:nvSpPr>
+          <p:cNvPr id="3" name="备注占位符 2"/>
+          <p:cNvSpPr>
+            <a:spLocks noGrp="1"/>
+          </p:cNvSpPr>
+          <p:nvPr>
+            <p:ph type="body" idx="1"/>
+          </p:nvPr>
+        </p:nvSpPr>
+        <p:spPr/>
+        <p:txBody>
+          <a:bodyPr/>
+          <a:lstStyle/>
+          <a:p>
+            <a:r>
+              <a:rPr lang="en-US" altLang="zh-CN" sz="1200" b="0" i="0" kern="1200" dirty="0">
+                <a:solidFill>
+                  <a:schemeClr val="tx1"/>
+                </a:solidFill>
+                <a:effectLst/>
+                <a:latin typeface="+mn-lt"/>
+                <a:ea typeface="+mn-ea"/>
+                <a:cs typeface="+mn-cs"/>
+              </a:rPr>
+              <a:t>Effective distribution of load Scaling to meet the demand, but with uncertainty around when and how much this demand will be they are very concerned about buying too much infrastructure too soon or not enough too late</a:t>
+            </a:r>
+          </a:p>
+          <a:p>
+            <a:r>
+              <a:rPr lang="zh-CN" altLang="en-US" sz="1200" b="0" i="0" kern="1200" dirty="0">
+                <a:solidFill>
+                  <a:schemeClr val="tx1"/>
+                </a:solidFill>
+                <a:effectLst/>
+                <a:latin typeface="+mn-lt"/>
+                <a:ea typeface="+mn-ea"/>
+                <a:cs typeface="+mn-cs"/>
+              </a:rPr>
+              <a:t>发明者 </a:t>
+            </a:r>
+            <a:r>
+              <a:rPr lang="en-US" altLang="zh-CN" sz="1200" b="0" i="0" kern="1200" dirty="0">
+                <a:solidFill>
+                  <a:schemeClr val="tx1"/>
+                </a:solidFill>
+                <a:effectLst/>
+                <a:latin typeface="+mn-lt"/>
+                <a:ea typeface="+mn-ea"/>
+                <a:cs typeface="+mn-cs"/>
+              </a:rPr>
+              <a:t>SAM</a:t>
+            </a:r>
+          </a:p>
+          <a:p>
+            <a:r>
+              <a:rPr lang="en-US" altLang="zh-CN" sz="1200" b="0" i="0" kern="1200" dirty="0">
+                <a:solidFill>
+                  <a:schemeClr val="tx1"/>
+                </a:solidFill>
+                <a:effectLst/>
+                <a:latin typeface="+mn-lt"/>
+                <a:ea typeface="+mn-ea"/>
+                <a:cs typeface="+mn-cs"/>
+              </a:rPr>
+              <a:t>Easier for you to perform better</a:t>
+            </a:r>
+            <a:endParaRPr lang="zh-CN" altLang="en-US" dirty="0"/>
+          </a:p>
+        </p:txBody>
+      </p:sp>
+      <p:sp>
+        <p:nvSpPr>
+          <p:cNvPr id="4" name="灯片编号占位符 3"/>
+          <p:cNvSpPr>
+            <a:spLocks noGrp="1"/>
+          </p:cNvSpPr>
+          <p:nvPr>
+            <p:ph type="sldNum" sz="quarter" idx="10"/>
+          </p:nvPr>
+        </p:nvSpPr>
+        <p:spPr/>
+        <p:txBody>
+          <a:bodyPr/>
+          <a:lstStyle/>
+          <a:p>
+            <a:fld id="{98F2694B-8456-4C23-A81B-325F88010047}" type="slidenum">
+              <a:rPr lang="zh-CN" altLang="en-US" smtClean="0"/>
+              <a:t>24</a:t>
+            </a:fld>
+            <a:endParaRPr lang="zh-CN" altLang="en-US"/>
+          </a:p>
+        </p:txBody>
+      </p:sp>
+    </p:spTree>
+    <p:extLst>
+      <p:ext uri="{BB962C8B-B14F-4D97-AF65-F5344CB8AC3E}">
+        <p14:creationId xmlns:p14="http://schemas.microsoft.com/office/powerpoint/2010/main" val="1893274120"/>
+      </p:ext>
+    </p:extLst>
+  </p:cSld>
+  <p:clrMapOvr>
+    <a:masterClrMapping/>
+  </p:clrMapOvr>
+</p:notes>
+</file>
+
+<file path=ppt/notesSlides/notesSlide23.xml><?xml version="1.0" encoding="utf-8"?>
+<p:notes xmlns:a="http://schemas.openxmlformats.org/drawingml/2006/main" xmlns:r="http://schemas.openxmlformats.org/officeDocument/2006/relationships" xmlns:p="http://schemas.openxmlformats.org/presentationml/2006/main">
+  <p:cSld>
+    <p:spTree>
+      <p:nvGrpSpPr>
+        <p:cNvPr id="1" name=""/>
+        <p:cNvGrpSpPr/>
+        <p:nvPr/>
+      </p:nvGrpSpPr>
+      <p:grpSpPr>
+        <a:xfrm>
+          <a:off x="0" y="0"/>
+          <a:ext cx="0" cy="0"/>
+          <a:chOff x="0" y="0"/>
+          <a:chExt cx="0" cy="0"/>
+        </a:xfrm>
+      </p:grpSpPr>
+      <p:sp>
+        <p:nvSpPr>
+          <p:cNvPr id="2" name="幻灯片图像占位符 1"/>
+          <p:cNvSpPr>
+            <a:spLocks noGrp="1" noRot="1" noChangeAspect="1"/>
+          </p:cNvSpPr>
+          <p:nvPr>
+            <p:ph type="sldImg"/>
+          </p:nvPr>
+        </p:nvSpPr>
+        <p:spPr/>
+      </p:sp>
+      <p:sp>
+        <p:nvSpPr>
+          <p:cNvPr id="3" name="备注占位符 2"/>
+          <p:cNvSpPr>
+            <a:spLocks noGrp="1"/>
+          </p:cNvSpPr>
+          <p:nvPr>
+            <p:ph type="body" idx="1"/>
+          </p:nvPr>
+        </p:nvSpPr>
+        <p:spPr/>
+        <p:txBody>
+          <a:bodyPr/>
+          <a:lstStyle/>
+          <a:p>
+            <a:r>
+              <a:rPr lang="en-US" altLang="zh-CN" sz="1200" b="0" i="0" kern="1200" dirty="0" err="1">
+                <a:solidFill>
+                  <a:schemeClr val="tx1"/>
+                </a:solidFill>
+                <a:effectLst/>
+                <a:latin typeface="+mn-lt"/>
+                <a:ea typeface="+mn-ea"/>
+                <a:cs typeface="+mn-cs"/>
+              </a:rPr>
+              <a:t>ElastiCache</a:t>
+            </a:r>
+            <a:r>
+              <a:rPr lang="en-US" altLang="zh-CN" sz="1200" b="0" i="0" kern="1200" dirty="0">
+                <a:solidFill>
+                  <a:schemeClr val="tx1"/>
+                </a:solidFill>
+                <a:effectLst/>
+                <a:latin typeface="+mn-lt"/>
+                <a:ea typeface="+mn-ea"/>
+                <a:cs typeface="+mn-cs"/>
+              </a:rPr>
+              <a:t> </a:t>
+            </a:r>
+            <a:r>
+              <a:rPr lang="zh-CN" altLang="en-US" sz="1200" b="0" i="0" kern="1200" dirty="0">
+                <a:solidFill>
+                  <a:schemeClr val="tx1"/>
+                </a:solidFill>
+                <a:effectLst/>
+                <a:latin typeface="+mn-lt"/>
+                <a:ea typeface="+mn-ea"/>
+                <a:cs typeface="+mn-cs"/>
+              </a:rPr>
+              <a:t>无状态</a:t>
+            </a:r>
+            <a:r>
+              <a:rPr lang="en-US" altLang="zh-CN" sz="1200" b="0" i="0" kern="1200" dirty="0">
+                <a:solidFill>
+                  <a:schemeClr val="tx1"/>
+                </a:solidFill>
+                <a:effectLst/>
+                <a:latin typeface="+mn-lt"/>
+                <a:ea typeface="+mn-ea"/>
+                <a:cs typeface="+mn-cs"/>
+              </a:rPr>
+              <a:t>X Scaling</a:t>
+            </a:r>
+            <a:r>
+              <a:rPr lang="zh-CN" altLang="en-US" sz="1200" b="0" i="0" kern="1200" dirty="0">
+                <a:solidFill>
+                  <a:schemeClr val="tx1"/>
+                </a:solidFill>
+                <a:effectLst/>
+                <a:latin typeface="+mn-lt"/>
+                <a:ea typeface="+mn-ea"/>
+                <a:cs typeface="+mn-cs"/>
+              </a:rPr>
+              <a:t>部署简单</a:t>
+            </a:r>
+            <a:r>
+              <a:rPr lang="en-US" altLang="zh-CN" sz="1200" b="0" i="0" kern="1200" dirty="0">
+                <a:solidFill>
+                  <a:schemeClr val="tx1"/>
+                </a:solidFill>
+                <a:effectLst/>
+                <a:latin typeface="+mn-lt"/>
+                <a:ea typeface="+mn-ea"/>
+                <a:cs typeface="+mn-cs"/>
+              </a:rPr>
+              <a:t>Easier for you to perform better </a:t>
+            </a:r>
+            <a:r>
+              <a:rPr lang="zh-CN" altLang="en-US" sz="1200" b="0" i="0" kern="1200" dirty="0">
+                <a:solidFill>
+                  <a:schemeClr val="tx1"/>
+                </a:solidFill>
+                <a:effectLst/>
+                <a:latin typeface="+mn-lt"/>
+                <a:ea typeface="+mn-ea"/>
+                <a:cs typeface="+mn-cs"/>
+              </a:rPr>
+              <a:t>折腾 </a:t>
+            </a:r>
+            <a:r>
+              <a:rPr lang="en-US" altLang="zh-CN" sz="1200" b="0" i="0" kern="1200" dirty="0">
+                <a:solidFill>
+                  <a:schemeClr val="tx1"/>
+                </a:solidFill>
+                <a:effectLst/>
+                <a:latin typeface="+mn-lt"/>
+                <a:ea typeface="+mn-ea"/>
+                <a:cs typeface="+mn-cs"/>
+              </a:rPr>
+              <a:t>vs </a:t>
+            </a:r>
+            <a:r>
+              <a:rPr lang="zh-CN" altLang="en-US" sz="1200" b="0" i="0" kern="1200" dirty="0">
+                <a:solidFill>
+                  <a:schemeClr val="tx1"/>
+                </a:solidFill>
+                <a:effectLst/>
+                <a:latin typeface="+mn-lt"/>
+                <a:ea typeface="+mn-ea"/>
+                <a:cs typeface="+mn-cs"/>
+              </a:rPr>
+              <a:t>不折腾</a:t>
+            </a:r>
+            <a:endParaRPr lang="en-US" altLang="zh-CN" sz="1200" b="0" i="0" kern="1200" dirty="0">
+              <a:solidFill>
+                <a:schemeClr val="tx1"/>
+              </a:solidFill>
+              <a:effectLst/>
+              <a:latin typeface="+mn-lt"/>
+              <a:ea typeface="+mn-ea"/>
+              <a:cs typeface="+mn-cs"/>
+            </a:endParaRPr>
+          </a:p>
+          <a:p>
+            <a:r>
+              <a:rPr lang="en-US" altLang="zh-CN" sz="1200" b="0" i="0" kern="1200" dirty="0">
+                <a:solidFill>
+                  <a:schemeClr val="tx1"/>
+                </a:solidFill>
+                <a:effectLst/>
+                <a:latin typeface="+mn-lt"/>
+                <a:ea typeface="+mn-ea"/>
+                <a:cs typeface="+mn-cs"/>
+              </a:rPr>
+              <a:t>DynamoDB </a:t>
+            </a:r>
+            <a:r>
+              <a:rPr lang="en-US" altLang="zh-CN" sz="1200" b="0" i="0" kern="1200" dirty="0" err="1">
+                <a:solidFill>
+                  <a:schemeClr val="tx1"/>
+                </a:solidFill>
+                <a:effectLst/>
+                <a:latin typeface="+mn-lt"/>
+                <a:ea typeface="+mn-ea"/>
+                <a:cs typeface="+mn-cs"/>
+              </a:rPr>
+              <a:t>mongodb</a:t>
+            </a:r>
+            <a:r>
+              <a:rPr lang="zh-CN" altLang="en-US" sz="1200" b="0" i="0" kern="1200" dirty="0">
+                <a:solidFill>
+                  <a:schemeClr val="tx1"/>
+                </a:solidFill>
+                <a:effectLst/>
+                <a:latin typeface="+mn-lt"/>
+                <a:ea typeface="+mn-ea"/>
+                <a:cs typeface="+mn-cs"/>
+              </a:rPr>
+              <a:t>。即开即用</a:t>
+            </a:r>
+            <a:r>
+              <a:rPr lang="en-US" altLang="zh-CN" sz="1200" b="0" i="0" kern="1200" dirty="0">
+                <a:solidFill>
+                  <a:schemeClr val="tx1"/>
+                </a:solidFill>
+                <a:effectLst/>
+                <a:latin typeface="+mn-lt"/>
+                <a:ea typeface="+mn-ea"/>
+                <a:cs typeface="+mn-cs"/>
+              </a:rPr>
+              <a:t>Easier for you to perform better</a:t>
+            </a:r>
+            <a:r>
+              <a:rPr lang="zh-CN" altLang="en-US" sz="1200" b="0" i="0" kern="1200" dirty="0">
+                <a:solidFill>
+                  <a:schemeClr val="tx1"/>
+                </a:solidFill>
+                <a:effectLst/>
+                <a:latin typeface="+mn-lt"/>
+                <a:ea typeface="+mn-ea"/>
+                <a:cs typeface="+mn-cs"/>
+              </a:rPr>
+              <a:t>事件记录；快速启动。</a:t>
+            </a:r>
+            <a:endParaRPr lang="zh-CN" altLang="en-US" dirty="0"/>
+          </a:p>
+        </p:txBody>
+      </p:sp>
+      <p:sp>
+        <p:nvSpPr>
+          <p:cNvPr id="4" name="灯片编号占位符 3"/>
+          <p:cNvSpPr>
+            <a:spLocks noGrp="1"/>
+          </p:cNvSpPr>
+          <p:nvPr>
+            <p:ph type="sldNum" sz="quarter" idx="10"/>
+          </p:nvPr>
+        </p:nvSpPr>
+        <p:spPr/>
+        <p:txBody>
+          <a:bodyPr/>
+          <a:lstStyle/>
+          <a:p>
+            <a:fld id="{98F2694B-8456-4C23-A81B-325F88010047}" type="slidenum">
+              <a:rPr lang="zh-CN" altLang="en-US" smtClean="0"/>
+              <a:t>25</a:t>
+            </a:fld>
+            <a:endParaRPr lang="zh-CN" altLang="en-US"/>
+          </a:p>
+        </p:txBody>
+      </p:sp>
+    </p:spTree>
+    <p:extLst>
+      <p:ext uri="{BB962C8B-B14F-4D97-AF65-F5344CB8AC3E}">
+        <p14:creationId xmlns:p14="http://schemas.microsoft.com/office/powerpoint/2010/main" val="3843737088"/>
       </p:ext>
     </p:extLst>
   </p:cSld>
@@ -1160,15 +3308,7 @@
           <a:bodyPr/>
           <a:lstStyle/>
           <a:p>
-            <a:r>
-              <a:rPr lang="en-US" altLang="zh-CN" dirty="0"/>
-              <a:t>CIO</a:t>
-            </a:r>
-            <a:r>
-              <a:rPr lang="zh-CN" altLang="en-US" dirty="0"/>
-              <a:t>价格选型的故事 横向扩展而不是向上扩展 一开始可以向上扩展，但是后来一定是横向扩展</a:t>
-            </a:r>
-            <a:endParaRPr lang="en-US" altLang="zh-CN" dirty="0"/>
+            <a:endParaRPr lang="zh-CN" altLang="en-US" dirty="0"/>
           </a:p>
         </p:txBody>
       </p:sp>
@@ -1189,7 +3329,7 @@
           <a:p>
             <a:fld id="{98F2694B-8456-4C23-A81B-325F88010047}" type="slidenum">
               <a:rPr lang="zh-CN" altLang="en-US" smtClean="0"/>
-              <a:t>6</a:t>
+              <a:t>4</a:t>
             </a:fld>
             <a:endParaRPr lang="zh-CN" altLang="en-US"/>
           </a:p>
@@ -1198,7 +3338,7 @@
     </p:spTree>
     <p:extLst>
       <p:ext uri="{BB962C8B-B14F-4D97-AF65-F5344CB8AC3E}">
-        <p14:creationId xmlns:p14="http://schemas.microsoft.com/office/powerpoint/2010/main" val="478780658"/>
+        <p14:creationId xmlns:p14="http://schemas.microsoft.com/office/powerpoint/2010/main" val="3820941460"/>
       </p:ext>
     </p:extLst>
   </p:cSld>
@@ -1253,148 +3393,37 @@
           <a:lstStyle/>
           <a:p>
             <a:r>
-              <a:rPr lang="en-US" altLang="zh-CN" sz="1200" b="0" i="0" kern="1200" dirty="0">
-                <a:solidFill>
-                  <a:schemeClr val="tx1"/>
-                </a:solidFill>
-                <a:effectLst/>
-                <a:latin typeface="+mn-lt"/>
-                <a:ea typeface="+mn-ea"/>
-                <a:cs typeface="+mn-cs"/>
-              </a:rPr>
-              <a:t>Scaling to meet the demand, but with uncertainty around when and how much this demand will be they are very concerned about buying too much infrastructure too soon or not enough too late </a:t>
-            </a:r>
-          </a:p>
-          <a:p>
-            <a:r>
-              <a:rPr lang="en-US" altLang="zh-CN" sz="1200" b="0" i="0" kern="1200" dirty="0">
-                <a:solidFill>
-                  <a:schemeClr val="tx1"/>
-                </a:solidFill>
-                <a:effectLst/>
-                <a:latin typeface="+mn-lt"/>
-                <a:ea typeface="+mn-ea"/>
-                <a:cs typeface="+mn-cs"/>
-              </a:rPr>
-              <a:t>Self-healing infrastructure that recovers from failed service instances</a:t>
-            </a:r>
-          </a:p>
-          <a:p>
-            <a:r>
-              <a:rPr lang="zh-CN" altLang="en-US" sz="1200" b="0" i="0" kern="1200" dirty="0">
-                <a:solidFill>
-                  <a:schemeClr val="tx1"/>
-                </a:solidFill>
-                <a:effectLst/>
-                <a:latin typeface="+mn-lt"/>
-                <a:ea typeface="+mn-ea"/>
-                <a:cs typeface="+mn-cs"/>
-              </a:rPr>
-              <a:t>核心理念揽财</a:t>
-            </a:r>
-            <a:endParaRPr lang="en-US" altLang="zh-CN" sz="1200" b="0" i="0" kern="1200" dirty="0">
-              <a:solidFill>
-                <a:schemeClr val="tx1"/>
-              </a:solidFill>
-              <a:effectLst/>
-              <a:latin typeface="+mn-lt"/>
-              <a:ea typeface="+mn-ea"/>
-              <a:cs typeface="+mn-cs"/>
-            </a:endParaRPr>
-          </a:p>
-          <a:p>
-            <a:r>
-              <a:rPr lang="en-US" altLang="zh-CN" sz="1200" b="0" i="0" kern="1200" dirty="0">
-                <a:solidFill>
-                  <a:schemeClr val="tx1"/>
-                </a:solidFill>
-                <a:effectLst/>
-                <a:latin typeface="+mn-lt"/>
-                <a:ea typeface="+mn-ea"/>
-                <a:cs typeface="+mn-cs"/>
-              </a:rPr>
-              <a:t>Save money </a:t>
-            </a:r>
-          </a:p>
-          <a:p>
-            <a:r>
-              <a:rPr lang="en-US" altLang="zh-CN" sz="1200" b="0" i="0" kern="1200" dirty="0">
-                <a:solidFill>
-                  <a:schemeClr val="tx1"/>
-                </a:solidFill>
-                <a:effectLst/>
-                <a:latin typeface="+mn-lt"/>
-                <a:ea typeface="+mn-ea"/>
-                <a:cs typeface="+mn-cs"/>
-              </a:rPr>
-              <a:t>Easier for you to perform better</a:t>
-            </a:r>
-          </a:p>
-          <a:p>
-            <a:r>
-              <a:rPr lang="en-US" altLang="zh-CN" sz="1200" b="0" i="0" kern="1200" dirty="0">
-                <a:solidFill>
-                  <a:schemeClr val="tx1"/>
-                </a:solidFill>
-                <a:effectLst/>
-                <a:latin typeface="+mn-lt"/>
-                <a:ea typeface="+mn-ea"/>
-                <a:cs typeface="+mn-cs"/>
-              </a:rPr>
-              <a:t>CloudWatch </a:t>
-            </a:r>
-            <a:r>
-              <a:rPr lang="zh-CN" altLang="en-US" sz="1200" b="0" i="0" kern="1200" dirty="0">
-                <a:solidFill>
-                  <a:schemeClr val="tx1"/>
-                </a:solidFill>
-                <a:effectLst/>
-                <a:latin typeface="+mn-lt"/>
-                <a:ea typeface="+mn-ea"/>
-                <a:cs typeface="+mn-cs"/>
-              </a:rPr>
-              <a:t>命令行 </a:t>
-            </a:r>
-            <a:r>
-              <a:rPr lang="en-US" altLang="zh-CN" sz="1200" b="0" i="0" kern="1200" dirty="0">
-                <a:solidFill>
-                  <a:schemeClr val="tx1"/>
-                </a:solidFill>
-                <a:effectLst/>
-                <a:latin typeface="+mn-lt"/>
-                <a:ea typeface="+mn-ea"/>
-                <a:cs typeface="+mn-cs"/>
-              </a:rPr>
-              <a:t>CloudFormation</a:t>
-            </a:r>
-          </a:p>
-          <a:p>
-            <a:r>
-              <a:rPr lang="en-US" altLang="zh-CN" sz="1200" b="0" i="0" kern="1200" dirty="0">
-                <a:solidFill>
-                  <a:schemeClr val="tx1"/>
-                </a:solidFill>
-                <a:effectLst/>
-                <a:latin typeface="+mn-lt"/>
-                <a:ea typeface="+mn-ea"/>
-                <a:cs typeface="+mn-cs"/>
-              </a:rPr>
-              <a:t>druid.io</a:t>
-            </a:r>
-          </a:p>
-          <a:p>
-            <a:r>
-              <a:rPr lang="zh-CN" altLang="en-US" sz="1200" b="0" i="0" kern="1200" dirty="0">
-                <a:solidFill>
-                  <a:schemeClr val="tx1"/>
-                </a:solidFill>
-                <a:effectLst/>
-                <a:latin typeface="+mn-lt"/>
-                <a:ea typeface="+mn-ea"/>
-                <a:cs typeface="+mn-cs"/>
-              </a:rPr>
-              <a:t>甩手掌柜</a:t>
-            </a:r>
+              <a:rPr lang="en-US" altLang="zh-CN" dirty="0"/>
+              <a:t>Scaling to meet the demand, but with uncertainty around when and how much this demand will be </a:t>
+            </a:r>
+          </a:p>
+          <a:p>
+            <a:r>
+              <a:rPr lang="en-US" altLang="zh-CN" dirty="0"/>
+              <a:t>very concerned about buying too much infrastructure too soon or not enough too late	</a:t>
+            </a:r>
+          </a:p>
+          <a:p>
+            <a:r>
+              <a:rPr lang="zh-CN" altLang="en-US" dirty="0"/>
+              <a:t>性价比	</a:t>
+            </a:r>
+            <a:r>
+              <a:rPr lang="en-US" altLang="zh-CN" dirty="0"/>
+              <a:t>Save money in the long run	</a:t>
+            </a:r>
+          </a:p>
+          <a:p>
+            <a:r>
+              <a:rPr lang="en-US" altLang="zh-CN" dirty="0"/>
+              <a:t>CIO</a:t>
+            </a:r>
+            <a:r>
+              <a:rPr lang="zh-CN" altLang="en-US" dirty="0"/>
+              <a:t>选型	金鱼而不是汗血宝马</a:t>
+            </a:r>
+          </a:p>
+          <a:p>
             <a:endParaRPr lang="zh-CN" altLang="en-US" dirty="0"/>
           </a:p>
         </p:txBody>
@@ -1416,7 +3445,7 @@
           <a:p>
             <a:fld id="{98F2694B-8456-4C23-A81B-325F88010047}" type="slidenum">
               <a:rPr lang="zh-CN" altLang="en-US" smtClean="0"/>
-              <a:t>7</a:t>
+              <a:t>5</a:t>
             </a:fld>
             <a:endParaRPr lang="zh-CN" altLang="en-US"/>
           </a:p>
@@ -1425,7 +3454,7 @@
     </p:spTree>
     <p:extLst>
       <p:ext uri="{BB962C8B-B14F-4D97-AF65-F5344CB8AC3E}">
-        <p14:creationId xmlns:p14="http://schemas.microsoft.com/office/powerpoint/2010/main" val="1133141861"/>
+        <p14:creationId xmlns:p14="http://schemas.microsoft.com/office/powerpoint/2010/main" val="840537462"/>
       </p:ext>
     </p:extLst>
   </p:cSld>
@@ -1480,149 +3509,14 @@
           <a:lstStyle/>
           <a:p>
             <a:r>
-              <a:rPr lang="en-US" altLang="zh-CN" sz="1200" b="0" i="0" kern="1200" dirty="0">
-                <a:solidFill>
-                  <a:schemeClr val="tx1"/>
-                </a:solidFill>
-                <a:effectLst/>
-                <a:latin typeface="+mn-lt"/>
-                <a:ea typeface="+mn-ea"/>
-                <a:cs typeface="+mn-cs"/>
-              </a:rPr>
-              <a:t>Scaling to meet the demand, but with uncertainty around when and how much this demand will be they are very concerned about buying too much infrastructure too soon or not enough too late </a:t>
-            </a:r>
-          </a:p>
-          <a:p>
-            <a:r>
-              <a:rPr lang="en-US" altLang="zh-CN" sz="1200" b="0" i="0" kern="1200" dirty="0">
-                <a:solidFill>
-                  <a:schemeClr val="tx1"/>
-                </a:solidFill>
-                <a:effectLst/>
-                <a:latin typeface="+mn-lt"/>
-                <a:ea typeface="+mn-ea"/>
-                <a:cs typeface="+mn-cs"/>
-              </a:rPr>
-              <a:t>Self-healing infrastructure that recovers from failed service instances</a:t>
-            </a:r>
-          </a:p>
-          <a:p>
-            <a:r>
-              <a:rPr lang="zh-CN" altLang="en-US" sz="1200" b="0" i="0" kern="1200" dirty="0">
-                <a:solidFill>
-                  <a:schemeClr val="tx1"/>
-                </a:solidFill>
-                <a:effectLst/>
-                <a:latin typeface="+mn-lt"/>
-                <a:ea typeface="+mn-ea"/>
-                <a:cs typeface="+mn-cs"/>
-              </a:rPr>
-              <a:t>核心理念揽财</a:t>
-            </a:r>
-            <a:endParaRPr lang="en-US" altLang="zh-CN" sz="1200" b="0" i="0" kern="1200" dirty="0">
-              <a:solidFill>
-                <a:schemeClr val="tx1"/>
-              </a:solidFill>
-              <a:effectLst/>
-              <a:latin typeface="+mn-lt"/>
-              <a:ea typeface="+mn-ea"/>
-              <a:cs typeface="+mn-cs"/>
-            </a:endParaRPr>
-          </a:p>
-          <a:p>
-            <a:r>
-              <a:rPr lang="en-US" altLang="zh-CN" sz="1200" b="0" i="0" kern="1200" dirty="0">
-                <a:solidFill>
-                  <a:schemeClr val="tx1"/>
-                </a:solidFill>
-                <a:effectLst/>
-                <a:latin typeface="+mn-lt"/>
-                <a:ea typeface="+mn-ea"/>
-                <a:cs typeface="+mn-cs"/>
-              </a:rPr>
-              <a:t>Save money </a:t>
-            </a:r>
-          </a:p>
-          <a:p>
-            <a:r>
-              <a:rPr lang="en-US" altLang="zh-CN" sz="1200" b="0" i="0" kern="1200" dirty="0">
-                <a:solidFill>
-                  <a:schemeClr val="tx1"/>
-                </a:solidFill>
-                <a:effectLst/>
-                <a:latin typeface="+mn-lt"/>
-                <a:ea typeface="+mn-ea"/>
-                <a:cs typeface="+mn-cs"/>
-              </a:rPr>
-              <a:t>Easier for you to perform better</a:t>
-            </a:r>
-          </a:p>
-          <a:p>
-            <a:r>
-              <a:rPr lang="en-US" altLang="zh-CN" sz="1200" b="0" i="0" kern="1200" dirty="0">
-                <a:solidFill>
-                  <a:schemeClr val="tx1"/>
-                </a:solidFill>
-                <a:effectLst/>
-                <a:latin typeface="+mn-lt"/>
-                <a:ea typeface="+mn-ea"/>
-                <a:cs typeface="+mn-cs"/>
-              </a:rPr>
-              <a:t>CloudWatch </a:t>
-            </a:r>
-            <a:r>
-              <a:rPr lang="zh-CN" altLang="en-US" sz="1200" b="0" i="0" kern="1200" dirty="0">
-                <a:solidFill>
-                  <a:schemeClr val="tx1"/>
-                </a:solidFill>
-                <a:effectLst/>
-                <a:latin typeface="+mn-lt"/>
-                <a:ea typeface="+mn-ea"/>
-                <a:cs typeface="+mn-cs"/>
-              </a:rPr>
-              <a:t>命令行 </a:t>
-            </a:r>
-            <a:r>
-              <a:rPr lang="en-US" altLang="zh-CN" sz="1200" b="0" i="0" kern="1200" dirty="0">
-                <a:solidFill>
-                  <a:schemeClr val="tx1"/>
-                </a:solidFill>
-                <a:effectLst/>
-                <a:latin typeface="+mn-lt"/>
-                <a:ea typeface="+mn-ea"/>
-                <a:cs typeface="+mn-cs"/>
-              </a:rPr>
-              <a:t>CloudFormation</a:t>
-            </a:r>
-          </a:p>
-          <a:p>
-            <a:r>
-              <a:rPr lang="en-US" altLang="zh-CN" sz="1200" b="0" i="0" kern="1200" dirty="0">
-                <a:solidFill>
-                  <a:schemeClr val="tx1"/>
-                </a:solidFill>
-                <a:effectLst/>
-                <a:latin typeface="+mn-lt"/>
-                <a:ea typeface="+mn-ea"/>
-                <a:cs typeface="+mn-cs"/>
-              </a:rPr>
-              <a:t>druid.io</a:t>
-            </a:r>
-          </a:p>
-          <a:p>
-            <a:r>
-              <a:rPr lang="zh-CN" altLang="en-US" sz="1200" b="0" i="0" kern="1200" dirty="0">
-                <a:solidFill>
-                  <a:schemeClr val="tx1"/>
-                </a:solidFill>
-                <a:effectLst/>
-                <a:latin typeface="+mn-lt"/>
-                <a:ea typeface="+mn-ea"/>
-                <a:cs typeface="+mn-cs"/>
-              </a:rPr>
-              <a:t>甩手掌柜</a:t>
-            </a:r>
-            <a:endParaRPr lang="zh-CN" altLang="en-US" dirty="0"/>
+              <a:rPr lang="en-US" altLang="zh-CN" dirty="0"/>
+              <a:t>CIO</a:t>
+            </a:r>
+            <a:r>
+              <a:rPr lang="zh-CN" altLang="en-US" dirty="0"/>
+              <a:t>价格选型的故事 横向扩展而不是向上扩展 一开始可以向上扩展，但是后来一定是横向扩展</a:t>
+            </a:r>
+            <a:endParaRPr lang="en-US" altLang="zh-CN" dirty="0"/>
           </a:p>
         </p:txBody>
       </p:sp>
@@ -1643,7 +3537,7 @@
           <a:p>
             <a:fld id="{98F2694B-8456-4C23-A81B-325F88010047}" type="slidenum">
               <a:rPr lang="zh-CN" altLang="en-US" smtClean="0"/>
-              <a:t>8</a:t>
+              <a:t>6</a:t>
             </a:fld>
             <a:endParaRPr lang="zh-CN" altLang="en-US"/>
           </a:p>
@@ -1652,7 +3546,7 @@
     </p:spTree>
     <p:extLst>
       <p:ext uri="{BB962C8B-B14F-4D97-AF65-F5344CB8AC3E}">
-        <p14:creationId xmlns:p14="http://schemas.microsoft.com/office/powerpoint/2010/main" val="3989543911"/>
+        <p14:creationId xmlns:p14="http://schemas.microsoft.com/office/powerpoint/2010/main" val="478780658"/>
       </p:ext>
     </p:extLst>
   </p:cSld>
@@ -1716,7 +3610,7 @@
                 <a:ea typeface="+mn-ea"/>
                 <a:cs typeface="+mn-cs"/>
               </a:rPr>
-              <a:t>Scaling to meet the demand, but with uncertainty around when and how much this demand will be they are very concerned about buying too much infrastructure too soon or not enough too late </a:t>
+              <a:t>Scaling uncertainty when and how much</a:t>
             </a:r>
           </a:p>
           <a:p>
@@ -1786,6 +3680,18 @@
           </a:p>
           <a:p>
             <a:r>
+              <a:rPr lang="zh-CN" altLang="en-US" sz="1200" b="0" i="0" kern="1200" dirty="0">
+                <a:solidFill>
+                  <a:schemeClr val="tx1"/>
+                </a:solidFill>
+                <a:effectLst/>
+                <a:latin typeface="+mn-lt"/>
+                <a:ea typeface="+mn-ea"/>
+                <a:cs typeface="+mn-cs"/>
+              </a:rPr>
+              <a:t>不同点：</a:t>
+            </a:r>
+            <a:r>
               <a:rPr lang="en-US" altLang="zh-CN" sz="1200" b="0" i="0" kern="1200" dirty="0">
                 <a:solidFill>
                   <a:schemeClr val="tx1"/>
@@ -1824,7 +3730,7 @@
           </a:p>
           <a:p>
             <a:r>
-              <a:rPr lang="en-US" altLang="zh-CN" sz="1200" b="0" i="0" kern="1200" dirty="0">
+              <a:rPr lang="zh-CN" altLang="en-US" sz="1200" b="0" i="0" kern="1200" dirty="0">
                 <a:solidFill>
                   <a:schemeClr val="tx1"/>
                 </a:solidFill>
@@ -1833,8 +3739,41 @@
                 <a:ea typeface="+mn-ea"/>
                 <a:cs typeface="+mn-cs"/>
               </a:rPr>
-              <a:t>druid.io</a:t>
-            </a:r>
+              <a:t>因为</a:t>
+            </a:r>
+            <a:r>
+              <a:rPr lang="en-US" altLang="zh-CN" sz="1200" b="0" i="0" kern="1200" dirty="0">
+                <a:solidFill>
+                  <a:schemeClr val="tx1"/>
+                </a:solidFill>
+                <a:effectLst/>
+                <a:latin typeface="+mn-lt"/>
+                <a:ea typeface="+mn-ea"/>
+                <a:cs typeface="+mn-cs"/>
+              </a:rPr>
+              <a:t>AWS</a:t>
+            </a:r>
+            <a:r>
+              <a:rPr lang="zh-CN" altLang="en-US" sz="1200" b="0" i="0" kern="1200" dirty="0">
+                <a:solidFill>
+                  <a:schemeClr val="tx1"/>
+                </a:solidFill>
+                <a:effectLst/>
+                <a:latin typeface="+mn-lt"/>
+                <a:ea typeface="+mn-ea"/>
+                <a:cs typeface="+mn-cs"/>
+              </a:rPr>
+              <a:t>有这个能力。几次创业都先用最便宜，最简单的机器。</a:t>
+            </a:r>
+            <a:endParaRPr lang="en-US" altLang="zh-CN" sz="1200" b="0" i="0" kern="1200" dirty="0">
+              <a:solidFill>
+                <a:schemeClr val="tx1"/>
+              </a:solidFill>
+              <a:effectLst/>
+              <a:latin typeface="+mn-lt"/>
+              <a:ea typeface="+mn-ea"/>
+              <a:cs typeface="+mn-cs"/>
+            </a:endParaRPr>
           </a:p>
           <a:p>
             <a:r>
@@ -1870,7 +3809,7 @@
           <a:p>
             <a:fld id="{98F2694B-8456-4C23-A81B-325F88010047}" type="slidenum">
               <a:rPr lang="zh-CN" altLang="en-US" smtClean="0"/>
-              <a:t>9</a:t>
+              <a:t>7</a:t>
             </a:fld>
             <a:endParaRPr lang="zh-CN" altLang="en-US"/>
           </a:p>
@@ -1879,7 +3818,7 @@
     </p:spTree>
     <p:extLst>
       <p:ext uri="{BB962C8B-B14F-4D97-AF65-F5344CB8AC3E}">
-        <p14:creationId xmlns:p14="http://schemas.microsoft.com/office/powerpoint/2010/main" val="845230319"/>
+        <p14:creationId xmlns:p14="http://schemas.microsoft.com/office/powerpoint/2010/main" val="1133141861"/>
       </p:ext>
     </p:extLst>
   </p:cSld>
@@ -1934,7 +3873,7 @@
           <a:lstStyle/>
           <a:p>
             <a:r>
-              <a:rPr lang="en-US" altLang="zh-CN" sz="1200" b="0" i="0" kern="1200" dirty="0">
+              <a:rPr lang="zh-CN" altLang="en-US" sz="1200" b="0" i="0" kern="1200" dirty="0">
                 <a:solidFill>
                   <a:schemeClr val="tx1"/>
                 </a:solidFill>
@@ -1943,117 +3882,7 @@
                 <a:ea typeface="+mn-ea"/>
                 <a:cs typeface="+mn-cs"/>
               </a:rPr>
-              <a:t>Ability to configure database and data access layer for high performance and throughput Security of data at rest </a:t>
-            </a:r>
-          </a:p>
-          <a:p>
-            <a:r>
-              <a:rPr lang="zh-CN" altLang="en-US" sz="1200" b="0" i="0" kern="1200" dirty="0">
-                <a:solidFill>
-                  <a:schemeClr val="tx1"/>
-                </a:solidFill>
-                <a:effectLst/>
-                <a:latin typeface="+mn-lt"/>
-                <a:ea typeface="+mn-ea"/>
-                <a:cs typeface="+mn-cs"/>
-              </a:rPr>
-              <a:t>备份 计费和使用简单</a:t>
-            </a:r>
-            <a:endParaRPr lang="en-US" altLang="zh-CN" sz="1200" b="0" i="0" kern="1200" dirty="0">
-              <a:solidFill>
-                <a:schemeClr val="tx1"/>
-              </a:solidFill>
-              <a:effectLst/>
-              <a:latin typeface="+mn-lt"/>
-              <a:ea typeface="+mn-ea"/>
-              <a:cs typeface="+mn-cs"/>
-            </a:endParaRPr>
-          </a:p>
-          <a:p>
-            <a:r>
-              <a:rPr lang="en-US" altLang="zh-CN" sz="1200" b="0" i="0" kern="1200" dirty="0">
-                <a:solidFill>
-                  <a:schemeClr val="tx1"/>
-                </a:solidFill>
-                <a:effectLst/>
-                <a:latin typeface="+mn-lt"/>
-                <a:ea typeface="+mn-ea"/>
-                <a:cs typeface="+mn-cs"/>
-              </a:rPr>
-              <a:t>Save money Easier for you to perform better</a:t>
-            </a:r>
-          </a:p>
-          <a:p>
-            <a:r>
-              <a:rPr lang="zh-CN" altLang="en-US" sz="1200" b="0" i="0" kern="1200" dirty="0">
-                <a:solidFill>
-                  <a:schemeClr val="tx1"/>
-                </a:solidFill>
-                <a:effectLst/>
-                <a:latin typeface="+mn-lt"/>
-                <a:ea typeface="+mn-ea"/>
-                <a:cs typeface="+mn-cs"/>
-              </a:rPr>
-              <a:t>安基</a:t>
-            </a:r>
-            <a:r>
-              <a:rPr lang="en-US" altLang="zh-CN" sz="1200" b="0" i="0" kern="1200" dirty="0">
-                <a:solidFill>
-                  <a:schemeClr val="tx1"/>
-                </a:solidFill>
-                <a:effectLst/>
-                <a:latin typeface="+mn-lt"/>
-                <a:ea typeface="+mn-ea"/>
-                <a:cs typeface="+mn-cs"/>
-              </a:rPr>
-              <a:t>ERP</a:t>
-            </a:r>
-            <a:r>
-              <a:rPr lang="zh-CN" altLang="en-US" sz="1200" b="0" i="0" kern="1200" dirty="0">
-                <a:solidFill>
-                  <a:schemeClr val="tx1"/>
-                </a:solidFill>
-                <a:effectLst/>
-                <a:latin typeface="+mn-lt"/>
-                <a:ea typeface="+mn-ea"/>
-                <a:cs typeface="+mn-cs"/>
-              </a:rPr>
-              <a:t>项目，不再焦虑不懂数据库运营，依赖外部谈判，轻松备份。</a:t>
-            </a:r>
-            <a:endParaRPr lang="en-US" altLang="zh-CN" sz="1200" b="0" i="0" kern="1200" dirty="0">
-              <a:solidFill>
-                <a:schemeClr val="tx1"/>
-              </a:solidFill>
-              <a:effectLst/>
-              <a:latin typeface="+mn-lt"/>
-              <a:ea typeface="+mn-ea"/>
-              <a:cs typeface="+mn-cs"/>
-            </a:endParaRPr>
-          </a:p>
-          <a:p>
-            <a:r>
-              <a:rPr lang="zh-CN" altLang="en-US" sz="1200" b="0" i="0" kern="1200" dirty="0">
-                <a:solidFill>
-                  <a:schemeClr val="tx1"/>
-                </a:solidFill>
-                <a:effectLst/>
-                <a:latin typeface="+mn-lt"/>
-                <a:ea typeface="+mn-ea"/>
-                <a:cs typeface="+mn-cs"/>
-              </a:rPr>
-              <a:t>不需要</a:t>
-            </a:r>
-            <a:r>
-              <a:rPr lang="en-US" altLang="zh-CN" sz="1200" b="0" i="0" kern="1200" dirty="0">
-                <a:solidFill>
-                  <a:schemeClr val="tx1"/>
-                </a:solidFill>
-                <a:effectLst/>
-                <a:latin typeface="+mn-lt"/>
-                <a:ea typeface="+mn-ea"/>
-                <a:cs typeface="+mn-cs"/>
-              </a:rPr>
-              <a:t>DBA</a:t>
+              <a:t>甩手掌柜</a:t>
             </a:r>
             <a:endParaRPr lang="zh-CN" altLang="en-US" dirty="0"/>
           </a:p>
@@ -2076,7 +3905,7 @@
           <a:p>
             <a:fld id="{98F2694B-8456-4C23-A81B-325F88010047}" type="slidenum">
               <a:rPr lang="zh-CN" altLang="en-US" smtClean="0"/>
-              <a:t>10</a:t>
+              <a:t>8</a:t>
             </a:fld>
             <a:endParaRPr lang="zh-CN" altLang="en-US"/>
           </a:p>
@@ -2085,7 +3914,7 @@
     </p:spTree>
     <p:extLst>
       <p:ext uri="{BB962C8B-B14F-4D97-AF65-F5344CB8AC3E}">
-        <p14:creationId xmlns:p14="http://schemas.microsoft.com/office/powerpoint/2010/main" val="2977630559"/>
+        <p14:creationId xmlns:p14="http://schemas.microsoft.com/office/powerpoint/2010/main" val="3989543911"/>
       </p:ext>
     </p:extLst>
   </p:cSld>
@@ -2139,32 +3968,23 @@
           <a:bodyPr/>
           <a:lstStyle/>
           <a:p>
-            <a:r>
-              <a:rPr lang="en-US" altLang="zh-CN" sz="1200" b="0" i="0" kern="1200" dirty="0">
-                <a:solidFill>
-                  <a:schemeClr val="tx1"/>
-                </a:solidFill>
-                <a:effectLst/>
-                <a:latin typeface="+mn-lt"/>
-                <a:ea typeface="+mn-ea"/>
-                <a:cs typeface="+mn-cs"/>
-              </a:rPr>
-              <a:t>Ability to configure database and data access layer for high performance and throughput Security of data at rest </a:t>
-            </a:r>
-          </a:p>
-          <a:p>
-            <a:r>
-              <a:rPr lang="zh-CN" altLang="en-US" sz="1200" b="0" i="0" kern="1200" dirty="0">
-                <a:solidFill>
-                  <a:schemeClr val="tx1"/>
-                </a:solidFill>
-                <a:effectLst/>
-                <a:latin typeface="+mn-lt"/>
-                <a:ea typeface="+mn-ea"/>
-                <a:cs typeface="+mn-cs"/>
-              </a:rPr>
-              <a:t>备份 计费和使用简单</a:t>
-            </a:r>
+            <a:pPr marL="0" marR="0" lvl="0" indent="0" algn="l" defTabSz="914400" rtl="0" eaLnBrk="1" fontAlgn="auto" latinLnBrk="0" hangingPunct="1">
+              <a:lnSpc>
+                <a:spcPct val="100000"/>
+              </a:lnSpc>
+              <a:spcBef>
+                <a:spcPts val="0"/>
+              </a:spcBef>
+              <a:spcAft>
+                <a:spcPts val="0"/>
+              </a:spcAft>
+              <a:buClrTx/>
+              <a:buSzTx/>
+              <a:buFontTx/>
+              <a:buNone/>
+              <a:tabLst/>
+              <a:defRPr/>
+            </a:pPr>
             <a:endParaRPr lang="en-US" altLang="zh-CN" sz="1200" b="0" i="0" kern="1200" dirty="0">
               <a:solidFill>
                 <a:schemeClr val="tx1"/>
@@ -2175,108 +3995,6 @@
               <a:cs typeface="+mn-cs"/>
             </a:endParaRPr>
           </a:p>
-          <a:p>
-            <a:r>
-              <a:rPr lang="en-US" altLang="zh-CN" sz="1200" b="0" i="0" kern="1200" dirty="0">
-                <a:solidFill>
-                  <a:schemeClr val="tx1"/>
-                </a:solidFill>
-                <a:effectLst/>
-                <a:latin typeface="+mn-lt"/>
-                <a:ea typeface="+mn-ea"/>
-                <a:cs typeface="+mn-cs"/>
-              </a:rPr>
-              <a:t>Save money</a:t>
-            </a:r>
-          </a:p>
-          <a:p>
-            <a:r>
-              <a:rPr lang="en-US" altLang="zh-CN" sz="1200" b="0" i="0" kern="1200" dirty="0">
-                <a:solidFill>
-                  <a:schemeClr val="tx1"/>
-                </a:solidFill>
-                <a:effectLst/>
-                <a:latin typeface="+mn-lt"/>
-                <a:ea typeface="+mn-ea"/>
-                <a:cs typeface="+mn-cs"/>
-              </a:rPr>
-              <a:t>Easier for you to perform better</a:t>
-            </a:r>
-          </a:p>
-          <a:p>
-            <a:r>
-              <a:rPr lang="zh-CN" altLang="en-US" sz="1200" b="0" i="0" kern="1200" dirty="0">
-                <a:solidFill>
-                  <a:schemeClr val="tx1"/>
-                </a:solidFill>
-                <a:effectLst/>
-                <a:latin typeface="+mn-lt"/>
-                <a:ea typeface="+mn-ea"/>
-                <a:cs typeface="+mn-cs"/>
-              </a:rPr>
-              <a:t>安基</a:t>
-            </a:r>
-            <a:r>
-              <a:rPr lang="en-US" altLang="zh-CN" sz="1200" b="0" i="0" kern="1200" dirty="0">
-                <a:solidFill>
-                  <a:schemeClr val="tx1"/>
-                </a:solidFill>
-                <a:effectLst/>
-                <a:latin typeface="+mn-lt"/>
-                <a:ea typeface="+mn-ea"/>
-                <a:cs typeface="+mn-cs"/>
-              </a:rPr>
-              <a:t>ERP</a:t>
-            </a:r>
-            <a:r>
-              <a:rPr lang="zh-CN" altLang="en-US" sz="1200" b="0" i="0" kern="1200" dirty="0">
-                <a:solidFill>
-                  <a:schemeClr val="tx1"/>
-                </a:solidFill>
-                <a:effectLst/>
-                <a:latin typeface="+mn-lt"/>
-                <a:ea typeface="+mn-ea"/>
-                <a:cs typeface="+mn-cs"/>
-              </a:rPr>
-              <a:t>项目，不再焦虑不懂数据库运营，依赖外部谈判，轻松备份。</a:t>
-            </a:r>
-            <a:endParaRPr lang="en-US" altLang="zh-CN" sz="1200" b="0" i="0" kern="1200" dirty="0">
-              <a:solidFill>
-                <a:schemeClr val="tx1"/>
-              </a:solidFill>
-              <a:effectLst/>
-              <a:latin typeface="+mn-lt"/>
-              <a:ea typeface="+mn-ea"/>
-              <a:cs typeface="+mn-cs"/>
-            </a:endParaRPr>
-          </a:p>
-          <a:p>
-            <a:r>
-              <a:rPr lang="zh-CN" altLang="en-US" sz="1200" b="0" i="0" kern="1200" dirty="0">
-                <a:solidFill>
-                  <a:schemeClr val="tx1"/>
-                </a:solidFill>
-                <a:effectLst/>
-                <a:latin typeface="+mn-lt"/>
-                <a:ea typeface="+mn-ea"/>
-                <a:cs typeface="+mn-cs"/>
-              </a:rPr>
-              <a:t>不需要</a:t>
-            </a:r>
-            <a:r>
-              <a:rPr lang="en-US" altLang="zh-CN" sz="1200" b="0" i="0" kern="1200" dirty="0">
-                <a:solidFill>
-                  <a:schemeClr val="tx1"/>
-                </a:solidFill>
-                <a:effectLst/>
-                <a:latin typeface="+mn-lt"/>
-                <a:ea typeface="+mn-ea"/>
-                <a:cs typeface="+mn-cs"/>
-              </a:rPr>
-              <a:t>DBA</a:t>
-            </a:r>
-            <a:endParaRPr lang="zh-CN" altLang="en-US" dirty="0"/>
-          </a:p>
         </p:txBody>
       </p:sp>
       <p:sp>
@@ -2296,7 +4014,7 @@
           <a:p>
             <a:fld id="{98F2694B-8456-4C23-A81B-325F88010047}" type="slidenum">
               <a:rPr lang="zh-CN" altLang="en-US" smtClean="0"/>
-              <a:t>11</a:t>
+              <a:t>9</a:t>
             </a:fld>
             <a:endParaRPr lang="zh-CN" altLang="en-US"/>
           </a:p>
@@ -2305,7 +4023,7 @@
     </p:spTree>
     <p:extLst>
       <p:ext uri="{BB962C8B-B14F-4D97-AF65-F5344CB8AC3E}">
-        <p14:creationId xmlns:p14="http://schemas.microsoft.com/office/powerpoint/2010/main" val="1193342312"/>
+        <p14:creationId xmlns:p14="http://schemas.microsoft.com/office/powerpoint/2010/main" val="845230319"/>
       </p:ext>
     </p:extLst>
   </p:cSld>
@@ -2369,36 +4087,10 @@
                 <a:ea typeface="+mn-ea"/>
                 <a:cs typeface="+mn-cs"/>
               </a:rPr>
-              <a:t>Region &amp; Availability zones</a:t>
-            </a:r>
-          </a:p>
-          <a:p>
-            <a:r>
-              <a:rPr lang="en-US" altLang="zh-CN" sz="1200" b="0" i="0" kern="1200" dirty="0">
-                <a:solidFill>
-                  <a:schemeClr val="tx1"/>
-                </a:solidFill>
-                <a:effectLst/>
-                <a:latin typeface="+mn-lt"/>
-                <a:ea typeface="+mn-ea"/>
-                <a:cs typeface="+mn-cs"/>
-              </a:rPr>
               <a:t>Disaster recovery</a:t>
             </a:r>
           </a:p>
           <a:p>
-            <a:r>
-              <a:rPr lang="zh-CN" altLang="en-US" sz="1200" b="0" i="0" kern="1200" dirty="0">
-                <a:solidFill>
-                  <a:schemeClr val="tx1"/>
-                </a:solidFill>
-                <a:effectLst/>
-                <a:latin typeface="+mn-lt"/>
-                <a:ea typeface="+mn-ea"/>
-                <a:cs typeface="+mn-cs"/>
-              </a:rPr>
-              <a:t>正直。。</a:t>
-            </a:r>
             <a:r>
               <a:rPr lang="en-US" altLang="zh-CN" sz="1200" b="0" i="0" kern="1200" dirty="0">
                 <a:solidFill>
@@ -2410,6 +4102,20 @@
                 <a:cs typeface="+mn-cs"/>
               </a:rPr>
               <a:t>Your strong support</a:t>
+            </a:r>
+          </a:p>
+          <a:p>
+            <a:r>
+              <a:rPr lang="en-US" altLang="zh-CN" sz="1200" b="0" i="0" kern="1200" dirty="0">
+                <a:solidFill>
+                  <a:schemeClr val="tx1"/>
+                </a:solidFill>
+                <a:effectLst/>
+                <a:latin typeface="+mn-lt"/>
+                <a:ea typeface="+mn-ea"/>
+                <a:cs typeface="+mn-cs"/>
+              </a:rPr>
+              <a:t>Easier for you to perform better</a:t>
             </a:r>
           </a:p>
           <a:p>
@@ -2472,7 +4178,7 @@
           <a:p>
             <a:fld id="{98F2694B-8456-4C23-A81B-325F88010047}" type="slidenum">
               <a:rPr lang="zh-CN" altLang="en-US" smtClean="0"/>
-              <a:t>12</a:t>
+              <a:t>10</a:t>
             </a:fld>
             <a:endParaRPr lang="zh-CN" altLang="en-US"/>
           </a:p>
@@ -5822,6 +7528,7 @@
           <a:bodyPr/>
           <a:lstStyle/>
           <a:p>
+            <a:pPr algn="r"/>
             <a:r>
               <a:rPr lang="en-US" altLang="zh-CN" dirty="0" err="1"/>
               <a:t>Zhaolei</a:t>
@@ -5844,6 +7551,184 @@
 </file>
 
 <file path=ppt/slides/slide10.xml><?xml version="1.0" encoding="utf-8"?>
+<p:sld xmlns:a="http://schemas.openxmlformats.org/drawingml/2006/main" xmlns:r="http://schemas.openxmlformats.org/officeDocument/2006/relationships" xmlns:p="http://schemas.openxmlformats.org/presentationml/2006/main">
+  <p:cSld>
+    <p:spTree>
+      <p:nvGrpSpPr>
+        <p:cNvPr id="1" name=""/>
+        <p:cNvGrpSpPr/>
+        <p:nvPr/>
+      </p:nvGrpSpPr>
+      <p:grpSpPr>
+        <a:xfrm>
+          <a:off x="0" y="0"/>
+          <a:ext cx="0" cy="0"/>
+          <a:chOff x="0" y="0"/>
+          <a:chExt cx="0" cy="0"/>
+        </a:xfrm>
+      </p:grpSpPr>
+      <p:sp>
+        <p:nvSpPr>
+          <p:cNvPr id="7" name="标题 6">
+            <a:extLst>
+              <a:ext uri="{FF2B5EF4-FFF2-40B4-BE49-F238E27FC236}">
+                <a16:creationId xmlns:a16="http://schemas.microsoft.com/office/drawing/2014/main" id="{B3D4F291-362B-4A2A-88D6-B2454923DA90}"/>
+              </a:ext>
+            </a:extLst>
+          </p:cNvPr>
+          <p:cNvSpPr>
+            <a:spLocks noGrp="1"/>
+          </p:cNvSpPr>
+          <p:nvPr>
+            <p:ph type="title"/>
+          </p:nvPr>
+        </p:nvSpPr>
+        <p:spPr/>
+        <p:txBody>
+          <a:bodyPr/>
+          <a:lstStyle/>
+          <a:p>
+            <a:r>
+              <a:rPr lang="en-US" altLang="zh-CN" dirty="0"/>
+              <a:t>Don‘t put eggs in one basket – Region &amp;</a:t>
+            </a:r>
+            <a:r>
+              <a:rPr lang="zh-CN" altLang="en-US" dirty="0"/>
+              <a:t> </a:t>
+            </a:r>
+            <a:r>
+              <a:rPr lang="en-US" altLang="zh-CN" dirty="0"/>
+              <a:t>Availability Zone</a:t>
+            </a:r>
+            <a:endParaRPr lang="zh-CN" altLang="en-US" dirty="0"/>
+          </a:p>
+        </p:txBody>
+      </p:sp>
+      <p:pic>
+        <p:nvPicPr>
+          <p:cNvPr id="11" name="图片占位符 10">
+            <a:extLst>
+              <a:ext uri="{FF2B5EF4-FFF2-40B4-BE49-F238E27FC236}">
+                <a16:creationId xmlns:a16="http://schemas.microsoft.com/office/drawing/2014/main" id="{A55BBD48-AD9F-4E30-AB3D-36A832606C70}"/>
+              </a:ext>
+            </a:extLst>
+          </p:cNvPr>
+          <p:cNvPicPr>
+            <a:picLocks noGrp="1" noChangeAspect="1"/>
+          </p:cNvPicPr>
+          <p:nvPr>
+            <p:ph type="pic" idx="1"/>
+          </p:nvPr>
+        </p:nvPicPr>
+        <p:blipFill rotWithShape="1">
+          <a:blip r:embed="rId3">
+            <a:extLst>
+              <a:ext uri="{28A0092B-C50C-407E-A947-70E740481C1C}">
+                <a14:useLocalDpi xmlns:a14="http://schemas.microsoft.com/office/drawing/2010/main" val="0"/>
+              </a:ext>
+            </a:extLst>
+          </a:blip>
+          <a:srcRect t="6331" b="14847"/>
+          <a:stretch/>
+        </p:blipFill>
+        <p:spPr>
+          <a:xfrm>
+            <a:off x="0" y="0"/>
+            <a:ext cx="12192000" cy="5330952"/>
+          </a:xfrm>
+        </p:spPr>
+      </p:pic>
+    </p:spTree>
+    <p:extLst>
+      <p:ext uri="{BB962C8B-B14F-4D97-AF65-F5344CB8AC3E}">
+        <p14:creationId xmlns:p14="http://schemas.microsoft.com/office/powerpoint/2010/main" val="1126917290"/>
+      </p:ext>
+    </p:extLst>
+  </p:cSld>
+  <p:clrMapOvr>
+    <a:masterClrMapping/>
+  </p:clrMapOvr>
+</p:sld>
+</file>
+
+<file path=ppt/slides/slide11.xml><?xml version="1.0" encoding="utf-8"?>
+<p:sld xmlns:a="http://schemas.openxmlformats.org/drawingml/2006/main" xmlns:r="http://schemas.openxmlformats.org/officeDocument/2006/relationships" xmlns:p="http://schemas.openxmlformats.org/presentationml/2006/main">
+  <p:cSld>
+    <p:spTree>
+      <p:nvGrpSpPr>
+        <p:cNvPr id="1" name=""/>
+        <p:cNvGrpSpPr/>
+        <p:nvPr/>
+      </p:nvGrpSpPr>
+      <p:grpSpPr>
+        <a:xfrm>
+          <a:off x="0" y="0"/>
+          <a:ext cx="0" cy="0"/>
+          <a:chOff x="0" y="0"/>
+          <a:chExt cx="0" cy="0"/>
+        </a:xfrm>
+      </p:grpSpPr>
+      <p:pic>
+        <p:nvPicPr>
+          <p:cNvPr id="2050" name="Picture 2" descr="https://media.licdn.com/dms/image/C4E12AQF8vi-ebypQnQ/article-inline_image-shrink_1000_1488/0?e=2127686400&amp;v=beta&amp;t=wqHbzohpEKAfwSoxrfaT8SVPFkizDdhrOmoblNUZj-o">
+            <a:extLst>
+              <a:ext uri="{FF2B5EF4-FFF2-40B4-BE49-F238E27FC236}">
+                <a16:creationId xmlns:a16="http://schemas.microsoft.com/office/drawing/2014/main" id="{EC2EA1C1-21A0-4850-94DE-568F4C0DA930}"/>
+              </a:ext>
+            </a:extLst>
+          </p:cNvPr>
+          <p:cNvPicPr>
+            <a:picLocks noChangeAspect="1" noChangeArrowheads="1"/>
+          </p:cNvPicPr>
+          <p:nvPr/>
+        </p:nvPicPr>
+        <p:blipFill>
+          <a:blip r:embed="rId3">
+            <a:extLst>
+              <a:ext uri="{28A0092B-C50C-407E-A947-70E740481C1C}">
+                <a14:useLocalDpi xmlns:a14="http://schemas.microsoft.com/office/drawing/2010/main" val="0"/>
+              </a:ext>
+            </a:extLst>
+          </a:blip>
+          <a:srcRect/>
+          <a:stretch>
+            <a:fillRect/>
+          </a:stretch>
+        </p:blipFill>
+        <p:spPr bwMode="auto">
+          <a:xfrm>
+            <a:off x="0" y="-1"/>
+            <a:ext cx="12192000" cy="6858001"/>
+          </a:xfrm>
+          <a:prstGeom prst="rect">
+            <a:avLst/>
+          </a:prstGeom>
+          <a:noFill/>
+          <a:extLst>
+            <a:ext uri="{909E8E84-426E-40DD-AFC4-6F175D3DCCD1}">
+              <a14:hiddenFill xmlns:a14="http://schemas.microsoft.com/office/drawing/2010/main">
+                <a:solidFill>
+                  <a:srgbClr val="FFFFFF"/>
+                </a:solidFill>
+              </a14:hiddenFill>
+            </a:ext>
+          </a:extLst>
+        </p:spPr>
+      </p:pic>
+    </p:spTree>
+    <p:extLst>
+      <p:ext uri="{BB962C8B-B14F-4D97-AF65-F5344CB8AC3E}">
+        <p14:creationId xmlns:p14="http://schemas.microsoft.com/office/powerpoint/2010/main" val="2004362853"/>
+      </p:ext>
+    </p:extLst>
+  </p:cSld>
+  <p:clrMapOvr>
+    <a:masterClrMapping/>
+  </p:clrMapOvr>
+</p:sld>
+</file>
+
+<file path=ppt/slides/slide12.xml><?xml version="1.0" encoding="utf-8"?>
 <p:sld xmlns:a="http://schemas.openxmlformats.org/drawingml/2006/main" xmlns:r="http://schemas.openxmlformats.org/officeDocument/2006/relationships" xmlns:p="http://schemas.openxmlformats.org/presentationml/2006/main">
   <p:cSld>
     <p:spTree>
@@ -6770,7 +8655,7 @@
 </p:sld>
 </file>
 
-<file path=ppt/slides/slide11.xml><?xml version="1.0" encoding="utf-8"?>
+<file path=ppt/slides/slide13.xml><?xml version="1.0" encoding="utf-8"?>
 <p:sld xmlns:a="http://schemas.openxmlformats.org/drawingml/2006/main" xmlns:r="http://schemas.openxmlformats.org/officeDocument/2006/relationships" xmlns:p="http://schemas.openxmlformats.org/presentationml/2006/main">
   <p:cSld>
     <p:spTree>
@@ -6834,201 +8719,6 @@
 </p:sld>
 </file>
 
-<file path=ppt/slides/slide12.xml><?xml version="1.0" encoding="utf-8"?>
-<p:sld xmlns:a="http://schemas.openxmlformats.org/drawingml/2006/main" xmlns:r="http://schemas.openxmlformats.org/officeDocument/2006/relationships" xmlns:p="http://schemas.openxmlformats.org/presentationml/2006/main">
-  <p:cSld>
-    <p:spTree>
-      <p:nvGrpSpPr>
-        <p:cNvPr id="1" name=""/>
-        <p:cNvGrpSpPr/>
-        <p:nvPr/>
-      </p:nvGrpSpPr>
-      <p:grpSpPr>
-        <a:xfrm>
-          <a:off x="0" y="0"/>
-          <a:ext cx="0" cy="0"/>
-          <a:chOff x="0" y="0"/>
-          <a:chExt cx="0" cy="0"/>
-        </a:xfrm>
-      </p:grpSpPr>
-      <p:sp>
-        <p:nvSpPr>
-          <p:cNvPr id="7" name="标题 6">
-            <a:extLst>
-              <a:ext uri="{FF2B5EF4-FFF2-40B4-BE49-F238E27FC236}">
-                <a16:creationId xmlns:a16="http://schemas.microsoft.com/office/drawing/2014/main" id="{B3D4F291-362B-4A2A-88D6-B2454923DA90}"/>
-              </a:ext>
-            </a:extLst>
-          </p:cNvPr>
-          <p:cNvSpPr>
-            <a:spLocks noGrp="1"/>
-          </p:cNvSpPr>
-          <p:nvPr>
-            <p:ph type="title"/>
-          </p:nvPr>
-        </p:nvSpPr>
-        <p:spPr/>
-        <p:txBody>
-          <a:bodyPr/>
-          <a:lstStyle/>
-          <a:p>
-            <a:r>
-              <a:rPr lang="en-US" altLang="zh-CN" dirty="0"/>
-              <a:t>Don't put eggs in one basket</a:t>
-            </a:r>
-            <a:endParaRPr lang="zh-CN" altLang="en-US" dirty="0"/>
-          </a:p>
-        </p:txBody>
-      </p:sp>
-      <p:pic>
-        <p:nvPicPr>
-          <p:cNvPr id="11" name="图片占位符 10">
-            <a:extLst>
-              <a:ext uri="{FF2B5EF4-FFF2-40B4-BE49-F238E27FC236}">
-                <a16:creationId xmlns:a16="http://schemas.microsoft.com/office/drawing/2014/main" id="{A55BBD48-AD9F-4E30-AB3D-36A832606C70}"/>
-              </a:ext>
-            </a:extLst>
-          </p:cNvPr>
-          <p:cNvPicPr>
-            <a:picLocks noGrp="1" noChangeAspect="1"/>
-          </p:cNvPicPr>
-          <p:nvPr>
-            <p:ph type="pic" idx="1"/>
-          </p:nvPr>
-        </p:nvPicPr>
-        <p:blipFill rotWithShape="1">
-          <a:blip r:embed="rId3">
-            <a:extLst>
-              <a:ext uri="{28A0092B-C50C-407E-A947-70E740481C1C}">
-                <a14:useLocalDpi xmlns:a14="http://schemas.microsoft.com/office/drawing/2010/main" val="0"/>
-              </a:ext>
-            </a:extLst>
-          </a:blip>
-          <a:srcRect t="6331" b="14847"/>
-          <a:stretch/>
-        </p:blipFill>
-        <p:spPr>
-          <a:xfrm>
-            <a:off x="0" y="0"/>
-            <a:ext cx="12192000" cy="5330952"/>
-          </a:xfrm>
-        </p:spPr>
-      </p:pic>
-      <p:sp>
-        <p:nvSpPr>
-          <p:cNvPr id="9" name="文本占位符 8">
-            <a:extLst>
-              <a:ext uri="{FF2B5EF4-FFF2-40B4-BE49-F238E27FC236}">
-                <a16:creationId xmlns:a16="http://schemas.microsoft.com/office/drawing/2014/main" id="{8A24B982-F514-4A2D-83E5-3D7418BCD321}"/>
-              </a:ext>
-            </a:extLst>
-          </p:cNvPr>
-          <p:cNvSpPr>
-            <a:spLocks noGrp="1"/>
-          </p:cNvSpPr>
-          <p:nvPr>
-            <p:ph type="body" sz="half" idx="2"/>
-          </p:nvPr>
-        </p:nvSpPr>
-        <p:spPr/>
-        <p:txBody>
-          <a:bodyPr/>
-          <a:lstStyle/>
-          <a:p>
-            <a:endParaRPr lang="zh-CN" altLang="en-US"/>
-          </a:p>
-        </p:txBody>
-      </p:sp>
-    </p:spTree>
-    <p:extLst>
-      <p:ext uri="{BB962C8B-B14F-4D97-AF65-F5344CB8AC3E}">
-        <p14:creationId xmlns:p14="http://schemas.microsoft.com/office/powerpoint/2010/main" val="1126917290"/>
-      </p:ext>
-    </p:extLst>
-  </p:cSld>
-  <p:clrMapOvr>
-    <a:masterClrMapping/>
-  </p:clrMapOvr>
-</p:sld>
-</file>
-
-<file path=ppt/slides/slide13.xml><?xml version="1.0" encoding="utf-8"?>
-<p:sld xmlns:a="http://schemas.openxmlformats.org/drawingml/2006/main" xmlns:r="http://schemas.openxmlformats.org/officeDocument/2006/relationships" xmlns:p="http://schemas.openxmlformats.org/presentationml/2006/main">
-  <p:cSld>
-    <p:spTree>
-      <p:nvGrpSpPr>
-        <p:cNvPr id="1" name=""/>
-        <p:cNvGrpSpPr/>
-        <p:nvPr/>
-      </p:nvGrpSpPr>
-      <p:grpSpPr>
-        <a:xfrm>
-          <a:off x="0" y="0"/>
-          <a:ext cx="0" cy="0"/>
-          <a:chOff x="0" y="0"/>
-          <a:chExt cx="0" cy="0"/>
-        </a:xfrm>
-      </p:grpSpPr>
-      <p:pic>
-        <p:nvPicPr>
-          <p:cNvPr id="2050" name="Picture 2" descr="https://media.licdn.com/dms/image/C4E12AQF8vi-ebypQnQ/article-inline_image-shrink_1000_1488/0?e=2127686400&amp;v=beta&amp;t=wqHbzohpEKAfwSoxrfaT8SVPFkizDdhrOmoblNUZj-o">
-            <a:extLst>
-              <a:ext uri="{FF2B5EF4-FFF2-40B4-BE49-F238E27FC236}">
-                <a16:creationId xmlns:a16="http://schemas.microsoft.com/office/drawing/2014/main" id="{EC2EA1C1-21A0-4850-94DE-568F4C0DA930}"/>
-              </a:ext>
-            </a:extLst>
-          </p:cNvPr>
-          <p:cNvPicPr>
-            <a:picLocks noChangeAspect="1" noChangeArrowheads="1"/>
-          </p:cNvPicPr>
-          <p:nvPr/>
-        </p:nvPicPr>
-        <p:blipFill>
-          <a:blip r:embed="rId3">
-            <a:extLst>
-              <a:ext uri="{28A0092B-C50C-407E-A947-70E740481C1C}">
-                <a14:useLocalDpi xmlns:a14="http://schemas.microsoft.com/office/drawing/2010/main" val="0"/>
-              </a:ext>
-            </a:extLst>
-          </a:blip>
-          <a:srcRect/>
-          <a:stretch>
-            <a:fillRect/>
-          </a:stretch>
-        </p:blipFill>
-        <p:spPr bwMode="auto">
-          <a:xfrm>
-            <a:off x="0" y="-1"/>
-            <a:ext cx="12192000" cy="7013097"/>
-          </a:xfrm>
-          <a:prstGeom prst="rect">
-            <a:avLst/>
-          </a:prstGeom>
-          <a:noFill/>
-          <a:extLst>
-            <a:ext uri="{909E8E84-426E-40DD-AFC4-6F175D3DCCD1}">
-              <a14:hiddenFill xmlns:a14="http://schemas.microsoft.com/office/drawing/2010/main">
-                <a:solidFill>
-                  <a:srgbClr val="FFFFFF"/>
-                </a:solidFill>
-              </a14:hiddenFill>
-            </a:ext>
-          </a:extLst>
-        </p:spPr>
-      </p:pic>
-    </p:spTree>
-    <p:extLst>
-      <p:ext uri="{BB962C8B-B14F-4D97-AF65-F5344CB8AC3E}">
-        <p14:creationId xmlns:p14="http://schemas.microsoft.com/office/powerpoint/2010/main" val="2004362853"/>
-      </p:ext>
-    </p:extLst>
-  </p:cSld>
-  <p:clrMapOvr>
-    <a:masterClrMapping/>
-  </p:clrMapOvr>
-</p:sld>
-</file>
-
 <file path=ppt/slides/slide14.xml><?xml version="1.0" encoding="utf-8"?>
 <p:sld xmlns:a="http://schemas.openxmlformats.org/drawingml/2006/main" xmlns:r="http://schemas.openxmlformats.org/officeDocument/2006/relationships" xmlns:p="http://schemas.openxmlformats.org/presentationml/2006/main">
   <p:cSld>
@@ -7165,12 +8855,59 @@
           <a:chExt cx="0" cy="0"/>
         </a:xfrm>
       </p:grpSpPr>
+      <p:pic>
+        <p:nvPicPr>
+          <p:cNvPr id="4098" name="Picture 2" descr="amazon-web-services-security">
+            <a:extLst>
+              <a:ext uri="{FF2B5EF4-FFF2-40B4-BE49-F238E27FC236}">
+                <a16:creationId xmlns:a16="http://schemas.microsoft.com/office/drawing/2014/main" id="{52494823-12E9-4E53-B35C-E8D77B61A930}"/>
+              </a:ext>
+            </a:extLst>
+          </p:cNvPr>
+          <p:cNvPicPr>
+            <a:picLocks noChangeAspect="1" noChangeArrowheads="1"/>
+          </p:cNvPicPr>
+          <p:nvPr/>
+        </p:nvPicPr>
+        <p:blipFill>
+          <a:blip r:embed="rId3">
+            <a:extLst>
+              <a:ext uri="{28A0092B-C50C-407E-A947-70E740481C1C}">
+                <a14:useLocalDpi xmlns:a14="http://schemas.microsoft.com/office/drawing/2010/main" val="0"/>
+              </a:ext>
+            </a:extLst>
+          </a:blip>
+          <a:srcRect/>
+          <a:stretch>
+            <a:fillRect/>
+          </a:stretch>
+        </p:blipFill>
+        <p:spPr bwMode="auto">
+          <a:xfrm>
+            <a:off x="-1" y="0"/>
+            <a:ext cx="10574215" cy="6824605"/>
+          </a:xfrm>
+          <a:prstGeom prst="rect">
+            <a:avLst/>
+          </a:prstGeom>
+          <a:noFill/>
+          <a:extLst>
+            <a:ext uri="{909E8E84-426E-40DD-AFC4-6F175D3DCCD1}">
+              <a14:hiddenFill xmlns:a14="http://schemas.microsoft.com/office/drawing/2010/main">
+                <a:solidFill>
+                  <a:srgbClr val="FFFFFF"/>
+                </a:solidFill>
+              </a14:hiddenFill>
+            </a:ext>
+          </a:extLst>
+        </p:spPr>
+      </p:pic>
       <p:sp>
         <p:nvSpPr>
           <p:cNvPr id="2" name="标题 1">
             <a:extLst>
               <a:ext uri="{FF2B5EF4-FFF2-40B4-BE49-F238E27FC236}">
-                <a16:creationId xmlns:a16="http://schemas.microsoft.com/office/drawing/2014/main" id="{3F4CEDFB-4322-4A62-9601-1613F18FC1DA}"/>
+                <a16:creationId xmlns:a16="http://schemas.microsoft.com/office/drawing/2014/main" id="{F2C6361F-E5BC-4C8F-A5FE-A308BA2A39BC}"/>
               </a:ext>
             </a:extLst>
           </p:cNvPr>
@@ -7178,43 +8915,25 @@
             <a:spLocks noGrp="1"/>
           </p:cNvSpPr>
           <p:nvPr>
-            <p:ph type="title"/>
-          </p:nvPr>
-        </p:nvSpPr>
-        <p:spPr/>
-        <p:txBody>
-          <a:bodyPr/>
+            <p:ph type="title" orient="vert"/>
+          </p:nvPr>
+        </p:nvSpPr>
+        <p:spPr>
+          <a:xfrm>
+            <a:off x="8077200" y="33395"/>
+            <a:ext cx="4114800" cy="1291313"/>
+          </a:xfrm>
+        </p:spPr>
+        <p:txBody>
+          <a:bodyPr vert="horz">
+            <a:normAutofit fontScale="90000"/>
+          </a:bodyPr>
           <a:lstStyle/>
           <a:p>
             <a:r>
               <a:rPr lang="en-US" altLang="zh-CN" dirty="0"/>
-              <a:t>Easier for you to perform better</a:t>
-            </a:r>
-            <a:endParaRPr lang="zh-CN" altLang="en-US" dirty="0"/>
-          </a:p>
-        </p:txBody>
-      </p:sp>
-      <p:sp>
-        <p:nvSpPr>
-          <p:cNvPr id="3" name="内容占位符 2">
-            <a:extLst>
-              <a:ext uri="{FF2B5EF4-FFF2-40B4-BE49-F238E27FC236}">
-                <a16:creationId xmlns:a16="http://schemas.microsoft.com/office/drawing/2014/main" id="{B8FE0D71-B480-4B63-9C0C-2C5FD62E5903}"/>
-              </a:ext>
-            </a:extLst>
-          </p:cNvPr>
-          <p:cNvSpPr>
-            <a:spLocks noGrp="1"/>
-          </p:cNvSpPr>
-          <p:nvPr>
-            <p:ph idx="1"/>
-          </p:nvPr>
-        </p:nvSpPr>
-        <p:spPr/>
-        <p:txBody>
-          <a:bodyPr/>
-          <a:lstStyle/>
-          <a:p>
+              <a:t>Amazon Web Services Security</a:t>
+            </a:r>
             <a:endParaRPr lang="zh-CN" altLang="en-US" dirty="0"/>
           </a:p>
         </p:txBody>
@@ -7222,7 +8941,7 @@
     </p:spTree>
     <p:extLst>
       <p:ext uri="{BB962C8B-B14F-4D97-AF65-F5344CB8AC3E}">
-        <p14:creationId xmlns:p14="http://schemas.microsoft.com/office/powerpoint/2010/main" val="3038036304"/>
+        <p14:creationId xmlns:p14="http://schemas.microsoft.com/office/powerpoint/2010/main" val="964445733"/>
       </p:ext>
     </p:extLst>
   </p:cSld>
@@ -7254,7 +8973,7 @@
           <p:cNvPr id="2" name="标题 1">
             <a:extLst>
               <a:ext uri="{FF2B5EF4-FFF2-40B4-BE49-F238E27FC236}">
-                <a16:creationId xmlns:a16="http://schemas.microsoft.com/office/drawing/2014/main" id="{59B89D14-ECDE-4177-9DE4-3C48CBED9598}"/>
+                <a16:creationId xmlns:a16="http://schemas.microsoft.com/office/drawing/2014/main" id="{2BCD2C9B-D4AC-4B19-9386-98381CF01D0B}"/>
               </a:ext>
             </a:extLst>
           </p:cNvPr>
@@ -7272,7 +8991,7 @@
           <a:p>
             <a:r>
               <a:rPr lang="en-US" altLang="zh-CN" dirty="0"/>
-              <a:t>Just remember 3 point</a:t>
+              <a:t>AWS Identity and Access Management (IAM)</a:t>
             </a:r>
             <a:endParaRPr lang="zh-CN" altLang="en-US" dirty="0"/>
           </a:p>
@@ -7280,10 +8999,10 @@
       </p:sp>
       <p:sp>
         <p:nvSpPr>
-          <p:cNvPr id="3" name="内容占位符 2">
+          <p:cNvPr id="4" name="文本占位符 3">
             <a:extLst>
               <a:ext uri="{FF2B5EF4-FFF2-40B4-BE49-F238E27FC236}">
-                <a16:creationId xmlns:a16="http://schemas.microsoft.com/office/drawing/2014/main" id="{4AED9BC2-3610-4FD5-B80F-087D0F82E09B}"/>
+                <a16:creationId xmlns:a16="http://schemas.microsoft.com/office/drawing/2014/main" id="{0C4617DC-CDD8-4D0C-A0A8-2D3590E05BC7}"/>
               </a:ext>
             </a:extLst>
           </p:cNvPr>
@@ -7291,38 +9010,456 @@
             <a:spLocks noGrp="1"/>
           </p:cNvSpPr>
           <p:nvPr>
+            <p:ph type="body" sz="half" idx="2"/>
+          </p:nvPr>
+        </p:nvSpPr>
+        <p:spPr/>
+        <p:txBody>
+          <a:bodyPr/>
+          <a:lstStyle/>
+          <a:p>
+            <a:endParaRPr lang="zh-CN" altLang="en-US"/>
+          </a:p>
+        </p:txBody>
+      </p:sp>
+      <p:pic>
+        <p:nvPicPr>
+          <p:cNvPr id="3074" name="Picture 2" descr="https://docs.aws.amazon.com/zh_cn/IAM/latest/UserGuide/images/iam-intro-users-and-groups.diagram.png">
+            <a:extLst>
+              <a:ext uri="{FF2B5EF4-FFF2-40B4-BE49-F238E27FC236}">
+                <a16:creationId xmlns:a16="http://schemas.microsoft.com/office/drawing/2014/main" id="{CA36F292-00E3-4199-89D9-66F328FF14E9}"/>
+              </a:ext>
+            </a:extLst>
+          </p:cNvPr>
+          <p:cNvPicPr>
+            <a:picLocks noGrp="1" noChangeAspect="1" noChangeArrowheads="1"/>
+          </p:cNvPicPr>
+          <p:nvPr>
             <p:ph idx="1"/>
           </p:nvPr>
-        </p:nvSpPr>
-        <p:spPr/>
-        <p:txBody>
-          <a:bodyPr/>
-          <a:lstStyle/>
-          <a:p>
-            <a:r>
-              <a:rPr lang="en-US" altLang="zh-CN" dirty="0"/>
-              <a:t>Save money in the long run</a:t>
-            </a:r>
-          </a:p>
-          <a:p>
-            <a:r>
-              <a:rPr lang="en-US" altLang="zh-CN" dirty="0"/>
-              <a:t>Easier for you to perform better</a:t>
-            </a:r>
-          </a:p>
-          <a:p>
-            <a:r>
-              <a:rPr lang="en-US" altLang="zh-CN" dirty="0"/>
-              <a:t>Your strong support</a:t>
-            </a:r>
-            <a:endParaRPr lang="zh-CN" altLang="en-US" dirty="0"/>
-          </a:p>
-        </p:txBody>
-      </p:sp>
+        </p:nvPicPr>
+        <p:blipFill>
+          <a:blip r:embed="rId3">
+            <a:extLst>
+              <a:ext uri="{28A0092B-C50C-407E-A947-70E740481C1C}">
+                <a14:useLocalDpi xmlns:a14="http://schemas.microsoft.com/office/drawing/2010/main" val="0"/>
+              </a:ext>
+            </a:extLst>
+          </a:blip>
+          <a:srcRect/>
+          <a:stretch>
+            <a:fillRect/>
+          </a:stretch>
+        </p:blipFill>
+        <p:spPr bwMode="auto">
+          <a:xfrm>
+            <a:off x="749865" y="485775"/>
+            <a:ext cx="6800850" cy="5886449"/>
+          </a:xfrm>
+          <a:prstGeom prst="rect">
+            <a:avLst/>
+          </a:prstGeom>
+          <a:noFill/>
+          <a:extLst>
+            <a:ext uri="{909E8E84-426E-40DD-AFC4-6F175D3DCCD1}">
+              <a14:hiddenFill xmlns:a14="http://schemas.microsoft.com/office/drawing/2010/main">
+                <a:solidFill>
+                  <a:srgbClr val="FFFFFF"/>
+                </a:solidFill>
+              </a14:hiddenFill>
+            </a:ext>
+          </a:extLst>
+        </p:spPr>
+      </p:pic>
     </p:spTree>
     <p:extLst>
       <p:ext uri="{BB962C8B-B14F-4D97-AF65-F5344CB8AC3E}">
-        <p14:creationId xmlns:p14="http://schemas.microsoft.com/office/powerpoint/2010/main" val="3525709100"/>
+        <p14:creationId xmlns:p14="http://schemas.microsoft.com/office/powerpoint/2010/main" val="558520217"/>
+      </p:ext>
+    </p:extLst>
+  </p:cSld>
+  <p:clrMapOvr>
+    <a:masterClrMapping/>
+  </p:clrMapOvr>
+</p:sld>
+</file>
+
+<file path=ppt/slides/slide17.xml><?xml version="1.0" encoding="utf-8"?>
+<p:sld xmlns:a="http://schemas.openxmlformats.org/drawingml/2006/main" xmlns:r="http://schemas.openxmlformats.org/officeDocument/2006/relationships" xmlns:p="http://schemas.openxmlformats.org/presentationml/2006/main">
+  <p:cSld>
+    <p:spTree>
+      <p:nvGrpSpPr>
+        <p:cNvPr id="1" name=""/>
+        <p:cNvGrpSpPr/>
+        <p:nvPr/>
+      </p:nvGrpSpPr>
+      <p:grpSpPr>
+        <a:xfrm>
+          <a:off x="0" y="0"/>
+          <a:ext cx="0" cy="0"/>
+          <a:chOff x="0" y="0"/>
+          <a:chExt cx="0" cy="0"/>
+        </a:xfrm>
+      </p:grpSpPr>
+      <p:sp>
+        <p:nvSpPr>
+          <p:cNvPr id="2" name="标题 1">
+            <a:extLst>
+              <a:ext uri="{FF2B5EF4-FFF2-40B4-BE49-F238E27FC236}">
+                <a16:creationId xmlns:a16="http://schemas.microsoft.com/office/drawing/2014/main" id="{AB044603-91F4-4F1E-BCFF-69ADED9D407A}"/>
+              </a:ext>
+            </a:extLst>
+          </p:cNvPr>
+          <p:cNvSpPr>
+            <a:spLocks noGrp="1"/>
+          </p:cNvSpPr>
+          <p:nvPr>
+            <p:ph type="title"/>
+          </p:nvPr>
+        </p:nvSpPr>
+        <p:spPr/>
+        <p:txBody>
+          <a:bodyPr/>
+          <a:lstStyle/>
+          <a:p>
+            <a:r>
+              <a:rPr lang="en-US" altLang="zh-CN" dirty="0"/>
+              <a:t>Protect your network with security groups</a:t>
+            </a:r>
+            <a:endParaRPr lang="zh-CN" altLang="en-US" dirty="0"/>
+          </a:p>
+        </p:txBody>
+      </p:sp>
+      <p:sp>
+        <p:nvSpPr>
+          <p:cNvPr id="4" name="文本占位符 3">
+            <a:extLst>
+              <a:ext uri="{FF2B5EF4-FFF2-40B4-BE49-F238E27FC236}">
+                <a16:creationId xmlns:a16="http://schemas.microsoft.com/office/drawing/2014/main" id="{A618D917-E9B2-4921-AF8E-501E79968942}"/>
+              </a:ext>
+            </a:extLst>
+          </p:cNvPr>
+          <p:cNvSpPr>
+            <a:spLocks noGrp="1"/>
+          </p:cNvSpPr>
+          <p:nvPr>
+            <p:ph type="body" sz="half" idx="2"/>
+          </p:nvPr>
+        </p:nvSpPr>
+        <p:spPr/>
+        <p:txBody>
+          <a:bodyPr/>
+          <a:lstStyle/>
+          <a:p>
+            <a:r>
+              <a:rPr lang="en-US" altLang="zh-CN" dirty="0"/>
+              <a:t>Network administrators are no longer needed</a:t>
+            </a:r>
+          </a:p>
+        </p:txBody>
+      </p:sp>
+      <p:pic>
+        <p:nvPicPr>
+          <p:cNvPr id="5124" name="Picture 4" descr="ç¸å+³å¾ç">
+            <a:extLst>
+              <a:ext uri="{FF2B5EF4-FFF2-40B4-BE49-F238E27FC236}">
+                <a16:creationId xmlns:a16="http://schemas.microsoft.com/office/drawing/2014/main" id="{79A2AB83-725F-43C7-8C6C-B1E8216C1258}"/>
+              </a:ext>
+            </a:extLst>
+          </p:cNvPr>
+          <p:cNvPicPr>
+            <a:picLocks noGrp="1" noChangeAspect="1" noChangeArrowheads="1"/>
+          </p:cNvPicPr>
+          <p:nvPr>
+            <p:ph idx="1"/>
+          </p:nvPr>
+        </p:nvPicPr>
+        <p:blipFill>
+          <a:blip r:embed="rId3">
+            <a:extLst>
+              <a:ext uri="{28A0092B-C50C-407E-A947-70E740481C1C}">
+                <a14:useLocalDpi xmlns:a14="http://schemas.microsoft.com/office/drawing/2010/main" val="0"/>
+              </a:ext>
+            </a:extLst>
+          </a:blip>
+          <a:srcRect/>
+          <a:stretch>
+            <a:fillRect/>
+          </a:stretch>
+        </p:blipFill>
+        <p:spPr bwMode="auto">
+          <a:xfrm>
+            <a:off x="-1" y="476105"/>
+            <a:ext cx="7608278" cy="5706208"/>
+          </a:xfrm>
+          <a:prstGeom prst="rect">
+            <a:avLst/>
+          </a:prstGeom>
+          <a:noFill/>
+          <a:extLst>
+            <a:ext uri="{909E8E84-426E-40DD-AFC4-6F175D3DCCD1}">
+              <a14:hiddenFill xmlns:a14="http://schemas.microsoft.com/office/drawing/2010/main">
+                <a:solidFill>
+                  <a:srgbClr val="FFFFFF"/>
+                </a:solidFill>
+              </a14:hiddenFill>
+            </a:ext>
+          </a:extLst>
+        </p:spPr>
+      </p:pic>
+    </p:spTree>
+    <p:extLst>
+      <p:ext uri="{BB962C8B-B14F-4D97-AF65-F5344CB8AC3E}">
+        <p14:creationId xmlns:p14="http://schemas.microsoft.com/office/powerpoint/2010/main" val="3617519419"/>
+      </p:ext>
+    </p:extLst>
+  </p:cSld>
+  <p:clrMapOvr>
+    <a:masterClrMapping/>
+  </p:clrMapOvr>
+</p:sld>
+</file>
+
+<file path=ppt/slides/slide18.xml><?xml version="1.0" encoding="utf-8"?>
+<p:sld xmlns:a="http://schemas.openxmlformats.org/drawingml/2006/main" xmlns:r="http://schemas.openxmlformats.org/officeDocument/2006/relationships" xmlns:p="http://schemas.openxmlformats.org/presentationml/2006/main">
+  <p:cSld>
+    <p:spTree>
+      <p:nvGrpSpPr>
+        <p:cNvPr id="1" name=""/>
+        <p:cNvGrpSpPr/>
+        <p:nvPr/>
+      </p:nvGrpSpPr>
+      <p:grpSpPr>
+        <a:xfrm>
+          <a:off x="0" y="0"/>
+          <a:ext cx="0" cy="0"/>
+          <a:chOff x="0" y="0"/>
+          <a:chExt cx="0" cy="0"/>
+        </a:xfrm>
+      </p:grpSpPr>
+      <p:sp>
+        <p:nvSpPr>
+          <p:cNvPr id="2" name="标题 1">
+            <a:extLst>
+              <a:ext uri="{FF2B5EF4-FFF2-40B4-BE49-F238E27FC236}">
+                <a16:creationId xmlns:a16="http://schemas.microsoft.com/office/drawing/2014/main" id="{3F4CEDFB-4322-4A62-9601-1613F18FC1DA}"/>
+              </a:ext>
+            </a:extLst>
+          </p:cNvPr>
+          <p:cNvSpPr>
+            <a:spLocks noGrp="1"/>
+          </p:cNvSpPr>
+          <p:nvPr>
+            <p:ph type="title"/>
+          </p:nvPr>
+        </p:nvSpPr>
+        <p:spPr/>
+        <p:txBody>
+          <a:bodyPr/>
+          <a:lstStyle/>
+          <a:p>
+            <a:r>
+              <a:rPr lang="en-US" altLang="zh-CN" dirty="0"/>
+              <a:t>Use S3 &amp; CloudFront to deliver the static web content</a:t>
+            </a:r>
+            <a:endParaRPr lang="zh-CN" altLang="en-US" dirty="0"/>
+          </a:p>
+        </p:txBody>
+      </p:sp>
+      <p:pic>
+        <p:nvPicPr>
+          <p:cNvPr id="7" name="内容占位符 6">
+            <a:extLst>
+              <a:ext uri="{FF2B5EF4-FFF2-40B4-BE49-F238E27FC236}">
+                <a16:creationId xmlns:a16="http://schemas.microsoft.com/office/drawing/2014/main" id="{17B167DC-B771-4DB4-A205-AD6D9BE56E30}"/>
+              </a:ext>
+            </a:extLst>
+          </p:cNvPr>
+          <p:cNvPicPr>
+            <a:picLocks noGrp="1" noChangeAspect="1"/>
+          </p:cNvPicPr>
+          <p:nvPr>
+            <p:ph idx="1"/>
+          </p:nvPr>
+        </p:nvPicPr>
+        <p:blipFill>
+          <a:blip r:embed="rId3">
+            <a:extLst>
+              <a:ext uri="{28A0092B-C50C-407E-A947-70E740481C1C}">
+                <a14:useLocalDpi xmlns:a14="http://schemas.microsoft.com/office/drawing/2010/main" val="0"/>
+              </a:ext>
+            </a:extLst>
+          </a:blip>
+          <a:stretch>
+            <a:fillRect/>
+          </a:stretch>
+        </p:blipFill>
+        <p:spPr>
+          <a:xfrm>
+            <a:off x="557357" y="8963"/>
+            <a:ext cx="6717323" cy="6849037"/>
+          </a:xfrm>
+        </p:spPr>
+      </p:pic>
+      <p:sp>
+        <p:nvSpPr>
+          <p:cNvPr id="5" name="文本占位符 4">
+            <a:extLst>
+              <a:ext uri="{FF2B5EF4-FFF2-40B4-BE49-F238E27FC236}">
+                <a16:creationId xmlns:a16="http://schemas.microsoft.com/office/drawing/2014/main" id="{0310CD20-F023-4D68-9284-2E33620728AD}"/>
+              </a:ext>
+            </a:extLst>
+          </p:cNvPr>
+          <p:cNvSpPr>
+            <a:spLocks noGrp="1"/>
+          </p:cNvSpPr>
+          <p:nvPr>
+            <p:ph type="body" sz="half" idx="2"/>
+          </p:nvPr>
+        </p:nvSpPr>
+        <p:spPr/>
+        <p:txBody>
+          <a:bodyPr/>
+          <a:lstStyle/>
+          <a:p>
+            <a:endParaRPr lang="zh-CN" altLang="en-US"/>
+          </a:p>
+        </p:txBody>
+      </p:sp>
+    </p:spTree>
+    <p:extLst>
+      <p:ext uri="{BB962C8B-B14F-4D97-AF65-F5344CB8AC3E}">
+        <p14:creationId xmlns:p14="http://schemas.microsoft.com/office/powerpoint/2010/main" val="3038036304"/>
+      </p:ext>
+    </p:extLst>
+  </p:cSld>
+  <p:clrMapOvr>
+    <a:masterClrMapping/>
+  </p:clrMapOvr>
+</p:sld>
+</file>
+
+<file path=ppt/slides/slide19.xml><?xml version="1.0" encoding="utf-8"?>
+<p:sld xmlns:a="http://schemas.openxmlformats.org/drawingml/2006/main" xmlns:r="http://schemas.openxmlformats.org/officeDocument/2006/relationships" xmlns:p="http://schemas.openxmlformats.org/presentationml/2006/main">
+  <p:cSld>
+    <p:spTree>
+      <p:nvGrpSpPr>
+        <p:cNvPr id="1" name=""/>
+        <p:cNvGrpSpPr/>
+        <p:nvPr/>
+      </p:nvGrpSpPr>
+      <p:grpSpPr>
+        <a:xfrm>
+          <a:off x="0" y="0"/>
+          <a:ext cx="0" cy="0"/>
+          <a:chOff x="0" y="0"/>
+          <a:chExt cx="0" cy="0"/>
+        </a:xfrm>
+      </p:grpSpPr>
+      <p:sp>
+        <p:nvSpPr>
+          <p:cNvPr id="2" name="标题 1">
+            <a:extLst>
+              <a:ext uri="{FF2B5EF4-FFF2-40B4-BE49-F238E27FC236}">
+                <a16:creationId xmlns:a16="http://schemas.microsoft.com/office/drawing/2014/main" id="{7BE05439-DC9F-47DD-8E13-542ECC3564A1}"/>
+              </a:ext>
+            </a:extLst>
+          </p:cNvPr>
+          <p:cNvSpPr>
+            <a:spLocks noGrp="1"/>
+          </p:cNvSpPr>
+          <p:nvPr>
+            <p:ph type="title"/>
+          </p:nvPr>
+        </p:nvSpPr>
+        <p:spPr/>
+        <p:txBody>
+          <a:bodyPr>
+            <a:normAutofit/>
+          </a:bodyPr>
+          <a:lstStyle/>
+          <a:p>
+            <a:r>
+              <a:rPr lang="en-US" altLang="zh-CN" dirty="0" err="1"/>
+              <a:t>OpsWorks</a:t>
+            </a:r>
+            <a:r>
+              <a:rPr lang="en-US" altLang="zh-CN" dirty="0"/>
+              <a:t> Stacks</a:t>
+            </a:r>
+            <a:endParaRPr lang="zh-CN" altLang="en-US" dirty="0"/>
+          </a:p>
+        </p:txBody>
+      </p:sp>
+      <p:pic>
+        <p:nvPicPr>
+          <p:cNvPr id="11" name="图片占位符 10">
+            <a:extLst>
+              <a:ext uri="{FF2B5EF4-FFF2-40B4-BE49-F238E27FC236}">
+                <a16:creationId xmlns:a16="http://schemas.microsoft.com/office/drawing/2014/main" id="{F995ADD1-A56A-44C6-B3D4-5D1A5EFEFFA0}"/>
+              </a:ext>
+            </a:extLst>
+          </p:cNvPr>
+          <p:cNvPicPr>
+            <a:picLocks noGrp="1" noChangeAspect="1"/>
+          </p:cNvPicPr>
+          <p:nvPr>
+            <p:ph type="pic" idx="1"/>
+          </p:nvPr>
+        </p:nvPicPr>
+        <p:blipFill>
+          <a:blip r:embed="rId3"/>
+          <a:srcRect l="76" r="76"/>
+          <a:stretch>
+            <a:fillRect/>
+          </a:stretch>
+        </p:blipFill>
+        <p:spPr>
+          <a:prstGeom prst="rect">
+            <a:avLst/>
+          </a:prstGeom>
+        </p:spPr>
+      </p:pic>
+      <p:sp>
+        <p:nvSpPr>
+          <p:cNvPr id="12" name="文本占位符 3">
+            <a:extLst>
+              <a:ext uri="{FF2B5EF4-FFF2-40B4-BE49-F238E27FC236}">
+                <a16:creationId xmlns:a16="http://schemas.microsoft.com/office/drawing/2014/main" id="{79C2ED61-FA93-4E7A-9193-B39658ACAB07}"/>
+              </a:ext>
+            </a:extLst>
+          </p:cNvPr>
+          <p:cNvSpPr>
+            <a:spLocks noGrp="1"/>
+          </p:cNvSpPr>
+          <p:nvPr>
+            <p:ph type="body" sz="half" idx="2"/>
+          </p:nvPr>
+        </p:nvSpPr>
+        <p:spPr>
+          <a:xfrm>
+            <a:off x="676655" y="6057147"/>
+            <a:ext cx="11187099" cy="613283"/>
+          </a:xfrm>
+        </p:spPr>
+        <p:txBody>
+          <a:bodyPr>
+            <a:normAutofit fontScale="85000" lnSpcReduction="10000"/>
+          </a:bodyPr>
+          <a:lstStyle/>
+          <a:p>
+            <a:r>
+              <a:rPr lang="en-US" altLang="zh-CN" sz="2800" dirty="0"/>
+              <a:t>Easily manage and replicate multiple environments based on your blueprint architecture</a:t>
+            </a:r>
+          </a:p>
+        </p:txBody>
+      </p:sp>
+    </p:spTree>
+    <p:extLst>
+      <p:ext uri="{BB962C8B-B14F-4D97-AF65-F5344CB8AC3E}">
+        <p14:creationId xmlns:p14="http://schemas.microsoft.com/office/powerpoint/2010/main" val="1557541683"/>
       </p:ext>
     </p:extLst>
   </p:cSld>
@@ -7372,7 +9509,7 @@
           <a:p>
             <a:r>
               <a:rPr lang="en-US" altLang="zh-CN" dirty="0"/>
-              <a:t>Assumptions</a:t>
+              <a:t>Assumptions of the customer</a:t>
             </a:r>
             <a:endParaRPr lang="zh-CN" altLang="en-US" dirty="0"/>
           </a:p>
@@ -7400,70 +9537,43 @@
           <a:lstStyle/>
           <a:p>
             <a:r>
-              <a:rPr lang="zh-CN" altLang="en-US" dirty="0"/>
-              <a:t>能源行业</a:t>
-            </a:r>
-            <a:r>
               <a:rPr lang="en-US" altLang="zh-CN" dirty="0"/>
-              <a:t>ERP SaaS</a:t>
-            </a:r>
-          </a:p>
-          <a:p>
-            <a:r>
-              <a:rPr lang="zh-CN" altLang="en-US" dirty="0"/>
-              <a:t>拿到融资</a:t>
-            </a:r>
-            <a:endParaRPr lang="en-US" altLang="zh-CN" dirty="0"/>
-          </a:p>
-          <a:p>
-            <a:r>
-              <a:rPr lang="zh-CN" altLang="en-US" dirty="0"/>
-              <a:t>云创计划</a:t>
-            </a:r>
-            <a:endParaRPr lang="en-US" altLang="zh-CN" dirty="0"/>
-          </a:p>
-          <a:p>
-            <a:r>
-              <a:rPr lang="zh-CN" altLang="en-US" dirty="0"/>
-              <a:t>速度</a:t>
-            </a:r>
-            <a:endParaRPr lang="en-US" altLang="zh-CN" dirty="0"/>
-          </a:p>
-          <a:p>
-            <a:r>
-              <a:rPr lang="zh-CN" altLang="en-US" dirty="0"/>
-              <a:t>低运维能力，高开发能力</a:t>
-            </a:r>
-            <a:endParaRPr lang="en-US" altLang="zh-CN" dirty="0"/>
-          </a:p>
-          <a:p>
-            <a:r>
-              <a:rPr lang="zh-CN" altLang="en-US" dirty="0"/>
-              <a:t>老板是传统行业的后起之秀</a:t>
-            </a:r>
-            <a:endParaRPr lang="en-US" altLang="zh-CN" dirty="0"/>
-          </a:p>
-          <a:p>
-            <a:r>
-              <a:rPr lang="zh-CN" altLang="en-US" dirty="0"/>
-              <a:t>致力于</a:t>
-            </a:r>
+              <a:t>SaaS for Gas station management</a:t>
+            </a:r>
+          </a:p>
+          <a:p>
             <a:r>
               <a:rPr lang="en-US" altLang="zh-CN" dirty="0"/>
-              <a:t>Spring cloud</a:t>
-            </a:r>
-            <a:r>
-              <a:rPr lang="zh-CN" altLang="en-US" dirty="0"/>
-              <a:t>微服务化</a:t>
-            </a:r>
-            <a:endParaRPr lang="en-US" altLang="zh-CN" dirty="0"/>
-          </a:p>
-          <a:p>
-            <a:r>
-              <a:rPr lang="zh-CN" altLang="en-US" dirty="0"/>
-              <a:t>运行在自己的服务器上</a:t>
-            </a:r>
-            <a:endParaRPr lang="en-US" altLang="zh-CN" dirty="0"/>
+              <a:t>Just got Pre A round funding from a traditional Gas company</a:t>
+            </a:r>
+          </a:p>
+          <a:p>
+            <a:r>
+              <a:rPr lang="en-US" altLang="zh-CN" dirty="0"/>
+              <a:t>They are interesting in AWS Activate Plan</a:t>
+            </a:r>
+          </a:p>
+          <a:p>
+            <a:r>
+              <a:rPr lang="en-US" altLang="zh-CN" dirty="0"/>
+              <a:t>Low operation and maintenance capability. High Dev capacity.</a:t>
+            </a:r>
+          </a:p>
+          <a:p>
+            <a:r>
+              <a:rPr lang="en-US" altLang="zh-CN" dirty="0"/>
+              <a:t>Busy with JAVA Spring cloud microservices</a:t>
+            </a:r>
+          </a:p>
+          <a:p>
+            <a:r>
+              <a:rPr lang="en-US" altLang="zh-CN" dirty="0" err="1"/>
+              <a:t>Runing</a:t>
+            </a:r>
+            <a:r>
+              <a:rPr lang="en-US" altLang="zh-CN" dirty="0"/>
+              <a:t> LAMP stack on the IBM server within the machine room of their parent company</a:t>
+            </a:r>
           </a:p>
         </p:txBody>
       </p:sp>
@@ -7471,6 +9581,799 @@
     <p:extLst>
       <p:ext uri="{BB962C8B-B14F-4D97-AF65-F5344CB8AC3E}">
         <p14:creationId xmlns:p14="http://schemas.microsoft.com/office/powerpoint/2010/main" val="4282905271"/>
+      </p:ext>
+    </p:extLst>
+  </p:cSld>
+  <p:clrMapOvr>
+    <a:masterClrMapping/>
+  </p:clrMapOvr>
+</p:sld>
+</file>
+
+<file path=ppt/slides/slide20.xml><?xml version="1.0" encoding="utf-8"?>
+<p:sld xmlns:a="http://schemas.openxmlformats.org/drawingml/2006/main" xmlns:r="http://schemas.openxmlformats.org/officeDocument/2006/relationships" xmlns:p="http://schemas.openxmlformats.org/presentationml/2006/main">
+  <p:cSld>
+    <p:spTree>
+      <p:nvGrpSpPr>
+        <p:cNvPr id="1" name=""/>
+        <p:cNvGrpSpPr/>
+        <p:nvPr/>
+      </p:nvGrpSpPr>
+      <p:grpSpPr>
+        <a:xfrm>
+          <a:off x="0" y="0"/>
+          <a:ext cx="0" cy="0"/>
+          <a:chOff x="0" y="0"/>
+          <a:chExt cx="0" cy="0"/>
+        </a:xfrm>
+      </p:grpSpPr>
+      <p:sp>
+        <p:nvSpPr>
+          <p:cNvPr id="2" name="标题 1">
+            <a:extLst>
+              <a:ext uri="{FF2B5EF4-FFF2-40B4-BE49-F238E27FC236}">
+                <a16:creationId xmlns:a16="http://schemas.microsoft.com/office/drawing/2014/main" id="{163D99D3-544A-49EB-958C-1963684CEA9A}"/>
+              </a:ext>
+            </a:extLst>
+          </p:cNvPr>
+          <p:cNvSpPr>
+            <a:spLocks noGrp="1"/>
+          </p:cNvSpPr>
+          <p:nvPr>
+            <p:ph type="title"/>
+          </p:nvPr>
+        </p:nvSpPr>
+        <p:spPr>
+          <a:xfrm>
+            <a:off x="649224" y="5547620"/>
+            <a:ext cx="10780776" cy="1181426"/>
+          </a:xfrm>
+        </p:spPr>
+        <p:txBody>
+          <a:bodyPr>
+            <a:normAutofit/>
+          </a:bodyPr>
+          <a:lstStyle/>
+          <a:p>
+            <a:r>
+              <a:rPr lang="en-US" altLang="zh-CN" dirty="0"/>
+              <a:t>Easily manage and replicate multiple environments based on your blueprint architecture by CloudFormation</a:t>
+            </a:r>
+            <a:endParaRPr lang="zh-CN" altLang="en-US" dirty="0"/>
+          </a:p>
+        </p:txBody>
+      </p:sp>
+      <p:pic>
+        <p:nvPicPr>
+          <p:cNvPr id="6" name="图片占位符 5">
+            <a:extLst>
+              <a:ext uri="{FF2B5EF4-FFF2-40B4-BE49-F238E27FC236}">
+                <a16:creationId xmlns:a16="http://schemas.microsoft.com/office/drawing/2014/main" id="{D12BF6CB-3A51-4727-B3CB-6339ADD31106}"/>
+              </a:ext>
+            </a:extLst>
+          </p:cNvPr>
+          <p:cNvPicPr>
+            <a:picLocks noGrp="1" noChangeAspect="1"/>
+          </p:cNvPicPr>
+          <p:nvPr>
+            <p:ph type="pic" idx="1"/>
+          </p:nvPr>
+        </p:nvPicPr>
+        <p:blipFill rotWithShape="1">
+          <a:blip r:embed="rId3">
+            <a:extLst>
+              <a:ext uri="{28A0092B-C50C-407E-A947-70E740481C1C}">
+                <a14:useLocalDpi xmlns:a14="http://schemas.microsoft.com/office/drawing/2010/main" val="0"/>
+              </a:ext>
+            </a:extLst>
+          </a:blip>
+          <a:srcRect l="-1313" t="-367" r="-1313" b="-367"/>
+          <a:stretch/>
+        </p:blipFill>
+        <p:spPr>
+          <a:xfrm>
+            <a:off x="0" y="0"/>
+            <a:ext cx="12192000" cy="5439600"/>
+          </a:xfrm>
+        </p:spPr>
+      </p:pic>
+    </p:spTree>
+    <p:extLst>
+      <p:ext uri="{BB962C8B-B14F-4D97-AF65-F5344CB8AC3E}">
+        <p14:creationId xmlns:p14="http://schemas.microsoft.com/office/powerpoint/2010/main" val="4201238082"/>
+      </p:ext>
+    </p:extLst>
+  </p:cSld>
+  <p:clrMapOvr>
+    <a:masterClrMapping/>
+  </p:clrMapOvr>
+</p:sld>
+</file>
+
+<file path=ppt/slides/slide21.xml><?xml version="1.0" encoding="utf-8"?>
+<p:sld xmlns:a="http://schemas.openxmlformats.org/drawingml/2006/main" xmlns:r="http://schemas.openxmlformats.org/officeDocument/2006/relationships" xmlns:p="http://schemas.openxmlformats.org/presentationml/2006/main">
+  <p:cSld>
+    <p:spTree>
+      <p:nvGrpSpPr>
+        <p:cNvPr id="1" name=""/>
+        <p:cNvGrpSpPr/>
+        <p:nvPr/>
+      </p:nvGrpSpPr>
+      <p:grpSpPr>
+        <a:xfrm>
+          <a:off x="0" y="0"/>
+          <a:ext cx="0" cy="0"/>
+          <a:chOff x="0" y="0"/>
+          <a:chExt cx="0" cy="0"/>
+        </a:xfrm>
+      </p:grpSpPr>
+      <p:sp>
+        <p:nvSpPr>
+          <p:cNvPr id="2" name="标题 1">
+            <a:extLst>
+              <a:ext uri="{FF2B5EF4-FFF2-40B4-BE49-F238E27FC236}">
+                <a16:creationId xmlns:a16="http://schemas.microsoft.com/office/drawing/2014/main" id="{02EB5E55-240B-4AD5-9FF0-31F25290C7FA}"/>
+              </a:ext>
+            </a:extLst>
+          </p:cNvPr>
+          <p:cNvSpPr>
+            <a:spLocks noGrp="1"/>
+          </p:cNvSpPr>
+          <p:nvPr>
+            <p:ph type="title"/>
+          </p:nvPr>
+        </p:nvSpPr>
+        <p:spPr>
+          <a:xfrm>
+            <a:off x="649224" y="5418667"/>
+            <a:ext cx="10780776" cy="1146256"/>
+          </a:xfrm>
+        </p:spPr>
+        <p:txBody>
+          <a:bodyPr>
+            <a:normAutofit/>
+          </a:bodyPr>
+          <a:lstStyle/>
+          <a:p>
+            <a:r>
+              <a:rPr lang="en-US" altLang="zh-CN" dirty="0"/>
+              <a:t>Easily manage and replicate multiple environments based on your blueprint architecture by CloudFormation</a:t>
+            </a:r>
+            <a:endParaRPr lang="zh-CN" altLang="en-US" dirty="0"/>
+          </a:p>
+        </p:txBody>
+      </p:sp>
+      <p:pic>
+        <p:nvPicPr>
+          <p:cNvPr id="5" name="图片占位符 4">
+            <a:extLst>
+              <a:ext uri="{FF2B5EF4-FFF2-40B4-BE49-F238E27FC236}">
+                <a16:creationId xmlns:a16="http://schemas.microsoft.com/office/drawing/2014/main" id="{ACE7771B-FDB4-4AEB-BC54-5B47D56DEE5A}"/>
+              </a:ext>
+            </a:extLst>
+          </p:cNvPr>
+          <p:cNvPicPr>
+            <a:picLocks noGrp="1" noChangeAspect="1"/>
+          </p:cNvPicPr>
+          <p:nvPr>
+            <p:ph type="pic" idx="1"/>
+          </p:nvPr>
+        </p:nvPicPr>
+        <p:blipFill>
+          <a:blip r:embed="rId2"/>
+          <a:srcRect l="8554" r="8554"/>
+          <a:stretch>
+            <a:fillRect/>
+          </a:stretch>
+        </p:blipFill>
+        <p:spPr>
+          <a:prstGeom prst="rect">
+            <a:avLst/>
+          </a:prstGeom>
+        </p:spPr>
+      </p:pic>
+    </p:spTree>
+    <p:extLst>
+      <p:ext uri="{BB962C8B-B14F-4D97-AF65-F5344CB8AC3E}">
+        <p14:creationId xmlns:p14="http://schemas.microsoft.com/office/powerpoint/2010/main" val="3529236097"/>
+      </p:ext>
+    </p:extLst>
+  </p:cSld>
+  <p:clrMapOvr>
+    <a:masterClrMapping/>
+  </p:clrMapOvr>
+</p:sld>
+</file>
+
+<file path=ppt/slides/slide22.xml><?xml version="1.0" encoding="utf-8"?>
+<p:sld xmlns:a="http://schemas.openxmlformats.org/drawingml/2006/main" xmlns:r="http://schemas.openxmlformats.org/officeDocument/2006/relationships" xmlns:p="http://schemas.openxmlformats.org/presentationml/2006/main">
+  <p:cSld>
+    <p:spTree>
+      <p:nvGrpSpPr>
+        <p:cNvPr id="1" name=""/>
+        <p:cNvGrpSpPr/>
+        <p:nvPr/>
+      </p:nvGrpSpPr>
+      <p:grpSpPr>
+        <a:xfrm>
+          <a:off x="0" y="0"/>
+          <a:ext cx="0" cy="0"/>
+          <a:chOff x="0" y="0"/>
+          <a:chExt cx="0" cy="0"/>
+        </a:xfrm>
+      </p:grpSpPr>
+      <p:sp>
+        <p:nvSpPr>
+          <p:cNvPr id="2" name="标题 1">
+            <a:extLst>
+              <a:ext uri="{FF2B5EF4-FFF2-40B4-BE49-F238E27FC236}">
+                <a16:creationId xmlns:a16="http://schemas.microsoft.com/office/drawing/2014/main" id="{457077A0-341B-478F-9125-3B8729410759}"/>
+              </a:ext>
+            </a:extLst>
+          </p:cNvPr>
+          <p:cNvSpPr>
+            <a:spLocks noGrp="1"/>
+          </p:cNvSpPr>
+          <p:nvPr>
+            <p:ph type="title"/>
+          </p:nvPr>
+        </p:nvSpPr>
+        <p:spPr>
+          <a:xfrm>
+            <a:off x="649224" y="5418667"/>
+            <a:ext cx="10780776" cy="613283"/>
+          </a:xfrm>
+        </p:spPr>
+        <p:txBody>
+          <a:bodyPr>
+            <a:normAutofit/>
+          </a:bodyPr>
+          <a:lstStyle/>
+          <a:p>
+            <a:r>
+              <a:rPr lang="en-US" altLang="zh-CN" dirty="0">
+                <a:solidFill>
+                  <a:schemeClr val="tx1"/>
+                </a:solidFill>
+              </a:rPr>
+              <a:t>Effective distribution of load asynchronously by Kinesis</a:t>
+            </a:r>
+            <a:endParaRPr lang="zh-CN" altLang="en-US" dirty="0"/>
+          </a:p>
+        </p:txBody>
+      </p:sp>
+      <p:pic>
+        <p:nvPicPr>
+          <p:cNvPr id="6" name="图片占位符 5">
+            <a:extLst>
+              <a:ext uri="{FF2B5EF4-FFF2-40B4-BE49-F238E27FC236}">
+                <a16:creationId xmlns:a16="http://schemas.microsoft.com/office/drawing/2014/main" id="{106439D9-9E30-4F8A-B52A-F328196F64BF}"/>
+              </a:ext>
+            </a:extLst>
+          </p:cNvPr>
+          <p:cNvPicPr>
+            <a:picLocks noGrp="1" noChangeAspect="1"/>
+          </p:cNvPicPr>
+          <p:nvPr>
+            <p:ph type="pic" idx="1"/>
+          </p:nvPr>
+        </p:nvPicPr>
+        <p:blipFill rotWithShape="1">
+          <a:blip r:embed="rId3">
+            <a:extLst>
+              <a:ext uri="{28A0092B-C50C-407E-A947-70E740481C1C}">
+                <a14:useLocalDpi xmlns:a14="http://schemas.microsoft.com/office/drawing/2010/main" val="0"/>
+              </a:ext>
+            </a:extLst>
+          </a:blip>
+          <a:srcRect l="-5" r="-5"/>
+          <a:stretch/>
+        </p:blipFill>
+        <p:spPr>
+          <a:xfrm>
+            <a:off x="0" y="0"/>
+            <a:ext cx="12192000" cy="5330952"/>
+          </a:xfrm>
+        </p:spPr>
+      </p:pic>
+    </p:spTree>
+    <p:extLst>
+      <p:ext uri="{BB962C8B-B14F-4D97-AF65-F5344CB8AC3E}">
+        <p14:creationId xmlns:p14="http://schemas.microsoft.com/office/powerpoint/2010/main" val="3040847606"/>
+      </p:ext>
+    </p:extLst>
+  </p:cSld>
+  <p:clrMapOvr>
+    <a:masterClrMapping/>
+  </p:clrMapOvr>
+</p:sld>
+</file>
+
+<file path=ppt/slides/slide23.xml><?xml version="1.0" encoding="utf-8"?>
+<p:sld xmlns:a="http://schemas.openxmlformats.org/drawingml/2006/main" xmlns:r="http://schemas.openxmlformats.org/officeDocument/2006/relationships" xmlns:p="http://schemas.openxmlformats.org/presentationml/2006/main">
+  <p:cSld>
+    <p:spTree>
+      <p:nvGrpSpPr>
+        <p:cNvPr id="1" name=""/>
+        <p:cNvGrpSpPr/>
+        <p:nvPr/>
+      </p:nvGrpSpPr>
+      <p:grpSpPr>
+        <a:xfrm>
+          <a:off x="0" y="0"/>
+          <a:ext cx="0" cy="0"/>
+          <a:chOff x="0" y="0"/>
+          <a:chExt cx="0" cy="0"/>
+        </a:xfrm>
+      </p:grpSpPr>
+      <p:sp>
+        <p:nvSpPr>
+          <p:cNvPr id="2" name="标题 1">
+            <a:extLst>
+              <a:ext uri="{FF2B5EF4-FFF2-40B4-BE49-F238E27FC236}">
+                <a16:creationId xmlns:a16="http://schemas.microsoft.com/office/drawing/2014/main" id="{74032255-D89A-49FF-BF6A-482BC77ECB05}"/>
+              </a:ext>
+            </a:extLst>
+          </p:cNvPr>
+          <p:cNvSpPr>
+            <a:spLocks noGrp="1"/>
+          </p:cNvSpPr>
+          <p:nvPr>
+            <p:ph type="title"/>
+          </p:nvPr>
+        </p:nvSpPr>
+        <p:spPr>
+          <a:xfrm>
+            <a:off x="8402081" y="2371082"/>
+            <a:ext cx="3383280" cy="1920240"/>
+          </a:xfrm>
+        </p:spPr>
+        <p:txBody>
+          <a:bodyPr>
+            <a:normAutofit fontScale="90000"/>
+          </a:bodyPr>
+          <a:lstStyle/>
+          <a:p>
+            <a:r>
+              <a:rPr lang="en-US" altLang="zh-CN" dirty="0"/>
+              <a:t>Data stored in S3 can be configured by a lifecycle rule to move objects to Glacier automatically</a:t>
+            </a:r>
+            <a:endParaRPr lang="zh-CN" altLang="en-US" dirty="0"/>
+          </a:p>
+        </p:txBody>
+      </p:sp>
+      <p:pic>
+        <p:nvPicPr>
+          <p:cNvPr id="6148" name="Picture 4" descr="amazon-s3-amazon-glacier-lifecycle-example">
+            <a:extLst>
+              <a:ext uri="{FF2B5EF4-FFF2-40B4-BE49-F238E27FC236}">
+                <a16:creationId xmlns:a16="http://schemas.microsoft.com/office/drawing/2014/main" id="{A0CBFFAA-C80E-4BBC-86B9-BB1561D8625F}"/>
+              </a:ext>
+            </a:extLst>
+          </p:cNvPr>
+          <p:cNvPicPr>
+            <a:picLocks noGrp="1" noChangeAspect="1" noChangeArrowheads="1"/>
+          </p:cNvPicPr>
+          <p:nvPr>
+            <p:ph idx="1"/>
+          </p:nvPr>
+        </p:nvPicPr>
+        <p:blipFill rotWithShape="1">
+          <a:blip r:embed="rId3">
+            <a:extLst>
+              <a:ext uri="{28A0092B-C50C-407E-A947-70E740481C1C}">
+                <a14:useLocalDpi xmlns:a14="http://schemas.microsoft.com/office/drawing/2010/main" val="0"/>
+              </a:ext>
+            </a:extLst>
+          </a:blip>
+          <a:stretch/>
+        </p:blipFill>
+        <p:spPr bwMode="auto">
+          <a:xfrm>
+            <a:off x="0" y="1662004"/>
+            <a:ext cx="7581900" cy="3105151"/>
+          </a:xfrm>
+          <a:prstGeom prst="rect">
+            <a:avLst/>
+          </a:prstGeom>
+          <a:noFill/>
+          <a:extLst>
+            <a:ext uri="{909E8E84-426E-40DD-AFC4-6F175D3DCCD1}">
+              <a14:hiddenFill xmlns:a14="http://schemas.microsoft.com/office/drawing/2010/main">
+                <a:solidFill>
+                  <a:srgbClr val="FFFFFF"/>
+                </a:solidFill>
+              </a14:hiddenFill>
+            </a:ext>
+          </a:extLst>
+        </p:spPr>
+      </p:pic>
+    </p:spTree>
+    <p:extLst>
+      <p:ext uri="{BB962C8B-B14F-4D97-AF65-F5344CB8AC3E}">
+        <p14:creationId xmlns:p14="http://schemas.microsoft.com/office/powerpoint/2010/main" val="3582085708"/>
+      </p:ext>
+    </p:extLst>
+  </p:cSld>
+  <p:clrMapOvr>
+    <a:masterClrMapping/>
+  </p:clrMapOvr>
+</p:sld>
+</file>
+
+<file path=ppt/slides/slide24.xml><?xml version="1.0" encoding="utf-8"?>
+<p:sld xmlns:a="http://schemas.openxmlformats.org/drawingml/2006/main" xmlns:r="http://schemas.openxmlformats.org/officeDocument/2006/relationships" xmlns:p="http://schemas.openxmlformats.org/presentationml/2006/main">
+  <p:cSld>
+    <p:spTree>
+      <p:nvGrpSpPr>
+        <p:cNvPr id="1" name=""/>
+        <p:cNvGrpSpPr/>
+        <p:nvPr/>
+      </p:nvGrpSpPr>
+      <p:grpSpPr>
+        <a:xfrm>
+          <a:off x="0" y="0"/>
+          <a:ext cx="0" cy="0"/>
+          <a:chOff x="0" y="0"/>
+          <a:chExt cx="0" cy="0"/>
+        </a:xfrm>
+      </p:grpSpPr>
+      <p:sp>
+        <p:nvSpPr>
+          <p:cNvPr id="2" name="标题 1">
+            <a:extLst>
+              <a:ext uri="{FF2B5EF4-FFF2-40B4-BE49-F238E27FC236}">
+                <a16:creationId xmlns:a16="http://schemas.microsoft.com/office/drawing/2014/main" id="{F9889868-5594-4AEC-B047-638A2FF9019B}"/>
+              </a:ext>
+            </a:extLst>
+          </p:cNvPr>
+          <p:cNvSpPr>
+            <a:spLocks noGrp="1"/>
+          </p:cNvSpPr>
+          <p:nvPr>
+            <p:ph type="title"/>
+          </p:nvPr>
+        </p:nvSpPr>
+        <p:spPr/>
+        <p:txBody>
+          <a:bodyPr/>
+          <a:lstStyle/>
+          <a:p>
+            <a:r>
+              <a:rPr lang="en-US" altLang="zh-CN" dirty="0"/>
+              <a:t>Serverless by lambda</a:t>
+            </a:r>
+            <a:endParaRPr lang="zh-CN" altLang="en-US" dirty="0"/>
+          </a:p>
+        </p:txBody>
+      </p:sp>
+      <p:pic>
+        <p:nvPicPr>
+          <p:cNvPr id="6" name="图片占位符 5">
+            <a:extLst>
+              <a:ext uri="{FF2B5EF4-FFF2-40B4-BE49-F238E27FC236}">
+                <a16:creationId xmlns:a16="http://schemas.microsoft.com/office/drawing/2014/main" id="{3700753B-2F54-4718-AC3F-5F3A7EB2629D}"/>
+              </a:ext>
+            </a:extLst>
+          </p:cNvPr>
+          <p:cNvPicPr>
+            <a:picLocks noGrp="1" noChangeAspect="1"/>
+          </p:cNvPicPr>
+          <p:nvPr>
+            <p:ph idx="1"/>
+          </p:nvPr>
+        </p:nvPicPr>
+        <p:blipFill>
+          <a:blip r:embed="rId3"/>
+          <a:stretch>
+            <a:fillRect/>
+          </a:stretch>
+        </p:blipFill>
+        <p:spPr>
+          <a:xfrm>
+            <a:off x="0" y="2511813"/>
+            <a:ext cx="7604150" cy="1920240"/>
+          </a:xfrm>
+          <a:prstGeom prst="rect">
+            <a:avLst/>
+          </a:prstGeom>
+        </p:spPr>
+      </p:pic>
+      <p:sp>
+        <p:nvSpPr>
+          <p:cNvPr id="7" name="文本占位符 6">
+            <a:extLst>
+              <a:ext uri="{FF2B5EF4-FFF2-40B4-BE49-F238E27FC236}">
+                <a16:creationId xmlns:a16="http://schemas.microsoft.com/office/drawing/2014/main" id="{D64E7160-C85B-41AC-986E-91338B184A3E}"/>
+              </a:ext>
+            </a:extLst>
+          </p:cNvPr>
+          <p:cNvSpPr>
+            <a:spLocks noGrp="1"/>
+          </p:cNvSpPr>
+          <p:nvPr>
+            <p:ph type="body" sz="half" idx="2"/>
+          </p:nvPr>
+        </p:nvSpPr>
+        <p:spPr/>
+        <p:txBody>
+          <a:bodyPr/>
+          <a:lstStyle/>
+          <a:p>
+            <a:endParaRPr lang="zh-CN" altLang="en-US"/>
+          </a:p>
+        </p:txBody>
+      </p:sp>
+    </p:spTree>
+    <p:extLst>
+      <p:ext uri="{BB962C8B-B14F-4D97-AF65-F5344CB8AC3E}">
+        <p14:creationId xmlns:p14="http://schemas.microsoft.com/office/powerpoint/2010/main" val="2059684991"/>
+      </p:ext>
+    </p:extLst>
+  </p:cSld>
+  <p:clrMapOvr>
+    <a:masterClrMapping/>
+  </p:clrMapOvr>
+</p:sld>
+</file>
+
+<file path=ppt/slides/slide25.xml><?xml version="1.0" encoding="utf-8"?>
+<p:sld xmlns:a="http://schemas.openxmlformats.org/drawingml/2006/main" xmlns:r="http://schemas.openxmlformats.org/officeDocument/2006/relationships" xmlns:p="http://schemas.openxmlformats.org/presentationml/2006/main">
+  <p:cSld>
+    <p:spTree>
+      <p:nvGrpSpPr>
+        <p:cNvPr id="1" name=""/>
+        <p:cNvGrpSpPr/>
+        <p:nvPr/>
+      </p:nvGrpSpPr>
+      <p:grpSpPr>
+        <a:xfrm>
+          <a:off x="0" y="0"/>
+          <a:ext cx="0" cy="0"/>
+          <a:chOff x="0" y="0"/>
+          <a:chExt cx="0" cy="0"/>
+        </a:xfrm>
+      </p:grpSpPr>
+      <p:sp>
+        <p:nvSpPr>
+          <p:cNvPr id="5" name="标题 4">
+            <a:extLst>
+              <a:ext uri="{FF2B5EF4-FFF2-40B4-BE49-F238E27FC236}">
+                <a16:creationId xmlns:a16="http://schemas.microsoft.com/office/drawing/2014/main" id="{94AC7F0C-FA0D-4F73-827F-013C82FD6C1D}"/>
+              </a:ext>
+            </a:extLst>
+          </p:cNvPr>
+          <p:cNvSpPr>
+            <a:spLocks noGrp="1"/>
+          </p:cNvSpPr>
+          <p:nvPr>
+            <p:ph type="title" idx="4294967295"/>
+          </p:nvPr>
+        </p:nvSpPr>
+        <p:spPr>
+          <a:xfrm>
+            <a:off x="2870016" y="4229101"/>
+            <a:ext cx="6696015" cy="614362"/>
+          </a:xfrm>
+        </p:spPr>
+        <p:txBody>
+          <a:bodyPr>
+            <a:normAutofit fontScale="90000"/>
+          </a:bodyPr>
+          <a:lstStyle/>
+          <a:p>
+            <a:r>
+              <a:rPr lang="en-US" altLang="zh-CN" dirty="0" err="1"/>
+              <a:t>ElastiCache</a:t>
+            </a:r>
+            <a:r>
+              <a:rPr lang="en-US" altLang="zh-CN" dirty="0"/>
+              <a:t> &amp; DynamoDB</a:t>
+            </a:r>
+            <a:endParaRPr lang="zh-CN" altLang="en-US" dirty="0"/>
+          </a:p>
+        </p:txBody>
+      </p:sp>
+      <p:pic>
+        <p:nvPicPr>
+          <p:cNvPr id="8194" name="Picture 2" descr="monitor AWS ElastiCache truesight pulse">
+            <a:extLst>
+              <a:ext uri="{FF2B5EF4-FFF2-40B4-BE49-F238E27FC236}">
+                <a16:creationId xmlns:a16="http://schemas.microsoft.com/office/drawing/2014/main" id="{1AB27E2D-03F2-4C48-B3D0-8F072B191EA1}"/>
+              </a:ext>
+            </a:extLst>
+          </p:cNvPr>
+          <p:cNvPicPr>
+            <a:picLocks noChangeAspect="1" noChangeArrowheads="1"/>
+          </p:cNvPicPr>
+          <p:nvPr/>
+        </p:nvPicPr>
+        <p:blipFill>
+          <a:blip r:embed="rId3">
+            <a:extLst>
+              <a:ext uri="{28A0092B-C50C-407E-A947-70E740481C1C}">
+                <a14:useLocalDpi xmlns:a14="http://schemas.microsoft.com/office/drawing/2010/main" val="0"/>
+              </a:ext>
+            </a:extLst>
+          </a:blip>
+          <a:srcRect/>
+          <a:stretch>
+            <a:fillRect/>
+          </a:stretch>
+        </p:blipFill>
+        <p:spPr bwMode="auto">
+          <a:xfrm>
+            <a:off x="3292352" y="1373065"/>
+            <a:ext cx="2143125" cy="2143125"/>
+          </a:xfrm>
+          <a:prstGeom prst="rect">
+            <a:avLst/>
+          </a:prstGeom>
+          <a:noFill/>
+          <a:extLst>
+            <a:ext uri="{909E8E84-426E-40DD-AFC4-6F175D3DCCD1}">
+              <a14:hiddenFill xmlns:a14="http://schemas.microsoft.com/office/drawing/2010/main">
+                <a:solidFill>
+                  <a:srgbClr val="FFFFFF"/>
+                </a:solidFill>
+              </a14:hiddenFill>
+            </a:ext>
+          </a:extLst>
+        </p:spPr>
+      </p:pic>
+      <p:pic>
+        <p:nvPicPr>
+          <p:cNvPr id="8196" name="Picture 4" descr="âAWS dynamoDBâçå¾çæç´¢ç»æ">
+            <a:extLst>
+              <a:ext uri="{FF2B5EF4-FFF2-40B4-BE49-F238E27FC236}">
+                <a16:creationId xmlns:a16="http://schemas.microsoft.com/office/drawing/2014/main" id="{AD43197C-8C8F-4634-8015-0E524DF83599}"/>
+              </a:ext>
+            </a:extLst>
+          </p:cNvPr>
+          <p:cNvPicPr>
+            <a:picLocks noChangeAspect="1" noChangeArrowheads="1"/>
+          </p:cNvPicPr>
+          <p:nvPr/>
+        </p:nvPicPr>
+        <p:blipFill>
+          <a:blip r:embed="rId4">
+            <a:extLst>
+              <a:ext uri="{28A0092B-C50C-407E-A947-70E740481C1C}">
+                <a14:useLocalDpi xmlns:a14="http://schemas.microsoft.com/office/drawing/2010/main" val="0"/>
+              </a:ext>
+            </a:extLst>
+          </a:blip>
+          <a:srcRect/>
+          <a:stretch>
+            <a:fillRect/>
+          </a:stretch>
+        </p:blipFill>
+        <p:spPr bwMode="auto">
+          <a:xfrm>
+            <a:off x="6509238" y="1620715"/>
+            <a:ext cx="2095500" cy="1895475"/>
+          </a:xfrm>
+          <a:prstGeom prst="rect">
+            <a:avLst/>
+          </a:prstGeom>
+          <a:noFill/>
+          <a:extLst>
+            <a:ext uri="{909E8E84-426E-40DD-AFC4-6F175D3DCCD1}">
+              <a14:hiddenFill xmlns:a14="http://schemas.microsoft.com/office/drawing/2010/main">
+                <a:solidFill>
+                  <a:srgbClr val="FFFFFF"/>
+                </a:solidFill>
+              </a14:hiddenFill>
+            </a:ext>
+          </a:extLst>
+        </p:spPr>
+      </p:pic>
+    </p:spTree>
+    <p:extLst>
+      <p:ext uri="{BB962C8B-B14F-4D97-AF65-F5344CB8AC3E}">
+        <p14:creationId xmlns:p14="http://schemas.microsoft.com/office/powerpoint/2010/main" val="3926579657"/>
+      </p:ext>
+    </p:extLst>
+  </p:cSld>
+  <p:clrMapOvr>
+    <a:masterClrMapping/>
+  </p:clrMapOvr>
+</p:sld>
+</file>
+
+<file path=ppt/slides/slide26.xml><?xml version="1.0" encoding="utf-8"?>
+<p:sld xmlns:a="http://schemas.openxmlformats.org/drawingml/2006/main" xmlns:r="http://schemas.openxmlformats.org/officeDocument/2006/relationships" xmlns:p="http://schemas.openxmlformats.org/presentationml/2006/main">
+  <p:cSld>
+    <p:spTree>
+      <p:nvGrpSpPr>
+        <p:cNvPr id="1" name=""/>
+        <p:cNvGrpSpPr/>
+        <p:nvPr/>
+      </p:nvGrpSpPr>
+      <p:grpSpPr>
+        <a:xfrm>
+          <a:off x="0" y="0"/>
+          <a:ext cx="0" cy="0"/>
+          <a:chOff x="0" y="0"/>
+          <a:chExt cx="0" cy="0"/>
+        </a:xfrm>
+      </p:grpSpPr>
+      <p:sp>
+        <p:nvSpPr>
+          <p:cNvPr id="2" name="标题 1">
+            <a:extLst>
+              <a:ext uri="{FF2B5EF4-FFF2-40B4-BE49-F238E27FC236}">
+                <a16:creationId xmlns:a16="http://schemas.microsoft.com/office/drawing/2014/main" id="{59B89D14-ECDE-4177-9DE4-3C48CBED9598}"/>
+              </a:ext>
+            </a:extLst>
+          </p:cNvPr>
+          <p:cNvSpPr>
+            <a:spLocks noGrp="1"/>
+          </p:cNvSpPr>
+          <p:nvPr>
+            <p:ph type="title"/>
+          </p:nvPr>
+        </p:nvSpPr>
+        <p:spPr/>
+        <p:txBody>
+          <a:bodyPr/>
+          <a:lstStyle/>
+          <a:p>
+            <a:r>
+              <a:rPr lang="en-US" altLang="zh-CN" dirty="0"/>
+              <a:t>Just remember that AWS Help you</a:t>
+            </a:r>
+            <a:endParaRPr lang="zh-CN" altLang="en-US" dirty="0"/>
+          </a:p>
+        </p:txBody>
+      </p:sp>
+      <p:sp>
+        <p:nvSpPr>
+          <p:cNvPr id="3" name="内容占位符 2">
+            <a:extLst>
+              <a:ext uri="{FF2B5EF4-FFF2-40B4-BE49-F238E27FC236}">
+                <a16:creationId xmlns:a16="http://schemas.microsoft.com/office/drawing/2014/main" id="{4AED9BC2-3610-4FD5-B80F-087D0F82E09B}"/>
+              </a:ext>
+            </a:extLst>
+          </p:cNvPr>
+          <p:cNvSpPr>
+            <a:spLocks noGrp="1"/>
+          </p:cNvSpPr>
+          <p:nvPr>
+            <p:ph idx="1"/>
+          </p:nvPr>
+        </p:nvSpPr>
+        <p:spPr/>
+        <p:txBody>
+          <a:bodyPr>
+            <a:normAutofit/>
+          </a:bodyPr>
+          <a:lstStyle/>
+          <a:p>
+            <a:r>
+              <a:rPr lang="en-US" altLang="zh-CN" sz="5400" dirty="0"/>
+              <a:t>Save money in the long run</a:t>
+            </a:r>
+          </a:p>
+          <a:p>
+            <a:r>
+              <a:rPr lang="en-US" altLang="zh-CN" sz="5400" dirty="0"/>
+              <a:t>Easier to perform better</a:t>
+            </a:r>
+          </a:p>
+          <a:p>
+            <a:r>
+              <a:rPr lang="en-US" altLang="zh-CN" sz="5400" dirty="0"/>
+              <a:t>Your strong support</a:t>
+            </a:r>
+            <a:endParaRPr lang="zh-CN" altLang="en-US" sz="5400" dirty="0"/>
+          </a:p>
+        </p:txBody>
+      </p:sp>
+    </p:spTree>
+    <p:extLst>
+      <p:ext uri="{BB962C8B-B14F-4D97-AF65-F5344CB8AC3E}">
+        <p14:creationId xmlns:p14="http://schemas.microsoft.com/office/powerpoint/2010/main" val="3525709100"/>
       </p:ext>
     </p:extLst>
   </p:cSld>
@@ -7542,10 +10445,15 @@
             <p:ph idx="1"/>
           </p:nvPr>
         </p:nvSpPr>
-        <p:spPr/>
+        <p:spPr>
+          <a:xfrm>
+            <a:off x="676656" y="2011680"/>
+            <a:ext cx="10858120" cy="4248443"/>
+          </a:xfrm>
+        </p:spPr>
         <p:txBody>
           <a:bodyPr>
-            <a:normAutofit fontScale="70000" lnSpcReduction="20000"/>
+            <a:normAutofit fontScale="85000" lnSpcReduction="20000"/>
           </a:bodyPr>
           <a:lstStyle/>
           <a:p>
@@ -7763,7 +10671,7 @@
           <p:nvPr/>
         </p:nvPicPr>
         <p:blipFill>
-          <a:blip r:embed="rId2"/>
+          <a:blip r:embed="rId3"/>
           <a:stretch>
             <a:fillRect/>
           </a:stretch>
@@ -7868,31 +10776,6 @@
         </p:blipFill>
         <p:spPr/>
       </p:pic>
-      <p:sp>
-        <p:nvSpPr>
-          <p:cNvPr id="7" name="文本占位符 6">
-            <a:extLst>
-              <a:ext uri="{FF2B5EF4-FFF2-40B4-BE49-F238E27FC236}">
-                <a16:creationId xmlns:a16="http://schemas.microsoft.com/office/drawing/2014/main" id="{86F2BEAF-35AB-4D16-A714-4B0CD555C2CE}"/>
-              </a:ext>
-            </a:extLst>
-          </p:cNvPr>
-          <p:cNvSpPr>
-            <a:spLocks noGrp="1"/>
-          </p:cNvSpPr>
-          <p:nvPr>
-            <p:ph type="body" sz="half" idx="2"/>
-          </p:nvPr>
-        </p:nvSpPr>
-        <p:spPr/>
-        <p:txBody>
-          <a:bodyPr/>
-          <a:lstStyle/>
-          <a:p>
-            <a:endParaRPr lang="zh-CN" altLang="en-US"/>
-          </a:p>
-        </p:txBody>
-      </p:sp>
     </p:spTree>
     <p:extLst>
       <p:ext uri="{BB962C8B-B14F-4D97-AF65-F5344CB8AC3E}">
@@ -8210,7 +11093,7 @@
           <a:p>
             <a:r>
               <a:rPr lang="en-US" altLang="zh-CN" dirty="0"/>
-              <a:t>Save money in the long run by Auto Scaling</a:t>
+              <a:t>Save money in the long run at different tier</a:t>
             </a:r>
             <a:endParaRPr lang="zh-CN" altLang="en-US" dirty="0"/>
           </a:p>
@@ -8341,7 +11224,14 @@
           <a:p>
             <a:r>
               <a:rPr lang="en-US" altLang="zh-CN" dirty="0"/>
-              <a:t>Effective distribution of load to Availability zones</a:t>
+              <a:t>Disaster recovery</a:t>
+            </a:r>
+            <a:br>
+              <a:rPr lang="en-US" altLang="zh-CN" dirty="0"/>
+            </a:br>
+            <a:r>
+              <a:rPr lang="en-US" altLang="zh-CN" dirty="0"/>
+              <a:t>by Availability zones</a:t>
             </a:r>
             <a:endParaRPr lang="zh-CN" altLang="en-US" dirty="0"/>
           </a:p>
@@ -8398,7 +11288,12 @@
             <p:ph type="body" sz="half" idx="2"/>
           </p:nvPr>
         </p:nvSpPr>
-        <p:spPr/>
+        <p:spPr>
+          <a:xfrm>
+            <a:off x="8474763" y="2511813"/>
+            <a:ext cx="3383279" cy="4017941"/>
+          </a:xfrm>
+        </p:spPr>
         <p:txBody>
           <a:bodyPr/>
           <a:lstStyle/>
@@ -8406,6 +11301,12 @@
             <a:r>
               <a:rPr lang="en-US" altLang="zh-CN" dirty="0"/>
               <a:t>Availability zones — Two are used. If one availability zone (AZ) suffers from an outage, we still have EC2 instances running in the other AZ.</a:t>
+            </a:r>
+          </a:p>
+          <a:p>
+            <a:r>
+              <a:rPr lang="en-US" altLang="zh-CN" dirty="0"/>
+              <a:t>EC2 instances — We have multi-redundancy for EC2 instances. We have multiple instances in one subnet (AZ), and we have instances in two subnets (AZs).</a:t>
             </a:r>
             <a:endParaRPr lang="zh-CN" altLang="en-US" dirty="0"/>
           </a:p>

--- a/Assignment #2 - proposal.pptx
+++ b/Assignment #2 - proposal.pptx
@@ -5,7 +5,7 @@
     <p:sldMasterId id="2147483836" r:id="rId1"/>
   </p:sldMasterIdLst>
   <p:notesMasterIdLst>
-    <p:notesMasterId r:id="rId28"/>
+    <p:notesMasterId r:id="rId29"/>
   </p:notesMasterIdLst>
   <p:sldIdLst>
     <p:sldId id="256" r:id="rId2"/>
@@ -34,6 +34,7 @@
     <p:sldId id="280" r:id="rId25"/>
     <p:sldId id="282" r:id="rId26"/>
     <p:sldId id="263" r:id="rId27"/>
+    <p:sldId id="283" r:id="rId28"/>
   </p:sldIdLst>
   <p:sldSz cx="12192000" cy="6858000"/>
   <p:notesSz cx="6858000" cy="9144000"/>
@@ -222,7 +223,7 @@
           <a:p>
             <a:fld id="{FA588D2C-B75B-492C-A3AE-A17D092F3B3C}" type="datetimeFigureOut">
               <a:rPr lang="zh-CN" altLang="en-US" smtClean="0"/>
-              <a:t>2018/6/4</a:t>
+              <a:t>2018/6/6</a:t>
             </a:fld>
             <a:endParaRPr lang="zh-CN" altLang="en-US"/>
           </a:p>
@@ -533,7 +534,145 @@
           <a:bodyPr/>
           <a:lstStyle/>
           <a:p>
-            <a:endParaRPr lang="zh-CN" altLang="en-US" dirty="0"/>
+            <a:r>
+              <a:rPr lang="zh-CN" altLang="en-US" dirty="0"/>
+              <a:t>我来应聘针对初创的技术架构</a:t>
+            </a:r>
+            <a:endParaRPr lang="en-US" altLang="zh-CN" dirty="0"/>
+          </a:p>
+          <a:p>
+            <a:r>
+              <a:rPr lang="zh-CN" altLang="en-US" dirty="0"/>
+              <a:t>我最喜欢计算机技术。也喜欢商业，创业，也接触过很多孵化器和</a:t>
+            </a:r>
+            <a:r>
+              <a:rPr lang="en-US" altLang="zh-CN" dirty="0"/>
+              <a:t>VC</a:t>
+            </a:r>
+          </a:p>
+          <a:p>
+            <a:r>
+              <a:rPr lang="zh-CN" altLang="en-US" dirty="0"/>
+              <a:t>能来这非常激动，因为</a:t>
+            </a:r>
+            <a:r>
+              <a:rPr lang="en-US" altLang="zh-CN" dirty="0"/>
+              <a:t>AWS</a:t>
+            </a:r>
+            <a:r>
+              <a:rPr lang="zh-CN" altLang="en-US" dirty="0"/>
+              <a:t>是我非常佩服的创新者，并且致力于</a:t>
+            </a:r>
+            <a:r>
+              <a:rPr lang="en-US" altLang="zh-CN" dirty="0"/>
+              <a:t>ROI</a:t>
+            </a:r>
+          </a:p>
+          <a:p>
+            <a:r>
+              <a:rPr lang="zh-CN" altLang="en-US" dirty="0"/>
+              <a:t>我一直使用</a:t>
+            </a:r>
+            <a:r>
+              <a:rPr lang="en-US" altLang="zh-CN" dirty="0"/>
+              <a:t>AWS</a:t>
+            </a:r>
+            <a:r>
+              <a:rPr lang="zh-CN" altLang="en-US" dirty="0"/>
+              <a:t>，从上家公司做</a:t>
+            </a:r>
+            <a:r>
+              <a:rPr lang="en-US" altLang="zh-CN" dirty="0"/>
+              <a:t>CIO</a:t>
+            </a:r>
+            <a:r>
+              <a:rPr lang="zh-CN" altLang="en-US" dirty="0"/>
+              <a:t>开始迁移业务系统，到现在创业基于</a:t>
+            </a:r>
+            <a:r>
+              <a:rPr lang="en-US" altLang="zh-CN" dirty="0"/>
+              <a:t>AWS</a:t>
+            </a:r>
+            <a:r>
+              <a:rPr lang="zh-CN" altLang="en-US" dirty="0"/>
+              <a:t>和阿里云</a:t>
+            </a:r>
+            <a:r>
+              <a:rPr lang="en-US" altLang="zh-CN" dirty="0"/>
+              <a:t>OSS</a:t>
+            </a:r>
+            <a:r>
+              <a:rPr lang="zh-CN" altLang="en-US" dirty="0"/>
+              <a:t>对象存储</a:t>
+            </a:r>
+            <a:endParaRPr lang="en-US" altLang="zh-CN" dirty="0"/>
+          </a:p>
+          <a:p>
+            <a:r>
+              <a:rPr lang="en-US" altLang="zh-CN" dirty="0"/>
+              <a:t>AWS</a:t>
+            </a:r>
+            <a:r>
+              <a:rPr lang="zh-CN" altLang="en-US" dirty="0"/>
+              <a:t>中国区的第一批用户，积极参与</a:t>
+            </a:r>
+            <a:r>
+              <a:rPr lang="en-US" altLang="zh-CN" dirty="0"/>
+              <a:t>AWS</a:t>
+            </a:r>
+            <a:r>
+              <a:rPr lang="zh-CN" altLang="en-US" dirty="0"/>
+              <a:t>的各种活动，</a:t>
+            </a:r>
+            <a:r>
+              <a:rPr lang="en-US" altLang="zh-CN" dirty="0" err="1"/>
+              <a:t>ReInvent</a:t>
+            </a:r>
+            <a:r>
+              <a:rPr lang="zh-CN" altLang="en-US" dirty="0"/>
+              <a:t>听</a:t>
+            </a:r>
+            <a:r>
+              <a:rPr lang="en-US" altLang="zh-CN" dirty="0"/>
+              <a:t>Werner </a:t>
+            </a:r>
+            <a:r>
+              <a:rPr lang="en-US" altLang="zh-CN" dirty="0" err="1"/>
+              <a:t>Vogels</a:t>
+            </a:r>
+            <a:r>
+              <a:rPr lang="zh-CN" altLang="en-US" dirty="0"/>
+              <a:t>的演讲，酒会不错</a:t>
+            </a:r>
+            <a:endParaRPr lang="en-US" altLang="zh-CN" dirty="0"/>
+          </a:p>
+          <a:p>
+            <a:r>
+              <a:rPr lang="zh-CN" altLang="en-US" dirty="0"/>
+              <a:t>软件工程和自动化测试比较了解，因为比较重视质量和效率</a:t>
+            </a:r>
+            <a:endParaRPr lang="en-US" altLang="zh-CN" dirty="0"/>
+          </a:p>
+          <a:p>
+            <a:r>
+              <a:rPr lang="zh-CN" altLang="en-US" dirty="0"/>
+              <a:t>我也想听听各位的职责，还有就个人而言，您想从今天的</a:t>
+            </a:r>
+            <a:r>
+              <a:rPr lang="en-US" altLang="zh-CN" dirty="0"/>
+              <a:t>Presentation</a:t>
+            </a:r>
+            <a:r>
+              <a:rPr lang="zh-CN" altLang="en-US" dirty="0"/>
+              <a:t>中获得什么信息</a:t>
+            </a:r>
+            <a:endParaRPr lang="en-US" altLang="zh-CN" dirty="0"/>
+          </a:p>
+          <a:p>
+            <a:r>
+              <a:rPr lang="zh-CN" altLang="en-US" dirty="0"/>
+              <a:t>（记下反馈，在最后重提）</a:t>
+            </a:r>
           </a:p>
         </p:txBody>
       </p:sp>
@@ -554,7 +693,7 @@
           <a:p>
             <a:fld id="{98F2694B-8456-4C23-A81B-325F88010047}" type="slidenum">
               <a:rPr lang="zh-CN" altLang="en-US" smtClean="0"/>
-              <a:t>2</a:t>
+              <a:t>1</a:t>
             </a:fld>
             <a:endParaRPr lang="zh-CN" altLang="en-US"/>
           </a:p>
@@ -563,7 +702,7 @@
     </p:spTree>
     <p:extLst>
       <p:ext uri="{BB962C8B-B14F-4D97-AF65-F5344CB8AC3E}">
-        <p14:creationId xmlns:p14="http://schemas.microsoft.com/office/powerpoint/2010/main" val="4045880921"/>
+        <p14:creationId xmlns:p14="http://schemas.microsoft.com/office/powerpoint/2010/main" val="498008309"/>
       </p:ext>
     </p:extLst>
   </p:cSld>
@@ -618,6 +757,29 @@
           <a:lstStyle/>
           <a:p>
             <a:r>
+              <a:rPr lang="zh-CN" altLang="en-US" sz="1200" b="0" i="0" kern="1200" dirty="0">
+                <a:solidFill>
+                  <a:schemeClr val="tx1"/>
+                </a:solidFill>
+                <a:effectLst/>
+                <a:latin typeface="+mn-lt"/>
+                <a:ea typeface="+mn-ea"/>
+                <a:cs typeface="+mn-cs"/>
+              </a:rPr>
+              <a:t>万一机房出问题怎么办？万一云上也中断了呢？</a:t>
+            </a:r>
+            <a:endParaRPr lang="en-US" altLang="zh-CN" sz="1200" b="0" i="0" kern="1200" dirty="0">
+              <a:solidFill>
+                <a:schemeClr val="tx1"/>
+              </a:solidFill>
+              <a:effectLst/>
+              <a:latin typeface="+mn-lt"/>
+              <a:ea typeface="+mn-ea"/>
+              <a:cs typeface="+mn-cs"/>
+            </a:endParaRPr>
+          </a:p>
+          <a:p>
+            <a:r>
               <a:rPr lang="en-US" altLang="zh-CN" sz="1200" b="0" i="0" kern="1200" dirty="0">
                 <a:solidFill>
                   <a:schemeClr val="tx1"/>
@@ -631,23 +793,6 @@
             </a:r>
           </a:p>
           <a:p>
-            <a:pPr marL="0" marR="0" lvl="0" indent="0" algn="l" defTabSz="914400" rtl="0" eaLnBrk="1" fontAlgn="auto" latinLnBrk="0" hangingPunct="1">
-              <a:lnSpc>
-                <a:spcPct val="100000"/>
-              </a:lnSpc>
-              <a:spcBef>
-                <a:spcPts val="0"/>
-              </a:spcBef>
-              <a:spcAft>
-                <a:spcPts val="0"/>
-              </a:spcAft>
-              <a:buClrTx/>
-              <a:buSzTx/>
-              <a:buFontTx/>
-              <a:buNone/>
-              <a:tabLst/>
-              <a:defRPr/>
-            </a:pPr>
             <a:r>
               <a:rPr lang="en-US" altLang="zh-CN" sz="1200" b="0" i="0" kern="1200" dirty="0">
                 <a:solidFill>
@@ -663,9 +808,44 @@
           </a:p>
           <a:p>
             <a:r>
-              <a:rPr lang="zh-CN" altLang="en-US" dirty="0"/>
-              <a:t>全球客户触及</a:t>
-            </a:r>
+              <a:rPr lang="zh-CN" altLang="en-US" sz="1200" b="0" i="0" kern="1200" dirty="0">
+                <a:solidFill>
+                  <a:schemeClr val="tx1"/>
+                </a:solidFill>
+                <a:effectLst/>
+                <a:latin typeface="+mn-lt"/>
+                <a:ea typeface="+mn-ea"/>
+                <a:cs typeface="+mn-cs"/>
+              </a:rPr>
+              <a:t>北京，宁夏</a:t>
+            </a:r>
+            <a:endParaRPr lang="en-US" altLang="zh-CN" sz="1200" b="0" i="0" kern="1200" dirty="0">
+              <a:solidFill>
+                <a:schemeClr val="tx1"/>
+              </a:solidFill>
+              <a:effectLst/>
+              <a:latin typeface="+mn-lt"/>
+              <a:ea typeface="+mn-ea"/>
+              <a:cs typeface="+mn-cs"/>
+            </a:endParaRPr>
+          </a:p>
+          <a:p>
+            <a:r>
+              <a:rPr lang="zh-CN" altLang="en-US" sz="1200" b="0" i="0" kern="1200" dirty="0">
+                <a:solidFill>
+                  <a:schemeClr val="tx1"/>
+                </a:solidFill>
+                <a:effectLst/>
+                <a:latin typeface="+mn-lt"/>
+                <a:ea typeface="+mn-ea"/>
+                <a:cs typeface="+mn-cs"/>
+              </a:rPr>
+              <a:t>鸡蛋不要放在一个篮子里</a:t>
+            </a:r>
+            <a:endParaRPr lang="zh-CN" altLang="en-US" dirty="0"/>
+          </a:p>
+          <a:p>
+            <a:endParaRPr lang="zh-CN" altLang="en-US" dirty="0"/>
           </a:p>
         </p:txBody>
       </p:sp>
@@ -686,7 +866,7 @@
           <a:p>
             <a:fld id="{98F2694B-8456-4C23-A81B-325F88010047}" type="slidenum">
               <a:rPr lang="zh-CN" altLang="en-US" smtClean="0"/>
-              <a:t>11</a:t>
+              <a:t>10</a:t>
             </a:fld>
             <a:endParaRPr lang="zh-CN" altLang="en-US"/>
           </a:p>
@@ -695,7 +875,7 @@
     </p:spTree>
     <p:extLst>
       <p:ext uri="{BB962C8B-B14F-4D97-AF65-F5344CB8AC3E}">
-        <p14:creationId xmlns:p14="http://schemas.microsoft.com/office/powerpoint/2010/main" val="863427666"/>
+        <p14:creationId xmlns:p14="http://schemas.microsoft.com/office/powerpoint/2010/main" val="3233277829"/>
       </p:ext>
     </p:extLst>
   </p:cSld>
@@ -759,45 +939,8 @@
                 <a:ea typeface="+mn-ea"/>
                 <a:cs typeface="+mn-cs"/>
               </a:rPr>
-              <a:t>Database and data access layer for high performance and throughput</a:t>
-            </a:r>
-          </a:p>
-          <a:p>
-            <a:r>
-              <a:rPr lang="en-US" altLang="zh-CN" sz="1200" b="0" i="0" kern="1200" dirty="0">
-                <a:solidFill>
-                  <a:schemeClr val="tx1"/>
-                </a:solidFill>
-                <a:effectLst/>
-                <a:latin typeface="+mn-lt"/>
-                <a:ea typeface="+mn-ea"/>
-                <a:cs typeface="+mn-cs"/>
-              </a:rPr>
-              <a:t>Security of data at rest </a:t>
-            </a:r>
-          </a:p>
-          <a:p>
-            <a:r>
-              <a:rPr lang="zh-CN" altLang="en-US" sz="1200" b="0" i="0" kern="1200" dirty="0">
-                <a:solidFill>
-                  <a:schemeClr val="tx1"/>
-                </a:solidFill>
-                <a:effectLst/>
-                <a:latin typeface="+mn-lt"/>
-                <a:ea typeface="+mn-ea"/>
-                <a:cs typeface="+mn-cs"/>
-              </a:rPr>
-              <a:t>备份 计费和使用简单</a:t>
-            </a:r>
-            <a:endParaRPr lang="en-US" altLang="zh-CN" sz="1200" b="0" i="0" kern="1200" dirty="0">
-              <a:solidFill>
-                <a:schemeClr val="tx1"/>
-              </a:solidFill>
-              <a:effectLst/>
-              <a:latin typeface="+mn-lt"/>
-              <a:ea typeface="+mn-ea"/>
-              <a:cs typeface="+mn-cs"/>
-            </a:endParaRPr>
+              <a:t>Your strong support</a:t>
+            </a:r>
           </a:p>
           <a:p>
             <a:pPr marL="0" marR="0" lvl="0" indent="0" algn="l" defTabSz="914400" rtl="0" eaLnBrk="1" fontAlgn="auto" latinLnBrk="0" hangingPunct="1">
@@ -827,91 +970,14 @@
                 <a:ea typeface="+mn-ea"/>
                 <a:cs typeface="+mn-cs"/>
               </a:rPr>
-              <a:t>Save money</a:t>
-            </a:r>
-            <a:r>
-              <a:rPr lang="zh-CN" altLang="en-US" sz="1200" b="0" i="0" kern="1200" dirty="0">
-                <a:solidFill>
-                  <a:schemeClr val="tx1"/>
-                </a:solidFill>
-                <a:effectLst/>
-                <a:latin typeface="+mn-lt"/>
-                <a:ea typeface="+mn-ea"/>
-                <a:cs typeface="+mn-cs"/>
-              </a:rPr>
-              <a:t>：不需要</a:t>
-            </a:r>
-            <a:r>
-              <a:rPr lang="en-US" altLang="zh-CN" sz="1200" b="0" i="0" kern="1200" dirty="0">
-                <a:solidFill>
-                  <a:schemeClr val="tx1"/>
-                </a:solidFill>
-                <a:effectLst/>
-                <a:latin typeface="+mn-lt"/>
-                <a:ea typeface="+mn-ea"/>
-                <a:cs typeface="+mn-cs"/>
-              </a:rPr>
-              <a:t>DBA</a:t>
-            </a:r>
-          </a:p>
-          <a:p>
-            <a:r>
-              <a:rPr lang="en-US" altLang="zh-CN" sz="1200" b="0" i="0" kern="1200" dirty="0">
-                <a:solidFill>
-                  <a:schemeClr val="tx1"/>
-                </a:solidFill>
-                <a:effectLst/>
-                <a:latin typeface="+mn-lt"/>
-                <a:ea typeface="+mn-ea"/>
-                <a:cs typeface="+mn-cs"/>
-              </a:rPr>
               <a:t>Easier for you to perform better</a:t>
             </a:r>
-            <a:r>
-              <a:rPr lang="zh-CN" altLang="en-US" sz="1200" b="0" i="0" kern="1200" dirty="0">
-                <a:solidFill>
-                  <a:schemeClr val="tx1"/>
-                </a:solidFill>
-                <a:effectLst/>
-                <a:latin typeface="+mn-lt"/>
-                <a:ea typeface="+mn-ea"/>
-                <a:cs typeface="+mn-cs"/>
-              </a:rPr>
-              <a:t>：安基</a:t>
-            </a:r>
-            <a:r>
-              <a:rPr lang="en-US" altLang="zh-CN" sz="1200" b="0" i="0" kern="1200" dirty="0">
-                <a:solidFill>
-                  <a:schemeClr val="tx1"/>
-                </a:solidFill>
-                <a:effectLst/>
-                <a:latin typeface="+mn-lt"/>
-                <a:ea typeface="+mn-ea"/>
-                <a:cs typeface="+mn-cs"/>
-              </a:rPr>
-              <a:t>ERP</a:t>
-            </a:r>
-            <a:r>
-              <a:rPr lang="zh-CN" altLang="en-US" sz="1200" b="0" i="0" kern="1200" dirty="0">
-                <a:solidFill>
-                  <a:schemeClr val="tx1"/>
-                </a:solidFill>
-                <a:effectLst/>
-                <a:latin typeface="+mn-lt"/>
-                <a:ea typeface="+mn-ea"/>
-                <a:cs typeface="+mn-cs"/>
-              </a:rPr>
-              <a:t>项目，依赖外部谈判。后来不再焦虑不懂数据库运营，轻松备份。</a:t>
-            </a:r>
-            <a:endParaRPr lang="en-US" altLang="zh-CN" sz="1200" b="0" i="0" kern="1200" dirty="0">
-              <a:solidFill>
-                <a:schemeClr val="tx1"/>
-              </a:solidFill>
-              <a:effectLst/>
-              <a:latin typeface="+mn-lt"/>
-              <a:ea typeface="+mn-ea"/>
-              <a:cs typeface="+mn-cs"/>
-            </a:endParaRPr>
+          </a:p>
+          <a:p>
+            <a:r>
+              <a:rPr lang="zh-CN" altLang="en-US" dirty="0"/>
+              <a:t>全球客户触及</a:t>
+            </a:r>
           </a:p>
         </p:txBody>
       </p:sp>
@@ -932,7 +998,7 @@
           <a:p>
             <a:fld id="{98F2694B-8456-4C23-A81B-325F88010047}" type="slidenum">
               <a:rPr lang="zh-CN" altLang="en-US" smtClean="0"/>
-              <a:t>12</a:t>
+              <a:t>11</a:t>
             </a:fld>
             <a:endParaRPr lang="zh-CN" altLang="en-US"/>
           </a:p>
@@ -941,7 +1007,7 @@
     </p:spTree>
     <p:extLst>
       <p:ext uri="{BB962C8B-B14F-4D97-AF65-F5344CB8AC3E}">
-        <p14:creationId xmlns:p14="http://schemas.microsoft.com/office/powerpoint/2010/main" val="2977630559"/>
+        <p14:creationId xmlns:p14="http://schemas.microsoft.com/office/powerpoint/2010/main" val="863427666"/>
       </p:ext>
     </p:extLst>
   </p:cSld>
@@ -996,7 +1062,7 @@
           <a:lstStyle/>
           <a:p>
             <a:r>
-              <a:rPr lang="en-US" altLang="zh-CN" sz="1200" b="0" i="0" kern="1200" dirty="0">
+              <a:rPr lang="zh-CN" altLang="en-US" sz="1200" b="0" i="0" kern="1200" dirty="0">
                 <a:solidFill>
                   <a:schemeClr val="tx1"/>
                 </a:solidFill>
@@ -1005,12 +1071,10 @@
                 <a:ea typeface="+mn-ea"/>
                 <a:cs typeface="+mn-cs"/>
               </a:rPr>
-              <a:t>Ability to configure database and data access layer for high performance and throughput Security of data at rest </a:t>
-            </a:r>
-          </a:p>
-          <a:p>
-            <a:r>
-              <a:rPr lang="zh-CN" altLang="en-US" sz="1200" b="0" i="0" kern="1200" dirty="0">
+              <a:t>没有</a:t>
+            </a:r>
+            <a:r>
+              <a:rPr lang="en-US" altLang="zh-CN" sz="1200" b="0" i="0" kern="1200" dirty="0">
                 <a:solidFill>
                   <a:schemeClr val="tx1"/>
                 </a:solidFill>
@@ -1019,7 +1083,19 @@
                 <a:ea typeface="+mn-ea"/>
                 <a:cs typeface="+mn-cs"/>
               </a:rPr>
-              <a:t>备份 计费和使用简单</a:t>
+              <a:t>DBA</a:t>
+            </a:r>
+            <a:r>
+              <a:rPr lang="zh-CN" altLang="en-US" sz="1200" b="0" i="0" kern="1200" dirty="0">
+                <a:solidFill>
+                  <a:schemeClr val="tx1"/>
+                </a:solidFill>
+                <a:effectLst/>
+                <a:latin typeface="+mn-lt"/>
+                <a:ea typeface="+mn-ea"/>
+                <a:cs typeface="+mn-cs"/>
+              </a:rPr>
+              <a:t>，担心在业务上涨时，搞不定数据库的主从问题 </a:t>
             </a:r>
             <a:endParaRPr lang="en-US" altLang="zh-CN" sz="1200" b="0" i="0" kern="1200" dirty="0">
               <a:solidFill>
@@ -1033,7 +1109,7 @@
           </a:p>
           <a:p>
             <a:r>
-              <a:rPr lang="en-US" altLang="zh-CN" sz="1200" b="0" i="0" kern="1200" dirty="0">
+              <a:rPr lang="zh-CN" altLang="en-US" sz="1200" b="0" i="0" kern="1200" dirty="0">
                 <a:solidFill>
                   <a:schemeClr val="tx1"/>
                 </a:solidFill>
@@ -1042,12 +1118,10 @@
                 <a:ea typeface="+mn-ea"/>
                 <a:cs typeface="+mn-cs"/>
               </a:rPr>
-              <a:t>Save money</a:t>
-            </a:r>
-          </a:p>
-          <a:p>
-            <a:r>
-              <a:rPr lang="en-US" altLang="zh-CN" sz="1200" b="0" i="0" kern="1200" dirty="0">
+              <a:t>总是手动备份数据，或者用</a:t>
+            </a:r>
+            <a:r>
+              <a:rPr lang="en-US" altLang="zh-CN" sz="1200" b="0" i="0" kern="1200" dirty="0" err="1">
                 <a:solidFill>
                   <a:schemeClr val="tx1"/>
                 </a:solidFill>
@@ -1056,10 +1130,8 @@
                 <a:ea typeface="+mn-ea"/>
                 <a:cs typeface="+mn-cs"/>
               </a:rPr>
-              <a:t>Easier for you to perform better</a:t>
-            </a:r>
-          </a:p>
-          <a:p>
+              <a:t>cron</a:t>
+            </a:r>
             <a:r>
               <a:rPr lang="zh-CN" altLang="en-US" sz="1200" b="0" i="0" kern="1200" dirty="0">
                 <a:solidFill>
@@ -1070,31 +1142,7 @@
                 <a:ea typeface="+mn-ea"/>
                 <a:cs typeface="+mn-cs"/>
               </a:rPr>
-              <a:t>安基</a:t>
-            </a:r>
-            <a:r>
-              <a:rPr lang="en-US" altLang="zh-CN" sz="1200" b="0" i="0" kern="1200" dirty="0">
-                <a:solidFill>
-                  <a:schemeClr val="tx1"/>
-                </a:solidFill>
-                <a:effectLst/>
-                <a:latin typeface="+mn-lt"/>
-                <a:ea typeface="+mn-ea"/>
-                <a:cs typeface="+mn-cs"/>
-              </a:rPr>
-              <a:t>ERP</a:t>
-            </a:r>
-            <a:r>
-              <a:rPr lang="zh-CN" altLang="en-US" sz="1200" b="0" i="0" kern="1200" dirty="0">
-                <a:solidFill>
-                  <a:schemeClr val="tx1"/>
-                </a:solidFill>
-                <a:effectLst/>
-                <a:latin typeface="+mn-lt"/>
-                <a:ea typeface="+mn-ea"/>
-                <a:cs typeface="+mn-cs"/>
-              </a:rPr>
-              <a:t>项目，不再焦虑不懂数据库运营，依赖外部谈判，轻松备份。</a:t>
+              <a:t>没经过验证</a:t>
             </a:r>
             <a:endParaRPr lang="en-US" altLang="zh-CN" sz="1200" b="0" i="0" kern="1200" dirty="0">
               <a:solidFill>
@@ -1117,7 +1165,59 @@
                 <a:ea typeface="+mn-ea"/>
                 <a:cs typeface="+mn-cs"/>
               </a:rPr>
-              <a:t>不需要</a:t>
+              <a:t>备份 计费和使用简单</a:t>
+            </a:r>
+            <a:endParaRPr lang="en-US" altLang="zh-CN" sz="1200" b="0" i="0" kern="1200" dirty="0">
+              <a:solidFill>
+                <a:schemeClr val="tx1"/>
+              </a:solidFill>
+              <a:effectLst/>
+              <a:latin typeface="+mn-lt"/>
+              <a:ea typeface="+mn-ea"/>
+              <a:cs typeface="+mn-cs"/>
+            </a:endParaRPr>
+          </a:p>
+          <a:p>
+            <a:pPr marL="0" marR="0" lvl="0" indent="0" algn="l" defTabSz="914400" rtl="0" eaLnBrk="1" fontAlgn="auto" latinLnBrk="0" hangingPunct="1">
+              <a:lnSpc>
+                <a:spcPct val="100000"/>
+              </a:lnSpc>
+              <a:spcBef>
+                <a:spcPts val="0"/>
+              </a:spcBef>
+              <a:spcAft>
+                <a:spcPts val="0"/>
+              </a:spcAft>
+              <a:buClrTx/>
+              <a:buSzTx/>
+              <a:buFontTx/>
+              <a:buNone/>
+              <a:tabLst/>
+              <a:defRPr/>
+            </a:pPr>
+            <a:r>
+              <a:rPr lang="en-US" altLang="zh-CN" sz="1200" b="0" i="0" kern="1200" dirty="0">
+                <a:solidFill>
+                  <a:schemeClr val="tx1"/>
+                </a:solidFill>
+                <a:effectLst/>
+                <a:latin typeface="+mn-lt"/>
+                <a:ea typeface="+mn-ea"/>
+                <a:cs typeface="+mn-cs"/>
+              </a:rPr>
+              <a:t>Save money</a:t>
+            </a:r>
+            <a:r>
+              <a:rPr lang="zh-CN" altLang="en-US" sz="1200" b="0" i="0" kern="1200" dirty="0">
+                <a:solidFill>
+                  <a:schemeClr val="tx1"/>
+                </a:solidFill>
+                <a:effectLst/>
+                <a:latin typeface="+mn-lt"/>
+                <a:ea typeface="+mn-ea"/>
+                <a:cs typeface="+mn-cs"/>
+              </a:rPr>
+              <a:t>：不需要</a:t>
             </a:r>
             <a:r>
               <a:rPr lang="en-US" altLang="zh-CN" sz="1200" b="0" i="0" kern="1200" dirty="0">
@@ -1131,7 +1231,65 @@
               </a:rPr>
               <a:t>DBA</a:t>
             </a:r>
-            <a:endParaRPr lang="zh-CN" altLang="en-US" dirty="0"/>
+          </a:p>
+          <a:p>
+            <a:r>
+              <a:rPr lang="en-US" altLang="zh-CN" sz="1200" b="0" i="0" kern="1200" dirty="0">
+                <a:solidFill>
+                  <a:schemeClr val="tx1"/>
+                </a:solidFill>
+                <a:effectLst/>
+                <a:latin typeface="+mn-lt"/>
+                <a:ea typeface="+mn-ea"/>
+                <a:cs typeface="+mn-cs"/>
+              </a:rPr>
+              <a:t>Easier for you to perform better</a:t>
+            </a:r>
+            <a:r>
+              <a:rPr lang="zh-CN" altLang="en-US" sz="1200" b="0" i="0" kern="1200" dirty="0">
+                <a:solidFill>
+                  <a:schemeClr val="tx1"/>
+                </a:solidFill>
+                <a:effectLst/>
+                <a:latin typeface="+mn-lt"/>
+                <a:ea typeface="+mn-ea"/>
+                <a:cs typeface="+mn-cs"/>
+              </a:rPr>
+              <a:t>：安基</a:t>
+            </a:r>
+            <a:r>
+              <a:rPr lang="en-US" altLang="zh-CN" sz="1200" b="0" i="0" kern="1200" dirty="0">
+                <a:solidFill>
+                  <a:schemeClr val="tx1"/>
+                </a:solidFill>
+                <a:effectLst/>
+                <a:latin typeface="+mn-lt"/>
+                <a:ea typeface="+mn-ea"/>
+                <a:cs typeface="+mn-cs"/>
+              </a:rPr>
+              <a:t>ERP</a:t>
+            </a:r>
+            <a:r>
+              <a:rPr lang="zh-CN" altLang="en-US" sz="1200" b="0" i="0" kern="1200" dirty="0">
+                <a:solidFill>
+                  <a:schemeClr val="tx1"/>
+                </a:solidFill>
+                <a:effectLst/>
+                <a:latin typeface="+mn-lt"/>
+                <a:ea typeface="+mn-ea"/>
+                <a:cs typeface="+mn-cs"/>
+              </a:rPr>
+              <a:t>项目，依赖外部谈判。后来不再焦虑不懂数据库运营，轻松备份。</a:t>
+            </a:r>
+            <a:endParaRPr lang="en-US" altLang="zh-CN" sz="1200" b="0" i="0" kern="1200" dirty="0">
+              <a:solidFill>
+                <a:schemeClr val="tx1"/>
+              </a:solidFill>
+              <a:effectLst/>
+              <a:latin typeface="+mn-lt"/>
+              <a:ea typeface="+mn-ea"/>
+              <a:cs typeface="+mn-cs"/>
+            </a:endParaRPr>
           </a:p>
         </p:txBody>
       </p:sp>
@@ -1152,7 +1310,7 @@
           <a:p>
             <a:fld id="{98F2694B-8456-4C23-A81B-325F88010047}" type="slidenum">
               <a:rPr lang="zh-CN" altLang="en-US" smtClean="0"/>
-              <a:t>13</a:t>
+              <a:t>12</a:t>
             </a:fld>
             <a:endParaRPr lang="zh-CN" altLang="en-US"/>
           </a:p>
@@ -1161,7 +1319,7 @@
     </p:spTree>
     <p:extLst>
       <p:ext uri="{BB962C8B-B14F-4D97-AF65-F5344CB8AC3E}">
-        <p14:creationId xmlns:p14="http://schemas.microsoft.com/office/powerpoint/2010/main" val="1193342312"/>
+        <p14:creationId xmlns:p14="http://schemas.microsoft.com/office/powerpoint/2010/main" val="2977630559"/>
       </p:ext>
     </p:extLst>
   </p:cSld>
@@ -1216,7 +1374,7 @@
           <a:lstStyle/>
           <a:p>
             <a:r>
-              <a:rPr lang="en-US" altLang="zh-CN" sz="1200" b="0" i="0" kern="1200" dirty="0">
+              <a:rPr lang="zh-CN" altLang="en-US" sz="1200" b="0" i="0" kern="1200" dirty="0">
                 <a:solidFill>
                   <a:schemeClr val="tx1"/>
                 </a:solidFill>
@@ -1225,12 +1383,10 @@
                 <a:ea typeface="+mn-ea"/>
                 <a:cs typeface="+mn-cs"/>
               </a:rPr>
-              <a:t>ALB Security of data in transit</a:t>
-            </a:r>
-          </a:p>
-          <a:p>
-            <a:r>
-              <a:rPr lang="zh-CN" altLang="en-US" sz="1200" b="0" i="0" kern="1200" dirty="0">
+              <a:t>没有</a:t>
+            </a:r>
+            <a:r>
+              <a:rPr lang="en-US" altLang="zh-CN" sz="1200" b="0" i="0" kern="1200" dirty="0">
                 <a:solidFill>
                   <a:schemeClr val="tx1"/>
                 </a:solidFill>
@@ -1239,7 +1395,19 @@
                 <a:ea typeface="+mn-ea"/>
                 <a:cs typeface="+mn-cs"/>
               </a:rPr>
-              <a:t>没有单台机的带宽限制</a:t>
+              <a:t>DBA</a:t>
+            </a:r>
+            <a:r>
+              <a:rPr lang="zh-CN" altLang="en-US" sz="1200" b="0" i="0" kern="1200" dirty="0">
+                <a:solidFill>
+                  <a:schemeClr val="tx1"/>
+                </a:solidFill>
+                <a:effectLst/>
+                <a:latin typeface="+mn-lt"/>
+                <a:ea typeface="+mn-ea"/>
+                <a:cs typeface="+mn-cs"/>
+              </a:rPr>
+              <a:t>，担心在业务上涨时，搞不定数据库的主从问题 </a:t>
             </a:r>
             <a:endParaRPr lang="en-US" altLang="zh-CN" sz="1200" b="0" i="0" kern="1200" dirty="0">
               <a:solidFill>
@@ -1253,6 +1421,90 @@
           </a:p>
           <a:p>
             <a:r>
+              <a:rPr lang="zh-CN" altLang="en-US" sz="1200" b="0" i="0" kern="1200" dirty="0">
+                <a:solidFill>
+                  <a:schemeClr val="tx1"/>
+                </a:solidFill>
+                <a:effectLst/>
+                <a:latin typeface="+mn-lt"/>
+                <a:ea typeface="+mn-ea"/>
+                <a:cs typeface="+mn-cs"/>
+              </a:rPr>
+              <a:t>总是手动备份数据，或者用</a:t>
+            </a:r>
+            <a:r>
+              <a:rPr lang="en-US" altLang="zh-CN" sz="1200" b="0" i="0" kern="1200" dirty="0" err="1">
+                <a:solidFill>
+                  <a:schemeClr val="tx1"/>
+                </a:solidFill>
+                <a:effectLst/>
+                <a:latin typeface="+mn-lt"/>
+                <a:ea typeface="+mn-ea"/>
+                <a:cs typeface="+mn-cs"/>
+              </a:rPr>
+              <a:t>cron</a:t>
+            </a:r>
+            <a:r>
+              <a:rPr lang="zh-CN" altLang="en-US" sz="1200" b="0" i="0" kern="1200" dirty="0">
+                <a:solidFill>
+                  <a:schemeClr val="tx1"/>
+                </a:solidFill>
+                <a:effectLst/>
+                <a:latin typeface="+mn-lt"/>
+                <a:ea typeface="+mn-ea"/>
+                <a:cs typeface="+mn-cs"/>
+              </a:rPr>
+              <a:t>没经过验证</a:t>
+            </a:r>
+            <a:endParaRPr lang="en-US" altLang="zh-CN" sz="1200" b="0" i="0" kern="1200" dirty="0">
+              <a:solidFill>
+                <a:schemeClr val="tx1"/>
+              </a:solidFill>
+              <a:effectLst/>
+              <a:latin typeface="+mn-lt"/>
+              <a:ea typeface="+mn-ea"/>
+              <a:cs typeface="+mn-cs"/>
+            </a:endParaRPr>
+          </a:p>
+          <a:p>
+            <a:r>
+              <a:rPr lang="zh-CN" altLang="en-US" sz="1200" b="0" i="0" kern="1200" dirty="0">
+                <a:solidFill>
+                  <a:schemeClr val="tx1"/>
+                </a:solidFill>
+                <a:effectLst/>
+                <a:latin typeface="+mn-lt"/>
+                <a:ea typeface="+mn-ea"/>
+                <a:cs typeface="+mn-cs"/>
+              </a:rPr>
+              <a:t>备份 计费和使用简单</a:t>
+            </a:r>
+            <a:endParaRPr lang="en-US" altLang="zh-CN" sz="1200" b="0" i="0" kern="1200" dirty="0">
+              <a:solidFill>
+                <a:schemeClr val="tx1"/>
+              </a:solidFill>
+              <a:effectLst/>
+              <a:latin typeface="+mn-lt"/>
+              <a:ea typeface="+mn-ea"/>
+              <a:cs typeface="+mn-cs"/>
+            </a:endParaRPr>
+          </a:p>
+          <a:p>
+            <a:r>
+              <a:rPr lang="en-US" altLang="zh-CN" sz="1200" b="0" i="0" kern="1200" dirty="0">
+                <a:solidFill>
+                  <a:schemeClr val="tx1"/>
+                </a:solidFill>
+                <a:effectLst/>
+                <a:latin typeface="+mn-lt"/>
+                <a:ea typeface="+mn-ea"/>
+                <a:cs typeface="+mn-cs"/>
+              </a:rPr>
+              <a:t>Save money</a:t>
+            </a:r>
+          </a:p>
+          <a:p>
+            <a:r>
               <a:rPr lang="en-US" altLang="zh-CN" sz="1200" b="0" i="0" kern="1200" dirty="0">
                 <a:solidFill>
                   <a:schemeClr val="tx1"/>
@@ -1267,29 +1519,77 @@
           </a:p>
           <a:p>
             <a:r>
-              <a:rPr lang="en-US" altLang="zh-CN" dirty="0"/>
-              <a:t>CIO</a:t>
-            </a:r>
-            <a:r>
-              <a:rPr lang="zh-CN" altLang="en-US" dirty="0"/>
-              <a:t>故事：让</a:t>
-            </a:r>
-            <a:r>
-              <a:rPr lang="en-US" altLang="zh-CN" dirty="0"/>
-              <a:t>AWS</a:t>
-            </a:r>
-            <a:r>
-              <a:rPr lang="zh-CN" altLang="en-US" dirty="0"/>
-              <a:t>来操心</a:t>
-            </a:r>
-            <a:r>
-              <a:rPr lang="en-US" altLang="zh-CN" dirty="0"/>
-              <a:t>HTTPS</a:t>
-            </a:r>
-            <a:r>
-              <a:rPr lang="zh-CN" altLang="en-US" dirty="0"/>
-              <a:t>配置的问题，而不是找网管或者自己配置各种服务器</a:t>
-            </a:r>
+              <a:rPr lang="zh-CN" altLang="en-US" sz="1200" b="0" i="0" kern="1200" dirty="0">
+                <a:solidFill>
+                  <a:schemeClr val="tx1"/>
+                </a:solidFill>
+                <a:effectLst/>
+                <a:latin typeface="+mn-lt"/>
+                <a:ea typeface="+mn-ea"/>
+                <a:cs typeface="+mn-cs"/>
+              </a:rPr>
+              <a:t>安基</a:t>
+            </a:r>
+            <a:r>
+              <a:rPr lang="en-US" altLang="zh-CN" sz="1200" b="0" i="0" kern="1200" dirty="0">
+                <a:solidFill>
+                  <a:schemeClr val="tx1"/>
+                </a:solidFill>
+                <a:effectLst/>
+                <a:latin typeface="+mn-lt"/>
+                <a:ea typeface="+mn-ea"/>
+                <a:cs typeface="+mn-cs"/>
+              </a:rPr>
+              <a:t>ERP</a:t>
+            </a:r>
+            <a:r>
+              <a:rPr lang="zh-CN" altLang="en-US" sz="1200" b="0" i="0" kern="1200" dirty="0">
+                <a:solidFill>
+                  <a:schemeClr val="tx1"/>
+                </a:solidFill>
+                <a:effectLst/>
+                <a:latin typeface="+mn-lt"/>
+                <a:ea typeface="+mn-ea"/>
+                <a:cs typeface="+mn-cs"/>
+              </a:rPr>
+              <a:t>项目，不再焦虑不懂数据库运营，依赖外部谈判，轻松备份。</a:t>
+            </a:r>
+            <a:endParaRPr lang="en-US" altLang="zh-CN" sz="1200" b="0" i="0" kern="1200" dirty="0">
+              <a:solidFill>
+                <a:schemeClr val="tx1"/>
+              </a:solidFill>
+              <a:effectLst/>
+              <a:latin typeface="+mn-lt"/>
+              <a:ea typeface="+mn-ea"/>
+              <a:cs typeface="+mn-cs"/>
+            </a:endParaRPr>
+          </a:p>
+          <a:p>
+            <a:r>
+              <a:rPr lang="zh-CN" altLang="en-US" sz="1200" b="0" i="0" kern="1200" dirty="0">
+                <a:solidFill>
+                  <a:schemeClr val="tx1"/>
+                </a:solidFill>
+                <a:effectLst/>
+                <a:latin typeface="+mn-lt"/>
+                <a:ea typeface="+mn-ea"/>
+                <a:cs typeface="+mn-cs"/>
+              </a:rPr>
+              <a:t>不需要</a:t>
+            </a:r>
+            <a:r>
+              <a:rPr lang="en-US" altLang="zh-CN" sz="1200" b="0" i="0" kern="1200" dirty="0">
+                <a:solidFill>
+                  <a:schemeClr val="tx1"/>
+                </a:solidFill>
+                <a:effectLst/>
+                <a:latin typeface="+mn-lt"/>
+                <a:ea typeface="+mn-ea"/>
+                <a:cs typeface="+mn-cs"/>
+              </a:rPr>
+              <a:t>DBA</a:t>
+            </a:r>
+            <a:endParaRPr lang="zh-CN" altLang="en-US" dirty="0"/>
           </a:p>
         </p:txBody>
       </p:sp>
@@ -1310,7 +1610,7 @@
           <a:p>
             <a:fld id="{98F2694B-8456-4C23-A81B-325F88010047}" type="slidenum">
               <a:rPr lang="zh-CN" altLang="en-US" smtClean="0"/>
-              <a:t>14</a:t>
+              <a:t>13</a:t>
             </a:fld>
             <a:endParaRPr lang="zh-CN" altLang="en-US"/>
           </a:p>
@@ -1319,7 +1619,7 @@
     </p:spTree>
     <p:extLst>
       <p:ext uri="{BB962C8B-B14F-4D97-AF65-F5344CB8AC3E}">
-        <p14:creationId xmlns:p14="http://schemas.microsoft.com/office/powerpoint/2010/main" val="2963652953"/>
+        <p14:creationId xmlns:p14="http://schemas.microsoft.com/office/powerpoint/2010/main" val="1193342312"/>
       </p:ext>
     </p:extLst>
   </p:cSld>
@@ -1374,7 +1674,15 @@
           <a:lstStyle/>
           <a:p>
             <a:r>
-              <a:rPr lang="en-US" altLang="zh-CN" sz="1200" b="0" i="0" kern="1200" dirty="0">
+              <a:rPr lang="en-US" altLang="zh-CN" dirty="0"/>
+              <a:t>CIO</a:t>
+            </a:r>
+            <a:r>
+              <a:rPr lang="zh-CN" altLang="en-US" dirty="0"/>
+              <a:t>故事：</a:t>
+            </a:r>
+            <a:r>
+              <a:rPr lang="zh-CN" altLang="en-US" sz="1200" b="0" i="0" kern="1200" dirty="0">
                 <a:solidFill>
                   <a:schemeClr val="tx1"/>
                 </a:solidFill>
@@ -1383,12 +1691,10 @@
                 <a:ea typeface="+mn-ea"/>
                 <a:cs typeface="+mn-cs"/>
               </a:rPr>
-              <a:t>Security of data at rest</a:t>
-            </a:r>
-          </a:p>
-          <a:p>
-            <a:r>
-              <a:rPr lang="zh-CN" altLang="en-US" sz="1200" b="0" i="0" kern="1200" dirty="0">
+              <a:t>不会配置</a:t>
+            </a:r>
+            <a:r>
+              <a:rPr lang="en-US" altLang="zh-CN" sz="1200" b="0" i="0" kern="1200" dirty="0">
                 <a:solidFill>
                   <a:schemeClr val="tx1"/>
                 </a:solidFill>
@@ -1397,10 +1703,10 @@
                 <a:ea typeface="+mn-ea"/>
                 <a:cs typeface="+mn-cs"/>
               </a:rPr>
-              <a:t>有名事件 </a:t>
-            </a:r>
-            <a:r>
-              <a:rPr lang="en-US" altLang="zh-CN" sz="1200" b="0" i="0" kern="1200" dirty="0">
+              <a:t>HTTPS</a:t>
+            </a:r>
+            <a:r>
+              <a:rPr lang="zh-CN" altLang="en-US" sz="1200" b="0" i="0" kern="1200" dirty="0">
                 <a:solidFill>
                   <a:schemeClr val="tx1"/>
                 </a:solidFill>
@@ -1409,7 +1715,11 @@
                 <a:ea typeface="+mn-ea"/>
                 <a:cs typeface="+mn-cs"/>
               </a:rPr>
-              <a:t>vs </a:t>
+              <a:t>啊，学习又费时费力，哪有时间啊。事情太小</a:t>
+            </a:r>
+            <a:r>
+              <a:rPr lang="zh-CN" altLang="en-US" dirty="0"/>
+              <a:t>找外包又不值得</a:t>
             </a:r>
             <a:r>
               <a:rPr lang="zh-CN" altLang="en-US" sz="1200" b="0" i="0" kern="1200" dirty="0">
@@ -1421,7 +1731,7 @@
                 <a:ea typeface="+mn-ea"/>
                 <a:cs typeface="+mn-cs"/>
               </a:rPr>
-              <a:t>正直</a:t>
+              <a:t>。但是用户又会在意数据传输的安全。</a:t>
             </a:r>
             <a:endParaRPr lang="en-US" altLang="zh-CN" sz="1200" b="0" i="0" kern="1200" dirty="0">
               <a:solidFill>
@@ -1444,10 +1754,27 @@
                 <a:ea typeface="+mn-ea"/>
                 <a:cs typeface="+mn-cs"/>
               </a:rPr>
-              <a:t>Your strong support</a:t>
-            </a:r>
-          </a:p>
-          <a:p>
+              <a:t>Easier for you to perform better</a:t>
+            </a:r>
+          </a:p>
+          <a:p>
+            <a:pPr marL="0" marR="0" lvl="0" indent="0" algn="l" defTabSz="914400" rtl="0" eaLnBrk="1" fontAlgn="auto" latinLnBrk="0" hangingPunct="1">
+              <a:lnSpc>
+                <a:spcPct val="100000"/>
+              </a:lnSpc>
+              <a:spcBef>
+                <a:spcPts val="0"/>
+              </a:spcBef>
+              <a:spcAft>
+                <a:spcPts val="0"/>
+              </a:spcAft>
+              <a:buClrTx/>
+              <a:buSzTx/>
+              <a:buFontTx/>
+              <a:buNone/>
+              <a:tabLst/>
+              <a:defRPr/>
+            </a:pPr>
             <a:r>
               <a:rPr lang="zh-CN" altLang="en-US" sz="1200" b="0" i="0" kern="1200" dirty="0">
                 <a:solidFill>
@@ -1458,7 +1785,7 @@
                 <a:ea typeface="+mn-ea"/>
                 <a:cs typeface="+mn-cs"/>
               </a:rPr>
-              <a:t>不会被收集数据或者盗用</a:t>
+              <a:t>没有单台机的带宽限制</a:t>
             </a:r>
             <a:endParaRPr lang="en-US" altLang="zh-CN" sz="1200" b="0" i="0" kern="1200" dirty="0">
               <a:solidFill>
@@ -1470,6 +1797,17 @@
               <a:cs typeface="+mn-cs"/>
             </a:endParaRPr>
           </a:p>
+          <a:p>
+            <a:endParaRPr lang="en-US" altLang="zh-CN" sz="1200" b="0" i="0" kern="1200" dirty="0">
+              <a:solidFill>
+                <a:schemeClr val="tx1"/>
+              </a:solidFill>
+              <a:effectLst/>
+              <a:latin typeface="+mn-lt"/>
+              <a:ea typeface="+mn-ea"/>
+              <a:cs typeface="+mn-cs"/>
+            </a:endParaRPr>
+          </a:p>
         </p:txBody>
       </p:sp>
       <p:sp>
@@ -1489,7 +1827,7 @@
           <a:p>
             <a:fld id="{98F2694B-8456-4C23-A81B-325F88010047}" type="slidenum">
               <a:rPr lang="zh-CN" altLang="en-US" smtClean="0"/>
-              <a:t>15</a:t>
+              <a:t>14</a:t>
             </a:fld>
             <a:endParaRPr lang="zh-CN" altLang="en-US"/>
           </a:p>
@@ -1498,7 +1836,7 @@
     </p:spTree>
     <p:extLst>
       <p:ext uri="{BB962C8B-B14F-4D97-AF65-F5344CB8AC3E}">
-        <p14:creationId xmlns:p14="http://schemas.microsoft.com/office/powerpoint/2010/main" val="247855100"/>
+        <p14:creationId xmlns:p14="http://schemas.microsoft.com/office/powerpoint/2010/main" val="2963652953"/>
       </p:ext>
     </p:extLst>
   </p:cSld>
@@ -1552,6 +1890,66 @@
           <a:bodyPr/>
           <a:lstStyle/>
           <a:p>
+            <a:r>
+              <a:rPr lang="zh-CN" altLang="en-US" sz="1200" b="0" i="0" kern="1200" dirty="0">
+                <a:solidFill>
+                  <a:schemeClr val="tx1"/>
+                </a:solidFill>
+                <a:effectLst/>
+                <a:latin typeface="+mn-lt"/>
+                <a:ea typeface="+mn-ea"/>
+                <a:cs typeface="+mn-cs"/>
+              </a:rPr>
+              <a:t>我的数据不会泄露给竞争对手吧？数据是我最重要的资产了。 </a:t>
+            </a:r>
+            <a:endParaRPr lang="en-US" altLang="zh-CN" sz="1200" b="0" i="0" kern="1200" dirty="0">
+              <a:solidFill>
+                <a:schemeClr val="tx1"/>
+              </a:solidFill>
+              <a:effectLst/>
+              <a:latin typeface="+mn-lt"/>
+              <a:ea typeface="+mn-ea"/>
+              <a:cs typeface="+mn-cs"/>
+            </a:endParaRPr>
+          </a:p>
+          <a:p>
+            <a:r>
+              <a:rPr lang="zh-CN" altLang="en-US" sz="1200" b="0" i="0" kern="1200" dirty="0">
+                <a:solidFill>
+                  <a:schemeClr val="tx1"/>
+                </a:solidFill>
+                <a:effectLst/>
+                <a:latin typeface="+mn-lt"/>
+                <a:ea typeface="+mn-ea"/>
+                <a:cs typeface="+mn-cs"/>
+              </a:rPr>
+              <a:t>自己的开发团队扩大了，不会有人把数据卖给竞争对手吧？</a:t>
+            </a:r>
+            <a:endParaRPr lang="en-US" altLang="zh-CN" sz="1200" b="0" i="0" kern="1200" dirty="0">
+              <a:solidFill>
+                <a:schemeClr val="tx1"/>
+              </a:solidFill>
+              <a:effectLst/>
+              <a:latin typeface="+mn-lt"/>
+              <a:ea typeface="+mn-ea"/>
+              <a:cs typeface="+mn-cs"/>
+            </a:endParaRPr>
+          </a:p>
+          <a:p>
+            <a:r>
+              <a:rPr lang="en-US" altLang="zh-CN" sz="1200" b="0" i="0" kern="1200" dirty="0">
+                <a:solidFill>
+                  <a:schemeClr val="tx1"/>
+                </a:solidFill>
+                <a:effectLst/>
+                <a:latin typeface="+mn-lt"/>
+                <a:ea typeface="+mn-ea"/>
+                <a:cs typeface="+mn-cs"/>
+              </a:rPr>
+              <a:t>Your strong support</a:t>
+            </a:r>
+          </a:p>
+          <a:p>
             <a:pPr marL="0" marR="0" lvl="0" indent="0" algn="l" defTabSz="914400" rtl="0" eaLnBrk="1" fontAlgn="auto" latinLnBrk="0" hangingPunct="1">
               <a:lnSpc>
                 <a:spcPct val="100000"/>
@@ -1579,10 +1977,8 @@
                 <a:ea typeface="+mn-ea"/>
                 <a:cs typeface="+mn-cs"/>
               </a:rPr>
-              <a:t>身份及访问管理</a:t>
-            </a:r>
-          </a:p>
-          <a:p>
+              <a:t>有名事件 </a:t>
+            </a:r>
             <a:r>
               <a:rPr lang="en-US" altLang="zh-CN" sz="1200" b="0" i="0" kern="1200" dirty="0">
                 <a:solidFill>
@@ -1593,29 +1989,10 @@
                 <a:ea typeface="+mn-ea"/>
                 <a:cs typeface="+mn-cs"/>
               </a:rPr>
-              <a:t>Securing access to the environment as the delivery team expands</a:t>
-            </a:r>
-          </a:p>
-          <a:p>
-            <a:pPr marL="0" marR="0" lvl="0" indent="0" algn="l" defTabSz="914400" rtl="0" eaLnBrk="1" fontAlgn="auto" latinLnBrk="0" hangingPunct="1">
-              <a:lnSpc>
-                <a:spcPct val="100000"/>
-              </a:lnSpc>
-              <a:spcBef>
-                <a:spcPts val="0"/>
-              </a:spcBef>
-              <a:spcAft>
-                <a:spcPts val="0"/>
-              </a:spcAft>
-              <a:buClrTx/>
-              <a:buSzTx/>
-              <a:buFontTx/>
-              <a:buNone/>
-              <a:tabLst/>
-              <a:defRPr/>
-            </a:pPr>
-            <a:r>
-              <a:rPr lang="en-US" altLang="zh-CN" sz="1200" b="0" i="0" kern="1200" dirty="0">
+              <a:t>vs </a:t>
+            </a:r>
+            <a:r>
+              <a:rPr lang="zh-CN" altLang="en-US" sz="1200" b="0" i="0" kern="1200" dirty="0">
                 <a:solidFill>
                   <a:schemeClr val="tx1"/>
                 </a:solidFill>
@@ -1624,8 +2001,19 @@
                 <a:ea typeface="+mn-ea"/>
                 <a:cs typeface="+mn-cs"/>
               </a:rPr>
-              <a:t>CIO</a:t>
-            </a:r>
+              <a:t>正直</a:t>
+            </a:r>
+            <a:endParaRPr lang="en-US" altLang="zh-CN" sz="1200" b="0" i="0" kern="1200" dirty="0">
+              <a:solidFill>
+                <a:schemeClr val="tx1"/>
+              </a:solidFill>
+              <a:effectLst/>
+              <a:latin typeface="+mn-lt"/>
+              <a:ea typeface="+mn-ea"/>
+              <a:cs typeface="+mn-cs"/>
+            </a:endParaRPr>
+          </a:p>
+          <a:p>
             <a:r>
               <a:rPr lang="zh-CN" altLang="en-US" sz="1200" b="0" i="0" kern="1200" dirty="0">
                 <a:solidFill>
@@ -1636,9 +2024,17 @@
                 <a:ea typeface="+mn-ea"/>
                 <a:cs typeface="+mn-cs"/>
               </a:rPr>
-              <a:t>自己针对团队给予不同的组权限，不需要网管</a:t>
-            </a:r>
-            <a:endParaRPr lang="zh-CN" altLang="en-US" dirty="0"/>
+              <a:t>不会被收集数据或者盗用</a:t>
+            </a:r>
+            <a:endParaRPr lang="en-US" altLang="zh-CN" sz="1200" b="0" i="0" kern="1200" dirty="0">
+              <a:solidFill>
+                <a:schemeClr val="tx1"/>
+              </a:solidFill>
+              <a:effectLst/>
+              <a:latin typeface="+mn-lt"/>
+              <a:ea typeface="+mn-ea"/>
+              <a:cs typeface="+mn-cs"/>
+            </a:endParaRPr>
           </a:p>
         </p:txBody>
       </p:sp>
@@ -1659,7 +2055,7 @@
           <a:p>
             <a:fld id="{98F2694B-8456-4C23-A81B-325F88010047}" type="slidenum">
               <a:rPr lang="zh-CN" altLang="en-US" smtClean="0"/>
-              <a:t>16</a:t>
+              <a:t>15</a:t>
             </a:fld>
             <a:endParaRPr lang="zh-CN" altLang="en-US"/>
           </a:p>
@@ -1668,7 +2064,7 @@
     </p:spTree>
     <p:extLst>
       <p:ext uri="{BB962C8B-B14F-4D97-AF65-F5344CB8AC3E}">
-        <p14:creationId xmlns:p14="http://schemas.microsoft.com/office/powerpoint/2010/main" val="1593559241"/>
+        <p14:creationId xmlns:p14="http://schemas.microsoft.com/office/powerpoint/2010/main" val="247855100"/>
       </p:ext>
     </p:extLst>
   </p:cSld>
@@ -1722,8 +2118,25 @@
           <a:bodyPr/>
           <a:lstStyle/>
           <a:p>
-            <a:r>
-              <a:rPr lang="en-US" altLang="zh-CN" sz="1200" b="0" i="0" kern="1200" dirty="0">
+            <a:pPr marL="0" marR="0" lvl="0" indent="0" algn="l" defTabSz="914400" rtl="0" eaLnBrk="1" fontAlgn="auto" latinLnBrk="0" hangingPunct="1">
+              <a:lnSpc>
+                <a:spcPct val="100000"/>
+              </a:lnSpc>
+              <a:spcBef>
+                <a:spcPts val="0"/>
+              </a:spcBef>
+              <a:spcAft>
+                <a:spcPts val="0"/>
+              </a:spcAft>
+              <a:buClrTx/>
+              <a:buSzTx/>
+              <a:buFontTx/>
+              <a:buNone/>
+              <a:tabLst/>
+              <a:defRPr/>
+            </a:pPr>
+            <a:r>
+              <a:rPr lang="zh-CN" altLang="en-US" sz="1200" b="0" i="0" kern="1200" dirty="0">
                 <a:solidFill>
                   <a:schemeClr val="tx1"/>
                 </a:solidFill>
@@ -1732,19 +2145,7 @@
                 <a:ea typeface="+mn-ea"/>
                 <a:cs typeface="+mn-cs"/>
               </a:rPr>
-              <a:t>Security of data at rest: </a:t>
-            </a:r>
-            <a:r>
-              <a:rPr lang="zh-CN" altLang="en-US" sz="1200" b="0" i="0" kern="1200" dirty="0">
-                <a:solidFill>
-                  <a:schemeClr val="tx1"/>
-                </a:solidFill>
-                <a:effectLst/>
-                <a:latin typeface="+mn-lt"/>
-                <a:ea typeface="+mn-ea"/>
-                <a:cs typeface="+mn-cs"/>
-              </a:rPr>
-              <a:t>细粒度的权限</a:t>
+              <a:t>自己的开发团队扩大了，不会有人把数据卖给竞争对手吧？</a:t>
             </a:r>
             <a:endParaRPr lang="en-US" altLang="zh-CN" sz="1200" b="0" i="0" kern="1200" dirty="0">
               <a:solidFill>
@@ -1756,6 +2157,95 @@
               <a:cs typeface="+mn-cs"/>
             </a:endParaRPr>
           </a:p>
+          <a:p>
+            <a:pPr marL="0" marR="0" lvl="0" indent="0" algn="l" defTabSz="914400" rtl="0" eaLnBrk="1" fontAlgn="auto" latinLnBrk="0" hangingPunct="1">
+              <a:lnSpc>
+                <a:spcPct val="100000"/>
+              </a:lnSpc>
+              <a:spcBef>
+                <a:spcPts val="0"/>
+              </a:spcBef>
+              <a:spcAft>
+                <a:spcPts val="0"/>
+              </a:spcAft>
+              <a:buClrTx/>
+              <a:buSzTx/>
+              <a:buFontTx/>
+              <a:buNone/>
+              <a:tabLst/>
+              <a:defRPr/>
+            </a:pPr>
+            <a:r>
+              <a:rPr lang="zh-CN" altLang="en-US" sz="1200" b="0" i="0" kern="1200" dirty="0">
+                <a:solidFill>
+                  <a:schemeClr val="tx1"/>
+                </a:solidFill>
+                <a:effectLst/>
+                <a:latin typeface="+mn-lt"/>
+                <a:ea typeface="+mn-ea"/>
+                <a:cs typeface="+mn-cs"/>
+              </a:rPr>
+              <a:t>身份及访问管理</a:t>
+            </a:r>
+          </a:p>
+          <a:p>
+            <a:r>
+              <a:rPr lang="en-US" altLang="zh-CN" sz="1200" b="0" i="0" kern="1200" dirty="0">
+                <a:solidFill>
+                  <a:schemeClr val="tx1"/>
+                </a:solidFill>
+                <a:effectLst/>
+                <a:latin typeface="+mn-lt"/>
+                <a:ea typeface="+mn-ea"/>
+                <a:cs typeface="+mn-cs"/>
+              </a:rPr>
+              <a:t>Securing access to the environment as the delivery team expands</a:t>
+            </a:r>
+          </a:p>
+          <a:p>
+            <a:pPr marL="0" marR="0" lvl="0" indent="0" algn="l" defTabSz="914400" rtl="0" eaLnBrk="1" fontAlgn="auto" latinLnBrk="0" hangingPunct="1">
+              <a:lnSpc>
+                <a:spcPct val="100000"/>
+              </a:lnSpc>
+              <a:spcBef>
+                <a:spcPts val="0"/>
+              </a:spcBef>
+              <a:spcAft>
+                <a:spcPts val="0"/>
+              </a:spcAft>
+              <a:buClrTx/>
+              <a:buSzTx/>
+              <a:buFontTx/>
+              <a:buNone/>
+              <a:tabLst/>
+              <a:defRPr/>
+            </a:pPr>
+            <a:r>
+              <a:rPr lang="en-US" altLang="zh-CN" sz="1200" b="0" i="0" kern="1200" dirty="0">
+                <a:solidFill>
+                  <a:schemeClr val="tx1"/>
+                </a:solidFill>
+                <a:effectLst/>
+                <a:latin typeface="+mn-lt"/>
+                <a:ea typeface="+mn-ea"/>
+                <a:cs typeface="+mn-cs"/>
+              </a:rPr>
+              <a:t>CIO</a:t>
+            </a:r>
+            <a:r>
+              <a:rPr lang="zh-CN" altLang="en-US" sz="1200" b="0" i="0" kern="1200" dirty="0">
+                <a:solidFill>
+                  <a:schemeClr val="tx1"/>
+                </a:solidFill>
+                <a:effectLst/>
+                <a:latin typeface="+mn-lt"/>
+                <a:ea typeface="+mn-ea"/>
+                <a:cs typeface="+mn-cs"/>
+              </a:rPr>
+              <a:t>自己针对团队给予不同的组权限，不需要网管</a:t>
+            </a:r>
+            <a:endParaRPr lang="zh-CN" altLang="en-US" dirty="0"/>
+          </a:p>
         </p:txBody>
       </p:sp>
       <p:sp>
@@ -1775,7 +2265,7 @@
           <a:p>
             <a:fld id="{98F2694B-8456-4C23-A81B-325F88010047}" type="slidenum">
               <a:rPr lang="zh-CN" altLang="en-US" smtClean="0"/>
-              <a:t>17</a:t>
+              <a:t>16</a:t>
             </a:fld>
             <a:endParaRPr lang="zh-CN" altLang="en-US"/>
           </a:p>
@@ -1784,7 +2274,7 @@
     </p:spTree>
     <p:extLst>
       <p:ext uri="{BB962C8B-B14F-4D97-AF65-F5344CB8AC3E}">
-        <p14:creationId xmlns:p14="http://schemas.microsoft.com/office/powerpoint/2010/main" val="2286653082"/>
+        <p14:creationId xmlns:p14="http://schemas.microsoft.com/office/powerpoint/2010/main" val="1593559241"/>
       </p:ext>
     </p:extLst>
   </p:cSld>
@@ -1838,20 +2328,6 @@
           <a:bodyPr/>
           <a:lstStyle/>
           <a:p>
-            <a:r>
-              <a:rPr lang="en-US" altLang="zh-CN" sz="1200" b="0" i="0" kern="1200" dirty="0">
-                <a:solidFill>
-                  <a:schemeClr val="tx1"/>
-                </a:solidFill>
-                <a:effectLst/>
-                <a:latin typeface="+mn-lt"/>
-                <a:ea typeface="+mn-ea"/>
-                <a:cs typeface="+mn-cs"/>
-              </a:rPr>
-              <a:t>Making the user experience in the browser very low latency even though a large portion of their user base will be from far away</a:t>
-            </a:r>
-          </a:p>
-          <a:p>
             <a:pPr marL="0" marR="0" lvl="0" indent="0" algn="l" defTabSz="914400" rtl="0" eaLnBrk="1" fontAlgn="auto" latinLnBrk="0" hangingPunct="1">
               <a:lnSpc>
                 <a:spcPct val="100000"/>
@@ -1870,7 +2346,7 @@
               <a:defRPr/>
             </a:pPr>
             <a:r>
-              <a:rPr lang="en-US" altLang="zh-CN" sz="1200" b="0" i="0" kern="1200" dirty="0">
+              <a:rPr lang="zh-CN" altLang="en-US" sz="1200" b="0" i="0" kern="1200" dirty="0">
                 <a:solidFill>
                   <a:schemeClr val="tx1"/>
                 </a:solidFill>
@@ -1879,43 +2355,7 @@
                 <a:ea typeface="+mn-ea"/>
                 <a:cs typeface="+mn-cs"/>
               </a:rPr>
-              <a:t>Easier for you to perform better: </a:t>
-            </a:r>
-            <a:r>
-              <a:rPr lang="zh-CN" altLang="en-US" sz="1200" b="0" i="0" kern="1200" dirty="0">
-                <a:solidFill>
-                  <a:schemeClr val="tx1"/>
-                </a:solidFill>
-                <a:effectLst/>
-                <a:latin typeface="+mn-lt"/>
-                <a:ea typeface="+mn-ea"/>
-                <a:cs typeface="+mn-cs"/>
-              </a:rPr>
-              <a:t>功能强大 </a:t>
-            </a:r>
-            <a:r>
-              <a:rPr lang="en-US" altLang="zh-CN" sz="1200" b="0" i="0" kern="1200" dirty="0">
-                <a:solidFill>
-                  <a:schemeClr val="tx1"/>
-                </a:solidFill>
-                <a:effectLst/>
-                <a:latin typeface="+mn-lt"/>
-                <a:ea typeface="+mn-ea"/>
-                <a:cs typeface="+mn-cs"/>
-              </a:rPr>
-              <a:t>metadata </a:t>
-            </a:r>
-            <a:r>
-              <a:rPr lang="zh-CN" altLang="en-US" sz="1200" b="0" i="0" kern="1200" dirty="0">
-                <a:solidFill>
-                  <a:schemeClr val="tx1"/>
-                </a:solidFill>
-                <a:effectLst/>
-                <a:latin typeface="+mn-lt"/>
-                <a:ea typeface="+mn-ea"/>
-                <a:cs typeface="+mn-cs"/>
-              </a:rPr>
-              <a:t>自动化。</a:t>
+              <a:t>数据不会被黑客盗取吧？</a:t>
             </a:r>
             <a:endParaRPr lang="en-US" altLang="zh-CN" sz="1200" b="0" i="0" kern="1200" dirty="0">
               <a:solidFill>
@@ -1938,45 +2378,17 @@
                 <a:ea typeface="+mn-ea"/>
                 <a:cs typeface="+mn-cs"/>
               </a:rPr>
-              <a:t>创业</a:t>
-            </a:r>
-            <a:r>
-              <a:rPr lang="en-US" altLang="zh-CN" sz="1200" b="0" i="0" kern="1200" dirty="0">
-                <a:solidFill>
-                  <a:schemeClr val="tx1"/>
-                </a:solidFill>
-                <a:effectLst/>
-                <a:latin typeface="+mn-lt"/>
-                <a:ea typeface="+mn-ea"/>
-                <a:cs typeface="+mn-cs"/>
-              </a:rPr>
-              <a:t>-</a:t>
-            </a:r>
-            <a:r>
-              <a:rPr lang="zh-CN" altLang="en-US" sz="1200" b="0" i="0" kern="1200" dirty="0">
-                <a:solidFill>
-                  <a:schemeClr val="tx1"/>
-                </a:solidFill>
-                <a:effectLst/>
-                <a:latin typeface="+mn-lt"/>
-                <a:ea typeface="+mn-ea"/>
-                <a:cs typeface="+mn-cs"/>
-              </a:rPr>
-              <a:t>自动化上线</a:t>
-            </a:r>
-            <a:r>
-              <a:rPr lang="en-US" altLang="zh-CN" sz="1200" b="0" i="0" kern="1200" dirty="0">
-                <a:solidFill>
-                  <a:schemeClr val="tx1"/>
-                </a:solidFill>
-                <a:effectLst/>
-                <a:latin typeface="+mn-lt"/>
-                <a:ea typeface="+mn-ea"/>
-                <a:cs typeface="+mn-cs"/>
-              </a:rPr>
-              <a:t>, SDK vs cli</a:t>
-            </a:r>
-            <a:endParaRPr lang="zh-CN" altLang="en-US" dirty="0"/>
+              <a:t>安全组（防火墙），只开放最少的端口给最小的范围</a:t>
+            </a:r>
+            <a:endParaRPr lang="en-US" altLang="zh-CN" sz="1200" b="0" i="0" kern="1200" dirty="0">
+              <a:solidFill>
+                <a:schemeClr val="tx1"/>
+              </a:solidFill>
+              <a:effectLst/>
+              <a:latin typeface="+mn-lt"/>
+              <a:ea typeface="+mn-ea"/>
+              <a:cs typeface="+mn-cs"/>
+            </a:endParaRPr>
           </a:p>
         </p:txBody>
       </p:sp>
@@ -1997,7 +2409,7 @@
           <a:p>
             <a:fld id="{98F2694B-8456-4C23-A81B-325F88010047}" type="slidenum">
               <a:rPr lang="zh-CN" altLang="en-US" smtClean="0"/>
-              <a:t>18</a:t>
+              <a:t>17</a:t>
             </a:fld>
             <a:endParaRPr lang="zh-CN" altLang="en-US"/>
           </a:p>
@@ -2006,7 +2418,7 @@
     </p:spTree>
     <p:extLst>
       <p:ext uri="{BB962C8B-B14F-4D97-AF65-F5344CB8AC3E}">
-        <p14:creationId xmlns:p14="http://schemas.microsoft.com/office/powerpoint/2010/main" val="625920091"/>
+        <p14:creationId xmlns:p14="http://schemas.microsoft.com/office/powerpoint/2010/main" val="2286653082"/>
       </p:ext>
     </p:extLst>
   </p:cSld>
@@ -2061,7 +2473,7 @@
           <a:lstStyle/>
           <a:p>
             <a:r>
-              <a:rPr lang="en-US" altLang="zh-CN" sz="1200" b="0" i="0" kern="1200" dirty="0">
+              <a:rPr lang="zh-CN" altLang="en-US" sz="1200" b="0" i="0" kern="1200" dirty="0">
                 <a:solidFill>
                   <a:schemeClr val="tx1"/>
                 </a:solidFill>
@@ -2070,10 +2482,10 @@
                 <a:ea typeface="+mn-ea"/>
                 <a:cs typeface="+mn-cs"/>
               </a:rPr>
-              <a:t>Easier for you to perform better</a:t>
-            </a:r>
-            <a:r>
-              <a:rPr lang="zh-CN" altLang="en-US" sz="1200" b="0" i="0" kern="1200" dirty="0">
+              <a:t>用户体验是非常重要的，如果主页就要加载</a:t>
+            </a:r>
+            <a:r>
+              <a:rPr lang="en-US" altLang="zh-CN" sz="1200" b="0" i="0" kern="1200" dirty="0">
                 <a:solidFill>
                   <a:schemeClr val="tx1"/>
                 </a:solidFill>
@@ -2082,7 +2494,19 @@
                 <a:ea typeface="+mn-ea"/>
                 <a:cs typeface="+mn-cs"/>
               </a:rPr>
-              <a:t>：友商在学习。图形化自动化运维应用。第一次用，惊叹，非常好用。</a:t>
+              <a:t>10</a:t>
+            </a:r>
+            <a:r>
+              <a:rPr lang="zh-CN" altLang="en-US" sz="1200" b="0" i="0" kern="1200" dirty="0">
+                <a:solidFill>
+                  <a:schemeClr val="tx1"/>
+                </a:solidFill>
+                <a:effectLst/>
+                <a:latin typeface="+mn-lt"/>
+                <a:ea typeface="+mn-ea"/>
+                <a:cs typeface="+mn-cs"/>
+              </a:rPr>
+              <a:t>秒钟，我的面子往哪儿搁？</a:t>
             </a:r>
             <a:endParaRPr lang="en-US" altLang="zh-CN" sz="1200" b="0" i="0" kern="1200" dirty="0">
               <a:solidFill>
@@ -2094,6 +2518,133 @@
               <a:cs typeface="+mn-cs"/>
             </a:endParaRPr>
           </a:p>
+          <a:p>
+            <a:pPr marL="0" marR="0" lvl="0" indent="0" algn="l" defTabSz="914400" rtl="0" eaLnBrk="1" fontAlgn="auto" latinLnBrk="0" hangingPunct="1">
+              <a:lnSpc>
+                <a:spcPct val="100000"/>
+              </a:lnSpc>
+              <a:spcBef>
+                <a:spcPts val="0"/>
+              </a:spcBef>
+              <a:spcAft>
+                <a:spcPts val="0"/>
+              </a:spcAft>
+              <a:buClrTx/>
+              <a:buSzTx/>
+              <a:buFontTx/>
+              <a:buNone/>
+              <a:tabLst/>
+              <a:defRPr/>
+            </a:pPr>
+            <a:r>
+              <a:rPr lang="en-US" altLang="zh-CN" sz="1200" b="0" i="0" kern="1200" dirty="0">
+                <a:solidFill>
+                  <a:schemeClr val="tx1"/>
+                </a:solidFill>
+                <a:effectLst/>
+                <a:latin typeface="+mn-lt"/>
+                <a:ea typeface="+mn-ea"/>
+                <a:cs typeface="+mn-cs"/>
+              </a:rPr>
+              <a:t>Easier for you to perform better: </a:t>
+            </a:r>
+            <a:r>
+              <a:rPr lang="zh-CN" altLang="en-US" sz="1200" b="0" i="0" kern="1200" dirty="0">
+                <a:solidFill>
+                  <a:schemeClr val="tx1"/>
+                </a:solidFill>
+                <a:effectLst/>
+                <a:latin typeface="+mn-lt"/>
+                <a:ea typeface="+mn-ea"/>
+                <a:cs typeface="+mn-cs"/>
+              </a:rPr>
+              <a:t>功能强大 </a:t>
+            </a:r>
+            <a:r>
+              <a:rPr lang="en-US" altLang="zh-CN" sz="1200" b="0" i="0" kern="1200" dirty="0">
+                <a:solidFill>
+                  <a:schemeClr val="tx1"/>
+                </a:solidFill>
+                <a:effectLst/>
+                <a:latin typeface="+mn-lt"/>
+                <a:ea typeface="+mn-ea"/>
+                <a:cs typeface="+mn-cs"/>
+              </a:rPr>
+              <a:t>metadata </a:t>
+            </a:r>
+            <a:r>
+              <a:rPr lang="zh-CN" altLang="en-US" sz="1200" b="0" i="0" kern="1200" dirty="0">
+                <a:solidFill>
+                  <a:schemeClr val="tx1"/>
+                </a:solidFill>
+                <a:effectLst/>
+                <a:latin typeface="+mn-lt"/>
+                <a:ea typeface="+mn-ea"/>
+                <a:cs typeface="+mn-cs"/>
+              </a:rPr>
+              <a:t>自动化。</a:t>
+            </a:r>
+            <a:endParaRPr lang="en-US" altLang="zh-CN" sz="1200" b="0" i="0" kern="1200" dirty="0">
+              <a:solidFill>
+                <a:schemeClr val="tx1"/>
+              </a:solidFill>
+              <a:effectLst/>
+              <a:latin typeface="+mn-lt"/>
+              <a:ea typeface="+mn-ea"/>
+              <a:cs typeface="+mn-cs"/>
+            </a:endParaRPr>
+          </a:p>
+          <a:p>
+            <a:r>
+              <a:rPr lang="zh-CN" altLang="en-US" sz="1200" b="0" i="0" kern="1200" dirty="0">
+                <a:solidFill>
+                  <a:schemeClr val="tx1"/>
+                </a:solidFill>
+                <a:effectLst/>
+                <a:latin typeface="+mn-lt"/>
+                <a:ea typeface="+mn-ea"/>
+                <a:cs typeface="+mn-cs"/>
+              </a:rPr>
+              <a:t>创业</a:t>
+            </a:r>
+            <a:r>
+              <a:rPr lang="en-US" altLang="zh-CN" sz="1200" b="0" i="0" kern="1200" dirty="0">
+                <a:solidFill>
+                  <a:schemeClr val="tx1"/>
+                </a:solidFill>
+                <a:effectLst/>
+                <a:latin typeface="+mn-lt"/>
+                <a:ea typeface="+mn-ea"/>
+                <a:cs typeface="+mn-cs"/>
+              </a:rPr>
+              <a:t>-</a:t>
+            </a:r>
+            <a:r>
+              <a:rPr lang="zh-CN" altLang="en-US" sz="1200" b="0" i="0" kern="1200" dirty="0">
+                <a:solidFill>
+                  <a:schemeClr val="tx1"/>
+                </a:solidFill>
+                <a:effectLst/>
+                <a:latin typeface="+mn-lt"/>
+                <a:ea typeface="+mn-ea"/>
+                <a:cs typeface="+mn-cs"/>
+              </a:rPr>
+              <a:t>自动化上线</a:t>
+            </a:r>
+            <a:r>
+              <a:rPr lang="en-US" altLang="zh-CN" sz="1200" b="0" i="0" kern="1200" dirty="0">
+                <a:solidFill>
+                  <a:schemeClr val="tx1"/>
+                </a:solidFill>
+                <a:effectLst/>
+                <a:latin typeface="+mn-lt"/>
+                <a:ea typeface="+mn-ea"/>
+                <a:cs typeface="+mn-cs"/>
+              </a:rPr>
+              <a:t>, SDK vs cli</a:t>
+            </a:r>
+            <a:endParaRPr lang="zh-CN" altLang="en-US" dirty="0"/>
+          </a:p>
         </p:txBody>
       </p:sp>
       <p:sp>
@@ -2113,7 +2664,7 @@
           <a:p>
             <a:fld id="{98F2694B-8456-4C23-A81B-325F88010047}" type="slidenum">
               <a:rPr lang="zh-CN" altLang="en-US" smtClean="0"/>
-              <a:t>19</a:t>
+              <a:t>18</a:t>
             </a:fld>
             <a:endParaRPr lang="zh-CN" altLang="en-US"/>
           </a:p>
@@ -2122,7 +2673,7 @@
     </p:spTree>
     <p:extLst>
       <p:ext uri="{BB962C8B-B14F-4D97-AF65-F5344CB8AC3E}">
-        <p14:creationId xmlns:p14="http://schemas.microsoft.com/office/powerpoint/2010/main" val="2713131635"/>
+        <p14:creationId xmlns:p14="http://schemas.microsoft.com/office/powerpoint/2010/main" val="625920091"/>
       </p:ext>
     </p:extLst>
   </p:cSld>
@@ -2177,7 +2728,7 @@
           <a:lstStyle/>
           <a:p>
             <a:r>
-              <a:rPr lang="en-US" altLang="zh-CN" sz="1200" b="0" i="0" kern="1200" dirty="0">
+              <a:rPr lang="zh-CN" altLang="en-US" sz="1200" b="0" i="0" kern="1200" dirty="0">
                 <a:solidFill>
                   <a:schemeClr val="tx1"/>
                 </a:solidFill>
@@ -2186,21 +2737,7 @@
                 <a:ea typeface="+mn-ea"/>
                 <a:cs typeface="+mn-cs"/>
               </a:rPr>
-              <a:t>Ability to easily manage and replicate multiple environments based on their blueprint architecture</a:t>
-            </a:r>
-          </a:p>
-          <a:p>
-            <a:r>
-              <a:rPr lang="zh-CN" altLang="en-US" sz="1200" b="0" i="0" kern="1200" dirty="0">
-                <a:solidFill>
-                  <a:schemeClr val="tx1"/>
-                </a:solidFill>
-                <a:effectLst/>
-                <a:latin typeface="+mn-lt"/>
-                <a:ea typeface="+mn-ea"/>
-                <a:cs typeface="+mn-cs"/>
-              </a:rPr>
-              <a:t>友商没有</a:t>
+              <a:t>微服务之后，会不会搭一个测试环境就好几天，还是干脆多花点钱一直保留几个环境？</a:t>
             </a:r>
             <a:endParaRPr lang="en-US" altLang="zh-CN" sz="1200" b="0" i="0" kern="1200" dirty="0">
               <a:solidFill>
@@ -2225,8 +2762,6 @@
               </a:rPr>
               <a:t>Easier for you to perform better</a:t>
             </a:r>
-          </a:p>
-          <a:p>
             <a:r>
               <a:rPr lang="zh-CN" altLang="en-US" sz="1200" b="0" i="0" kern="1200" dirty="0">
                 <a:solidFill>
@@ -2237,7 +2772,7 @@
                 <a:ea typeface="+mn-ea"/>
                 <a:cs typeface="+mn-cs"/>
               </a:rPr>
-              <a:t>强大的自动化运维应用</a:t>
+              <a:t>：友商在学习。图形化自动化运维应用。第一次用，惊叹，非常好用。</a:t>
             </a:r>
             <a:endParaRPr lang="en-US" altLang="zh-CN" sz="1200" b="0" i="0" kern="1200" dirty="0">
               <a:solidFill>
@@ -2249,32 +2784,6 @@
               <a:cs typeface="+mn-cs"/>
             </a:endParaRPr>
           </a:p>
-          <a:p>
-            <a:r>
-              <a:rPr lang="zh-CN" altLang="en-US" sz="1200" b="0" i="0" kern="1200" dirty="0">
-                <a:solidFill>
-                  <a:schemeClr val="tx1"/>
-                </a:solidFill>
-                <a:effectLst/>
-                <a:latin typeface="+mn-lt"/>
-                <a:ea typeface="+mn-ea"/>
-                <a:cs typeface="+mn-cs"/>
-              </a:rPr>
-              <a:t>第一次用，复杂，全面覆盖</a:t>
-            </a:r>
-            <a:endParaRPr lang="en-US" altLang="zh-CN" sz="1200" b="0" i="0" kern="1200" dirty="0">
-              <a:solidFill>
-                <a:schemeClr val="tx1"/>
-              </a:solidFill>
-              <a:effectLst/>
-              <a:latin typeface="+mn-lt"/>
-              <a:ea typeface="+mn-ea"/>
-              <a:cs typeface="+mn-cs"/>
-            </a:endParaRPr>
-          </a:p>
-          <a:p>
-            <a:endParaRPr lang="zh-CN" altLang="en-US" dirty="0"/>
-          </a:p>
         </p:txBody>
       </p:sp>
       <p:sp>
@@ -2294,7 +2803,7 @@
           <a:p>
             <a:fld id="{98F2694B-8456-4C23-A81B-325F88010047}" type="slidenum">
               <a:rPr lang="zh-CN" altLang="en-US" smtClean="0"/>
-              <a:t>20</a:t>
+              <a:t>19</a:t>
             </a:fld>
             <a:endParaRPr lang="zh-CN" altLang="en-US"/>
           </a:p>
@@ -2303,7 +2812,7 @@
     </p:spTree>
     <p:extLst>
       <p:ext uri="{BB962C8B-B14F-4D97-AF65-F5344CB8AC3E}">
-        <p14:creationId xmlns:p14="http://schemas.microsoft.com/office/powerpoint/2010/main" val="4084881072"/>
+        <p14:creationId xmlns:p14="http://schemas.microsoft.com/office/powerpoint/2010/main" val="2713131635"/>
       </p:ext>
     </p:extLst>
   </p:cSld>
@@ -2378,7 +2887,7 @@
           <a:p>
             <a:fld id="{98F2694B-8456-4C23-A81B-325F88010047}" type="slidenum">
               <a:rPr lang="zh-CN" altLang="en-US" smtClean="0"/>
-              <a:t>3</a:t>
+              <a:t>2</a:t>
             </a:fld>
             <a:endParaRPr lang="zh-CN" altLang="en-US"/>
           </a:p>
@@ -2387,7 +2896,7 @@
     </p:spTree>
     <p:extLst>
       <p:ext uri="{BB962C8B-B14F-4D97-AF65-F5344CB8AC3E}">
-        <p14:creationId xmlns:p14="http://schemas.microsoft.com/office/powerpoint/2010/main" val="4207068104"/>
+        <p14:creationId xmlns:p14="http://schemas.microsoft.com/office/powerpoint/2010/main" val="4045880921"/>
       </p:ext>
     </p:extLst>
   </p:cSld>
@@ -2442,7 +2951,7 @@
           <a:lstStyle/>
           <a:p>
             <a:r>
-              <a:rPr lang="en-US" altLang="zh-CN" sz="1200" b="0" i="0" kern="1200" dirty="0">
+              <a:rPr lang="zh-CN" altLang="en-US" sz="1200" b="0" i="0" kern="1200" dirty="0">
                 <a:solidFill>
                   <a:schemeClr val="tx1"/>
                 </a:solidFill>
@@ -2451,35 +2960,7 @@
                 <a:ea typeface="+mn-ea"/>
                 <a:cs typeface="+mn-cs"/>
               </a:rPr>
-              <a:t>Kinesis</a:t>
-            </a:r>
-          </a:p>
-          <a:p>
-            <a:r>
-              <a:rPr lang="en-US" altLang="zh-CN" sz="1200" b="0" i="0" kern="1200" dirty="0">
-                <a:solidFill>
-                  <a:schemeClr val="tx1"/>
-                </a:solidFill>
-                <a:effectLst/>
-                <a:latin typeface="+mn-lt"/>
-                <a:ea typeface="+mn-ea"/>
-                <a:cs typeface="+mn-cs"/>
-              </a:rPr>
-              <a:t>Effective distribution of load</a:t>
-            </a:r>
-          </a:p>
-          <a:p>
-            <a:r>
-              <a:rPr lang="zh-CN" altLang="en-US" sz="1200" b="0" i="0" kern="1200" dirty="0">
-                <a:solidFill>
-                  <a:schemeClr val="tx1"/>
-                </a:solidFill>
-                <a:effectLst/>
-                <a:latin typeface="+mn-lt"/>
-                <a:ea typeface="+mn-ea"/>
-                <a:cs typeface="+mn-cs"/>
-              </a:rPr>
-              <a:t>计费</a:t>
+              <a:t>微服务之后，会不会搭一个测试环境就好几天，还是干脆多花点钱一直保留几个环境？</a:t>
             </a:r>
             <a:endParaRPr lang="en-US" altLang="zh-CN" sz="1200" b="0" i="0" kern="1200" dirty="0">
               <a:solidFill>
@@ -2490,6 +2971,20 @@
               <a:ea typeface="+mn-ea"/>
               <a:cs typeface="+mn-cs"/>
             </a:endParaRPr>
+          </a:p>
+          <a:p>
+            <a:r>
+              <a:rPr lang="en-US" altLang="zh-CN" sz="1200" b="0" i="0" kern="1200" dirty="0">
+                <a:solidFill>
+                  <a:schemeClr val="tx1"/>
+                </a:solidFill>
+                <a:effectLst/>
+                <a:latin typeface="+mn-lt"/>
+                <a:ea typeface="+mn-ea"/>
+                <a:cs typeface="+mn-cs"/>
+              </a:rPr>
+              <a:t>Easier for you to perform better</a:t>
+            </a:r>
           </a:p>
           <a:p>
             <a:pPr marL="0" marR="0" lvl="0" indent="0" algn="l" defTabSz="914400" rtl="0" eaLnBrk="1" fontAlgn="auto" latinLnBrk="0" hangingPunct="1">
@@ -2519,69 +3014,7 @@
                 <a:ea typeface="+mn-ea"/>
                 <a:cs typeface="+mn-cs"/>
               </a:rPr>
-              <a:t>对手标准</a:t>
-            </a:r>
-            <a:r>
-              <a:rPr lang="en-US" altLang="zh-CN" sz="1200" b="0" i="0" kern="1200" dirty="0">
-                <a:solidFill>
-                  <a:schemeClr val="tx1"/>
-                </a:solidFill>
-                <a:effectLst/>
-                <a:latin typeface="+mn-lt"/>
-                <a:ea typeface="+mn-ea"/>
-                <a:cs typeface="+mn-cs"/>
-              </a:rPr>
-              <a:t>Kafka</a:t>
-            </a:r>
-            <a:r>
-              <a:rPr lang="zh-CN" altLang="en-US" sz="1200" b="0" i="0" kern="1200" dirty="0">
-                <a:solidFill>
-                  <a:schemeClr val="tx1"/>
-                </a:solidFill>
-                <a:effectLst/>
-                <a:latin typeface="+mn-lt"/>
-                <a:ea typeface="+mn-ea"/>
-                <a:cs typeface="+mn-cs"/>
-              </a:rPr>
-              <a:t>，但是内测，不好控制</a:t>
-            </a:r>
-            <a:r>
-              <a:rPr lang="en-US" altLang="zh-CN" sz="1200" b="0" i="0" kern="1200" dirty="0">
-                <a:solidFill>
-                  <a:schemeClr val="tx1"/>
-                </a:solidFill>
-                <a:effectLst/>
-                <a:latin typeface="+mn-lt"/>
-                <a:ea typeface="+mn-ea"/>
-                <a:cs typeface="+mn-cs"/>
-              </a:rPr>
-              <a:t>, Zookeeper</a:t>
-            </a:r>
-          </a:p>
-          <a:p>
-            <a:r>
-              <a:rPr lang="en-US" altLang="zh-CN" sz="1200" b="0" i="0" kern="1200" dirty="0">
-                <a:solidFill>
-                  <a:schemeClr val="tx1"/>
-                </a:solidFill>
-                <a:effectLst/>
-                <a:latin typeface="+mn-lt"/>
-                <a:ea typeface="+mn-ea"/>
-                <a:cs typeface="+mn-cs"/>
-              </a:rPr>
-              <a:t>Easier for you to perform better</a:t>
-            </a:r>
-            <a:r>
-              <a:rPr lang="zh-CN" altLang="en-US" sz="1200" b="0" i="0" kern="1200" dirty="0">
-                <a:solidFill>
-                  <a:schemeClr val="tx1"/>
-                </a:solidFill>
-                <a:effectLst/>
-                <a:latin typeface="+mn-lt"/>
-                <a:ea typeface="+mn-ea"/>
-                <a:cs typeface="+mn-cs"/>
-              </a:rPr>
-              <a:t>自己开发的</a:t>
+              <a:t>友商在学</a:t>
             </a:r>
             <a:endParaRPr lang="en-US" altLang="zh-CN" sz="1200" b="0" i="0" kern="1200" dirty="0">
               <a:solidFill>
@@ -2604,43 +3037,7 @@
                 <a:ea typeface="+mn-ea"/>
                 <a:cs typeface="+mn-cs"/>
               </a:rPr>
-              <a:t>第一次用非常简单 </a:t>
-            </a:r>
-            <a:r>
-              <a:rPr lang="en-US" altLang="zh-CN" sz="1200" b="0" i="0" kern="1200" dirty="0">
-                <a:solidFill>
-                  <a:schemeClr val="tx1"/>
-                </a:solidFill>
-                <a:effectLst/>
-                <a:latin typeface="+mn-lt"/>
-                <a:ea typeface="+mn-ea"/>
-                <a:cs typeface="+mn-cs"/>
-              </a:rPr>
-              <a:t>vs </a:t>
-            </a:r>
-            <a:r>
-              <a:rPr lang="en-US" altLang="zh-CN" sz="1200" b="0" i="0" kern="1200" dirty="0" err="1">
-                <a:solidFill>
-                  <a:schemeClr val="tx1"/>
-                </a:solidFill>
-                <a:effectLst/>
-                <a:latin typeface="+mn-lt"/>
-                <a:ea typeface="+mn-ea"/>
-                <a:cs typeface="+mn-cs"/>
-              </a:rPr>
-              <a:t>kafka</a:t>
-            </a:r>
-            <a:r>
-              <a:rPr lang="zh-CN" altLang="en-US" sz="1200" b="0" i="0" kern="1200" dirty="0">
-                <a:solidFill>
-                  <a:schemeClr val="tx1"/>
-                </a:solidFill>
-                <a:effectLst/>
-                <a:latin typeface="+mn-lt"/>
-                <a:ea typeface="+mn-ea"/>
-                <a:cs typeface="+mn-cs"/>
-              </a:rPr>
-              <a:t>非常麻烦，需要太多决策</a:t>
+              <a:t>强大的自动化运维应用</a:t>
             </a:r>
             <a:endParaRPr lang="en-US" altLang="zh-CN" sz="1200" b="0" i="0" kern="1200" dirty="0">
               <a:solidFill>
@@ -2652,6 +3049,32 @@
               <a:cs typeface="+mn-cs"/>
             </a:endParaRPr>
           </a:p>
+          <a:p>
+            <a:r>
+              <a:rPr lang="zh-CN" altLang="en-US" sz="1200" b="0" i="0" kern="1200" dirty="0">
+                <a:solidFill>
+                  <a:schemeClr val="tx1"/>
+                </a:solidFill>
+                <a:effectLst/>
+                <a:latin typeface="+mn-lt"/>
+                <a:ea typeface="+mn-ea"/>
+                <a:cs typeface="+mn-cs"/>
+              </a:rPr>
+              <a:t>第一次用，复杂，全面覆盖</a:t>
+            </a:r>
+            <a:endParaRPr lang="en-US" altLang="zh-CN" sz="1200" b="0" i="0" kern="1200" dirty="0">
+              <a:solidFill>
+                <a:schemeClr val="tx1"/>
+              </a:solidFill>
+              <a:effectLst/>
+              <a:latin typeface="+mn-lt"/>
+              <a:ea typeface="+mn-ea"/>
+              <a:cs typeface="+mn-cs"/>
+            </a:endParaRPr>
+          </a:p>
+          <a:p>
+            <a:endParaRPr lang="zh-CN" altLang="en-US" dirty="0"/>
+          </a:p>
         </p:txBody>
       </p:sp>
       <p:sp>
@@ -2671,7 +3094,7 @@
           <a:p>
             <a:fld id="{98F2694B-8456-4C23-A81B-325F88010047}" type="slidenum">
               <a:rPr lang="zh-CN" altLang="en-US" smtClean="0"/>
-              <a:t>22</a:t>
+              <a:t>20</a:t>
             </a:fld>
             <a:endParaRPr lang="zh-CN" altLang="en-US"/>
           </a:p>
@@ -2680,7 +3103,7 @@
     </p:spTree>
     <p:extLst>
       <p:ext uri="{BB962C8B-B14F-4D97-AF65-F5344CB8AC3E}">
-        <p14:creationId xmlns:p14="http://schemas.microsoft.com/office/powerpoint/2010/main" val="2889466251"/>
+        <p14:creationId xmlns:p14="http://schemas.microsoft.com/office/powerpoint/2010/main" val="4084881072"/>
       </p:ext>
     </p:extLst>
   </p:cSld>
@@ -2734,8 +3157,25 @@
           <a:bodyPr/>
           <a:lstStyle/>
           <a:p>
-            <a:r>
-              <a:rPr lang="en-US" altLang="zh-CN" sz="1200" b="0" i="0" kern="1200" dirty="0">
+            <a:pPr marL="0" marR="0" lvl="0" indent="0" algn="l" defTabSz="914400" rtl="0" eaLnBrk="1" fontAlgn="auto" latinLnBrk="0" hangingPunct="1">
+              <a:lnSpc>
+                <a:spcPct val="100000"/>
+              </a:lnSpc>
+              <a:spcBef>
+                <a:spcPts val="0"/>
+              </a:spcBef>
+              <a:spcAft>
+                <a:spcPts val="0"/>
+              </a:spcAft>
+              <a:buClrTx/>
+              <a:buSzTx/>
+              <a:buFontTx/>
+              <a:buNone/>
+              <a:tabLst/>
+              <a:defRPr/>
+            </a:pPr>
+            <a:r>
+              <a:rPr lang="zh-CN" altLang="en-US" sz="1200" b="0" i="0" kern="1200" dirty="0">
                 <a:solidFill>
                   <a:schemeClr val="tx1"/>
                 </a:solidFill>
@@ -2744,8 +3184,22 @@
                 <a:ea typeface="+mn-ea"/>
                 <a:cs typeface="+mn-cs"/>
               </a:rPr>
-              <a:t>S3, Glacier</a:t>
-            </a:r>
+              <a:t>有些实时性要求不强的场景，也需要我搞那么强大的服务器吗？</a:t>
+            </a:r>
+            <a:endParaRPr kumimoji="0" lang="en-US" altLang="zh-CN" sz="1200" b="0" i="0" u="none" strike="noStrike" kern="1200" cap="none" spc="0" normalizeH="0" baseline="0" noProof="0" dirty="0">
+              <a:ln>
+                <a:noFill/>
+              </a:ln>
+              <a:solidFill>
+                <a:prstClr val="black"/>
+              </a:solidFill>
+              <a:effectLst/>
+              <a:uLnTx/>
+              <a:uFillTx/>
+              <a:latin typeface="+mn-lt"/>
+              <a:ea typeface="+mn-ea"/>
+              <a:cs typeface="+mn-cs"/>
+            </a:endParaRPr>
           </a:p>
           <a:p>
             <a:r>
@@ -2758,12 +3212,12 @@
                 <a:ea typeface="+mn-ea"/>
                 <a:cs typeface="+mn-cs"/>
               </a:rPr>
-              <a:t>Archival strategy for inactive objects greater than 6 months</a:t>
-            </a:r>
-          </a:p>
-          <a:p>
-            <a:r>
-              <a:rPr lang="zh-CN" altLang="en-US" sz="1200" b="0" i="0" kern="1200" dirty="0">
+              <a:t>Kinesis</a:t>
+            </a:r>
+          </a:p>
+          <a:p>
+            <a:r>
+              <a:rPr lang="en-US" altLang="zh-CN" sz="1200" b="0" i="0" kern="1200" dirty="0">
                 <a:solidFill>
                   <a:schemeClr val="tx1"/>
                 </a:solidFill>
@@ -2772,7 +3226,19 @@
                 <a:ea typeface="+mn-ea"/>
                 <a:cs typeface="+mn-cs"/>
               </a:rPr>
-              <a:t>后付费便宜，预付费</a:t>
+              <a:t>Easier for you to perform better</a:t>
+            </a:r>
+            <a:r>
+              <a:rPr lang="zh-CN" altLang="en-US" sz="1200" b="0" i="0" kern="1200" dirty="0">
+                <a:solidFill>
+                  <a:schemeClr val="tx1"/>
+                </a:solidFill>
+                <a:effectLst/>
+                <a:latin typeface="+mn-lt"/>
+                <a:ea typeface="+mn-ea"/>
+                <a:cs typeface="+mn-cs"/>
+              </a:rPr>
+              <a:t>自己开发的</a:t>
             </a:r>
             <a:endParaRPr lang="en-US" altLang="zh-CN" sz="1200" b="0" i="0" kern="1200" dirty="0">
               <a:solidFill>
@@ -2785,8 +3251,25 @@
             </a:endParaRPr>
           </a:p>
           <a:p>
-            <a:r>
-              <a:rPr lang="en-US" altLang="zh-CN" sz="1200" b="0" i="0" kern="1200" dirty="0">
+            <a:pPr marL="0" marR="0" lvl="0" indent="0" algn="l" defTabSz="914400" rtl="0" eaLnBrk="1" fontAlgn="auto" latinLnBrk="0" hangingPunct="1">
+              <a:lnSpc>
+                <a:spcPct val="100000"/>
+              </a:lnSpc>
+              <a:spcBef>
+                <a:spcPts val="0"/>
+              </a:spcBef>
+              <a:spcAft>
+                <a:spcPts val="0"/>
+              </a:spcAft>
+              <a:buClrTx/>
+              <a:buSzTx/>
+              <a:buFontTx/>
+              <a:buNone/>
+              <a:tabLst/>
+              <a:defRPr/>
+            </a:pPr>
+            <a:r>
+              <a:rPr lang="zh-CN" altLang="en-US" sz="1200" b="0" i="0" kern="1200" dirty="0">
                 <a:solidFill>
                   <a:schemeClr val="tx1"/>
                 </a:solidFill>
@@ -2795,10 +3278,8 @@
                 <a:ea typeface="+mn-ea"/>
                 <a:cs typeface="+mn-cs"/>
               </a:rPr>
-              <a:t>Easier for you to perform better</a:t>
-            </a:r>
-          </a:p>
-          <a:p>
+              <a:t>第一次用非常简单 </a:t>
+            </a:r>
             <a:r>
               <a:rPr lang="en-US" altLang="zh-CN" sz="1200" b="0" i="0" kern="1200" dirty="0">
                 <a:solidFill>
@@ -2809,12 +3290,10 @@
                 <a:ea typeface="+mn-ea"/>
                 <a:cs typeface="+mn-cs"/>
               </a:rPr>
-              <a:t>CIO</a:t>
-            </a:r>
-          </a:p>
-          <a:p>
-            <a:r>
-              <a:rPr lang="zh-CN" altLang="en-US" sz="1200" b="0" i="0" kern="1200" dirty="0">
+              <a:t>vs </a:t>
+            </a:r>
+            <a:r>
+              <a:rPr lang="en-US" altLang="zh-CN" sz="1200" b="0" i="0" kern="1200" dirty="0" err="1">
                 <a:solidFill>
                   <a:schemeClr val="tx1"/>
                 </a:solidFill>
@@ -2823,9 +3302,125 @@
                 <a:ea typeface="+mn-ea"/>
                 <a:cs typeface="+mn-cs"/>
               </a:rPr>
-              <a:t>不需要存水，自来水</a:t>
-            </a:r>
-            <a:endParaRPr lang="zh-CN" altLang="en-US" dirty="0"/>
+              <a:t>kafka</a:t>
+            </a:r>
+            <a:r>
+              <a:rPr lang="zh-CN" altLang="en-US" sz="1200" b="0" i="0" kern="1200" dirty="0">
+                <a:solidFill>
+                  <a:schemeClr val="tx1"/>
+                </a:solidFill>
+                <a:effectLst/>
+                <a:latin typeface="+mn-lt"/>
+                <a:ea typeface="+mn-ea"/>
+                <a:cs typeface="+mn-cs"/>
+              </a:rPr>
+              <a:t>非常麻烦</a:t>
+            </a:r>
+            <a:r>
+              <a:rPr kumimoji="0" lang="en-US" altLang="zh-CN" sz="1200" b="0" i="0" u="none" strike="noStrike" kern="1200" cap="none" spc="0" normalizeH="0" baseline="0" noProof="0" dirty="0">
+                <a:ln>
+                  <a:noFill/>
+                </a:ln>
+                <a:solidFill>
+                  <a:prstClr val="black"/>
+                </a:solidFill>
+                <a:effectLst/>
+                <a:uLnTx/>
+                <a:uFillTx/>
+                <a:latin typeface="+mn-lt"/>
+                <a:ea typeface="+mn-ea"/>
+                <a:cs typeface="+mn-cs"/>
+              </a:rPr>
+              <a:t>Zookeeper</a:t>
+            </a:r>
+            <a:r>
+              <a:rPr lang="zh-CN" altLang="en-US" sz="1200" b="0" i="0" kern="1200" dirty="0">
+                <a:solidFill>
+                  <a:schemeClr val="tx1"/>
+                </a:solidFill>
+                <a:effectLst/>
+                <a:latin typeface="+mn-lt"/>
+                <a:ea typeface="+mn-ea"/>
+                <a:cs typeface="+mn-cs"/>
+              </a:rPr>
+              <a:t>，需要太多决策：对手</a:t>
+            </a:r>
+            <a:r>
+              <a:rPr kumimoji="0" lang="zh-CN" altLang="en-US" sz="1200" b="0" i="0" u="none" strike="noStrike" kern="1200" cap="none" spc="0" normalizeH="0" baseline="0" noProof="0" dirty="0">
+                <a:ln>
+                  <a:noFill/>
+                </a:ln>
+                <a:solidFill>
+                  <a:prstClr val="black"/>
+                </a:solidFill>
+                <a:effectLst/>
+                <a:uLnTx/>
+                <a:uFillTx/>
+                <a:latin typeface="+mn-lt"/>
+                <a:ea typeface="+mn-ea"/>
+                <a:cs typeface="+mn-cs"/>
+              </a:rPr>
+              <a:t>标准</a:t>
+            </a:r>
+            <a:r>
+              <a:rPr kumimoji="0" lang="en-US" altLang="zh-CN" sz="1200" b="0" i="0" u="none" strike="noStrike" kern="1200" cap="none" spc="0" normalizeH="0" baseline="0" noProof="0" dirty="0">
+                <a:ln>
+                  <a:noFill/>
+                </a:ln>
+                <a:solidFill>
+                  <a:prstClr val="black"/>
+                </a:solidFill>
+                <a:effectLst/>
+                <a:uLnTx/>
+                <a:uFillTx/>
+                <a:latin typeface="+mn-lt"/>
+                <a:ea typeface="+mn-ea"/>
+                <a:cs typeface="+mn-cs"/>
+              </a:rPr>
+              <a:t>Kafka</a:t>
+            </a:r>
+            <a:r>
+              <a:rPr kumimoji="0" lang="zh-CN" altLang="en-US" sz="1200" b="0" i="0" u="none" strike="noStrike" kern="1200" cap="none" spc="0" normalizeH="0" baseline="0" noProof="0" dirty="0">
+                <a:ln>
+                  <a:noFill/>
+                </a:ln>
+                <a:solidFill>
+                  <a:prstClr val="black"/>
+                </a:solidFill>
+                <a:effectLst/>
+                <a:uLnTx/>
+                <a:uFillTx/>
+                <a:latin typeface="+mn-lt"/>
+                <a:ea typeface="+mn-ea"/>
+                <a:cs typeface="+mn-cs"/>
+              </a:rPr>
+              <a:t>在内测，不好控制</a:t>
+            </a:r>
+            <a:endParaRPr kumimoji="0" lang="en-US" altLang="zh-CN" sz="1200" b="0" i="0" u="none" strike="noStrike" kern="1200" cap="none" spc="0" normalizeH="0" baseline="0" noProof="0" dirty="0">
+              <a:ln>
+                <a:noFill/>
+              </a:ln>
+              <a:solidFill>
+                <a:prstClr val="black"/>
+              </a:solidFill>
+              <a:effectLst/>
+              <a:uLnTx/>
+              <a:uFillTx/>
+              <a:latin typeface="+mn-lt"/>
+              <a:ea typeface="+mn-ea"/>
+              <a:cs typeface="+mn-cs"/>
+            </a:endParaRPr>
+          </a:p>
+          <a:p>
+            <a:endParaRPr lang="en-US" altLang="zh-CN" sz="1200" b="0" i="0" kern="1200" dirty="0">
+              <a:solidFill>
+                <a:schemeClr val="tx1"/>
+              </a:solidFill>
+              <a:effectLst/>
+              <a:latin typeface="+mn-lt"/>
+              <a:ea typeface="+mn-ea"/>
+              <a:cs typeface="+mn-cs"/>
+            </a:endParaRPr>
           </a:p>
         </p:txBody>
       </p:sp>
@@ -2846,7 +3441,7 @@
           <a:p>
             <a:fld id="{98F2694B-8456-4C23-A81B-325F88010047}" type="slidenum">
               <a:rPr lang="zh-CN" altLang="en-US" smtClean="0"/>
-              <a:t>23</a:t>
+              <a:t>22</a:t>
             </a:fld>
             <a:endParaRPr lang="zh-CN" altLang="en-US"/>
           </a:p>
@@ -2855,7 +3450,7 @@
     </p:spTree>
     <p:extLst>
       <p:ext uri="{BB962C8B-B14F-4D97-AF65-F5344CB8AC3E}">
-        <p14:creationId xmlns:p14="http://schemas.microsoft.com/office/powerpoint/2010/main" val="1885221491"/>
+        <p14:creationId xmlns:p14="http://schemas.microsoft.com/office/powerpoint/2010/main" val="2889466251"/>
       </p:ext>
     </p:extLst>
   </p:cSld>
@@ -2910,7 +3505,7 @@
           <a:lstStyle/>
           <a:p>
             <a:r>
-              <a:rPr lang="en-US" altLang="zh-CN" sz="1200" b="0" i="0" kern="1200" dirty="0">
+              <a:rPr lang="zh-CN" altLang="en-US" sz="1200" b="0" i="0" kern="1200" dirty="0">
                 <a:solidFill>
                   <a:schemeClr val="tx1"/>
                 </a:solidFill>
@@ -2919,8 +3514,17 @@
                 <a:ea typeface="+mn-ea"/>
                 <a:cs typeface="+mn-cs"/>
               </a:rPr>
-              <a:t>Effective distribution of load Scaling to meet the demand, but with uncertainty around when and how much this demand will be they are very concerned about buying too much infrastructure too soon or not enough too late</a:t>
-            </a:r>
+              <a:t>云上的存储会不会太贵？自己买硬盘也很便宜啊。</a:t>
+            </a:r>
+            <a:endParaRPr lang="en-US" altLang="zh-CN" sz="1200" b="0" i="0" kern="1200" dirty="0">
+              <a:solidFill>
+                <a:schemeClr val="tx1"/>
+              </a:solidFill>
+              <a:effectLst/>
+              <a:latin typeface="+mn-lt"/>
+              <a:ea typeface="+mn-ea"/>
+              <a:cs typeface="+mn-cs"/>
+            </a:endParaRPr>
           </a:p>
           <a:p>
             <a:r>
@@ -2933,7 +3537,7 @@
                 <a:ea typeface="+mn-ea"/>
                 <a:cs typeface="+mn-cs"/>
               </a:rPr>
-              <a:t>发明者 </a:t>
+              <a:t>后付费</a:t>
             </a:r>
             <a:r>
               <a:rPr lang="en-US" altLang="zh-CN" sz="1200" b="0" i="0" kern="1200" dirty="0">
@@ -2945,8 +3549,81 @@
                 <a:ea typeface="+mn-ea"/>
                 <a:cs typeface="+mn-cs"/>
               </a:rPr>
-              <a:t>SAM</a:t>
-            </a:r>
+              <a:t>vs</a:t>
+            </a:r>
+            <a:r>
+              <a:rPr lang="zh-CN" altLang="en-US" sz="1200" b="0" i="0" kern="1200" dirty="0">
+                <a:solidFill>
+                  <a:schemeClr val="tx1"/>
+                </a:solidFill>
+                <a:effectLst/>
+                <a:latin typeface="+mn-lt"/>
+                <a:ea typeface="+mn-ea"/>
+                <a:cs typeface="+mn-cs"/>
+              </a:rPr>
+              <a:t>预付费</a:t>
+            </a:r>
+            <a:endParaRPr lang="en-US" altLang="zh-CN" sz="1200" b="0" i="0" kern="1200" dirty="0">
+              <a:solidFill>
+                <a:schemeClr val="tx1"/>
+              </a:solidFill>
+              <a:effectLst/>
+              <a:latin typeface="+mn-lt"/>
+              <a:ea typeface="+mn-ea"/>
+              <a:cs typeface="+mn-cs"/>
+            </a:endParaRPr>
+          </a:p>
+          <a:p>
+            <a:pPr marL="0" marR="0" lvl="0" indent="0" algn="l" defTabSz="914400" rtl="0" eaLnBrk="1" fontAlgn="auto" latinLnBrk="0" hangingPunct="1">
+              <a:lnSpc>
+                <a:spcPct val="100000"/>
+              </a:lnSpc>
+              <a:spcBef>
+                <a:spcPts val="0"/>
+              </a:spcBef>
+              <a:spcAft>
+                <a:spcPts val="0"/>
+              </a:spcAft>
+              <a:buClrTx/>
+              <a:buSzTx/>
+              <a:buFontTx/>
+              <a:buNone/>
+              <a:tabLst/>
+              <a:defRPr/>
+            </a:pPr>
+            <a:r>
+              <a:rPr lang="en-US" altLang="zh-CN" sz="1200" b="0" i="0" kern="1200" dirty="0">
+                <a:solidFill>
+                  <a:schemeClr val="tx1"/>
+                </a:solidFill>
+                <a:effectLst/>
+                <a:latin typeface="+mn-lt"/>
+                <a:ea typeface="+mn-ea"/>
+                <a:cs typeface="+mn-cs"/>
+              </a:rPr>
+              <a:t>S3, Glacier</a:t>
+            </a:r>
+            <a:r>
+              <a:rPr lang="zh-CN" altLang="en-US" sz="1200" b="0" i="0" kern="1200" dirty="0">
+                <a:solidFill>
+                  <a:schemeClr val="tx1"/>
+                </a:solidFill>
+                <a:effectLst/>
+                <a:latin typeface="+mn-lt"/>
+                <a:ea typeface="+mn-ea"/>
+                <a:cs typeface="+mn-cs"/>
+              </a:rPr>
+              <a:t>便宜</a:t>
+            </a:r>
+            <a:endParaRPr lang="en-US" altLang="zh-CN" sz="1200" b="0" i="0" kern="1200" dirty="0">
+              <a:solidFill>
+                <a:schemeClr val="tx1"/>
+              </a:solidFill>
+              <a:effectLst/>
+              <a:latin typeface="+mn-lt"/>
+              <a:ea typeface="+mn-ea"/>
+              <a:cs typeface="+mn-cs"/>
+            </a:endParaRPr>
           </a:p>
           <a:p>
             <a:r>
@@ -2961,6 +3638,57 @@
               </a:rPr>
               <a:t>Easier for you to perform better</a:t>
             </a:r>
+          </a:p>
+          <a:p>
+            <a:r>
+              <a:rPr lang="en-US" altLang="zh-CN" sz="1200" b="0" i="0" kern="1200" dirty="0">
+                <a:solidFill>
+                  <a:schemeClr val="tx1"/>
+                </a:solidFill>
+                <a:effectLst/>
+                <a:latin typeface="+mn-lt"/>
+                <a:ea typeface="+mn-ea"/>
+                <a:cs typeface="+mn-cs"/>
+              </a:rPr>
+              <a:t>Save money in the long run</a:t>
+            </a:r>
+          </a:p>
+          <a:p>
+            <a:r>
+              <a:rPr lang="zh-CN" altLang="en-US" sz="1200" b="0" i="0" kern="1200" dirty="0">
+                <a:solidFill>
+                  <a:schemeClr val="tx1"/>
+                </a:solidFill>
+                <a:effectLst/>
+                <a:latin typeface="+mn-lt"/>
+                <a:ea typeface="+mn-ea"/>
+                <a:cs typeface="+mn-cs"/>
+              </a:rPr>
+              <a:t>故事：这么简单，还想自己买存储吗？</a:t>
+            </a:r>
+            <a:endParaRPr lang="en-US" altLang="zh-CN" sz="1200" b="0" i="0" kern="1200" dirty="0">
+              <a:solidFill>
+                <a:schemeClr val="tx1"/>
+              </a:solidFill>
+              <a:effectLst/>
+              <a:latin typeface="+mn-lt"/>
+              <a:ea typeface="+mn-ea"/>
+              <a:cs typeface="+mn-cs"/>
+            </a:endParaRPr>
+          </a:p>
+          <a:p>
+            <a:r>
+              <a:rPr lang="zh-CN" altLang="en-US" sz="1200" b="0" i="0" kern="1200" dirty="0">
+                <a:solidFill>
+                  <a:schemeClr val="tx1"/>
+                </a:solidFill>
+                <a:effectLst/>
+                <a:latin typeface="+mn-lt"/>
+                <a:ea typeface="+mn-ea"/>
+                <a:cs typeface="+mn-cs"/>
+              </a:rPr>
+              <a:t>不需要存水，自来水</a:t>
+            </a:r>
             <a:endParaRPr lang="zh-CN" altLang="en-US" dirty="0"/>
           </a:p>
         </p:txBody>
@@ -2982,7 +3710,7 @@
           <a:p>
             <a:fld id="{98F2694B-8456-4C23-A81B-325F88010047}" type="slidenum">
               <a:rPr lang="zh-CN" altLang="en-US" smtClean="0"/>
-              <a:t>24</a:t>
+              <a:t>23</a:t>
             </a:fld>
             <a:endParaRPr lang="zh-CN" altLang="en-US"/>
           </a:p>
@@ -2991,7 +3719,7 @@
     </p:spTree>
     <p:extLst>
       <p:ext uri="{BB962C8B-B14F-4D97-AF65-F5344CB8AC3E}">
-        <p14:creationId xmlns:p14="http://schemas.microsoft.com/office/powerpoint/2010/main" val="1893274120"/>
+        <p14:creationId xmlns:p14="http://schemas.microsoft.com/office/powerpoint/2010/main" val="1885221491"/>
       </p:ext>
     </p:extLst>
   </p:cSld>
@@ -3046,7 +3774,7 @@
           <a:lstStyle/>
           <a:p>
             <a:r>
-              <a:rPr lang="en-US" altLang="zh-CN" sz="1200" b="0" i="0" kern="1200" dirty="0" err="1">
+              <a:rPr lang="zh-CN" altLang="en-US" sz="1200" b="0" i="0" kern="1200" dirty="0">
                 <a:solidFill>
                   <a:schemeClr val="tx1"/>
                 </a:solidFill>
@@ -3055,103 +3783,7 @@
                 <a:ea typeface="+mn-ea"/>
                 <a:cs typeface="+mn-cs"/>
               </a:rPr>
-              <a:t>ElastiCache</a:t>
-            </a:r>
-            <a:r>
-              <a:rPr lang="en-US" altLang="zh-CN" sz="1200" b="0" i="0" kern="1200" dirty="0">
-                <a:solidFill>
-                  <a:schemeClr val="tx1"/>
-                </a:solidFill>
-                <a:effectLst/>
-                <a:latin typeface="+mn-lt"/>
-                <a:ea typeface="+mn-ea"/>
-                <a:cs typeface="+mn-cs"/>
-              </a:rPr>
-              <a:t> </a:t>
-            </a:r>
-            <a:r>
-              <a:rPr lang="zh-CN" altLang="en-US" sz="1200" b="0" i="0" kern="1200" dirty="0">
-                <a:solidFill>
-                  <a:schemeClr val="tx1"/>
-                </a:solidFill>
-                <a:effectLst/>
-                <a:latin typeface="+mn-lt"/>
-                <a:ea typeface="+mn-ea"/>
-                <a:cs typeface="+mn-cs"/>
-              </a:rPr>
-              <a:t>无状态</a:t>
-            </a:r>
-            <a:r>
-              <a:rPr lang="en-US" altLang="zh-CN" sz="1200" b="0" i="0" kern="1200" dirty="0">
-                <a:solidFill>
-                  <a:schemeClr val="tx1"/>
-                </a:solidFill>
-                <a:effectLst/>
-                <a:latin typeface="+mn-lt"/>
-                <a:ea typeface="+mn-ea"/>
-                <a:cs typeface="+mn-cs"/>
-              </a:rPr>
-              <a:t>X Scaling</a:t>
-            </a:r>
-            <a:r>
-              <a:rPr lang="zh-CN" altLang="en-US" sz="1200" b="0" i="0" kern="1200" dirty="0">
-                <a:solidFill>
-                  <a:schemeClr val="tx1"/>
-                </a:solidFill>
-                <a:effectLst/>
-                <a:latin typeface="+mn-lt"/>
-                <a:ea typeface="+mn-ea"/>
-                <a:cs typeface="+mn-cs"/>
-              </a:rPr>
-              <a:t>部署简单</a:t>
-            </a:r>
-            <a:r>
-              <a:rPr lang="en-US" altLang="zh-CN" sz="1200" b="0" i="0" kern="1200" dirty="0">
-                <a:solidFill>
-                  <a:schemeClr val="tx1"/>
-                </a:solidFill>
-                <a:effectLst/>
-                <a:latin typeface="+mn-lt"/>
-                <a:ea typeface="+mn-ea"/>
-                <a:cs typeface="+mn-cs"/>
-              </a:rPr>
-              <a:t>Easier for you to perform better </a:t>
-            </a:r>
-            <a:r>
-              <a:rPr lang="zh-CN" altLang="en-US" sz="1200" b="0" i="0" kern="1200" dirty="0">
-                <a:solidFill>
-                  <a:schemeClr val="tx1"/>
-                </a:solidFill>
-                <a:effectLst/>
-                <a:latin typeface="+mn-lt"/>
-                <a:ea typeface="+mn-ea"/>
-                <a:cs typeface="+mn-cs"/>
-              </a:rPr>
-              <a:t>折腾 </a:t>
-            </a:r>
-            <a:r>
-              <a:rPr lang="en-US" altLang="zh-CN" sz="1200" b="0" i="0" kern="1200" dirty="0">
-                <a:solidFill>
-                  <a:schemeClr val="tx1"/>
-                </a:solidFill>
-                <a:effectLst/>
-                <a:latin typeface="+mn-lt"/>
-                <a:ea typeface="+mn-ea"/>
-                <a:cs typeface="+mn-cs"/>
-              </a:rPr>
-              <a:t>vs </a:t>
-            </a:r>
-            <a:r>
-              <a:rPr lang="zh-CN" altLang="en-US" sz="1200" b="0" i="0" kern="1200" dirty="0">
-                <a:solidFill>
-                  <a:schemeClr val="tx1"/>
-                </a:solidFill>
-                <a:effectLst/>
-                <a:latin typeface="+mn-lt"/>
-                <a:ea typeface="+mn-ea"/>
-                <a:cs typeface="+mn-cs"/>
-              </a:rPr>
-              <a:t>不折腾</a:t>
+              <a:t>快速试验新想法的时候，还要申请资源，搭环境，配框架和数据库？还要考虑扩展性？</a:t>
             </a:r>
             <a:endParaRPr lang="en-US" altLang="zh-CN" sz="1200" b="0" i="0" kern="1200" dirty="0">
               <a:solidFill>
@@ -3174,10 +3806,10 @@
                 <a:ea typeface="+mn-ea"/>
                 <a:cs typeface="+mn-cs"/>
               </a:rPr>
-              <a:t>DynamoDB </a:t>
-            </a:r>
-            <a:r>
-              <a:rPr lang="en-US" altLang="zh-CN" sz="1200" b="0" i="0" kern="1200" dirty="0" err="1">
+              <a:t>Serverless</a:t>
+            </a:r>
+            <a:r>
+              <a:rPr lang="zh-CN" altLang="en-US" sz="1200" b="0" i="0" kern="1200" dirty="0">
                 <a:solidFill>
                   <a:schemeClr val="tx1"/>
                 </a:solidFill>
@@ -3186,8 +3818,19 @@
                 <a:ea typeface="+mn-ea"/>
                 <a:cs typeface="+mn-cs"/>
               </a:rPr>
-              <a:t>mongodb</a:t>
-            </a:r>
+              <a:t>的发明者</a:t>
+            </a:r>
+            <a:endParaRPr lang="en-US" altLang="zh-CN" sz="1200" b="0" i="0" kern="1200" dirty="0">
+              <a:solidFill>
+                <a:schemeClr val="tx1"/>
+              </a:solidFill>
+              <a:effectLst/>
+              <a:latin typeface="+mn-lt"/>
+              <a:ea typeface="+mn-ea"/>
+              <a:cs typeface="+mn-cs"/>
+            </a:endParaRPr>
+          </a:p>
+          <a:p>
             <a:r>
               <a:rPr lang="zh-CN" altLang="en-US" sz="1200" b="0" i="0" kern="1200" dirty="0">
                 <a:solidFill>
@@ -3198,8 +3841,22 @@
                 <a:ea typeface="+mn-ea"/>
                 <a:cs typeface="+mn-cs"/>
               </a:rPr>
-              <a:t>。即开即用</a:t>
-            </a:r>
+              <a:t>结合 </a:t>
+            </a:r>
+            <a:r>
+              <a:rPr lang="en-US" altLang="zh-CN" sz="1200" b="0" i="0" kern="1200" dirty="0">
+                <a:solidFill>
+                  <a:schemeClr val="tx1"/>
+                </a:solidFill>
+                <a:effectLst/>
+                <a:latin typeface="+mn-lt"/>
+                <a:ea typeface="+mn-ea"/>
+                <a:cs typeface="+mn-cs"/>
+              </a:rPr>
+              <a:t>SAM</a:t>
+            </a:r>
+          </a:p>
+          <a:p>
             <a:r>
               <a:rPr lang="en-US" altLang="zh-CN" sz="1200" b="0" i="0" kern="1200" dirty="0">
                 <a:solidFill>
@@ -3212,6 +3869,90 @@
               </a:rPr>
               <a:t>Easier for you to perform better</a:t>
             </a:r>
+            <a:endParaRPr lang="zh-CN" altLang="en-US" dirty="0"/>
+          </a:p>
+        </p:txBody>
+      </p:sp>
+      <p:sp>
+        <p:nvSpPr>
+          <p:cNvPr id="4" name="灯片编号占位符 3"/>
+          <p:cNvSpPr>
+            <a:spLocks noGrp="1"/>
+          </p:cNvSpPr>
+          <p:nvPr>
+            <p:ph type="sldNum" sz="quarter" idx="10"/>
+          </p:nvPr>
+        </p:nvSpPr>
+        <p:spPr/>
+        <p:txBody>
+          <a:bodyPr/>
+          <a:lstStyle/>
+          <a:p>
+            <a:fld id="{98F2694B-8456-4C23-A81B-325F88010047}" type="slidenum">
+              <a:rPr lang="zh-CN" altLang="en-US" smtClean="0"/>
+              <a:t>24</a:t>
+            </a:fld>
+            <a:endParaRPr lang="zh-CN" altLang="en-US"/>
+          </a:p>
+        </p:txBody>
+      </p:sp>
+    </p:spTree>
+    <p:extLst>
+      <p:ext uri="{BB962C8B-B14F-4D97-AF65-F5344CB8AC3E}">
+        <p14:creationId xmlns:p14="http://schemas.microsoft.com/office/powerpoint/2010/main" val="1893274120"/>
+      </p:ext>
+    </p:extLst>
+  </p:cSld>
+  <p:clrMapOvr>
+    <a:masterClrMapping/>
+  </p:clrMapOvr>
+</p:notes>
+</file>
+
+<file path=ppt/notesSlides/notesSlide24.xml><?xml version="1.0" encoding="utf-8"?>
+<p:notes xmlns:a="http://schemas.openxmlformats.org/drawingml/2006/main" xmlns:r="http://schemas.openxmlformats.org/officeDocument/2006/relationships" xmlns:p="http://schemas.openxmlformats.org/presentationml/2006/main">
+  <p:cSld>
+    <p:spTree>
+      <p:nvGrpSpPr>
+        <p:cNvPr id="1" name=""/>
+        <p:cNvGrpSpPr/>
+        <p:nvPr/>
+      </p:nvGrpSpPr>
+      <p:grpSpPr>
+        <a:xfrm>
+          <a:off x="0" y="0"/>
+          <a:ext cx="0" cy="0"/>
+          <a:chOff x="0" y="0"/>
+          <a:chExt cx="0" cy="0"/>
+        </a:xfrm>
+      </p:grpSpPr>
+      <p:sp>
+        <p:nvSpPr>
+          <p:cNvPr id="2" name="幻灯片图像占位符 1"/>
+          <p:cNvSpPr>
+            <a:spLocks noGrp="1" noRot="1" noChangeAspect="1"/>
+          </p:cNvSpPr>
+          <p:nvPr>
+            <p:ph type="sldImg"/>
+          </p:nvPr>
+        </p:nvSpPr>
+        <p:spPr/>
+      </p:sp>
+      <p:sp>
+        <p:nvSpPr>
+          <p:cNvPr id="3" name="备注占位符 2"/>
+          <p:cNvSpPr>
+            <a:spLocks noGrp="1"/>
+          </p:cNvSpPr>
+          <p:nvPr>
+            <p:ph type="body" idx="1"/>
+          </p:nvPr>
+        </p:nvSpPr>
+        <p:spPr/>
+        <p:txBody>
+          <a:bodyPr/>
+          <a:lstStyle/>
+          <a:p>
             <a:r>
               <a:rPr lang="zh-CN" altLang="en-US" sz="1200" b="0" i="0" kern="1200" dirty="0">
                 <a:solidFill>
@@ -3222,7 +3963,144 @@
                 <a:ea typeface="+mn-ea"/>
                 <a:cs typeface="+mn-cs"/>
               </a:rPr>
-              <a:t>事件记录；快速启动。</a:t>
+              <a:t>无状态</a:t>
+            </a:r>
+            <a:r>
+              <a:rPr lang="en-US" altLang="zh-CN" sz="1200" b="0" i="0" kern="1200" dirty="0">
+                <a:solidFill>
+                  <a:schemeClr val="tx1"/>
+                </a:solidFill>
+                <a:effectLst/>
+                <a:latin typeface="+mn-lt"/>
+                <a:ea typeface="+mn-ea"/>
+                <a:cs typeface="+mn-cs"/>
+              </a:rPr>
+              <a:t>X Scaling</a:t>
+            </a:r>
+          </a:p>
+          <a:p>
+            <a:r>
+              <a:rPr lang="en-US" altLang="zh-CN" sz="1200" b="0" i="0" kern="1200" dirty="0" err="1">
+                <a:solidFill>
+                  <a:schemeClr val="tx1"/>
+                </a:solidFill>
+                <a:effectLst/>
+                <a:latin typeface="+mn-lt"/>
+                <a:ea typeface="+mn-ea"/>
+                <a:cs typeface="+mn-cs"/>
+              </a:rPr>
+              <a:t>ElastiCache</a:t>
+            </a:r>
+            <a:r>
+              <a:rPr lang="zh-CN" altLang="en-US" sz="1200" b="0" i="0" kern="1200" dirty="0">
+                <a:solidFill>
+                  <a:schemeClr val="tx1"/>
+                </a:solidFill>
+                <a:effectLst/>
+                <a:latin typeface="+mn-lt"/>
+                <a:ea typeface="+mn-ea"/>
+                <a:cs typeface="+mn-cs"/>
+              </a:rPr>
+              <a:t>部署简单</a:t>
+            </a:r>
+            <a:r>
+              <a:rPr lang="en-US" altLang="zh-CN" sz="1200" b="0" i="0" kern="1200" dirty="0">
+                <a:solidFill>
+                  <a:schemeClr val="tx1"/>
+                </a:solidFill>
+                <a:effectLst/>
+                <a:latin typeface="+mn-lt"/>
+                <a:ea typeface="+mn-ea"/>
+                <a:cs typeface="+mn-cs"/>
+              </a:rPr>
+              <a:t>Easier for you to perform better </a:t>
+            </a:r>
+            <a:r>
+              <a:rPr lang="zh-CN" altLang="en-US" sz="1200" b="0" i="0" kern="1200" dirty="0">
+                <a:solidFill>
+                  <a:schemeClr val="tx1"/>
+                </a:solidFill>
+                <a:effectLst/>
+                <a:latin typeface="+mn-lt"/>
+                <a:ea typeface="+mn-ea"/>
+                <a:cs typeface="+mn-cs"/>
+              </a:rPr>
+              <a:t>不折腾</a:t>
+            </a:r>
+            <a:endParaRPr lang="en-US" altLang="zh-CN" sz="1200" b="0" i="0" kern="1200" dirty="0">
+              <a:solidFill>
+                <a:schemeClr val="tx1"/>
+              </a:solidFill>
+              <a:effectLst/>
+              <a:latin typeface="+mn-lt"/>
+              <a:ea typeface="+mn-ea"/>
+              <a:cs typeface="+mn-cs"/>
+            </a:endParaRPr>
+          </a:p>
+          <a:p>
+            <a:r>
+              <a:rPr lang="en-US" altLang="zh-CN" sz="1200" b="0" i="0" kern="1200" dirty="0">
+                <a:solidFill>
+                  <a:schemeClr val="tx1"/>
+                </a:solidFill>
+                <a:effectLst/>
+                <a:latin typeface="+mn-lt"/>
+                <a:ea typeface="+mn-ea"/>
+                <a:cs typeface="+mn-cs"/>
+              </a:rPr>
+              <a:t>NoSQL</a:t>
+            </a:r>
+          </a:p>
+          <a:p>
+            <a:r>
+              <a:rPr lang="en-US" altLang="zh-CN" sz="1200" b="0" i="0" kern="1200" dirty="0">
+                <a:solidFill>
+                  <a:schemeClr val="tx1"/>
+                </a:solidFill>
+                <a:effectLst/>
+                <a:latin typeface="+mn-lt"/>
+                <a:ea typeface="+mn-ea"/>
+                <a:cs typeface="+mn-cs"/>
+              </a:rPr>
+              <a:t>DynamoDB</a:t>
+            </a:r>
+            <a:r>
+              <a:rPr lang="zh-CN" altLang="en-US" sz="1200" b="0" i="0" kern="1200" dirty="0">
+                <a:solidFill>
+                  <a:schemeClr val="tx1"/>
+                </a:solidFill>
+                <a:effectLst/>
+                <a:latin typeface="+mn-lt"/>
+                <a:ea typeface="+mn-ea"/>
+                <a:cs typeface="+mn-cs"/>
+              </a:rPr>
+              <a:t>。即开即用，高可用，不用担心服务器问题。</a:t>
+            </a:r>
+            <a:r>
+              <a:rPr lang="en-US" altLang="zh-CN" sz="1200" b="0" i="0" kern="1200" dirty="0">
+                <a:solidFill>
+                  <a:schemeClr val="tx1"/>
+                </a:solidFill>
+                <a:effectLst/>
+                <a:latin typeface="+mn-lt"/>
+                <a:ea typeface="+mn-ea"/>
+                <a:cs typeface="+mn-cs"/>
+              </a:rPr>
+              <a:t>Easier for you to perform better</a:t>
+            </a:r>
+          </a:p>
+          <a:p>
+            <a:r>
+              <a:rPr lang="zh-CN" altLang="en-US" sz="1200" b="0" i="0" kern="1200" dirty="0">
+                <a:solidFill>
+                  <a:schemeClr val="tx1"/>
+                </a:solidFill>
+                <a:effectLst/>
+                <a:latin typeface="+mn-lt"/>
+                <a:ea typeface="+mn-ea"/>
+                <a:cs typeface="+mn-cs"/>
+              </a:rPr>
+              <a:t>故事：事件记录。</a:t>
             </a:r>
             <a:endParaRPr lang="zh-CN" altLang="en-US" dirty="0"/>
           </a:p>
@@ -3255,6 +4133,90 @@
     <p:extLst>
       <p:ext uri="{BB962C8B-B14F-4D97-AF65-F5344CB8AC3E}">
         <p14:creationId xmlns:p14="http://schemas.microsoft.com/office/powerpoint/2010/main" val="3843737088"/>
+      </p:ext>
+    </p:extLst>
+  </p:cSld>
+  <p:clrMapOvr>
+    <a:masterClrMapping/>
+  </p:clrMapOvr>
+</p:notes>
+</file>
+
+<file path=ppt/notesSlides/notesSlide25.xml><?xml version="1.0" encoding="utf-8"?>
+<p:notes xmlns:a="http://schemas.openxmlformats.org/drawingml/2006/main" xmlns:r="http://schemas.openxmlformats.org/officeDocument/2006/relationships" xmlns:p="http://schemas.openxmlformats.org/presentationml/2006/main">
+  <p:cSld>
+    <p:spTree>
+      <p:nvGrpSpPr>
+        <p:cNvPr id="1" name=""/>
+        <p:cNvGrpSpPr/>
+        <p:nvPr/>
+      </p:nvGrpSpPr>
+      <p:grpSpPr>
+        <a:xfrm>
+          <a:off x="0" y="0"/>
+          <a:ext cx="0" cy="0"/>
+          <a:chOff x="0" y="0"/>
+          <a:chExt cx="0" cy="0"/>
+        </a:xfrm>
+      </p:grpSpPr>
+      <p:sp>
+        <p:nvSpPr>
+          <p:cNvPr id="2" name="幻灯片图像占位符 1"/>
+          <p:cNvSpPr>
+            <a:spLocks noGrp="1" noRot="1" noChangeAspect="1"/>
+          </p:cNvSpPr>
+          <p:nvPr>
+            <p:ph type="sldImg"/>
+          </p:nvPr>
+        </p:nvSpPr>
+        <p:spPr/>
+      </p:sp>
+      <p:sp>
+        <p:nvSpPr>
+          <p:cNvPr id="3" name="备注占位符 2"/>
+          <p:cNvSpPr>
+            <a:spLocks noGrp="1"/>
+          </p:cNvSpPr>
+          <p:nvPr>
+            <p:ph type="body" idx="1"/>
+          </p:nvPr>
+        </p:nvSpPr>
+        <p:spPr/>
+        <p:txBody>
+          <a:bodyPr/>
+          <a:lstStyle/>
+          <a:p>
+            <a:endParaRPr lang="zh-CN" altLang="en-US" dirty="0"/>
+          </a:p>
+        </p:txBody>
+      </p:sp>
+      <p:sp>
+        <p:nvSpPr>
+          <p:cNvPr id="4" name="灯片编号占位符 3"/>
+          <p:cNvSpPr>
+            <a:spLocks noGrp="1"/>
+          </p:cNvSpPr>
+          <p:nvPr>
+            <p:ph type="sldNum" sz="quarter" idx="10"/>
+          </p:nvPr>
+        </p:nvSpPr>
+        <p:spPr/>
+        <p:txBody>
+          <a:bodyPr/>
+          <a:lstStyle/>
+          <a:p>
+            <a:fld id="{98F2694B-8456-4C23-A81B-325F88010047}" type="slidenum">
+              <a:rPr lang="zh-CN" altLang="en-US" smtClean="0"/>
+              <a:t>27</a:t>
+            </a:fld>
+            <a:endParaRPr lang="zh-CN" altLang="en-US"/>
+          </a:p>
+        </p:txBody>
+      </p:sp>
+    </p:spTree>
+    <p:extLst>
+      <p:ext uri="{BB962C8B-B14F-4D97-AF65-F5344CB8AC3E}">
+        <p14:creationId xmlns:p14="http://schemas.microsoft.com/office/powerpoint/2010/main" val="1364537139"/>
       </p:ext>
     </p:extLst>
   </p:cSld>
@@ -3329,7 +4291,7 @@
           <a:p>
             <a:fld id="{98F2694B-8456-4C23-A81B-325F88010047}" type="slidenum">
               <a:rPr lang="zh-CN" altLang="en-US" smtClean="0"/>
-              <a:t>4</a:t>
+              <a:t>3</a:t>
             </a:fld>
             <a:endParaRPr lang="zh-CN" altLang="en-US"/>
           </a:p>
@@ -3338,7 +4300,7 @@
     </p:spTree>
     <p:extLst>
       <p:ext uri="{BB962C8B-B14F-4D97-AF65-F5344CB8AC3E}">
-        <p14:creationId xmlns:p14="http://schemas.microsoft.com/office/powerpoint/2010/main" val="3820941460"/>
+        <p14:creationId xmlns:p14="http://schemas.microsoft.com/office/powerpoint/2010/main" val="4207068104"/>
       </p:ext>
     </p:extLst>
   </p:cSld>
@@ -3393,38 +4355,9 @@
           <a:lstStyle/>
           <a:p>
             <a:r>
-              <a:rPr lang="en-US" altLang="zh-CN" dirty="0"/>
-              <a:t>Scaling to meet the demand, but with uncertainty around when and how much this demand will be </a:t>
-            </a:r>
-          </a:p>
-          <a:p>
-            <a:r>
-              <a:rPr lang="en-US" altLang="zh-CN" dirty="0"/>
-              <a:t>very concerned about buying too much infrastructure too soon or not enough too late	</a:t>
-            </a:r>
-          </a:p>
-          <a:p>
-            <a:r>
               <a:rPr lang="zh-CN" altLang="en-US" dirty="0"/>
-              <a:t>性价比	</a:t>
-            </a:r>
-            <a:r>
-              <a:rPr lang="en-US" altLang="zh-CN" dirty="0"/>
-              <a:t>Save money in the long run	</a:t>
-            </a:r>
-          </a:p>
-          <a:p>
-            <a:r>
-              <a:rPr lang="en-US" altLang="zh-CN" dirty="0"/>
-              <a:t>CIO</a:t>
-            </a:r>
-            <a:r>
-              <a:rPr lang="zh-CN" altLang="en-US" dirty="0"/>
-              <a:t>选型	金鱼而不是汗血宝马</a:t>
-            </a:r>
-          </a:p>
-          <a:p>
-            <a:endParaRPr lang="zh-CN" altLang="en-US" dirty="0"/>
+              <a:t>先大致看一下，逐个服务讲完后，我们会回过头来再整体看</a:t>
+            </a:r>
           </a:p>
         </p:txBody>
       </p:sp>
@@ -3445,7 +4378,7 @@
           <a:p>
             <a:fld id="{98F2694B-8456-4C23-A81B-325F88010047}" type="slidenum">
               <a:rPr lang="zh-CN" altLang="en-US" smtClean="0"/>
-              <a:t>5</a:t>
+              <a:t>4</a:t>
             </a:fld>
             <a:endParaRPr lang="zh-CN" altLang="en-US"/>
           </a:p>
@@ -3454,7 +4387,7 @@
     </p:spTree>
     <p:extLst>
       <p:ext uri="{BB962C8B-B14F-4D97-AF65-F5344CB8AC3E}">
-        <p14:creationId xmlns:p14="http://schemas.microsoft.com/office/powerpoint/2010/main" val="840537462"/>
+        <p14:creationId xmlns:p14="http://schemas.microsoft.com/office/powerpoint/2010/main" val="3820941460"/>
       </p:ext>
     </p:extLst>
   </p:cSld>
@@ -3509,14 +4442,49 @@
           <a:lstStyle/>
           <a:p>
             <a:r>
+              <a:rPr lang="zh-CN" altLang="en-US" sz="1200" b="0" i="0" kern="1200" dirty="0">
+                <a:solidFill>
+                  <a:schemeClr val="tx1"/>
+                </a:solidFill>
+                <a:effectLst/>
+                <a:latin typeface="+mn-lt"/>
+                <a:ea typeface="+mn-ea"/>
+                <a:cs typeface="+mn-cs"/>
+              </a:rPr>
+              <a:t>不会因为伸缩性问题耽误了业务发展，或者因为初始成本太高浪费了宝贵的预算</a:t>
+            </a:r>
+            <a:endParaRPr lang="en-US" altLang="zh-CN" sz="1200" b="0" i="0" kern="1200" dirty="0">
+              <a:solidFill>
+                <a:schemeClr val="tx1"/>
+              </a:solidFill>
+              <a:effectLst/>
+              <a:latin typeface="+mn-lt"/>
+              <a:ea typeface="+mn-ea"/>
+              <a:cs typeface="+mn-cs"/>
+            </a:endParaRPr>
+          </a:p>
+          <a:p>
+            <a:r>
+              <a:rPr lang="zh-CN" altLang="en-US" dirty="0"/>
+              <a:t>性价比	</a:t>
+            </a:r>
+            <a:r>
+              <a:rPr lang="en-US" altLang="zh-CN" dirty="0"/>
+              <a:t>Save money in the long run	</a:t>
+            </a:r>
+          </a:p>
+          <a:p>
+            <a:r>
               <a:rPr lang="en-US" altLang="zh-CN" dirty="0"/>
               <a:t>CIO</a:t>
             </a:r>
             <a:r>
               <a:rPr lang="zh-CN" altLang="en-US" dirty="0"/>
-              <a:t>价格选型的故事 横向扩展而不是向上扩展 一开始可以向上扩展，但是后来一定是横向扩展</a:t>
-            </a:r>
-            <a:endParaRPr lang="en-US" altLang="zh-CN" dirty="0"/>
+              <a:t>选型	金鱼而不是汗血宝马</a:t>
+            </a:r>
+          </a:p>
+          <a:p>
+            <a:endParaRPr lang="zh-CN" altLang="en-US" dirty="0"/>
           </a:p>
         </p:txBody>
       </p:sp>
@@ -3537,7 +4505,7 @@
           <a:p>
             <a:fld id="{98F2694B-8456-4C23-A81B-325F88010047}" type="slidenum">
               <a:rPr lang="zh-CN" altLang="en-US" smtClean="0"/>
-              <a:t>6</a:t>
+              <a:t>5</a:t>
             </a:fld>
             <a:endParaRPr lang="zh-CN" altLang="en-US"/>
           </a:p>
@@ -3546,7 +4514,7 @@
     </p:spTree>
     <p:extLst>
       <p:ext uri="{BB962C8B-B14F-4D97-AF65-F5344CB8AC3E}">
-        <p14:creationId xmlns:p14="http://schemas.microsoft.com/office/powerpoint/2010/main" val="478780658"/>
+        <p14:creationId xmlns:p14="http://schemas.microsoft.com/office/powerpoint/2010/main" val="840537462"/>
       </p:ext>
     </p:extLst>
   </p:cSld>
@@ -3601,194 +4569,14 @@
           <a:lstStyle/>
           <a:p>
             <a:r>
-              <a:rPr lang="en-US" altLang="zh-CN" sz="1200" b="0" i="0" kern="1200" dirty="0">
-                <a:solidFill>
-                  <a:schemeClr val="tx1"/>
-                </a:solidFill>
-                <a:effectLst/>
-                <a:latin typeface="+mn-lt"/>
-                <a:ea typeface="+mn-ea"/>
-                <a:cs typeface="+mn-cs"/>
-              </a:rPr>
-              <a:t>Scaling uncertainty when and how much</a:t>
-            </a:r>
-          </a:p>
-          <a:p>
-            <a:r>
-              <a:rPr lang="en-US" altLang="zh-CN" sz="1200" b="0" i="0" kern="1200" dirty="0">
-                <a:solidFill>
-                  <a:schemeClr val="tx1"/>
-                </a:solidFill>
-                <a:effectLst/>
-                <a:latin typeface="+mn-lt"/>
-                <a:ea typeface="+mn-ea"/>
-                <a:cs typeface="+mn-cs"/>
-              </a:rPr>
-              <a:t>Self-healing infrastructure that recovers from failed service instances</a:t>
-            </a:r>
-          </a:p>
-          <a:p>
-            <a:r>
-              <a:rPr lang="zh-CN" altLang="en-US" sz="1200" b="0" i="0" kern="1200" dirty="0">
-                <a:solidFill>
-                  <a:schemeClr val="tx1"/>
-                </a:solidFill>
-                <a:effectLst/>
-                <a:latin typeface="+mn-lt"/>
-                <a:ea typeface="+mn-ea"/>
-                <a:cs typeface="+mn-cs"/>
-              </a:rPr>
-              <a:t>核心理念揽财</a:t>
-            </a:r>
-            <a:endParaRPr lang="en-US" altLang="zh-CN" sz="1200" b="0" i="0" kern="1200" dirty="0">
-              <a:solidFill>
-                <a:schemeClr val="tx1"/>
-              </a:solidFill>
-              <a:effectLst/>
-              <a:latin typeface="+mn-lt"/>
-              <a:ea typeface="+mn-ea"/>
-              <a:cs typeface="+mn-cs"/>
-            </a:endParaRPr>
-          </a:p>
-          <a:p>
-            <a:r>
-              <a:rPr lang="en-US" altLang="zh-CN" sz="1200" b="0" i="0" kern="1200" dirty="0">
-                <a:solidFill>
-                  <a:schemeClr val="tx1"/>
-                </a:solidFill>
-                <a:effectLst/>
-                <a:latin typeface="+mn-lt"/>
-                <a:ea typeface="+mn-ea"/>
-                <a:cs typeface="+mn-cs"/>
-              </a:rPr>
-              <a:t>Save money </a:t>
-            </a:r>
-          </a:p>
-          <a:p>
-            <a:r>
-              <a:rPr lang="en-US" altLang="zh-CN" sz="1200" b="0" i="0" kern="1200" dirty="0">
-                <a:solidFill>
-                  <a:schemeClr val="tx1"/>
-                </a:solidFill>
-                <a:effectLst/>
-                <a:latin typeface="+mn-lt"/>
-                <a:ea typeface="+mn-ea"/>
-                <a:cs typeface="+mn-cs"/>
-              </a:rPr>
-              <a:t>Easier for you to perform better</a:t>
-            </a:r>
-          </a:p>
-          <a:p>
-            <a:r>
-              <a:rPr lang="zh-CN" altLang="en-US" sz="1200" b="0" i="0" kern="1200" dirty="0">
-                <a:solidFill>
-                  <a:schemeClr val="tx1"/>
-                </a:solidFill>
-                <a:effectLst/>
-                <a:latin typeface="+mn-lt"/>
-                <a:ea typeface="+mn-ea"/>
-                <a:cs typeface="+mn-cs"/>
-              </a:rPr>
-              <a:t>不同点：</a:t>
-            </a:r>
-            <a:r>
-              <a:rPr lang="en-US" altLang="zh-CN" sz="1200" b="0" i="0" kern="1200" dirty="0">
-                <a:solidFill>
-                  <a:schemeClr val="tx1"/>
-                </a:solidFill>
-                <a:effectLst/>
-                <a:latin typeface="+mn-lt"/>
-                <a:ea typeface="+mn-ea"/>
-                <a:cs typeface="+mn-cs"/>
-              </a:rPr>
-              <a:t>CloudWatch </a:t>
-            </a:r>
-            <a:r>
-              <a:rPr lang="zh-CN" altLang="en-US" sz="1200" b="0" i="0" kern="1200" dirty="0">
-                <a:solidFill>
-                  <a:schemeClr val="tx1"/>
-                </a:solidFill>
-                <a:effectLst/>
-                <a:latin typeface="+mn-lt"/>
-                <a:ea typeface="+mn-ea"/>
-                <a:cs typeface="+mn-cs"/>
-              </a:rPr>
-              <a:t>命令行 </a:t>
-            </a:r>
-            <a:r>
-              <a:rPr lang="en-US" altLang="zh-CN" sz="1200" b="0" i="0" kern="1200" dirty="0">
-                <a:solidFill>
-                  <a:schemeClr val="tx1"/>
-                </a:solidFill>
-                <a:effectLst/>
-                <a:latin typeface="+mn-lt"/>
-                <a:ea typeface="+mn-ea"/>
-                <a:cs typeface="+mn-cs"/>
-              </a:rPr>
-              <a:t>CloudFormation</a:t>
-            </a:r>
-          </a:p>
-          <a:p>
-            <a:r>
-              <a:rPr lang="zh-CN" altLang="en-US" sz="1200" b="0" i="0" kern="1200" dirty="0">
-                <a:solidFill>
-                  <a:schemeClr val="tx1"/>
-                </a:solidFill>
-                <a:effectLst/>
-                <a:latin typeface="+mn-lt"/>
-                <a:ea typeface="+mn-ea"/>
-                <a:cs typeface="+mn-cs"/>
-              </a:rPr>
-              <a:t>因为</a:t>
-            </a:r>
-            <a:r>
-              <a:rPr lang="en-US" altLang="zh-CN" sz="1200" b="0" i="0" kern="1200" dirty="0">
-                <a:solidFill>
-                  <a:schemeClr val="tx1"/>
-                </a:solidFill>
-                <a:effectLst/>
-                <a:latin typeface="+mn-lt"/>
-                <a:ea typeface="+mn-ea"/>
-                <a:cs typeface="+mn-cs"/>
-              </a:rPr>
-              <a:t>AWS</a:t>
-            </a:r>
-            <a:r>
-              <a:rPr lang="zh-CN" altLang="en-US" sz="1200" b="0" i="0" kern="1200" dirty="0">
-                <a:solidFill>
-                  <a:schemeClr val="tx1"/>
-                </a:solidFill>
-                <a:effectLst/>
-                <a:latin typeface="+mn-lt"/>
-                <a:ea typeface="+mn-ea"/>
-                <a:cs typeface="+mn-cs"/>
-              </a:rPr>
-              <a:t>有这个能力。几次创业都先用最便宜，最简单的机器。</a:t>
-            </a:r>
-            <a:endParaRPr lang="en-US" altLang="zh-CN" sz="1200" b="0" i="0" kern="1200" dirty="0">
-              <a:solidFill>
-                <a:schemeClr val="tx1"/>
-              </a:solidFill>
-              <a:effectLst/>
-              <a:latin typeface="+mn-lt"/>
-              <a:ea typeface="+mn-ea"/>
-              <a:cs typeface="+mn-cs"/>
-            </a:endParaRPr>
-          </a:p>
-          <a:p>
-            <a:r>
-              <a:rPr lang="zh-CN" altLang="en-US" sz="1200" b="0" i="0" kern="1200" dirty="0">
-                <a:solidFill>
-                  <a:schemeClr val="tx1"/>
-                </a:solidFill>
-                <a:effectLst/>
-                <a:latin typeface="+mn-lt"/>
-                <a:ea typeface="+mn-ea"/>
-                <a:cs typeface="+mn-cs"/>
-              </a:rPr>
-              <a:t>甩手掌柜</a:t>
-            </a:r>
-            <a:endParaRPr lang="zh-CN" altLang="en-US" dirty="0"/>
+              <a:rPr lang="en-US" altLang="zh-CN" dirty="0"/>
+              <a:t>CIO</a:t>
+            </a:r>
+            <a:r>
+              <a:rPr lang="zh-CN" altLang="en-US" dirty="0"/>
+              <a:t>价格选型的故事 横向扩展而不是向上扩展 一开始可以向上扩展，但是后来一定是横向扩展</a:t>
+            </a:r>
+            <a:endParaRPr lang="en-US" altLang="zh-CN" dirty="0"/>
           </a:p>
         </p:txBody>
       </p:sp>
@@ -3809,7 +4597,7 @@
           <a:p>
             <a:fld id="{98F2694B-8456-4C23-A81B-325F88010047}" type="slidenum">
               <a:rPr lang="zh-CN" altLang="en-US" smtClean="0"/>
-              <a:t>7</a:t>
+              <a:t>6</a:t>
             </a:fld>
             <a:endParaRPr lang="zh-CN" altLang="en-US"/>
           </a:p>
@@ -3818,7 +4606,7 @@
     </p:spTree>
     <p:extLst>
       <p:ext uri="{BB962C8B-B14F-4D97-AF65-F5344CB8AC3E}">
-        <p14:creationId xmlns:p14="http://schemas.microsoft.com/office/powerpoint/2010/main" val="1133141861"/>
+        <p14:creationId xmlns:p14="http://schemas.microsoft.com/office/powerpoint/2010/main" val="478780658"/>
       </p:ext>
     </p:extLst>
   </p:cSld>
@@ -3882,9 +4670,168 @@
                 <a:ea typeface="+mn-ea"/>
                 <a:cs typeface="+mn-cs"/>
               </a:rPr>
-              <a:t>甩手掌柜</a:t>
-            </a:r>
-            <a:endParaRPr lang="zh-CN" altLang="en-US" dirty="0"/>
+              <a:t>不会因为伸缩性问题耽误了业务发展，或者因为初始成本太高浪费了宝贵的预算 </a:t>
+            </a:r>
+            <a:endParaRPr lang="en-US" altLang="zh-CN" sz="1200" b="0" i="0" kern="1200" dirty="0">
+              <a:solidFill>
+                <a:schemeClr val="tx1"/>
+              </a:solidFill>
+              <a:effectLst/>
+              <a:latin typeface="+mn-lt"/>
+              <a:ea typeface="+mn-ea"/>
+              <a:cs typeface="+mn-cs"/>
+            </a:endParaRPr>
+          </a:p>
+          <a:p>
+            <a:r>
+              <a:rPr lang="zh-CN" altLang="en-US" sz="1200" b="0" i="0" kern="1200" dirty="0">
+                <a:solidFill>
+                  <a:schemeClr val="tx1"/>
+                </a:solidFill>
+                <a:effectLst/>
+                <a:latin typeface="+mn-lt"/>
+                <a:ea typeface="+mn-ea"/>
+                <a:cs typeface="+mn-cs"/>
+              </a:rPr>
+              <a:t>半夜三点起来定位问题重启服务</a:t>
+            </a:r>
+            <a:endParaRPr lang="en-US" altLang="zh-CN" sz="1200" b="0" i="0" kern="1200" dirty="0">
+              <a:solidFill>
+                <a:schemeClr val="tx1"/>
+              </a:solidFill>
+              <a:effectLst/>
+              <a:latin typeface="+mn-lt"/>
+              <a:ea typeface="+mn-ea"/>
+              <a:cs typeface="+mn-cs"/>
+            </a:endParaRPr>
+          </a:p>
+          <a:p>
+            <a:r>
+              <a:rPr lang="zh-CN" altLang="en-US" sz="1200" b="0" i="0" kern="1200" dirty="0">
+                <a:solidFill>
+                  <a:schemeClr val="tx1"/>
+                </a:solidFill>
+                <a:effectLst/>
+                <a:latin typeface="+mn-lt"/>
+                <a:ea typeface="+mn-ea"/>
+                <a:cs typeface="+mn-cs"/>
+              </a:rPr>
+              <a:t>核心理念 </a:t>
+            </a:r>
+            <a:r>
+              <a:rPr lang="en-US" altLang="zh-CN" sz="1200" b="0" i="0" kern="1200" dirty="0">
+                <a:solidFill>
+                  <a:schemeClr val="tx1"/>
+                </a:solidFill>
+                <a:effectLst/>
+                <a:latin typeface="+mn-lt"/>
+                <a:ea typeface="+mn-ea"/>
+                <a:cs typeface="+mn-cs"/>
+              </a:rPr>
+              <a:t>Save money </a:t>
+            </a:r>
+          </a:p>
+          <a:p>
+            <a:r>
+              <a:rPr lang="en-US" altLang="zh-CN" sz="1200" b="0" i="0" kern="1200" dirty="0">
+                <a:solidFill>
+                  <a:schemeClr val="tx1"/>
+                </a:solidFill>
+                <a:effectLst/>
+                <a:latin typeface="+mn-lt"/>
+                <a:ea typeface="+mn-ea"/>
+                <a:cs typeface="+mn-cs"/>
+              </a:rPr>
+              <a:t>Easier for you to perform better</a:t>
+            </a:r>
+          </a:p>
+          <a:p>
+            <a:r>
+              <a:rPr lang="zh-CN" altLang="en-US" sz="1200" b="0" i="0" kern="1200" dirty="0">
+                <a:solidFill>
+                  <a:schemeClr val="tx1"/>
+                </a:solidFill>
+                <a:effectLst/>
+                <a:latin typeface="+mn-lt"/>
+                <a:ea typeface="+mn-ea"/>
+                <a:cs typeface="+mn-cs"/>
+              </a:rPr>
+              <a:t>不同点：</a:t>
+            </a:r>
+            <a:r>
+              <a:rPr lang="en-US" altLang="zh-CN" sz="1200" b="0" i="0" kern="1200" dirty="0">
+                <a:solidFill>
+                  <a:schemeClr val="tx1"/>
+                </a:solidFill>
+                <a:effectLst/>
+                <a:latin typeface="+mn-lt"/>
+                <a:ea typeface="+mn-ea"/>
+                <a:cs typeface="+mn-cs"/>
+              </a:rPr>
+              <a:t>CloudWatch </a:t>
+            </a:r>
+            <a:r>
+              <a:rPr lang="zh-CN" altLang="en-US" sz="1200" b="0" i="0" kern="1200" dirty="0">
+                <a:solidFill>
+                  <a:schemeClr val="tx1"/>
+                </a:solidFill>
+                <a:effectLst/>
+                <a:latin typeface="+mn-lt"/>
+                <a:ea typeface="+mn-ea"/>
+                <a:cs typeface="+mn-cs"/>
+              </a:rPr>
+              <a:t>命令行 </a:t>
+            </a:r>
+            <a:r>
+              <a:rPr lang="en-US" altLang="zh-CN" sz="1200" b="0" i="0" kern="1200" dirty="0">
+                <a:solidFill>
+                  <a:schemeClr val="tx1"/>
+                </a:solidFill>
+                <a:effectLst/>
+                <a:latin typeface="+mn-lt"/>
+                <a:ea typeface="+mn-ea"/>
+                <a:cs typeface="+mn-cs"/>
+              </a:rPr>
+              <a:t>CloudFormation</a:t>
+            </a:r>
+          </a:p>
+          <a:p>
+            <a:r>
+              <a:rPr lang="zh-CN" altLang="en-US" sz="1200" b="0" i="0" kern="1200" dirty="0">
+                <a:solidFill>
+                  <a:schemeClr val="tx1"/>
+                </a:solidFill>
+                <a:effectLst/>
+                <a:latin typeface="+mn-lt"/>
+                <a:ea typeface="+mn-ea"/>
+                <a:cs typeface="+mn-cs"/>
+              </a:rPr>
+              <a:t>因为</a:t>
+            </a:r>
+            <a:r>
+              <a:rPr lang="en-US" altLang="zh-CN" sz="1200" b="0" i="0" kern="1200" dirty="0">
+                <a:solidFill>
+                  <a:schemeClr val="tx1"/>
+                </a:solidFill>
+                <a:effectLst/>
+                <a:latin typeface="+mn-lt"/>
+                <a:ea typeface="+mn-ea"/>
+                <a:cs typeface="+mn-cs"/>
+              </a:rPr>
+              <a:t>AWS</a:t>
+            </a:r>
+            <a:r>
+              <a:rPr lang="zh-CN" altLang="en-US" sz="1200" b="0" i="0" kern="1200" dirty="0">
+                <a:solidFill>
+                  <a:schemeClr val="tx1"/>
+                </a:solidFill>
+                <a:effectLst/>
+                <a:latin typeface="+mn-lt"/>
+                <a:ea typeface="+mn-ea"/>
+                <a:cs typeface="+mn-cs"/>
+              </a:rPr>
+              <a:t>有这个能力。几次创业都先用最便宜，最简单的机器。</a:t>
+            </a:r>
           </a:p>
         </p:txBody>
       </p:sp>
@@ -3905,7 +4852,7 @@
           <a:p>
             <a:fld id="{98F2694B-8456-4C23-A81B-325F88010047}" type="slidenum">
               <a:rPr lang="zh-CN" altLang="en-US" smtClean="0"/>
-              <a:t>8</a:t>
+              <a:t>7</a:t>
             </a:fld>
             <a:endParaRPr lang="zh-CN" altLang="en-US"/>
           </a:p>
@@ -3914,7 +4861,7 @@
     </p:spTree>
     <p:extLst>
       <p:ext uri="{BB962C8B-B14F-4D97-AF65-F5344CB8AC3E}">
-        <p14:creationId xmlns:p14="http://schemas.microsoft.com/office/powerpoint/2010/main" val="3989543911"/>
+        <p14:creationId xmlns:p14="http://schemas.microsoft.com/office/powerpoint/2010/main" val="1133141861"/>
       </p:ext>
     </p:extLst>
   </p:cSld>
@@ -3968,6 +4915,102 @@
           <a:bodyPr/>
           <a:lstStyle/>
           <a:p>
+            <a:r>
+              <a:rPr lang="zh-CN" altLang="en-US" sz="1200" b="0" i="0" kern="1200" dirty="0">
+                <a:solidFill>
+                  <a:schemeClr val="tx1"/>
+                </a:solidFill>
+                <a:effectLst/>
+                <a:latin typeface="+mn-lt"/>
+                <a:ea typeface="+mn-ea"/>
+                <a:cs typeface="+mn-cs"/>
+              </a:rPr>
+              <a:t>甩手掌柜</a:t>
+            </a:r>
+            <a:endParaRPr lang="zh-CN" altLang="en-US" dirty="0"/>
+          </a:p>
+        </p:txBody>
+      </p:sp>
+      <p:sp>
+        <p:nvSpPr>
+          <p:cNvPr id="4" name="灯片编号占位符 3"/>
+          <p:cNvSpPr>
+            <a:spLocks noGrp="1"/>
+          </p:cNvSpPr>
+          <p:nvPr>
+            <p:ph type="sldNum" sz="quarter" idx="10"/>
+          </p:nvPr>
+        </p:nvSpPr>
+        <p:spPr/>
+        <p:txBody>
+          <a:bodyPr/>
+          <a:lstStyle/>
+          <a:p>
+            <a:fld id="{98F2694B-8456-4C23-A81B-325F88010047}" type="slidenum">
+              <a:rPr lang="zh-CN" altLang="en-US" smtClean="0"/>
+              <a:t>8</a:t>
+            </a:fld>
+            <a:endParaRPr lang="zh-CN" altLang="en-US"/>
+          </a:p>
+        </p:txBody>
+      </p:sp>
+    </p:spTree>
+    <p:extLst>
+      <p:ext uri="{BB962C8B-B14F-4D97-AF65-F5344CB8AC3E}">
+        <p14:creationId xmlns:p14="http://schemas.microsoft.com/office/powerpoint/2010/main" val="3989543911"/>
+      </p:ext>
+    </p:extLst>
+  </p:cSld>
+  <p:clrMapOvr>
+    <a:masterClrMapping/>
+  </p:clrMapOvr>
+</p:notes>
+</file>
+
+<file path=ppt/notesSlides/notesSlide9.xml><?xml version="1.0" encoding="utf-8"?>
+<p:notes xmlns:a="http://schemas.openxmlformats.org/drawingml/2006/main" xmlns:r="http://schemas.openxmlformats.org/officeDocument/2006/relationships" xmlns:p="http://schemas.openxmlformats.org/presentationml/2006/main">
+  <p:cSld>
+    <p:spTree>
+      <p:nvGrpSpPr>
+        <p:cNvPr id="1" name=""/>
+        <p:cNvGrpSpPr/>
+        <p:nvPr/>
+      </p:nvGrpSpPr>
+      <p:grpSpPr>
+        <a:xfrm>
+          <a:off x="0" y="0"/>
+          <a:ext cx="0" cy="0"/>
+          <a:chOff x="0" y="0"/>
+          <a:chExt cx="0" cy="0"/>
+        </a:xfrm>
+      </p:grpSpPr>
+      <p:sp>
+        <p:nvSpPr>
+          <p:cNvPr id="2" name="幻灯片图像占位符 1"/>
+          <p:cNvSpPr>
+            <a:spLocks noGrp="1" noRot="1" noChangeAspect="1"/>
+          </p:cNvSpPr>
+          <p:nvPr>
+            <p:ph type="sldImg"/>
+          </p:nvPr>
+        </p:nvSpPr>
+        <p:spPr/>
+      </p:sp>
+      <p:sp>
+        <p:nvSpPr>
+          <p:cNvPr id="3" name="备注占位符 2"/>
+          <p:cNvSpPr>
+            <a:spLocks noGrp="1"/>
+          </p:cNvSpPr>
+          <p:nvPr>
+            <p:ph type="body" idx="1"/>
+          </p:nvPr>
+        </p:nvSpPr>
+        <p:spPr/>
+        <p:txBody>
+          <a:bodyPr/>
+          <a:lstStyle/>
+          <a:p>
             <a:pPr marL="0" marR="0" lvl="0" indent="0" algn="l" defTabSz="914400" rtl="0" eaLnBrk="1" fontAlgn="auto" latinLnBrk="0" hangingPunct="1">
               <a:lnSpc>
                 <a:spcPct val="100000"/>
@@ -4024,170 +5067,6 @@
     <p:extLst>
       <p:ext uri="{BB962C8B-B14F-4D97-AF65-F5344CB8AC3E}">
         <p14:creationId xmlns:p14="http://schemas.microsoft.com/office/powerpoint/2010/main" val="845230319"/>
-      </p:ext>
-    </p:extLst>
-  </p:cSld>
-  <p:clrMapOvr>
-    <a:masterClrMapping/>
-  </p:clrMapOvr>
-</p:notes>
-</file>
-
-<file path=ppt/notesSlides/notesSlide9.xml><?xml version="1.0" encoding="utf-8"?>
-<p:notes xmlns:a="http://schemas.openxmlformats.org/drawingml/2006/main" xmlns:r="http://schemas.openxmlformats.org/officeDocument/2006/relationships" xmlns:p="http://schemas.openxmlformats.org/presentationml/2006/main">
-  <p:cSld>
-    <p:spTree>
-      <p:nvGrpSpPr>
-        <p:cNvPr id="1" name=""/>
-        <p:cNvGrpSpPr/>
-        <p:nvPr/>
-      </p:nvGrpSpPr>
-      <p:grpSpPr>
-        <a:xfrm>
-          <a:off x="0" y="0"/>
-          <a:ext cx="0" cy="0"/>
-          <a:chOff x="0" y="0"/>
-          <a:chExt cx="0" cy="0"/>
-        </a:xfrm>
-      </p:grpSpPr>
-      <p:sp>
-        <p:nvSpPr>
-          <p:cNvPr id="2" name="幻灯片图像占位符 1"/>
-          <p:cNvSpPr>
-            <a:spLocks noGrp="1" noRot="1" noChangeAspect="1"/>
-          </p:cNvSpPr>
-          <p:nvPr>
-            <p:ph type="sldImg"/>
-          </p:nvPr>
-        </p:nvSpPr>
-        <p:spPr/>
-      </p:sp>
-      <p:sp>
-        <p:nvSpPr>
-          <p:cNvPr id="3" name="备注占位符 2"/>
-          <p:cNvSpPr>
-            <a:spLocks noGrp="1"/>
-          </p:cNvSpPr>
-          <p:nvPr>
-            <p:ph type="body" idx="1"/>
-          </p:nvPr>
-        </p:nvSpPr>
-        <p:spPr/>
-        <p:txBody>
-          <a:bodyPr/>
-          <a:lstStyle/>
-          <a:p>
-            <a:r>
-              <a:rPr lang="en-US" altLang="zh-CN" sz="1200" b="0" i="0" kern="1200" dirty="0">
-                <a:solidFill>
-                  <a:schemeClr val="tx1"/>
-                </a:solidFill>
-                <a:effectLst/>
-                <a:latin typeface="+mn-lt"/>
-                <a:ea typeface="+mn-ea"/>
-                <a:cs typeface="+mn-cs"/>
-              </a:rPr>
-              <a:t>Disaster recovery</a:t>
-            </a:r>
-          </a:p>
-          <a:p>
-            <a:r>
-              <a:rPr lang="en-US" altLang="zh-CN" sz="1200" b="0" i="0" kern="1200" dirty="0">
-                <a:solidFill>
-                  <a:schemeClr val="tx1"/>
-                </a:solidFill>
-                <a:effectLst/>
-                <a:latin typeface="+mn-lt"/>
-                <a:ea typeface="+mn-ea"/>
-                <a:cs typeface="+mn-cs"/>
-              </a:rPr>
-              <a:t>Your strong support</a:t>
-            </a:r>
-          </a:p>
-          <a:p>
-            <a:r>
-              <a:rPr lang="en-US" altLang="zh-CN" sz="1200" b="0" i="0" kern="1200" dirty="0">
-                <a:solidFill>
-                  <a:schemeClr val="tx1"/>
-                </a:solidFill>
-                <a:effectLst/>
-                <a:latin typeface="+mn-lt"/>
-                <a:ea typeface="+mn-ea"/>
-                <a:cs typeface="+mn-cs"/>
-              </a:rPr>
-              <a:t>Easier for you to perform better</a:t>
-            </a:r>
-          </a:p>
-          <a:p>
-            <a:r>
-              <a:rPr lang="zh-CN" altLang="en-US" sz="1200" b="0" i="0" kern="1200" dirty="0">
-                <a:solidFill>
-                  <a:schemeClr val="tx1"/>
-                </a:solidFill>
-                <a:effectLst/>
-                <a:latin typeface="+mn-lt"/>
-                <a:ea typeface="+mn-ea"/>
-                <a:cs typeface="+mn-cs"/>
-              </a:rPr>
-              <a:t>北京，宁夏</a:t>
-            </a:r>
-            <a:endParaRPr lang="en-US" altLang="zh-CN" sz="1200" b="0" i="0" kern="1200" dirty="0">
-              <a:solidFill>
-                <a:schemeClr val="tx1"/>
-              </a:solidFill>
-              <a:effectLst/>
-              <a:latin typeface="+mn-lt"/>
-              <a:ea typeface="+mn-ea"/>
-              <a:cs typeface="+mn-cs"/>
-            </a:endParaRPr>
-          </a:p>
-          <a:p>
-            <a:r>
-              <a:rPr lang="zh-CN" altLang="en-US" sz="1200" b="0" i="0" kern="1200" dirty="0">
-                <a:solidFill>
-                  <a:schemeClr val="tx1"/>
-                </a:solidFill>
-                <a:effectLst/>
-                <a:latin typeface="+mn-lt"/>
-                <a:ea typeface="+mn-ea"/>
-                <a:cs typeface="+mn-cs"/>
-              </a:rPr>
-              <a:t>鸡蛋不要放在一个篮子里</a:t>
-            </a:r>
-            <a:endParaRPr lang="zh-CN" altLang="en-US" dirty="0"/>
-          </a:p>
-          <a:p>
-            <a:endParaRPr lang="zh-CN" altLang="en-US" dirty="0"/>
-          </a:p>
-        </p:txBody>
-      </p:sp>
-      <p:sp>
-        <p:nvSpPr>
-          <p:cNvPr id="4" name="灯片编号占位符 3"/>
-          <p:cNvSpPr>
-            <a:spLocks noGrp="1"/>
-          </p:cNvSpPr>
-          <p:nvPr>
-            <p:ph type="sldNum" sz="quarter" idx="10"/>
-          </p:nvPr>
-        </p:nvSpPr>
-        <p:spPr/>
-        <p:txBody>
-          <a:bodyPr/>
-          <a:lstStyle/>
-          <a:p>
-            <a:fld id="{98F2694B-8456-4C23-A81B-325F88010047}" type="slidenum">
-              <a:rPr lang="zh-CN" altLang="en-US" smtClean="0"/>
-              <a:t>10</a:t>
-            </a:fld>
-            <a:endParaRPr lang="zh-CN" altLang="en-US"/>
-          </a:p>
-        </p:txBody>
-      </p:sp>
-    </p:spTree>
-    <p:extLst>
-      <p:ext uri="{BB962C8B-B14F-4D97-AF65-F5344CB8AC3E}">
-        <p14:creationId xmlns:p14="http://schemas.microsoft.com/office/powerpoint/2010/main" val="3233277829"/>
       </p:ext>
     </p:extLst>
   </p:cSld>
@@ -4397,7 +5276,7 @@
           <a:p>
             <a:fld id="{C6AEBC3E-89A4-4545-9B1C-B3BB8AD60578}" type="datetimeFigureOut">
               <a:rPr lang="zh-CN" altLang="en-US" smtClean="0"/>
-              <a:t>2018/6/4</a:t>
+              <a:t>2018/6/6</a:t>
             </a:fld>
             <a:endParaRPr lang="zh-CN" altLang="en-US"/>
           </a:p>
@@ -4587,7 +5466,7 @@
           <a:p>
             <a:fld id="{C6AEBC3E-89A4-4545-9B1C-B3BB8AD60578}" type="datetimeFigureOut">
               <a:rPr lang="zh-CN" altLang="en-US" smtClean="0"/>
-              <a:t>2018/6/4</a:t>
+              <a:t>2018/6/6</a:t>
             </a:fld>
             <a:endParaRPr lang="zh-CN" altLang="en-US"/>
           </a:p>
@@ -4767,7 +5646,7 @@
           <a:p>
             <a:fld id="{C6AEBC3E-89A4-4545-9B1C-B3BB8AD60578}" type="datetimeFigureOut">
               <a:rPr lang="zh-CN" altLang="en-US" smtClean="0"/>
-              <a:t>2018/6/4</a:t>
+              <a:t>2018/6/6</a:t>
             </a:fld>
             <a:endParaRPr lang="zh-CN" altLang="en-US"/>
           </a:p>
@@ -4937,7 +5816,7 @@
           <a:p>
             <a:fld id="{C6AEBC3E-89A4-4545-9B1C-B3BB8AD60578}" type="datetimeFigureOut">
               <a:rPr lang="zh-CN" altLang="en-US" smtClean="0"/>
-              <a:t>2018/6/4</a:t>
+              <a:t>2018/6/6</a:t>
             </a:fld>
             <a:endParaRPr lang="zh-CN" altLang="en-US"/>
           </a:p>
@@ -5193,7 +6072,7 @@
           <a:p>
             <a:fld id="{C6AEBC3E-89A4-4545-9B1C-B3BB8AD60578}" type="datetimeFigureOut">
               <a:rPr lang="zh-CN" altLang="en-US" smtClean="0"/>
-              <a:t>2018/6/4</a:t>
+              <a:t>2018/6/6</a:t>
             </a:fld>
             <a:endParaRPr lang="zh-CN" altLang="en-US"/>
           </a:p>
@@ -5481,7 +6360,7 @@
           <a:p>
             <a:fld id="{C6AEBC3E-89A4-4545-9B1C-B3BB8AD60578}" type="datetimeFigureOut">
               <a:rPr lang="zh-CN" altLang="en-US" smtClean="0"/>
-              <a:t>2018/6/4</a:t>
+              <a:t>2018/6/6</a:t>
             </a:fld>
             <a:endParaRPr lang="zh-CN" altLang="en-US"/>
           </a:p>
@@ -5919,7 +6798,7 @@
           <a:p>
             <a:fld id="{C6AEBC3E-89A4-4545-9B1C-B3BB8AD60578}" type="datetimeFigureOut">
               <a:rPr lang="zh-CN" altLang="en-US" smtClean="0"/>
-              <a:t>2018/6/4</a:t>
+              <a:t>2018/6/6</a:t>
             </a:fld>
             <a:endParaRPr lang="zh-CN" altLang="en-US"/>
           </a:p>
@@ -6037,7 +6916,7 @@
           <a:p>
             <a:fld id="{C6AEBC3E-89A4-4545-9B1C-B3BB8AD60578}" type="datetimeFigureOut">
               <a:rPr lang="zh-CN" altLang="en-US" smtClean="0"/>
-              <a:t>2018/6/4</a:t>
+              <a:t>2018/6/6</a:t>
             </a:fld>
             <a:endParaRPr lang="zh-CN" altLang="en-US"/>
           </a:p>
@@ -6132,7 +7011,7 @@
           <a:p>
             <a:fld id="{C6AEBC3E-89A4-4545-9B1C-B3BB8AD60578}" type="datetimeFigureOut">
               <a:rPr lang="zh-CN" altLang="en-US" smtClean="0"/>
-              <a:t>2018/6/4</a:t>
+              <a:t>2018/6/6</a:t>
             </a:fld>
             <a:endParaRPr lang="zh-CN" altLang="en-US"/>
           </a:p>
@@ -6488,7 +7367,7 @@
           <a:p>
             <a:fld id="{C6AEBC3E-89A4-4545-9B1C-B3BB8AD60578}" type="datetimeFigureOut">
               <a:rPr lang="zh-CN" altLang="en-US" smtClean="0"/>
-              <a:t>2018/6/4</a:t>
+              <a:t>2018/6/6</a:t>
             </a:fld>
             <a:endParaRPr lang="zh-CN" altLang="en-US"/>
           </a:p>
@@ -6804,7 +7683,7 @@
           <a:p>
             <a:fld id="{C6AEBC3E-89A4-4545-9B1C-B3BB8AD60578}" type="datetimeFigureOut">
               <a:rPr lang="zh-CN" altLang="en-US" smtClean="0"/>
-              <a:t>2018/6/4</a:t>
+              <a:t>2018/6/6</a:t>
             </a:fld>
             <a:endParaRPr lang="zh-CN" altLang="en-US"/>
           </a:p>
@@ -7037,7 +7916,7 @@
           <a:p>
             <a:fld id="{C6AEBC3E-89A4-4545-9B1C-B3BB8AD60578}" type="datetimeFigureOut">
               <a:rPr lang="zh-CN" altLang="en-US" smtClean="0"/>
-              <a:t>2018/6/4</a:t>
+              <a:t>2018/6/6</a:t>
             </a:fld>
             <a:endParaRPr lang="zh-CN" altLang="en-US"/>
           </a:p>
@@ -10152,8 +11031,8 @@
         </p:nvSpPr>
         <p:spPr>
           <a:xfrm>
-            <a:off x="2870016" y="4229101"/>
-            <a:ext cx="6696015" cy="614362"/>
+            <a:off x="785446" y="3548248"/>
+            <a:ext cx="3364524" cy="747529"/>
           </a:xfrm>
         </p:spPr>
         <p:txBody>
@@ -10165,10 +11044,6 @@
             <a:r>
               <a:rPr lang="en-US" altLang="zh-CN" dirty="0" err="1"/>
               <a:t>ElastiCache</a:t>
-            </a:r>
-            <a:r>
-              <a:rPr lang="en-US" altLang="zh-CN" dirty="0"/>
-              <a:t> &amp; DynamoDB</a:t>
             </a:r>
             <a:endParaRPr lang="zh-CN" altLang="en-US" dirty="0"/>
           </a:p>
@@ -10203,8 +11078,8 @@
         </p:blipFill>
         <p:spPr bwMode="auto">
           <a:xfrm>
-            <a:off x="3292352" y="1373065"/>
-            <a:ext cx="2143125" cy="2143125"/>
+            <a:off x="1233122" y="1214253"/>
+            <a:ext cx="2095500" cy="2095500"/>
           </a:xfrm>
           <a:prstGeom prst="rect">
             <a:avLst/>
@@ -10250,7 +11125,7 @@
         </p:blipFill>
         <p:spPr bwMode="auto">
           <a:xfrm>
-            <a:off x="6509238" y="1620715"/>
+            <a:off x="7161867" y="1290454"/>
             <a:ext cx="2095500" cy="1895475"/>
           </a:xfrm>
           <a:prstGeom prst="rect">
@@ -10268,6 +11143,149 @@
           </a:extLst>
         </p:spPr>
       </p:pic>
+      <p:sp>
+        <p:nvSpPr>
+          <p:cNvPr id="6" name="标题 4">
+            <a:extLst>
+              <a:ext uri="{FF2B5EF4-FFF2-40B4-BE49-F238E27FC236}">
+                <a16:creationId xmlns:a16="http://schemas.microsoft.com/office/drawing/2014/main" id="{0A8750FF-3D3F-427B-A3A9-62D72352BFA1}"/>
+              </a:ext>
+            </a:extLst>
+          </p:cNvPr>
+          <p:cNvSpPr txBox="1">
+            <a:spLocks/>
+          </p:cNvSpPr>
+          <p:nvPr/>
+        </p:nvSpPr>
+        <p:spPr>
+          <a:xfrm>
+            <a:off x="6527355" y="3429000"/>
+            <a:ext cx="3364524" cy="862201"/>
+          </a:xfrm>
+          <a:prstGeom prst="rect">
+            <a:avLst/>
+          </a:prstGeom>
+        </p:spPr>
+        <p:txBody>
+          <a:bodyPr vert="horz" lIns="91440" tIns="45720" rIns="91440" bIns="45720" rtlCol="0" anchor="ctr">
+            <a:normAutofit fontScale="97500"/>
+          </a:bodyPr>
+          <a:lstStyle>
+            <a:lvl1pPr algn="l" defTabSz="914400" rtl="0" eaLnBrk="1" latinLnBrk="0" hangingPunct="1">
+              <a:lnSpc>
+                <a:spcPct val="85000"/>
+              </a:lnSpc>
+              <a:spcBef>
+                <a:spcPct val="0"/>
+              </a:spcBef>
+              <a:buNone/>
+              <a:defRPr sz="5400" kern="1200" spc="-120" baseline="0">
+                <a:solidFill>
+                  <a:schemeClr val="accent1"/>
+                </a:solidFill>
+                <a:latin typeface="+mj-lt"/>
+                <a:ea typeface="+mj-ea"/>
+                <a:cs typeface="+mj-cs"/>
+              </a:defRPr>
+            </a:lvl1pPr>
+          </a:lstStyle>
+          <a:p>
+            <a:r>
+              <a:rPr lang="en-US" altLang="zh-CN" dirty="0"/>
+              <a:t>DynamoDB</a:t>
+            </a:r>
+          </a:p>
+        </p:txBody>
+      </p:sp>
+      <p:sp>
+        <p:nvSpPr>
+          <p:cNvPr id="2" name="矩形 1">
+            <a:extLst>
+              <a:ext uri="{FF2B5EF4-FFF2-40B4-BE49-F238E27FC236}">
+                <a16:creationId xmlns:a16="http://schemas.microsoft.com/office/drawing/2014/main" id="{05839834-D56C-4EDA-B594-981B853A12BF}"/>
+              </a:ext>
+            </a:extLst>
+          </p:cNvPr>
+          <p:cNvSpPr/>
+          <p:nvPr/>
+        </p:nvSpPr>
+        <p:spPr>
+          <a:xfrm>
+            <a:off x="785446" y="4534272"/>
+            <a:ext cx="4290646" cy="646331"/>
+          </a:xfrm>
+          <a:prstGeom prst="rect">
+            <a:avLst/>
+          </a:prstGeom>
+        </p:spPr>
+        <p:txBody>
+          <a:bodyPr wrap="square">
+            <a:spAutoFit/>
+          </a:bodyPr>
+          <a:lstStyle/>
+          <a:p>
+            <a:r>
+              <a:rPr lang="en-US" altLang="zh-CN" dirty="0"/>
+              <a:t>A in-memory database</a:t>
+            </a:r>
+            <a:br>
+              <a:rPr lang="en-US" altLang="zh-CN" dirty="0"/>
+            </a:br>
+            <a:r>
+              <a:rPr lang="en-US" altLang="zh-CN" dirty="0"/>
+              <a:t>Compatible with </a:t>
+            </a:r>
+            <a:r>
+              <a:rPr lang="en-US" altLang="zh-CN" dirty="0" err="1"/>
+              <a:t>redis</a:t>
+            </a:r>
+            <a:r>
+              <a:rPr lang="en-US" altLang="zh-CN" dirty="0"/>
+              <a:t> and </a:t>
+            </a:r>
+            <a:r>
+              <a:rPr lang="en-US" altLang="zh-CN" dirty="0" err="1"/>
+              <a:t>memcached</a:t>
+            </a:r>
+            <a:endParaRPr lang="zh-CN" altLang="en-US" dirty="0"/>
+          </a:p>
+        </p:txBody>
+      </p:sp>
+      <p:sp>
+        <p:nvSpPr>
+          <p:cNvPr id="3" name="矩形 2">
+            <a:extLst>
+              <a:ext uri="{FF2B5EF4-FFF2-40B4-BE49-F238E27FC236}">
+                <a16:creationId xmlns:a16="http://schemas.microsoft.com/office/drawing/2014/main" id="{3963344C-6E8F-4A46-9206-D18C689D7724}"/>
+              </a:ext>
+            </a:extLst>
+          </p:cNvPr>
+          <p:cNvSpPr/>
+          <p:nvPr/>
+        </p:nvSpPr>
+        <p:spPr>
+          <a:xfrm>
+            <a:off x="6527355" y="4534272"/>
+            <a:ext cx="4924040" cy="369332"/>
+          </a:xfrm>
+          <a:prstGeom prst="rect">
+            <a:avLst/>
+          </a:prstGeom>
+        </p:spPr>
+        <p:txBody>
+          <a:bodyPr wrap="none">
+            <a:spAutoFit/>
+          </a:bodyPr>
+          <a:lstStyle/>
+          <a:p>
+            <a:r>
+              <a:rPr lang="en-US" altLang="zh-CN" dirty="0"/>
+              <a:t>A key-value store with document support (NoSQL). </a:t>
+            </a:r>
+            <a:endParaRPr lang="zh-CN" altLang="en-US" dirty="0"/>
+          </a:p>
+        </p:txBody>
+      </p:sp>
     </p:spTree>
     <p:extLst>
       <p:ext uri="{BB962C8B-B14F-4D97-AF65-F5344CB8AC3E}">
@@ -10383,6 +11401,122 @@
 </p:sld>
 </file>
 
+<file path=ppt/slides/slide27.xml><?xml version="1.0" encoding="utf-8"?>
+<p:sld xmlns:a="http://schemas.openxmlformats.org/drawingml/2006/main" xmlns:r="http://schemas.openxmlformats.org/officeDocument/2006/relationships" xmlns:p="http://schemas.openxmlformats.org/presentationml/2006/main">
+  <p:cSld>
+    <p:spTree>
+      <p:nvGrpSpPr>
+        <p:cNvPr id="1" name=""/>
+        <p:cNvGrpSpPr/>
+        <p:nvPr/>
+      </p:nvGrpSpPr>
+      <p:grpSpPr>
+        <a:xfrm>
+          <a:off x="0" y="0"/>
+          <a:ext cx="0" cy="0"/>
+          <a:chOff x="0" y="0"/>
+          <a:chExt cx="0" cy="0"/>
+        </a:xfrm>
+      </p:grpSpPr>
+      <p:sp>
+        <p:nvSpPr>
+          <p:cNvPr id="11" name="标题 10">
+            <a:extLst>
+              <a:ext uri="{FF2B5EF4-FFF2-40B4-BE49-F238E27FC236}">
+                <a16:creationId xmlns:a16="http://schemas.microsoft.com/office/drawing/2014/main" id="{A4FD2484-F0BD-4F62-BEA0-E63726BF3C22}"/>
+              </a:ext>
+            </a:extLst>
+          </p:cNvPr>
+          <p:cNvSpPr>
+            <a:spLocks noGrp="1"/>
+          </p:cNvSpPr>
+          <p:nvPr>
+            <p:ph type="title"/>
+          </p:nvPr>
+        </p:nvSpPr>
+        <p:spPr/>
+        <p:txBody>
+          <a:bodyPr/>
+          <a:lstStyle/>
+          <a:p>
+            <a:r>
+              <a:rPr lang="en-US" altLang="zh-CN" dirty="0"/>
+              <a:t>Q&amp;A</a:t>
+            </a:r>
+            <a:endParaRPr lang="zh-CN" altLang="en-US" dirty="0"/>
+          </a:p>
+        </p:txBody>
+      </p:sp>
+      <p:pic>
+        <p:nvPicPr>
+          <p:cNvPr id="4" name="内容占位符 3">
+            <a:extLst>
+              <a:ext uri="{FF2B5EF4-FFF2-40B4-BE49-F238E27FC236}">
+                <a16:creationId xmlns:a16="http://schemas.microsoft.com/office/drawing/2014/main" id="{4F6F8756-E7A4-4183-99D7-7DB8E69B5D3E}"/>
+              </a:ext>
+            </a:extLst>
+          </p:cNvPr>
+          <p:cNvPicPr>
+            <a:picLocks noGrp="1" noChangeAspect="1"/>
+          </p:cNvPicPr>
+          <p:nvPr>
+            <p:ph idx="1"/>
+          </p:nvPr>
+        </p:nvPicPr>
+        <p:blipFill>
+          <a:blip r:embed="rId3"/>
+          <a:stretch>
+            <a:fillRect/>
+          </a:stretch>
+        </p:blipFill>
+        <p:spPr>
+          <a:xfrm>
+            <a:off x="328247" y="8220"/>
+            <a:ext cx="7189612" cy="6849780"/>
+          </a:xfrm>
+          <a:prstGeom prst="rect">
+            <a:avLst/>
+          </a:prstGeom>
+        </p:spPr>
+      </p:pic>
+      <p:sp>
+        <p:nvSpPr>
+          <p:cNvPr id="31" name="文本占位符 30">
+            <a:extLst>
+              <a:ext uri="{FF2B5EF4-FFF2-40B4-BE49-F238E27FC236}">
+                <a16:creationId xmlns:a16="http://schemas.microsoft.com/office/drawing/2014/main" id="{402A346B-A82D-4715-9505-F4F49C2651B8}"/>
+              </a:ext>
+            </a:extLst>
+          </p:cNvPr>
+          <p:cNvSpPr>
+            <a:spLocks noGrp="1"/>
+          </p:cNvSpPr>
+          <p:nvPr>
+            <p:ph type="body" sz="half" idx="2"/>
+          </p:nvPr>
+        </p:nvSpPr>
+        <p:spPr/>
+        <p:txBody>
+          <a:bodyPr/>
+          <a:lstStyle/>
+          <a:p>
+            <a:endParaRPr lang="zh-CN" altLang="en-US"/>
+          </a:p>
+        </p:txBody>
+      </p:sp>
+    </p:spTree>
+    <p:extLst>
+      <p:ext uri="{BB962C8B-B14F-4D97-AF65-F5344CB8AC3E}">
+        <p14:creationId xmlns:p14="http://schemas.microsoft.com/office/powerpoint/2010/main" val="97634933"/>
+      </p:ext>
+    </p:extLst>
+  </p:cSld>
+  <p:clrMapOvr>
+    <a:masterClrMapping/>
+  </p:clrMapOvr>
+</p:sld>
+</file>
+
 <file path=ppt/slides/slide3.xml><?xml version="1.0" encoding="utf-8"?>
 <p:sld xmlns:a="http://schemas.openxmlformats.org/drawingml/2006/main" xmlns:r="http://schemas.openxmlformats.org/officeDocument/2006/relationships" xmlns:p="http://schemas.openxmlformats.org/presentationml/2006/main">
   <p:cSld>
@@ -10453,7 +11587,7 @@
         </p:spPr>
         <p:txBody>
           <a:bodyPr>
-            <a:normAutofit fontScale="85000" lnSpcReduction="20000"/>
+            <a:normAutofit fontScale="77500" lnSpcReduction="20000"/>
           </a:bodyPr>
           <a:lstStyle/>
           <a:p>
@@ -10501,7 +11635,7 @@
             <a:pPr lvl="1"/>
             <a:r>
               <a:rPr lang="en-US" altLang="zh-CN" dirty="0"/>
-              <a:t>Cost efficiency</a:t>
+              <a:t>Efficiency: Scaling to meet the demand, but with uncertainty around when and how much this demand will be they are very concerned about buying too much infrastructure too soon or not enough too late</a:t>
             </a:r>
           </a:p>
           <a:p>
@@ -10608,31 +11742,6 @@
       </p:sp>
       <p:sp>
         <p:nvSpPr>
-          <p:cNvPr id="30" name="内容占位符 29">
-            <a:extLst>
-              <a:ext uri="{FF2B5EF4-FFF2-40B4-BE49-F238E27FC236}">
-                <a16:creationId xmlns:a16="http://schemas.microsoft.com/office/drawing/2014/main" id="{90421B18-63F1-4148-AF07-428F12DD3CC4}"/>
-              </a:ext>
-            </a:extLst>
-          </p:cNvPr>
-          <p:cNvSpPr>
-            <a:spLocks noGrp="1"/>
-          </p:cNvSpPr>
-          <p:nvPr>
-            <p:ph idx="1"/>
-          </p:nvPr>
-        </p:nvSpPr>
-        <p:spPr/>
-        <p:txBody>
-          <a:bodyPr/>
-          <a:lstStyle/>
-          <a:p>
-            <a:endParaRPr lang="zh-CN" altLang="en-US"/>
-          </a:p>
-        </p:txBody>
-      </p:sp>
-      <p:sp>
-        <p:nvSpPr>
           <p:cNvPr id="31" name="文本占位符 30">
             <a:extLst>
               <a:ext uri="{FF2B5EF4-FFF2-40B4-BE49-F238E27FC236}">
@@ -10658,17 +11767,19 @@
       </p:sp>
       <p:pic>
         <p:nvPicPr>
-          <p:cNvPr id="29" name="图片 28">
+          <p:cNvPr id="7" name="内容占位符 3">
             <a:extLst>
               <a:ext uri="{FF2B5EF4-FFF2-40B4-BE49-F238E27FC236}">
-                <a16:creationId xmlns:a16="http://schemas.microsoft.com/office/drawing/2014/main" id="{1F853269-2E7E-44C0-84F4-9F7A4E6752CC}"/>
+                <a16:creationId xmlns:a16="http://schemas.microsoft.com/office/drawing/2014/main" id="{834A9BE0-AA59-478A-A22A-0E22ED24DF21}"/>
               </a:ext>
             </a:extLst>
           </p:cNvPr>
           <p:cNvPicPr>
-            <a:picLocks noChangeAspect="1"/>
+            <a:picLocks noGrp="1" noChangeAspect="1"/>
           </p:cNvPicPr>
-          <p:nvPr/>
+          <p:nvPr>
+            <p:ph idx="1"/>
+          </p:nvPr>
         </p:nvPicPr>
         <p:blipFill>
           <a:blip r:embed="rId3"/>
@@ -10678,8 +11789,8 @@
         </p:blipFill>
         <p:spPr>
           <a:xfrm>
-            <a:off x="752272" y="357187"/>
-            <a:ext cx="6448425" cy="6143625"/>
+            <a:off x="280348" y="0"/>
+            <a:ext cx="7198240" cy="6858000"/>
           </a:xfrm>
           <a:prstGeom prst="rect">
             <a:avLst/>

--- a/Assignment #2 - proposal.pptx
+++ b/Assignment #2 - proposal.pptx
@@ -553,7 +553,7 @@
           <a:p>
             <a:r>
               <a:rPr lang="zh-CN" altLang="en-US" dirty="0"/>
-              <a:t>能来这非常激动，因为</a:t>
+              <a:t>能参与</a:t>
             </a:r>
             <a:r>
               <a:rPr lang="en-US" altLang="zh-CN" dirty="0"/>
@@ -561,7 +561,15 @@
             </a:r>
             <a:r>
               <a:rPr lang="zh-CN" altLang="en-US" dirty="0"/>
-              <a:t>是我非常佩服的创新者，并且致力于</a:t>
+              <a:t>的面试非常激动，因为</a:t>
+            </a:r>
+            <a:r>
+              <a:rPr lang="en-US" altLang="zh-CN" dirty="0"/>
+              <a:t>AWS</a:t>
+            </a:r>
+            <a:r>
+              <a:rPr lang="zh-CN" altLang="en-US" dirty="0"/>
+              <a:t>是我非常佩服的创新者，并且致力于客户的</a:t>
             </a:r>
             <a:r>
               <a:rPr lang="en-US" altLang="zh-CN" dirty="0"/>
@@ -587,7 +595,7 @@
             </a:r>
             <a:r>
               <a:rPr lang="zh-CN" altLang="en-US" dirty="0"/>
-              <a:t>开始迁移业务系统，到现在创业基于</a:t>
+              <a:t>迁移业务系统，到现在创业基于</a:t>
             </a:r>
             <a:r>
               <a:rPr lang="en-US" altLang="zh-CN" dirty="0"/>
@@ -622,7 +630,7 @@
             </a:r>
             <a:r>
               <a:rPr lang="zh-CN" altLang="en-US" dirty="0"/>
-              <a:t>的各种活动，</a:t>
+              <a:t>线上线下的活动，</a:t>
             </a:r>
             <a:r>
               <a:rPr lang="en-US" altLang="zh-CN" dirty="0" err="1"/>
@@ -642,14 +650,58 @@
             </a:r>
             <a:r>
               <a:rPr lang="zh-CN" altLang="en-US" dirty="0"/>
-              <a:t>的演讲，酒会不错</a:t>
+              <a:t>的演讲非常佩服，酒会不错</a:t>
             </a:r>
             <a:endParaRPr lang="en-US" altLang="zh-CN" dirty="0"/>
           </a:p>
           <a:p>
             <a:r>
               <a:rPr lang="zh-CN" altLang="en-US" dirty="0"/>
-              <a:t>软件工程和自动化测试比较了解，因为比较重视质量和效率</a:t>
+              <a:t>软件工程和自动化测试做的比较深，包括</a:t>
+            </a:r>
+            <a:r>
+              <a:rPr lang="en-US" altLang="zh-CN" dirty="0"/>
+              <a:t>TDD</a:t>
+            </a:r>
+            <a:r>
+              <a:rPr lang="zh-CN" altLang="en-US" dirty="0"/>
+              <a:t>、看板、</a:t>
+            </a:r>
+            <a:r>
+              <a:rPr lang="en-US" altLang="zh-CN" dirty="0"/>
+              <a:t>CD</a:t>
+            </a:r>
+            <a:r>
+              <a:rPr lang="zh-CN" altLang="en-US"/>
+              <a:t>、影响地图等：</a:t>
+            </a:r>
+            <a:r>
+              <a:rPr lang="zh-CN" altLang="en-US" dirty="0"/>
+              <a:t>做手机游戏，一键打包</a:t>
+            </a:r>
+            <a:r>
+              <a:rPr lang="en-US" altLang="zh-CN" dirty="0"/>
+              <a:t>8</a:t>
+            </a:r>
+            <a:r>
+              <a:rPr lang="zh-CN" altLang="en-US" dirty="0"/>
+              <a:t>个版本。做</a:t>
+            </a:r>
+            <a:r>
+              <a:rPr lang="en-US" altLang="zh-CN" dirty="0"/>
+              <a:t>ERP</a:t>
+            </a:r>
+            <a:r>
+              <a:rPr lang="zh-CN" altLang="en-US" dirty="0"/>
+              <a:t>，只用</a:t>
+            </a:r>
+            <a:r>
+              <a:rPr lang="en-US" altLang="zh-CN" dirty="0"/>
+              <a:t>3</a:t>
+            </a:r>
+            <a:r>
+              <a:rPr lang="zh-CN" altLang="en-US" dirty="0"/>
+              <a:t>人的开发团队就可以迭代整个系统了。</a:t>
             </a:r>
             <a:endParaRPr lang="en-US" altLang="zh-CN" dirty="0"/>
           </a:p>
@@ -10423,7 +10475,7 @@
           <a:p>
             <a:r>
               <a:rPr lang="en-US" altLang="zh-CN" dirty="0"/>
-              <a:t>Just got Pre A round funding from a traditional Gas company</a:t>
+              <a:t>Just got Pre A round funding from a traditional Gas equipment company</a:t>
             </a:r>
           </a:p>
           <a:p>
